--- a/secure-coding/slides/delivery/05__Common-Attacks.pptx
+++ b/secure-coding/slides/delivery/05__Common-Attacks.pptx
@@ -1,82 +1,81 @@
 
 <file path=ppt/presentation.xml><?xml version="1.0" encoding="utf-8"?>
-<p:presentation xmlns:a="http://schemas.openxmlformats.org/drawingml/2006/main" xmlns:r="http://schemas.openxmlformats.org/officeDocument/2006/relationships" xmlns:p="http://schemas.openxmlformats.org/presentationml/2006/main" showSpecialPlsOnTitleSld="0" saveSubsetFonts="1" autoCompressPictures="0">
+<p:presentation xmlns:a="http://schemas.openxmlformats.org/drawingml/2006/main" xmlns:r="http://schemas.openxmlformats.org/officeDocument/2006/relationships" xmlns:p="http://schemas.openxmlformats.org/presentationml/2006/main" showSpecialPlsOnTitleSld="0" autoCompressPictures="0">
   <p:sldMasterIdLst>
-    <p:sldMasterId id="2147483651" r:id="rId1"/>
+    <p:sldMasterId id="2147483648" r:id="rId1"/>
   </p:sldMasterIdLst>
   <p:notesMasterIdLst>
-    <p:notesMasterId r:id="rId2"/>
+    <p:notesMasterId r:id="rId9"/>
   </p:notesMasterIdLst>
   <p:handoutMasterIdLst>
-    <p:handoutMasterId r:id="rId3"/>
+    <p:handoutMasterId r:id="rId67"/>
   </p:handoutMasterIdLst>
   <p:sldIdLst>
-    <p:sldId id="256" r:id="rId9"/>
-    <p:sldId id="257" r:id="rId10"/>
-    <p:sldId id="258" r:id="rId11"/>
-    <p:sldId id="259" r:id="rId12"/>
-    <p:sldId id="260" r:id="rId13"/>
-    <p:sldId id="261" r:id="rId14"/>
-    <p:sldId id="262" r:id="rId15"/>
-    <p:sldId id="263" r:id="rId16"/>
-    <p:sldId id="264" r:id="rId17"/>
-    <p:sldId id="265" r:id="rId18"/>
-    <p:sldId id="266" r:id="rId19"/>
-    <p:sldId id="267" r:id="rId20"/>
-    <p:sldId id="268" r:id="rId21"/>
-    <p:sldId id="269" r:id="rId22"/>
-    <p:sldId id="270" r:id="rId23"/>
-    <p:sldId id="271" r:id="rId24"/>
-    <p:sldId id="272" r:id="rId25"/>
-    <p:sldId id="273" r:id="rId26"/>
-    <p:sldId id="274" r:id="rId27"/>
-    <p:sldId id="275" r:id="rId28"/>
-    <p:sldId id="276" r:id="rId29"/>
-    <p:sldId id="277" r:id="rId30"/>
-    <p:sldId id="278" r:id="rId31"/>
-    <p:sldId id="279" r:id="rId32"/>
-    <p:sldId id="280" r:id="rId33"/>
-    <p:sldId id="281" r:id="rId34"/>
-    <p:sldId id="282" r:id="rId35"/>
-    <p:sldId id="283" r:id="rId36"/>
-    <p:sldId id="284" r:id="rId37"/>
-    <p:sldId id="285" r:id="rId38"/>
-    <p:sldId id="286" r:id="rId39"/>
-    <p:sldId id="287" r:id="rId40"/>
-    <p:sldId id="288" r:id="rId41"/>
-    <p:sldId id="289" r:id="rId42"/>
-    <p:sldId id="290" r:id="rId43"/>
-    <p:sldId id="291" r:id="rId44"/>
-    <p:sldId id="292" r:id="rId45"/>
-    <p:sldId id="293" r:id="rId46"/>
-    <p:sldId id="294" r:id="rId47"/>
-    <p:sldId id="295" r:id="rId48"/>
-    <p:sldId id="296" r:id="rId49"/>
-    <p:sldId id="297" r:id="rId50"/>
-    <p:sldId id="298" r:id="rId51"/>
-    <p:sldId id="299" r:id="rId52"/>
-    <p:sldId id="300" r:id="rId53"/>
-    <p:sldId id="301" r:id="rId54"/>
-    <p:sldId id="302" r:id="rId55"/>
-    <p:sldId id="303" r:id="rId56"/>
-    <p:sldId id="304" r:id="rId57"/>
-    <p:sldId id="305" r:id="rId58"/>
-    <p:sldId id="306" r:id="rId59"/>
-    <p:sldId id="307" r:id="rId60"/>
-    <p:sldId id="308" r:id="rId61"/>
-    <p:sldId id="309" r:id="rId62"/>
-    <p:sldId id="310" r:id="rId63"/>
-    <p:sldId id="311" r:id="rId64"/>
-    <p:sldId id="312" r:id="rId65"/>
-    <p:sldId id="313" r:id="rId66"/>
-    <p:sldId id="314" r:id="rId67"/>
-    <p:sldId id="315" r:id="rId68"/>
-    <p:sldId id="316" r:id="rId69"/>
-    <p:sldId id="317" r:id="rId70"/>
-    <p:sldId id="318" r:id="rId71"/>
-    <p:sldId id="319" r:id="rId72"/>
+    <p:sldId id="256" r:id="rId3"/>
+    <p:sldId id="257" r:id="rId4"/>
+    <p:sldId id="258" r:id="rId5"/>
+    <p:sldId id="259" r:id="rId6"/>
+    <p:sldId id="260" r:id="rId7"/>
+    <p:sldId id="261" r:id="rId8"/>
+    <p:sldId id="262" r:id="rId10"/>
+    <p:sldId id="263" r:id="rId11"/>
+    <p:sldId id="264" r:id="rId12"/>
+    <p:sldId id="265" r:id="rId13"/>
+    <p:sldId id="266" r:id="rId14"/>
+    <p:sldId id="267" r:id="rId15"/>
+    <p:sldId id="268" r:id="rId16"/>
+    <p:sldId id="269" r:id="rId17"/>
+    <p:sldId id="270" r:id="rId18"/>
+    <p:sldId id="271" r:id="rId19"/>
+    <p:sldId id="272" r:id="rId20"/>
+    <p:sldId id="273" r:id="rId21"/>
+    <p:sldId id="274" r:id="rId22"/>
+    <p:sldId id="275" r:id="rId23"/>
+    <p:sldId id="276" r:id="rId24"/>
+    <p:sldId id="277" r:id="rId25"/>
+    <p:sldId id="278" r:id="rId26"/>
+    <p:sldId id="279" r:id="rId27"/>
+    <p:sldId id="280" r:id="rId28"/>
+    <p:sldId id="281" r:id="rId29"/>
+    <p:sldId id="282" r:id="rId30"/>
+    <p:sldId id="283" r:id="rId31"/>
+    <p:sldId id="284" r:id="rId32"/>
+    <p:sldId id="285" r:id="rId33"/>
+    <p:sldId id="286" r:id="rId34"/>
+    <p:sldId id="287" r:id="rId35"/>
+    <p:sldId id="288" r:id="rId36"/>
+    <p:sldId id="289" r:id="rId37"/>
+    <p:sldId id="290" r:id="rId38"/>
+    <p:sldId id="291" r:id="rId39"/>
+    <p:sldId id="292" r:id="rId40"/>
+    <p:sldId id="293" r:id="rId41"/>
+    <p:sldId id="294" r:id="rId42"/>
+    <p:sldId id="295" r:id="rId43"/>
+    <p:sldId id="296" r:id="rId44"/>
+    <p:sldId id="297" r:id="rId45"/>
+    <p:sldId id="298" r:id="rId46"/>
+    <p:sldId id="299" r:id="rId47"/>
+    <p:sldId id="300" r:id="rId48"/>
+    <p:sldId id="301" r:id="rId49"/>
+    <p:sldId id="302" r:id="rId50"/>
+    <p:sldId id="303" r:id="rId51"/>
+    <p:sldId id="304" r:id="rId52"/>
+    <p:sldId id="305" r:id="rId53"/>
+    <p:sldId id="306" r:id="rId54"/>
+    <p:sldId id="307" r:id="rId55"/>
+    <p:sldId id="308" r:id="rId56"/>
+    <p:sldId id="309" r:id="rId57"/>
+    <p:sldId id="310" r:id="rId58"/>
+    <p:sldId id="311" r:id="rId59"/>
+    <p:sldId id="312" r:id="rId60"/>
+    <p:sldId id="313" r:id="rId61"/>
+    <p:sldId id="314" r:id="rId62"/>
+    <p:sldId id="315" r:id="rId63"/>
+    <p:sldId id="316" r:id="rId64"/>
+    <p:sldId id="317" r:id="rId65"/>
+    <p:sldId id="318" r:id="rId66"/>
   </p:sldIdLst>
-  <p:sldSz cx="9372600" cy="8297863"/>
+  <p:sldSz cx="9372600" cy="8297545"/>
   <p:notesSz cx="7315200" cy="9601200"/>
   <p:defaultTextStyle>
     <a:defPPr>
@@ -94,8 +93,8 @@
           <a:schemeClr val="tx1"/>
         </a:solidFill>
         <a:latin typeface="Garamond" pitchFamily="18" charset="0"/>
-        <a:ea typeface="ＭＳ Ｐゴシック"/>
-        <a:cs typeface="ＭＳ Ｐゴシック"/>
+        <a:ea typeface="MS PGothic"/>
+        <a:cs typeface="MS PGothic"/>
       </a:defRPr>
     </a:lvl1pPr>
     <a:lvl2pPr marL="457200" algn="l" rtl="0" fontAlgn="base">
@@ -110,8 +109,8 @@
           <a:schemeClr val="tx1"/>
         </a:solidFill>
         <a:latin typeface="Garamond" pitchFamily="18" charset="0"/>
-        <a:ea typeface="ＭＳ Ｐゴシック"/>
-        <a:cs typeface="ＭＳ Ｐゴシック"/>
+        <a:ea typeface="MS PGothic"/>
+        <a:cs typeface="MS PGothic"/>
       </a:defRPr>
     </a:lvl2pPr>
     <a:lvl3pPr marL="914400" algn="l" rtl="0" fontAlgn="base">
@@ -126,8 +125,8 @@
           <a:schemeClr val="tx1"/>
         </a:solidFill>
         <a:latin typeface="Garamond" pitchFamily="18" charset="0"/>
-        <a:ea typeface="ＭＳ Ｐゴシック"/>
-        <a:cs typeface="ＭＳ Ｐゴシック"/>
+        <a:ea typeface="MS PGothic"/>
+        <a:cs typeface="MS PGothic"/>
       </a:defRPr>
     </a:lvl3pPr>
     <a:lvl4pPr marL="1371600" algn="l" rtl="0" fontAlgn="base">
@@ -142,8 +141,8 @@
           <a:schemeClr val="tx1"/>
         </a:solidFill>
         <a:latin typeface="Garamond" pitchFamily="18" charset="0"/>
-        <a:ea typeface="ＭＳ Ｐゴシック"/>
-        <a:cs typeface="ＭＳ Ｐゴシック"/>
+        <a:ea typeface="MS PGothic"/>
+        <a:cs typeface="MS PGothic"/>
       </a:defRPr>
     </a:lvl4pPr>
     <a:lvl5pPr marL="1828800" algn="l" rtl="0" fontAlgn="base">
@@ -158,8 +157,8 @@
           <a:schemeClr val="tx1"/>
         </a:solidFill>
         <a:latin typeface="Garamond" pitchFamily="18" charset="0"/>
-        <a:ea typeface="ＭＳ Ｐゴシック"/>
-        <a:cs typeface="ＭＳ Ｐゴシック"/>
+        <a:ea typeface="MS PGothic"/>
+        <a:cs typeface="MS PGothic"/>
       </a:defRPr>
     </a:lvl5pPr>
     <a:lvl6pPr marL="2286000" algn="l" defTabSz="914400" rtl="0" eaLnBrk="1" latinLnBrk="0" hangingPunct="1">
@@ -168,8 +167,8 @@
           <a:schemeClr val="tx1"/>
         </a:solidFill>
         <a:latin typeface="Garamond" pitchFamily="18" charset="0"/>
-        <a:ea typeface="ＭＳ Ｐゴシック"/>
-        <a:cs typeface="ＭＳ Ｐゴシック"/>
+        <a:ea typeface="MS PGothic"/>
+        <a:cs typeface="MS PGothic"/>
       </a:defRPr>
     </a:lvl6pPr>
     <a:lvl7pPr marL="2743200" algn="l" defTabSz="914400" rtl="0" eaLnBrk="1" latinLnBrk="0" hangingPunct="1">
@@ -178,8 +177,8 @@
           <a:schemeClr val="tx1"/>
         </a:solidFill>
         <a:latin typeface="Garamond" pitchFamily="18" charset="0"/>
-        <a:ea typeface="ＭＳ Ｐゴシック"/>
-        <a:cs typeface="ＭＳ Ｐゴシック"/>
+        <a:ea typeface="MS PGothic"/>
+        <a:cs typeface="MS PGothic"/>
       </a:defRPr>
     </a:lvl7pPr>
     <a:lvl8pPr marL="3200400" algn="l" defTabSz="914400" rtl="0" eaLnBrk="1" latinLnBrk="0" hangingPunct="1">
@@ -188,8 +187,8 @@
           <a:schemeClr val="tx1"/>
         </a:solidFill>
         <a:latin typeface="Garamond" pitchFamily="18" charset="0"/>
-        <a:ea typeface="ＭＳ Ｐゴシック"/>
-        <a:cs typeface="ＭＳ Ｐゴシック"/>
+        <a:ea typeface="MS PGothic"/>
+        <a:cs typeface="MS PGothic"/>
       </a:defRPr>
     </a:lvl8pPr>
     <a:lvl9pPr marL="3657600" algn="l" defTabSz="914400" rtl="0" eaLnBrk="1" latinLnBrk="0" hangingPunct="1">
@@ -198,41 +197,11 @@
           <a:schemeClr val="tx1"/>
         </a:solidFill>
         <a:latin typeface="Garamond" pitchFamily="18" charset="0"/>
-        <a:ea typeface="ＭＳ Ｐゴシック"/>
-        <a:cs typeface="ＭＳ Ｐゴシック"/>
+        <a:ea typeface="MS PGothic"/>
+        <a:cs typeface="MS PGothic"/>
       </a:defRPr>
     </a:lvl9pPr>
   </p:defaultTextStyle>
-  <p:extLst>
-    <p:ext uri="{EFAFB233-063F-42B5-8137-9DF3F51BA10A}">
-      <p15:sldGuideLst xmlns:p15="http://schemas.microsoft.com/office/powerpoint/2012/main">
-        <p15:guide id="1" orient="horz" pos="2614" userDrawn="1">
-          <p15:clr>
-            <a:srgbClr val="A4A3A4"/>
-          </p15:clr>
-        </p15:guide>
-        <p15:guide id="2" pos="2952" userDrawn="1">
-          <p15:clr>
-            <a:srgbClr val="A4A3A4"/>
-          </p15:clr>
-        </p15:guide>
-      </p15:sldGuideLst>
-    </p:ext>
-    <p:ext uri="{2D200454-40CA-4A62-9FC3-DE9A4176ACB9}">
-      <p15:notesGuideLst xmlns:p15="http://schemas.microsoft.com/office/powerpoint/2012/main">
-        <p15:guide id="1" orient="horz" pos="3024">
-          <p15:clr>
-            <a:srgbClr val="A4A3A4"/>
-          </p15:clr>
-        </p15:guide>
-        <p15:guide id="2" pos="2308">
-          <p15:clr>
-            <a:srgbClr val="A4A3A4"/>
-          </p15:clr>
-        </p15:guide>
-      </p15:notesGuideLst>
-    </p:ext>
-  </p:extLst>
 </p:presentation>
 </file>
 
@@ -242,9 +211,7 @@
   <p:cmAuthor id="2" name="Mark Kerzner" initials="MK" lastIdx="6" clrIdx="1"/>
   <p:cmAuthor id="3" name="Mary Beth Conlee" initials="MBC" lastIdx="7" clrIdx="2"/>
   <p:cmAuthor id="4" name="Michelle" initials="M" lastIdx="5" clrIdx="3"/>
-  <p:cmAuthor id="5" name="Tricia Murphy" initials="TM" lastIdx="4" clrIdx="4">
-    <p:extLst/>
-  </p:cmAuthor>
+  <p:cmAuthor id="5" name="Tricia Murphy" initials="TM" lastIdx="4" clrIdx="4"/>
 </p:cmAuthorLst>
 </file>
 
@@ -295,20 +262,14 @@
           <a:ln w="9525">
             <a:noFill/>
             <a:miter lim="800000"/>
-            <a:headEnd/>
-            <a:tailEnd/>
           </a:ln>
         </p:spPr>
         <p:txBody>
-          <a:bodyPr vert="horz" wrap="square" lIns="96603" tIns="48303" rIns="96603" bIns="48303" numCol="1" anchor="b" anchorCtr="0" compatLnSpc="1">
-            <a:prstTxWarp prst="textNoShape">
-              <a:avLst/>
-            </a:prstTxWarp>
-          </a:bodyPr>
+          <a:bodyPr vert="horz" wrap="square" lIns="96603" tIns="48303" rIns="96603" bIns="48303" numCol="1" anchor="b" anchorCtr="0" compatLnSpc="1"/>
           <a:lstStyle>
             <a:lvl1pPr defTabSz="965200">
               <a:defRPr sz="1200">
-                <a:latin typeface="Times New Roman" pitchFamily="18" charset="0"/>
+                <a:latin typeface="Times New Roman" panose="02020603050405020304" pitchFamily="-110" charset="0"/>
               </a:defRPr>
             </a:lvl1pPr>
           </a:lstStyle>
@@ -320,6 +281,7 @@
               <a:rPr lang="en-US" dirty="0"/>
               <a:t>Copyright © 2017 Elephant Scale. All rights reserved.</a:t>
             </a:r>
+            <a:endParaRPr lang="en-US" dirty="0"/>
           </a:p>
         </p:txBody>
       </p:sp>
@@ -345,20 +307,14 @@
           <a:ln w="9525">
             <a:noFill/>
             <a:miter lim="800000"/>
-            <a:headEnd/>
-            <a:tailEnd/>
           </a:ln>
         </p:spPr>
         <p:txBody>
-          <a:bodyPr vert="horz" wrap="square" lIns="96603" tIns="48303" rIns="96603" bIns="48303" numCol="1" anchor="b" anchorCtr="0" compatLnSpc="1">
-            <a:prstTxWarp prst="textNoShape">
-              <a:avLst/>
-            </a:prstTxWarp>
-          </a:bodyPr>
+          <a:bodyPr vert="horz" wrap="square" lIns="96603" tIns="48303" rIns="96603" bIns="48303" numCol="1" anchor="b" anchorCtr="0" compatLnSpc="1"/>
           <a:lstStyle>
             <a:lvl1pPr algn="r" defTabSz="965200">
               <a:defRPr sz="1200">
-                <a:latin typeface="Times New Roman" pitchFamily="18" charset="0"/>
+                <a:latin typeface="Times New Roman" panose="02020603050405020304" pitchFamily="-110" charset="0"/>
               </a:defRPr>
             </a:lvl1pPr>
           </a:lstStyle>
@@ -368,21 +324,12 @@
             </a:pPr>
             <a:fld id="{97E62689-8C7D-4291-A094-4E689FEC4C3B}" type="slidenum">
               <a:rPr lang="en-US"/>
-              <a:pPr>
-                <a:defRPr/>
-              </a:pPr>
-              <a:t>‹#›</a:t>
             </a:fld>
             <a:endParaRPr lang="en-US" dirty="0"/>
           </a:p>
         </p:txBody>
       </p:sp>
     </p:spTree>
-    <p:extLst>
-      <p:ext uri="{BB962C8B-B14F-4D97-AF65-F5344CB8AC3E}">
-        <p14:creationId xmlns:p14="http://schemas.microsoft.com/office/powerpoint/2010/main" val="3239291525"/>
-      </p:ext>
-    </p:extLst>
   </p:cSld>
   <p:clrMap bg1="lt1" tx1="dk1" bg2="lt2" tx2="dk2" accent1="accent1" accent2="accent2" accent3="accent3" accent4="accent4" accent5="accent5" accent6="accent6" hlink="hlink" folHlink="folHlink"/>
   <p:hf hdr="0" ftr="0" dt="0"/>
@@ -438,8 +385,6 @@
               <a:srgbClr val="000000"/>
             </a:solidFill>
             <a:miter lim="800000"/>
-            <a:headEnd/>
-            <a:tailEnd/>
           </a:ln>
         </p:spPr>
       </p:sp>
@@ -465,21 +410,15 @@
           <a:ln w="9525">
             <a:noFill/>
             <a:miter lim="800000"/>
-            <a:headEnd/>
-            <a:tailEnd/>
           </a:ln>
           <a:effectLst/>
         </p:spPr>
         <p:txBody>
-          <a:bodyPr vert="horz" wrap="square" lIns="0" tIns="0" rIns="0" bIns="0" numCol="1" anchor="b" anchorCtr="1" compatLnSpc="1">
-            <a:prstTxWarp prst="textNoShape">
-              <a:avLst/>
-            </a:prstTxWarp>
-          </a:bodyPr>
+          <a:bodyPr vert="horz" wrap="square" lIns="0" tIns="0" rIns="0" bIns="0" numCol="1" anchor="b" anchorCtr="1" compatLnSpc="1"/>
           <a:lstStyle>
             <a:lvl1pPr algn="ctr" defTabSz="965200" eaLnBrk="0" hangingPunct="0">
               <a:defRPr sz="900">
-                <a:latin typeface="Arial" charset="0"/>
+                <a:latin typeface="Arial" panose="020B0604020202020204" pitchFamily="34" charset="0"/>
               </a:defRPr>
             </a:lvl1pPr>
           </a:lstStyle>
@@ -491,6 +430,7 @@
               <a:rPr lang="en-US" dirty="0"/>
               <a:t>Copyright © 2017 Elephant Scale. All rights reserved.</a:t>
             </a:r>
+            <a:endParaRPr lang="en-US" dirty="0"/>
           </a:p>
         </p:txBody>
       </p:sp>
@@ -516,21 +456,15 @@
           <a:ln w="9525">
             <a:noFill/>
             <a:miter lim="800000"/>
-            <a:headEnd/>
-            <a:tailEnd/>
           </a:ln>
           <a:effectLst/>
         </p:spPr>
         <p:txBody>
-          <a:bodyPr vert="horz" wrap="square" lIns="0" tIns="0" rIns="0" bIns="0" numCol="1" anchor="b" anchorCtr="0" compatLnSpc="1">
-            <a:prstTxWarp prst="textNoShape">
-              <a:avLst/>
-            </a:prstTxWarp>
-          </a:bodyPr>
+          <a:bodyPr vert="horz" wrap="square" lIns="0" tIns="0" rIns="0" bIns="0" numCol="1" anchor="b" anchorCtr="0" compatLnSpc="1"/>
           <a:lstStyle>
             <a:lvl1pPr algn="r" defTabSz="965200" eaLnBrk="0" hangingPunct="0">
               <a:defRPr b="1">
-                <a:latin typeface="Arial" charset="0"/>
+                <a:latin typeface="Arial" panose="020B0604020202020204" pitchFamily="34" charset="0"/>
               </a:defRPr>
             </a:lvl1pPr>
           </a:lstStyle>
@@ -540,10 +474,6 @@
             </a:pPr>
             <a:fld id="{EFAADD5D-AF76-45EE-AA5F-6DAC73BF167A}" type="slidenum">
               <a:rPr lang="en-US"/>
-              <a:pPr>
-                <a:defRPr/>
-              </a:pPr>
-              <a:t>‹#›</a:t>
             </a:fld>
             <a:endParaRPr lang="en-US" dirty="0"/>
           </a:p>
@@ -569,24 +499,26 @@
           <a:ln w="9525">
             <a:noFill/>
             <a:miter lim="800000"/>
-            <a:headEnd/>
-            <a:tailEnd/>
           </a:ln>
         </p:spPr>
         <p:txBody>
           <a:bodyPr wrap="none" lIns="96386" tIns="48194" rIns="96386" bIns="48194"/>
           <a:lstStyle/>
           <a:p>
-            <a:pPr defTabSz="960438">
+            <a:pPr defTabSz="960755">
               <a:defRPr/>
             </a:pPr>
             <a:r>
               <a:rPr lang="en-US" sz="1200" b="1" u="sng" dirty="0">
-                <a:latin typeface="Times New Roman" pitchFamily="18" charset="0"/>
-                <a:cs typeface="Times New Roman" pitchFamily="18" charset="0"/>
+                <a:latin typeface="Times New Roman" panose="02020603050405020304" pitchFamily="-110" charset="0"/>
+                <a:cs typeface="Times New Roman" panose="02020603050405020304" pitchFamily="-110" charset="0"/>
               </a:rPr>
               <a:t>Notes:</a:t>
             </a:r>
+            <a:endParaRPr lang="en-US" sz="1200" b="1" u="sng" dirty="0">
+              <a:latin typeface="Times New Roman" panose="02020603050405020304" pitchFamily="-110" charset="0"/>
+              <a:cs typeface="Times New Roman" panose="02020603050405020304" pitchFamily="-110" charset="0"/>
+            </a:endParaRPr>
           </a:p>
         </p:txBody>
       </p:sp>
@@ -612,16 +544,10 @@
           <a:ln w="9525">
             <a:noFill/>
             <a:miter lim="800000"/>
-            <a:headEnd/>
-            <a:tailEnd/>
           </a:ln>
         </p:spPr>
         <p:txBody>
-          <a:bodyPr vert="horz" wrap="square" lIns="91537" tIns="45768" rIns="91537" bIns="45768" numCol="1" anchor="t" anchorCtr="0" compatLnSpc="1">
-            <a:prstTxWarp prst="textNoShape">
-              <a:avLst/>
-            </a:prstTxWarp>
-          </a:bodyPr>
+          <a:bodyPr vert="horz" wrap="square" lIns="91537" tIns="45768" rIns="91537" bIns="45768" numCol="1" anchor="t" anchorCtr="0" compatLnSpc="1"/>
           <a:lstStyle/>
           <a:p>
             <a:pPr lvl="0"/>
@@ -651,8 +577,6 @@
               <a:srgbClr val="000000"/>
             </a:solidFill>
             <a:round/>
-            <a:headEnd/>
-            <a:tailEnd/>
           </a:ln>
           <a:effectLst/>
         </p:spPr>
@@ -667,7 +591,7 @@
               <a:defRPr/>
             </a:pPr>
             <a:endParaRPr lang="en-US" dirty="0">
-              <a:latin typeface="Garamond" pitchFamily="-110" charset="0"/>
+              <a:latin typeface="Garamond" pitchFamily="18" charset="0"/>
               <a:ea typeface="+mn-ea"/>
               <a:cs typeface="+mn-cs"/>
             </a:endParaRPr>
@@ -675,11 +599,6 @@
         </p:txBody>
       </p:sp>
     </p:spTree>
-    <p:extLst>
-      <p:ext uri="{BB962C8B-B14F-4D97-AF65-F5344CB8AC3E}">
-        <p14:creationId xmlns:p14="http://schemas.microsoft.com/office/powerpoint/2010/main" val="953744030"/>
-      </p:ext>
-    </p:extLst>
   </p:cSld>
   <p:clrMap bg1="lt1" tx1="dk1" bg2="lt2" tx2="dk2" accent1="accent1" accent2="accent2" accent3="accent3" accent4="accent4" accent5="accent5" accent6="accent6" hlink="hlink" folHlink="folHlink"/>
   <p:hf dt="0"/>
@@ -692,15 +611,15 @@
         <a:spcPct val="0"/>
       </a:spcAft>
       <a:buSzPct val="65000"/>
-      <a:buFont typeface="Wingdings" pitchFamily="2" charset="2"/>
+      <a:buFont typeface="Wingdings" panose="05000000000000000000" pitchFamily="2" charset="2"/>
       <a:buNone/>
       <a:defRPr sz="1200" kern="1200">
         <a:solidFill>
           <a:schemeClr val="tx1"/>
         </a:solidFill>
-        <a:latin typeface="Times New Roman" pitchFamily="-110" charset="0"/>
-        <a:ea typeface="ＭＳ Ｐゴシック" pitchFamily="-110" charset="-128"/>
-        <a:cs typeface="ＭＳ Ｐゴシック" pitchFamily="-110" charset="-128"/>
+        <a:latin typeface="Times New Roman" panose="02020603050405020304" pitchFamily="-110" charset="0"/>
+        <a:ea typeface="MS PGothic" pitchFamily="-110" charset="-128"/>
+        <a:cs typeface="MS PGothic" pitchFamily="-110" charset="-128"/>
       </a:defRPr>
     </a:lvl1pPr>
     <a:lvl2pPr marL="282575" indent="0" algn="l" rtl="0" eaLnBrk="0" fontAlgn="base" hangingPunct="0">
@@ -715,12 +634,12 @@
         <a:solidFill>
           <a:schemeClr val="tx1"/>
         </a:solidFill>
-        <a:latin typeface="Times New Roman" pitchFamily="-110" charset="0"/>
-        <a:ea typeface="ＭＳ Ｐゴシック" pitchFamily="-110" charset="-128"/>
-        <a:cs typeface="ＭＳ Ｐゴシック"/>
+        <a:latin typeface="Times New Roman" panose="02020603050405020304" pitchFamily="-110" charset="0"/>
+        <a:ea typeface="MS PGothic" pitchFamily="-110" charset="-128"/>
+        <a:cs typeface="MS PGothic"/>
       </a:defRPr>
     </a:lvl2pPr>
-    <a:lvl3pPr marL="744538" indent="-173038" algn="l" rtl="0" eaLnBrk="0" fontAlgn="base" hangingPunct="0">
+    <a:lvl3pPr marL="744855" indent="-173355" algn="l" rtl="0" eaLnBrk="0" fontAlgn="base" hangingPunct="0">
       <a:spcBef>
         <a:spcPct val="30000"/>
       </a:spcBef>
@@ -732,9 +651,9 @@
         <a:solidFill>
           <a:schemeClr val="tx1"/>
         </a:solidFill>
-        <a:latin typeface="Times New Roman" pitchFamily="-110" charset="0"/>
-        <a:ea typeface="ＭＳ Ｐゴシック" pitchFamily="-110" charset="-128"/>
-        <a:cs typeface="ＭＳ Ｐゴシック"/>
+        <a:latin typeface="Times New Roman" panose="02020603050405020304" pitchFamily="-110" charset="0"/>
+        <a:ea typeface="MS PGothic" pitchFamily="-110" charset="-128"/>
+        <a:cs typeface="MS PGothic"/>
       </a:defRPr>
     </a:lvl3pPr>
     <a:lvl4pPr marL="1600200" indent="-228600" algn="l" rtl="0" eaLnBrk="0" fontAlgn="base" hangingPunct="0">
@@ -748,9 +667,9 @@
         <a:solidFill>
           <a:schemeClr val="tx1"/>
         </a:solidFill>
-        <a:latin typeface="Times New Roman" pitchFamily="-110" charset="0"/>
-        <a:ea typeface="ＭＳ Ｐゴシック" pitchFamily="-110" charset="-128"/>
-        <a:cs typeface="ＭＳ Ｐゴシック"/>
+        <a:latin typeface="Times New Roman" panose="02020603050405020304" pitchFamily="-110" charset="0"/>
+        <a:ea typeface="MS PGothic" pitchFamily="-110" charset="-128"/>
+        <a:cs typeface="MS PGothic"/>
       </a:defRPr>
     </a:lvl4pPr>
     <a:lvl5pPr marL="2057400" indent="-228600" algn="l" rtl="0" eaLnBrk="0" fontAlgn="base" hangingPunct="0">
@@ -764,9 +683,9 @@
         <a:solidFill>
           <a:schemeClr val="tx1"/>
         </a:solidFill>
-        <a:latin typeface="Times New Roman" pitchFamily="-110" charset="0"/>
-        <a:ea typeface="ＭＳ Ｐゴシック" pitchFamily="-110" charset="-128"/>
-        <a:cs typeface="ＭＳ Ｐゴシック"/>
+        <a:latin typeface="Times New Roman" panose="02020603050405020304" pitchFamily="-110" charset="0"/>
+        <a:ea typeface="MS PGothic" pitchFamily="-110" charset="-128"/>
+        <a:cs typeface="MS PGothic"/>
       </a:defRPr>
     </a:lvl5pPr>
     <a:lvl6pPr marL="2286000" algn="l" defTabSz="457200" rtl="0" eaLnBrk="1" latinLnBrk="0" hangingPunct="1">
@@ -814,7 +733,7 @@
 </file>
 
 <file path=ppt/notesSlides/notesSlide1.xml><?xml version="1.0" encoding="utf-8"?>
-<p:notes xmlns:a="http://schemas.openxmlformats.org/drawingml/2006/main" xmlns:p="http://schemas.openxmlformats.org/presentationml/2006/main" xmlns:r="http://schemas.openxmlformats.org/officeDocument/2006/relationships">
+<p:notes xmlns:a="http://schemas.openxmlformats.org/drawingml/2006/main" xmlns:r="http://schemas.openxmlformats.org/officeDocument/2006/relationships" xmlns:p="http://schemas.openxmlformats.org/presentationml/2006/main">
   <p:cSld>
     <p:spTree>
       <p:nvGrpSpPr>
@@ -849,7 +768,7 @@
             <a:spLocks noGrp="1"/>
           </p:cNvSpPr>
           <p:nvPr>
-            <p:ph type="sldNum" idx="5" sz="quarter"/>
+            <p:ph type="sldNum" sz="quarter" idx="5"/>
           </p:nvPr>
         </p:nvSpPr>
         <p:spPr/>
@@ -861,7 +780,7 @@
             <a:spLocks noGrp="1"/>
           </p:cNvSpPr>
           <p:nvPr>
-            <p:ph type="body" idx="3" sz="quarter"/>
+            <p:ph type="body" sz="quarter" idx="3"/>
           </p:nvPr>
         </p:nvSpPr>
         <p:spPr/>
@@ -884,7 +803,7 @@
 </file>
 
 <file path=ppt/notesSlides/notesSlide10.xml><?xml version="1.0" encoding="utf-8"?>
-<p:notes xmlns:a="http://schemas.openxmlformats.org/drawingml/2006/main" xmlns:p="http://schemas.openxmlformats.org/presentationml/2006/main" xmlns:r="http://schemas.openxmlformats.org/officeDocument/2006/relationships">
+<p:notes xmlns:a="http://schemas.openxmlformats.org/drawingml/2006/main" xmlns:r="http://schemas.openxmlformats.org/officeDocument/2006/relationships" xmlns:p="http://schemas.openxmlformats.org/presentationml/2006/main">
   <p:cSld>
     <p:spTree>
       <p:nvGrpSpPr>
@@ -919,7 +838,7 @@
             <a:spLocks noGrp="1"/>
           </p:cNvSpPr>
           <p:nvPr>
-            <p:ph type="sldNum" idx="5" sz="quarter"/>
+            <p:ph type="sldNum" sz="quarter" idx="5"/>
           </p:nvPr>
         </p:nvSpPr>
         <p:spPr/>
@@ -931,7 +850,7 @@
             <a:spLocks noGrp="1"/>
           </p:cNvSpPr>
           <p:nvPr>
-            <p:ph type="body" idx="3" sz="quarter"/>
+            <p:ph type="body" sz="quarter" idx="3"/>
           </p:nvPr>
         </p:nvSpPr>
         <p:spPr/>
@@ -954,7 +873,7 @@
 </file>
 
 <file path=ppt/notesSlides/notesSlide11.xml><?xml version="1.0" encoding="utf-8"?>
-<p:notes xmlns:a="http://schemas.openxmlformats.org/drawingml/2006/main" xmlns:p="http://schemas.openxmlformats.org/presentationml/2006/main" xmlns:r="http://schemas.openxmlformats.org/officeDocument/2006/relationships">
+<p:notes xmlns:a="http://schemas.openxmlformats.org/drawingml/2006/main" xmlns:r="http://schemas.openxmlformats.org/officeDocument/2006/relationships" xmlns:p="http://schemas.openxmlformats.org/presentationml/2006/main">
   <p:cSld>
     <p:spTree>
       <p:nvGrpSpPr>
@@ -989,7 +908,7 @@
             <a:spLocks noGrp="1"/>
           </p:cNvSpPr>
           <p:nvPr>
-            <p:ph type="sldNum" idx="5" sz="quarter"/>
+            <p:ph type="sldNum" sz="quarter" idx="5"/>
           </p:nvPr>
         </p:nvSpPr>
         <p:spPr/>
@@ -1001,7 +920,7 @@
             <a:spLocks noGrp="1"/>
           </p:cNvSpPr>
           <p:nvPr>
-            <p:ph type="body" idx="3" sz="quarter"/>
+            <p:ph type="body" sz="quarter" idx="3"/>
           </p:nvPr>
         </p:nvSpPr>
         <p:spPr/>
@@ -1024,7 +943,7 @@
 </file>
 
 <file path=ppt/notesSlides/notesSlide12.xml><?xml version="1.0" encoding="utf-8"?>
-<p:notes xmlns:a="http://schemas.openxmlformats.org/drawingml/2006/main" xmlns:p="http://schemas.openxmlformats.org/presentationml/2006/main" xmlns:r="http://schemas.openxmlformats.org/officeDocument/2006/relationships">
+<p:notes xmlns:a="http://schemas.openxmlformats.org/drawingml/2006/main" xmlns:r="http://schemas.openxmlformats.org/officeDocument/2006/relationships" xmlns:p="http://schemas.openxmlformats.org/presentationml/2006/main">
   <p:cSld>
     <p:spTree>
       <p:nvGrpSpPr>
@@ -1059,7 +978,7 @@
             <a:spLocks noGrp="1"/>
           </p:cNvSpPr>
           <p:nvPr>
-            <p:ph type="sldNum" idx="5" sz="quarter"/>
+            <p:ph type="sldNum" sz="quarter" idx="5"/>
           </p:nvPr>
         </p:nvSpPr>
         <p:spPr/>
@@ -1071,7 +990,7 @@
             <a:spLocks noGrp="1"/>
           </p:cNvSpPr>
           <p:nvPr>
-            <p:ph type="body" idx="3" sz="quarter"/>
+            <p:ph type="body" sz="quarter" idx="3"/>
           </p:nvPr>
         </p:nvSpPr>
         <p:spPr/>
@@ -1094,7 +1013,7 @@
 </file>
 
 <file path=ppt/notesSlides/notesSlide13.xml><?xml version="1.0" encoding="utf-8"?>
-<p:notes xmlns:a="http://schemas.openxmlformats.org/drawingml/2006/main" xmlns:p="http://schemas.openxmlformats.org/presentationml/2006/main" xmlns:r="http://schemas.openxmlformats.org/officeDocument/2006/relationships">
+<p:notes xmlns:a="http://schemas.openxmlformats.org/drawingml/2006/main" xmlns:r="http://schemas.openxmlformats.org/officeDocument/2006/relationships" xmlns:p="http://schemas.openxmlformats.org/presentationml/2006/main">
   <p:cSld>
     <p:spTree>
       <p:nvGrpSpPr>
@@ -1129,7 +1048,7 @@
             <a:spLocks noGrp="1"/>
           </p:cNvSpPr>
           <p:nvPr>
-            <p:ph type="sldNum" idx="5" sz="quarter"/>
+            <p:ph type="sldNum" sz="quarter" idx="5"/>
           </p:nvPr>
         </p:nvSpPr>
         <p:spPr/>
@@ -1141,7 +1060,7 @@
             <a:spLocks noGrp="1"/>
           </p:cNvSpPr>
           <p:nvPr>
-            <p:ph type="body" idx="3" sz="quarter"/>
+            <p:ph type="body" sz="quarter" idx="3"/>
           </p:nvPr>
         </p:nvSpPr>
         <p:spPr/>
@@ -1164,7 +1083,7 @@
 </file>
 
 <file path=ppt/notesSlides/notesSlide14.xml><?xml version="1.0" encoding="utf-8"?>
-<p:notes xmlns:a="http://schemas.openxmlformats.org/drawingml/2006/main" xmlns:p="http://schemas.openxmlformats.org/presentationml/2006/main" xmlns:r="http://schemas.openxmlformats.org/officeDocument/2006/relationships">
+<p:notes xmlns:a="http://schemas.openxmlformats.org/drawingml/2006/main" xmlns:r="http://schemas.openxmlformats.org/officeDocument/2006/relationships" xmlns:p="http://schemas.openxmlformats.org/presentationml/2006/main">
   <p:cSld>
     <p:spTree>
       <p:nvGrpSpPr>
@@ -1199,7 +1118,7 @@
             <a:spLocks noGrp="1"/>
           </p:cNvSpPr>
           <p:nvPr>
-            <p:ph type="sldNum" idx="5" sz="quarter"/>
+            <p:ph type="sldNum" sz="quarter" idx="5"/>
           </p:nvPr>
         </p:nvSpPr>
         <p:spPr/>
@@ -1211,7 +1130,7 @@
             <a:spLocks noGrp="1"/>
           </p:cNvSpPr>
           <p:nvPr>
-            <p:ph type="body" idx="3" sz="quarter"/>
+            <p:ph type="body" sz="quarter" idx="3"/>
           </p:nvPr>
         </p:nvSpPr>
         <p:spPr/>
@@ -1234,7 +1153,7 @@
 </file>
 
 <file path=ppt/notesSlides/notesSlide15.xml><?xml version="1.0" encoding="utf-8"?>
-<p:notes xmlns:a="http://schemas.openxmlformats.org/drawingml/2006/main" xmlns:p="http://schemas.openxmlformats.org/presentationml/2006/main" xmlns:r="http://schemas.openxmlformats.org/officeDocument/2006/relationships">
+<p:notes xmlns:a="http://schemas.openxmlformats.org/drawingml/2006/main" xmlns:r="http://schemas.openxmlformats.org/officeDocument/2006/relationships" xmlns:p="http://schemas.openxmlformats.org/presentationml/2006/main">
   <p:cSld>
     <p:spTree>
       <p:nvGrpSpPr>
@@ -1269,7 +1188,7 @@
             <a:spLocks noGrp="1"/>
           </p:cNvSpPr>
           <p:nvPr>
-            <p:ph type="sldNum" idx="5" sz="quarter"/>
+            <p:ph type="sldNum" sz="quarter" idx="5"/>
           </p:nvPr>
         </p:nvSpPr>
         <p:spPr/>
@@ -1281,7 +1200,7 @@
             <a:spLocks noGrp="1"/>
           </p:cNvSpPr>
           <p:nvPr>
-            <p:ph type="body" idx="3" sz="quarter"/>
+            <p:ph type="body" sz="quarter" idx="3"/>
           </p:nvPr>
         </p:nvSpPr>
         <p:spPr/>
@@ -1304,7 +1223,7 @@
 </file>
 
 <file path=ppt/notesSlides/notesSlide16.xml><?xml version="1.0" encoding="utf-8"?>
-<p:notes xmlns:a="http://schemas.openxmlformats.org/drawingml/2006/main" xmlns:p="http://schemas.openxmlformats.org/presentationml/2006/main" xmlns:r="http://schemas.openxmlformats.org/officeDocument/2006/relationships">
+<p:notes xmlns:a="http://schemas.openxmlformats.org/drawingml/2006/main" xmlns:r="http://schemas.openxmlformats.org/officeDocument/2006/relationships" xmlns:p="http://schemas.openxmlformats.org/presentationml/2006/main">
   <p:cSld>
     <p:spTree>
       <p:nvGrpSpPr>
@@ -1339,7 +1258,7 @@
             <a:spLocks noGrp="1"/>
           </p:cNvSpPr>
           <p:nvPr>
-            <p:ph type="sldNum" idx="5" sz="quarter"/>
+            <p:ph type="sldNum" sz="quarter" idx="5"/>
           </p:nvPr>
         </p:nvSpPr>
         <p:spPr/>
@@ -1351,7 +1270,7 @@
             <a:spLocks noGrp="1"/>
           </p:cNvSpPr>
           <p:nvPr>
-            <p:ph type="body" idx="3" sz="quarter"/>
+            <p:ph type="body" sz="quarter" idx="3"/>
           </p:nvPr>
         </p:nvSpPr>
         <p:spPr/>
@@ -1374,7 +1293,7 @@
 </file>
 
 <file path=ppt/notesSlides/notesSlide17.xml><?xml version="1.0" encoding="utf-8"?>
-<p:notes xmlns:a="http://schemas.openxmlformats.org/drawingml/2006/main" xmlns:p="http://schemas.openxmlformats.org/presentationml/2006/main" xmlns:r="http://schemas.openxmlformats.org/officeDocument/2006/relationships">
+<p:notes xmlns:a="http://schemas.openxmlformats.org/drawingml/2006/main" xmlns:r="http://schemas.openxmlformats.org/officeDocument/2006/relationships" xmlns:p="http://schemas.openxmlformats.org/presentationml/2006/main">
   <p:cSld>
     <p:spTree>
       <p:nvGrpSpPr>
@@ -1409,7 +1328,7 @@
             <a:spLocks noGrp="1"/>
           </p:cNvSpPr>
           <p:nvPr>
-            <p:ph type="sldNum" idx="5" sz="quarter"/>
+            <p:ph type="sldNum" sz="quarter" idx="5"/>
           </p:nvPr>
         </p:nvSpPr>
         <p:spPr/>
@@ -1421,7 +1340,7 @@
             <a:spLocks noGrp="1"/>
           </p:cNvSpPr>
           <p:nvPr>
-            <p:ph type="body" idx="3" sz="quarter"/>
+            <p:ph type="body" sz="quarter" idx="3"/>
           </p:nvPr>
         </p:nvSpPr>
         <p:spPr/>
@@ -1444,7 +1363,7 @@
 </file>
 
 <file path=ppt/notesSlides/notesSlide18.xml><?xml version="1.0" encoding="utf-8"?>
-<p:notes xmlns:a="http://schemas.openxmlformats.org/drawingml/2006/main" xmlns:p="http://schemas.openxmlformats.org/presentationml/2006/main" xmlns:r="http://schemas.openxmlformats.org/officeDocument/2006/relationships">
+<p:notes xmlns:a="http://schemas.openxmlformats.org/drawingml/2006/main" xmlns:r="http://schemas.openxmlformats.org/officeDocument/2006/relationships" xmlns:p="http://schemas.openxmlformats.org/presentationml/2006/main">
   <p:cSld>
     <p:spTree>
       <p:nvGrpSpPr>
@@ -1479,7 +1398,7 @@
             <a:spLocks noGrp="1"/>
           </p:cNvSpPr>
           <p:nvPr>
-            <p:ph type="sldNum" idx="5" sz="quarter"/>
+            <p:ph type="sldNum" sz="quarter" idx="5"/>
           </p:nvPr>
         </p:nvSpPr>
         <p:spPr/>
@@ -1491,7 +1410,7 @@
             <a:spLocks noGrp="1"/>
           </p:cNvSpPr>
           <p:nvPr>
-            <p:ph type="body" idx="3" sz="quarter"/>
+            <p:ph type="body" sz="quarter" idx="3"/>
           </p:nvPr>
         </p:nvSpPr>
         <p:spPr/>
@@ -1513,8 +1432,8 @@
 </p:notes>
 </file>
 
-<file path=ppt/notesSlides/notesSlide2.xml><?xml version="1.0" encoding="utf-8"?>
-<p:notes xmlns:a="http://schemas.openxmlformats.org/drawingml/2006/main" xmlns:p="http://schemas.openxmlformats.org/presentationml/2006/main" xmlns:r="http://schemas.openxmlformats.org/officeDocument/2006/relationships">
+<file path=ppt/notesSlides/notesSlide19.xml><?xml version="1.0" encoding="utf-8"?>
+<p:notes xmlns:a="http://schemas.openxmlformats.org/drawingml/2006/main" xmlns:r="http://schemas.openxmlformats.org/officeDocument/2006/relationships" xmlns:p="http://schemas.openxmlformats.org/presentationml/2006/main">
   <p:cSld>
     <p:spTree>
       <p:nvGrpSpPr>
@@ -1549,7 +1468,7 @@
             <a:spLocks noGrp="1"/>
           </p:cNvSpPr>
           <p:nvPr>
-            <p:ph type="sldNum" idx="5" sz="quarter"/>
+            <p:ph type="sldNum" sz="quarter" idx="5"/>
           </p:nvPr>
         </p:nvSpPr>
         <p:spPr/>
@@ -1561,16 +1480,16 @@
             <a:spLocks noGrp="1"/>
           </p:cNvSpPr>
           <p:nvPr>
-            <p:ph type="body" idx="3" sz="quarter"/>
-          </p:nvPr>
-        </p:nvSpPr>
-        <p:spPr/>
-        <p:txBody>
-          <a:bodyPr/>
-          <a:lstStyle/>
-          <a:p>
-            <a:r>
-              <a:t> Image Credit: https://medium.com/iocscan/reflected-cross-site-scripting-r-xss-b06c3e8d638a</a:t>
+            <p:ph type="body" sz="quarter" idx="3"/>
+          </p:nvPr>
+        </p:nvSpPr>
+        <p:spPr/>
+        <p:txBody>
+          <a:bodyPr/>
+          <a:lstStyle/>
+          <a:p>
+            <a:r>
+              <a:t> Image Credit: spanning.com/blog/cross-site-forgery-web-based-application-security-part-2/cross-site-request-forgery-example/</a:t>
             </a:r>
           </a:p>
         </p:txBody>
@@ -1583,8 +1502,8 @@
 </p:notes>
 </file>
 
-<file path=ppt/notesSlides/notesSlide3.xml><?xml version="1.0" encoding="utf-8"?>
-<p:notes xmlns:a="http://schemas.openxmlformats.org/drawingml/2006/main" xmlns:p="http://schemas.openxmlformats.org/presentationml/2006/main" xmlns:r="http://schemas.openxmlformats.org/officeDocument/2006/relationships">
+<file path=ppt/notesSlides/notesSlide2.xml><?xml version="1.0" encoding="utf-8"?>
+<p:notes xmlns:a="http://schemas.openxmlformats.org/drawingml/2006/main" xmlns:r="http://schemas.openxmlformats.org/officeDocument/2006/relationships" xmlns:p="http://schemas.openxmlformats.org/presentationml/2006/main">
   <p:cSld>
     <p:spTree>
       <p:nvGrpSpPr>
@@ -1619,7 +1538,7 @@
             <a:spLocks noGrp="1"/>
           </p:cNvSpPr>
           <p:nvPr>
-            <p:ph type="sldNum" idx="5" sz="quarter"/>
+            <p:ph type="sldNum" sz="quarter" idx="5"/>
           </p:nvPr>
         </p:nvSpPr>
         <p:spPr/>
@@ -1631,16 +1550,16 @@
             <a:spLocks noGrp="1"/>
           </p:cNvSpPr>
           <p:nvPr>
-            <p:ph type="body" idx="3" sz="quarter"/>
-          </p:nvPr>
-        </p:nvSpPr>
-        <p:spPr/>
-        <p:txBody>
-          <a:bodyPr/>
-          <a:lstStyle/>
-          <a:p>
-            <a:r>
-              <a:t> Image Credit: https://medium.com/iocscan/dom-based-cross-site-scripting-dom-xss-3396453364fd</a:t>
+            <p:ph type="body" sz="quarter" idx="3"/>
+          </p:nvPr>
+        </p:nvSpPr>
+        <p:spPr/>
+        <p:txBody>
+          <a:bodyPr/>
+          <a:lstStyle/>
+          <a:p>
+            <a:r>
+              <a:t> Image Credit: https://medium.com/iocscan/reflected-cross-site-scripting-r-xss-b06c3e8d638a</a:t>
             </a:r>
           </a:p>
         </p:txBody>
@@ -1653,8 +1572,8 @@
 </p:notes>
 </file>
 
-<file path=ppt/notesSlides/notesSlide4.xml><?xml version="1.0" encoding="utf-8"?>
-<p:notes xmlns:a="http://schemas.openxmlformats.org/drawingml/2006/main" xmlns:p="http://schemas.openxmlformats.org/presentationml/2006/main" xmlns:r="http://schemas.openxmlformats.org/officeDocument/2006/relationships">
+<file path=ppt/notesSlides/notesSlide3.xml><?xml version="1.0" encoding="utf-8"?>
+<p:notes xmlns:a="http://schemas.openxmlformats.org/drawingml/2006/main" xmlns:r="http://schemas.openxmlformats.org/officeDocument/2006/relationships" xmlns:p="http://schemas.openxmlformats.org/presentationml/2006/main">
   <p:cSld>
     <p:spTree>
       <p:nvGrpSpPr>
@@ -1689,7 +1608,7 @@
             <a:spLocks noGrp="1"/>
           </p:cNvSpPr>
           <p:nvPr>
-            <p:ph type="sldNum" idx="5" sz="quarter"/>
+            <p:ph type="sldNum" sz="quarter" idx="5"/>
           </p:nvPr>
         </p:nvSpPr>
         <p:spPr/>
@@ -1701,16 +1620,16 @@
             <a:spLocks noGrp="1"/>
           </p:cNvSpPr>
           <p:nvPr>
-            <p:ph type="body" idx="3" sz="quarter"/>
-          </p:nvPr>
-        </p:nvSpPr>
-        <p:spPr/>
-        <p:txBody>
-          <a:bodyPr/>
-          <a:lstStyle/>
-          <a:p>
-            <a:r>
-              <a:t> Image Credit: www.guru99.com/learn-everything-about-trojans-viruses-and-worms.html</a:t>
+            <p:ph type="body" sz="quarter" idx="3"/>
+          </p:nvPr>
+        </p:nvSpPr>
+        <p:spPr/>
+        <p:txBody>
+          <a:bodyPr/>
+          <a:lstStyle/>
+          <a:p>
+            <a:r>
+              <a:t> Image Credit: https://medium.com/iocscan/dom-based-cross-site-scripting-dom-xss-3396453364fd</a:t>
             </a:r>
           </a:p>
         </p:txBody>
@@ -1723,8 +1642,8 @@
 </p:notes>
 </file>
 
-<file path=ppt/notesSlides/notesSlide5.xml><?xml version="1.0" encoding="utf-8"?>
-<p:notes xmlns:a="http://schemas.openxmlformats.org/drawingml/2006/main" xmlns:p="http://schemas.openxmlformats.org/presentationml/2006/main" xmlns:r="http://schemas.openxmlformats.org/officeDocument/2006/relationships">
+<file path=ppt/notesSlides/notesSlide4.xml><?xml version="1.0" encoding="utf-8"?>
+<p:notes xmlns:a="http://schemas.openxmlformats.org/drawingml/2006/main" xmlns:r="http://schemas.openxmlformats.org/officeDocument/2006/relationships" xmlns:p="http://schemas.openxmlformats.org/presentationml/2006/main">
   <p:cSld>
     <p:spTree>
       <p:nvGrpSpPr>
@@ -1759,7 +1678,7 @@
             <a:spLocks noGrp="1"/>
           </p:cNvSpPr>
           <p:nvPr>
-            <p:ph type="sldNum" idx="5" sz="quarter"/>
+            <p:ph type="sldNum" sz="quarter" idx="5"/>
           </p:nvPr>
         </p:nvSpPr>
         <p:spPr/>
@@ -1771,16 +1690,16 @@
             <a:spLocks noGrp="1"/>
           </p:cNvSpPr>
           <p:nvPr>
-            <p:ph type="body" idx="3" sz="quarter"/>
-          </p:nvPr>
-        </p:nvSpPr>
-        <p:spPr/>
-        <p:txBody>
-          <a:bodyPr/>
-          <a:lstStyle/>
-          <a:p>
-            <a:r>
-              <a:t> Image Credit: wolfstreet.com/2018/08/19/scam-critical-alert-from-microsoft-iexplore-www-support-me-malware/</a:t>
+            <p:ph type="body" sz="quarter" idx="3"/>
+          </p:nvPr>
+        </p:nvSpPr>
+        <p:spPr/>
+        <p:txBody>
+          <a:bodyPr/>
+          <a:lstStyle/>
+          <a:p>
+            <a:r>
+              <a:t> Image Credit: www.guru99.com/learn-everything-about-trojans-viruses-and-worms.html</a:t>
             </a:r>
           </a:p>
         </p:txBody>
@@ -1793,8 +1712,8 @@
 </p:notes>
 </file>
 
-<file path=ppt/notesSlides/notesSlide6.xml><?xml version="1.0" encoding="utf-8"?>
-<p:notes xmlns:a="http://schemas.openxmlformats.org/drawingml/2006/main" xmlns:p="http://schemas.openxmlformats.org/presentationml/2006/main" xmlns:r="http://schemas.openxmlformats.org/officeDocument/2006/relationships">
+<file path=ppt/notesSlides/notesSlide5.xml><?xml version="1.0" encoding="utf-8"?>
+<p:notes xmlns:a="http://schemas.openxmlformats.org/drawingml/2006/main" xmlns:r="http://schemas.openxmlformats.org/officeDocument/2006/relationships" xmlns:p="http://schemas.openxmlformats.org/presentationml/2006/main">
   <p:cSld>
     <p:spTree>
       <p:nvGrpSpPr>
@@ -1829,7 +1748,7 @@
             <a:spLocks noGrp="1"/>
           </p:cNvSpPr>
           <p:nvPr>
-            <p:ph type="sldNum" idx="5" sz="quarter"/>
+            <p:ph type="sldNum" sz="quarter" idx="5"/>
           </p:nvPr>
         </p:nvSpPr>
         <p:spPr/>
@@ -1841,16 +1760,16 @@
             <a:spLocks noGrp="1"/>
           </p:cNvSpPr>
           <p:nvPr>
-            <p:ph type="body" idx="3" sz="quarter"/>
-          </p:nvPr>
-        </p:nvSpPr>
-        <p:spPr/>
-        <p:txBody>
-          <a:bodyPr/>
-          <a:lstStyle/>
-          <a:p>
-            <a:r>
-              <a:t> Image Credit: https://techieandwhatever.blogspot.com/2017/06/what-is-zeus-malware-and-how-does-it.html</a:t>
+            <p:ph type="body" sz="quarter" idx="3"/>
+          </p:nvPr>
+        </p:nvSpPr>
+        <p:spPr/>
+        <p:txBody>
+          <a:bodyPr/>
+          <a:lstStyle/>
+          <a:p>
+            <a:r>
+              <a:t> Image Credit: wolfstreet.com/2018/08/19/scam-critical-alert-from-microsoft-iexplore-www-support-me-malware/</a:t>
             </a:r>
           </a:p>
         </p:txBody>
@@ -1863,8 +1782,8 @@
 </p:notes>
 </file>
 
-<file path=ppt/notesSlides/notesSlide7.xml><?xml version="1.0" encoding="utf-8"?>
-<p:notes xmlns:a="http://schemas.openxmlformats.org/drawingml/2006/main" xmlns:p="http://schemas.openxmlformats.org/presentationml/2006/main" xmlns:r="http://schemas.openxmlformats.org/officeDocument/2006/relationships">
+<file path=ppt/notesSlides/notesSlide6.xml><?xml version="1.0" encoding="utf-8"?>
+<p:notes xmlns:a="http://schemas.openxmlformats.org/drawingml/2006/main" xmlns:r="http://schemas.openxmlformats.org/officeDocument/2006/relationships" xmlns:p="http://schemas.openxmlformats.org/presentationml/2006/main">
   <p:cSld>
     <p:spTree>
       <p:nvGrpSpPr>
@@ -1899,7 +1818,7 @@
             <a:spLocks noGrp="1"/>
           </p:cNvSpPr>
           <p:nvPr>
-            <p:ph type="sldNum" idx="5" sz="quarter"/>
+            <p:ph type="sldNum" sz="quarter" idx="5"/>
           </p:nvPr>
         </p:nvSpPr>
         <p:spPr/>
@@ -1911,16 +1830,16 @@
             <a:spLocks noGrp="1"/>
           </p:cNvSpPr>
           <p:nvPr>
-            <p:ph type="body" idx="3" sz="quarter"/>
-          </p:nvPr>
-        </p:nvSpPr>
-        <p:spPr/>
-        <p:txBody>
-          <a:bodyPr/>
-          <a:lstStyle/>
-          <a:p>
-            <a:r>
-              <a:t> Image Credit: en.wikipedia.org/wiki/WannaCry_ransomware_attack#/media/File:Wana_Decrypt0r_screenshot.png</a:t>
+            <p:ph type="body" sz="quarter" idx="3"/>
+          </p:nvPr>
+        </p:nvSpPr>
+        <p:spPr/>
+        <p:txBody>
+          <a:bodyPr/>
+          <a:lstStyle/>
+          <a:p>
+            <a:r>
+              <a:t> Image Credit: https://techieandwhatever.blogspot.com/2017/06/what-is-zeus-malware-and-how-does-it.html</a:t>
             </a:r>
           </a:p>
         </p:txBody>
@@ -1933,8 +1852,8 @@
 </p:notes>
 </file>
 
-<file path=ppt/notesSlides/notesSlide8.xml><?xml version="1.0" encoding="utf-8"?>
-<p:notes xmlns:a="http://schemas.openxmlformats.org/drawingml/2006/main" xmlns:p="http://schemas.openxmlformats.org/presentationml/2006/main" xmlns:r="http://schemas.openxmlformats.org/officeDocument/2006/relationships">
+<file path=ppt/notesSlides/notesSlide7.xml><?xml version="1.0" encoding="utf-8"?>
+<p:notes xmlns:a="http://schemas.openxmlformats.org/drawingml/2006/main" xmlns:r="http://schemas.openxmlformats.org/officeDocument/2006/relationships" xmlns:p="http://schemas.openxmlformats.org/presentationml/2006/main">
   <p:cSld>
     <p:spTree>
       <p:nvGrpSpPr>
@@ -1969,7 +1888,7 @@
             <a:spLocks noGrp="1"/>
           </p:cNvSpPr>
           <p:nvPr>
-            <p:ph type="sldNum" idx="5" sz="quarter"/>
+            <p:ph type="sldNum" sz="quarter" idx="5"/>
           </p:nvPr>
         </p:nvSpPr>
         <p:spPr/>
@@ -1981,19 +1900,16 @@
             <a:spLocks noGrp="1"/>
           </p:cNvSpPr>
           <p:nvPr>
-            <p:ph type="body" idx="3" sz="quarter"/>
-          </p:nvPr>
-        </p:nvSpPr>
-        <p:spPr/>
-        <p:txBody>
-          <a:bodyPr/>
-          <a:lstStyle/>
-          <a:p>
-            <a:r>
-              <a:t> https://www.csoonline.com/article/3318238/the-opm-hack-explained-bad-security-practices-meet-chinas-captain-america.html</a:t>
-            </a:r>
-            <a:r>
-              <a:t> https://www.opm.gov/cybersecurity/cybersecurity-incidents/</a:t>
+            <p:ph type="body" sz="quarter" idx="3"/>
+          </p:nvPr>
+        </p:nvSpPr>
+        <p:spPr/>
+        <p:txBody>
+          <a:bodyPr/>
+          <a:lstStyle/>
+          <a:p>
+            <a:r>
+              <a:t> Image Credit: en.wikipedia.org/wiki/WannaCry_ransomware_attack#/media/File:Wana_Decrypt0r_screenshot.png</a:t>
             </a:r>
           </a:p>
         </p:txBody>
@@ -2006,8 +1922,8 @@
 </p:notes>
 </file>
 
-<file path=ppt/notesSlides/notesSlide9.xml><?xml version="1.0" encoding="utf-8"?>
-<p:notes xmlns:a="http://schemas.openxmlformats.org/drawingml/2006/main" xmlns:p="http://schemas.openxmlformats.org/presentationml/2006/main" xmlns:r="http://schemas.openxmlformats.org/officeDocument/2006/relationships">
+<file path=ppt/notesSlides/notesSlide8.xml><?xml version="1.0" encoding="utf-8"?>
+<p:notes xmlns:a="http://schemas.openxmlformats.org/drawingml/2006/main" xmlns:r="http://schemas.openxmlformats.org/officeDocument/2006/relationships" xmlns:p="http://schemas.openxmlformats.org/presentationml/2006/main">
   <p:cSld>
     <p:spTree>
       <p:nvGrpSpPr>
@@ -2042,7 +1958,7 @@
             <a:spLocks noGrp="1"/>
           </p:cNvSpPr>
           <p:nvPr>
-            <p:ph type="sldNum" idx="5" sz="quarter"/>
+            <p:ph type="sldNum" sz="quarter" idx="5"/>
           </p:nvPr>
         </p:nvSpPr>
         <p:spPr/>
@@ -2054,7 +1970,80 @@
             <a:spLocks noGrp="1"/>
           </p:cNvSpPr>
           <p:nvPr>
-            <p:ph type="body" idx="3" sz="quarter"/>
+            <p:ph type="body" sz="quarter" idx="3"/>
+          </p:nvPr>
+        </p:nvSpPr>
+        <p:spPr/>
+        <p:txBody>
+          <a:bodyPr/>
+          <a:lstStyle/>
+          <a:p>
+            <a:r>
+              <a:t> https://www.csoonline.com/article/3318238/the-opm-hack-explained-bad-security-practices-meet-chinas-captain-america.html</a:t>
+            </a:r>
+            <a:r>
+              <a:t> https://www.opm.gov/cybersecurity/cybersecurity-incidents/</a:t>
+            </a:r>
+          </a:p>
+        </p:txBody>
+      </p:sp>
+    </p:spTree>
+  </p:cSld>
+  <p:clrMapOvr>
+    <a:masterClrMapping/>
+  </p:clrMapOvr>
+</p:notes>
+</file>
+
+<file path=ppt/notesSlides/notesSlide9.xml><?xml version="1.0" encoding="utf-8"?>
+<p:notes xmlns:a="http://schemas.openxmlformats.org/drawingml/2006/main" xmlns:r="http://schemas.openxmlformats.org/officeDocument/2006/relationships" xmlns:p="http://schemas.openxmlformats.org/presentationml/2006/main">
+  <p:cSld>
+    <p:spTree>
+      <p:nvGrpSpPr>
+        <p:cNvPr id="1" name=""/>
+        <p:cNvGrpSpPr/>
+        <p:nvPr/>
+      </p:nvGrpSpPr>
+      <p:grpSpPr>
+        <a:xfrm>
+          <a:off x="0" y="0"/>
+          <a:ext cx="0" cy="0"/>
+          <a:chOff x="0" y="0"/>
+          <a:chExt cx="0" cy="0"/>
+        </a:xfrm>
+      </p:grpSpPr>
+      <p:sp>
+        <p:nvSpPr>
+          <p:cNvPr id="2" name="Slide Image Placeholder 1"/>
+          <p:cNvSpPr>
+            <a:spLocks noGrp="1"/>
+          </p:cNvSpPr>
+          <p:nvPr>
+            <p:ph type="sldImg" idx="2"/>
+          </p:nvPr>
+        </p:nvSpPr>
+        <p:spPr/>
+      </p:sp>
+      <p:sp>
+        <p:nvSpPr>
+          <p:cNvPr id="3" name="Slide Number Placeholder 2"/>
+          <p:cNvSpPr>
+            <a:spLocks noGrp="1"/>
+          </p:cNvSpPr>
+          <p:nvPr>
+            <p:ph type="sldNum" sz="quarter" idx="5"/>
+          </p:nvPr>
+        </p:nvSpPr>
+        <p:spPr/>
+      </p:sp>
+      <p:sp>
+        <p:nvSpPr>
+          <p:cNvPr id="4" name="Notes Placeholder 3"/>
+          <p:cNvSpPr>
+            <a:spLocks noGrp="1"/>
+          </p:cNvSpPr>
+          <p:nvPr>
+            <p:ph type="body" sz="quarter" idx="3"/>
           </p:nvPr>
         </p:nvSpPr>
         <p:spPr/>
@@ -2077,7 +2066,7 @@
 </file>
 
 <file path=ppt/slideLayouts/slideLayout1.xml><?xml version="1.0" encoding="utf-8"?>
-<p:sldLayout xmlns:a="http://schemas.openxmlformats.org/drawingml/2006/main" xmlns:r="http://schemas.openxmlformats.org/officeDocument/2006/relationships" xmlns:p="http://schemas.openxmlformats.org/presentationml/2006/main" showMasterSp="0" type="title" preserve="1">
+<p:sldLayout xmlns:a="http://schemas.openxmlformats.org/drawingml/2006/main" xmlns:r="http://schemas.openxmlformats.org/officeDocument/2006/relationships" xmlns:p="http://schemas.openxmlformats.org/presentationml/2006/main" type="title" preserve="1" showMasterSp="0">
   <p:cSld name="Title Slide">
     <p:bg>
       <p:bgPr>
@@ -2112,7 +2101,9 @@
         <p:blipFill rotWithShape="1">
           <a:blip r:embed="rId2"/>
           <a:srcRect t="19473"/>
-          <a:stretch/>
+          <a:stretch>
+            <a:fillRect/>
+          </a:stretch>
         </p:blipFill>
         <p:spPr bwMode="auto">
           <a:xfrm>
@@ -2163,6 +2154,7 @@
               <a:rPr lang="en-US"/>
               <a:t>Click to edit Master subtitle style</a:t>
             </a:r>
+            <a:endParaRPr lang="en-US"/>
           </a:p>
         </p:txBody>
       </p:sp>
@@ -2194,6 +2186,7 @@
               <a:rPr lang="en-US"/>
               <a:t>Click to edit Master title style</a:t>
             </a:r>
+            <a:endParaRPr lang="en-US"/>
           </a:p>
         </p:txBody>
       </p:sp>
@@ -2243,6 +2236,7 @@
               <a:rPr lang="en-US" dirty="0"/>
               <a:t>Click to edit Master title style</a:t>
             </a:r>
+            <a:endParaRPr lang="en-US" dirty="0"/>
           </a:p>
         </p:txBody>
       </p:sp>
@@ -2266,6 +2260,7 @@
               <a:rPr lang="en-US" dirty="0"/>
               <a:t>Click to edit Master text styles</a:t>
             </a:r>
+            <a:endParaRPr lang="en-US" dirty="0"/>
           </a:p>
           <a:p>
             <a:pPr lvl="1"/>
@@ -2273,6 +2268,7 @@
               <a:rPr lang="en-US" dirty="0"/>
               <a:t>Second level</a:t>
             </a:r>
+            <a:endParaRPr lang="en-US" dirty="0"/>
           </a:p>
           <a:p>
             <a:pPr lvl="2"/>
@@ -2280,6 +2276,7 @@
               <a:rPr lang="en-US" dirty="0"/>
               <a:t>Third level</a:t>
             </a:r>
+            <a:endParaRPr lang="en-US" dirty="0"/>
           </a:p>
           <a:p>
             <a:pPr lvl="3"/>
@@ -2287,6 +2284,7 @@
               <a:rPr lang="en-US" dirty="0"/>
               <a:t>Fourth level</a:t>
             </a:r>
+            <a:endParaRPr lang="en-US" dirty="0"/>
           </a:p>
           <a:p>
             <a:pPr lvl="4"/>
@@ -2294,6 +2292,7 @@
               <a:rPr lang="en-US" dirty="0"/>
               <a:t>Fifth level</a:t>
             </a:r>
+            <a:endParaRPr lang="en-US" dirty="0"/>
           </a:p>
         </p:txBody>
       </p:sp>
@@ -2319,6 +2318,7 @@
               <a:rPr lang="en-US" dirty="0"/>
               <a:t>Copyright © 2017 Elephant Scale. All rights reserved.</a:t>
             </a:r>
+            <a:endParaRPr lang="en-US" dirty="0"/>
           </a:p>
         </p:txBody>
       </p:sp>
@@ -2342,10 +2342,6 @@
             </a:pPr>
             <a:fld id="{77EF9825-4C23-4085-A4E3-B5565466BD91}" type="slidenum">
               <a:rPr lang="en-US" smtClean="0"/>
-              <a:pPr>
-                <a:defRPr/>
-              </a:pPr>
-              <a:t>‹#›</a:t>
             </a:fld>
             <a:endParaRPr lang="en-US" dirty="0"/>
           </a:p>
@@ -2400,6 +2396,7 @@
               <a:rPr lang="en-US"/>
               <a:t>Click to edit Master title style</a:t>
             </a:r>
+            <a:endParaRPr lang="en-US"/>
           </a:p>
         </p:txBody>
       </p:sp>
@@ -2428,6 +2425,7 @@
               <a:rPr lang="en-US"/>
               <a:t>Click to edit Master text styles</a:t>
             </a:r>
+            <a:endParaRPr lang="en-US"/>
           </a:p>
           <a:p>
             <a:pPr lvl="1"/>
@@ -2435,6 +2433,7 @@
               <a:rPr lang="en-US"/>
               <a:t>Second level</a:t>
             </a:r>
+            <a:endParaRPr lang="en-US"/>
           </a:p>
           <a:p>
             <a:pPr lvl="2"/>
@@ -2442,6 +2441,7 @@
               <a:rPr lang="en-US"/>
               <a:t>Third level</a:t>
             </a:r>
+            <a:endParaRPr lang="en-US"/>
           </a:p>
           <a:p>
             <a:pPr lvl="3"/>
@@ -2449,6 +2449,7 @@
               <a:rPr lang="en-US"/>
               <a:t>Fourth level</a:t>
             </a:r>
+            <a:endParaRPr lang="en-US"/>
           </a:p>
           <a:p>
             <a:pPr lvl="4"/>
@@ -2456,6 +2457,7 @@
               <a:rPr lang="en-US"/>
               <a:t>Fifth level</a:t>
             </a:r>
+            <a:endParaRPr lang="en-US"/>
           </a:p>
         </p:txBody>
       </p:sp>
@@ -2484,6 +2486,7 @@
               <a:rPr lang="en-US"/>
               <a:t>Click to edit Master text styles</a:t>
             </a:r>
+            <a:endParaRPr lang="en-US"/>
           </a:p>
           <a:p>
             <a:pPr lvl="1"/>
@@ -2491,6 +2494,7 @@
               <a:rPr lang="en-US"/>
               <a:t>Second level</a:t>
             </a:r>
+            <a:endParaRPr lang="en-US"/>
           </a:p>
           <a:p>
             <a:pPr lvl="2"/>
@@ -2498,6 +2502,7 @@
               <a:rPr lang="en-US"/>
               <a:t>Third level</a:t>
             </a:r>
+            <a:endParaRPr lang="en-US"/>
           </a:p>
           <a:p>
             <a:pPr lvl="3"/>
@@ -2505,6 +2510,7 @@
               <a:rPr lang="en-US"/>
               <a:t>Fourth level</a:t>
             </a:r>
+            <a:endParaRPr lang="en-US"/>
           </a:p>
           <a:p>
             <a:pPr lvl="4"/>
@@ -2512,6 +2518,7 @@
               <a:rPr lang="en-US"/>
               <a:t>Fifth level</a:t>
             </a:r>
+            <a:endParaRPr lang="en-US"/>
           </a:p>
         </p:txBody>
       </p:sp>
@@ -2540,6 +2547,7 @@
               <a:rPr lang="en-US"/>
               <a:t>Click to edit Master text styles</a:t>
             </a:r>
+            <a:endParaRPr lang="en-US"/>
           </a:p>
           <a:p>
             <a:pPr lvl="1"/>
@@ -2547,6 +2555,7 @@
               <a:rPr lang="en-US"/>
               <a:t>Second level</a:t>
             </a:r>
+            <a:endParaRPr lang="en-US"/>
           </a:p>
           <a:p>
             <a:pPr lvl="2"/>
@@ -2554,6 +2563,7 @@
               <a:rPr lang="en-US"/>
               <a:t>Third level</a:t>
             </a:r>
+            <a:endParaRPr lang="en-US"/>
           </a:p>
           <a:p>
             <a:pPr lvl="3"/>
@@ -2561,6 +2571,7 @@
               <a:rPr lang="en-US"/>
               <a:t>Fourth level</a:t>
             </a:r>
+            <a:endParaRPr lang="en-US"/>
           </a:p>
           <a:p>
             <a:pPr lvl="4"/>
@@ -2568,6 +2579,7 @@
               <a:rPr lang="en-US"/>
               <a:t>Fifth level</a:t>
             </a:r>
+            <a:endParaRPr lang="en-US"/>
           </a:p>
         </p:txBody>
       </p:sp>
@@ -2581,9 +2593,7 @@
             <p:ph type="sldNum" sz="quarter" idx="11"/>
           </p:nvPr>
         </p:nvSpPr>
-        <p:spPr>
-          <a:ln/>
-        </p:spPr>
+        <p:spPr/>
         <p:txBody>
           <a:bodyPr/>
           <a:lstStyle>
@@ -2597,10 +2607,6 @@
             </a:pPr>
             <a:fld id="{040E4B02-67B9-4228-B08B-2561CEE6B946}" type="slidenum">
               <a:rPr lang="en-US"/>
-              <a:pPr>
-                <a:defRPr/>
-              </a:pPr>
-              <a:t>‹#›</a:t>
             </a:fld>
             <a:endParaRPr lang="en-US" dirty="0"/>
           </a:p>
@@ -2616,9 +2622,7 @@
             <p:ph type="ftr" sz="quarter" idx="12"/>
           </p:nvPr>
         </p:nvSpPr>
-        <p:spPr>
-          <a:ln/>
-        </p:spPr>
+        <p:spPr/>
         <p:txBody>
           <a:bodyPr/>
           <a:lstStyle>
@@ -2634,6 +2638,7 @@
               <a:rPr lang="en-US" dirty="0"/>
               <a:t>Copyright © 2017 Elephant Scale. All rights reserved.</a:t>
             </a:r>
+            <a:endParaRPr lang="en-US" dirty="0"/>
           </a:p>
         </p:txBody>
       </p:sp>
@@ -2686,6 +2691,7 @@
               <a:rPr lang="en-US"/>
               <a:t>Click to edit Master title style</a:t>
             </a:r>
+            <a:endParaRPr lang="en-US"/>
           </a:p>
         </p:txBody>
       </p:sp>
@@ -2714,6 +2720,7 @@
               <a:rPr lang="en-US"/>
               <a:t>Click to edit Master text styles</a:t>
             </a:r>
+            <a:endParaRPr lang="en-US"/>
           </a:p>
           <a:p>
             <a:pPr lvl="1"/>
@@ -2721,6 +2728,7 @@
               <a:rPr lang="en-US"/>
               <a:t>Second level</a:t>
             </a:r>
+            <a:endParaRPr lang="en-US"/>
           </a:p>
           <a:p>
             <a:pPr lvl="2"/>
@@ -2728,6 +2736,7 @@
               <a:rPr lang="en-US"/>
               <a:t>Third level</a:t>
             </a:r>
+            <a:endParaRPr lang="en-US"/>
           </a:p>
           <a:p>
             <a:pPr lvl="3"/>
@@ -2735,6 +2744,7 @@
               <a:rPr lang="en-US"/>
               <a:t>Fourth level</a:t>
             </a:r>
+            <a:endParaRPr lang="en-US"/>
           </a:p>
           <a:p>
             <a:pPr lvl="4"/>
@@ -2742,6 +2752,7 @@
               <a:rPr lang="en-US"/>
               <a:t>Fifth level</a:t>
             </a:r>
+            <a:endParaRPr lang="en-US"/>
           </a:p>
         </p:txBody>
       </p:sp>
@@ -2770,6 +2781,7 @@
               <a:rPr lang="en-US"/>
               <a:t>Click to edit Master text styles</a:t>
             </a:r>
+            <a:endParaRPr lang="en-US"/>
           </a:p>
           <a:p>
             <a:pPr lvl="1"/>
@@ -2777,6 +2789,7 @@
               <a:rPr lang="en-US"/>
               <a:t>Second level</a:t>
             </a:r>
+            <a:endParaRPr lang="en-US"/>
           </a:p>
           <a:p>
             <a:pPr lvl="2"/>
@@ -2784,6 +2797,7 @@
               <a:rPr lang="en-US"/>
               <a:t>Third level</a:t>
             </a:r>
+            <a:endParaRPr lang="en-US"/>
           </a:p>
           <a:p>
             <a:pPr lvl="3"/>
@@ -2791,6 +2805,7 @@
               <a:rPr lang="en-US"/>
               <a:t>Fourth level</a:t>
             </a:r>
+            <a:endParaRPr lang="en-US"/>
           </a:p>
           <a:p>
             <a:pPr lvl="4"/>
@@ -2798,6 +2813,7 @@
               <a:rPr lang="en-US"/>
               <a:t>Fifth level</a:t>
             </a:r>
+            <a:endParaRPr lang="en-US"/>
           </a:p>
         </p:txBody>
       </p:sp>
@@ -2811,9 +2827,7 @@
             <p:ph type="sldNum" sz="quarter" idx="11"/>
           </p:nvPr>
         </p:nvSpPr>
-        <p:spPr>
-          <a:ln/>
-        </p:spPr>
+        <p:spPr/>
         <p:txBody>
           <a:bodyPr/>
           <a:lstStyle>
@@ -2827,10 +2841,6 @@
             </a:pPr>
             <a:fld id="{A86CC632-9864-46F1-8EAB-FCD3BB9CEC9A}" type="slidenum">
               <a:rPr lang="en-US"/>
-              <a:pPr>
-                <a:defRPr/>
-              </a:pPr>
-              <a:t>‹#›</a:t>
             </a:fld>
             <a:endParaRPr lang="en-US" dirty="0"/>
           </a:p>
@@ -2846,9 +2856,7 @@
             <p:ph type="ftr" sz="quarter" idx="12"/>
           </p:nvPr>
         </p:nvSpPr>
-        <p:spPr>
-          <a:ln/>
-        </p:spPr>
+        <p:spPr/>
         <p:txBody>
           <a:bodyPr/>
           <a:lstStyle>
@@ -2864,6 +2872,7 @@
               <a:rPr lang="en-US" dirty="0"/>
               <a:t>Copyright © 2017 Elephant Scale. All rights reserved.</a:t>
             </a:r>
+            <a:endParaRPr lang="en-US" dirty="0"/>
           </a:p>
         </p:txBody>
       </p:sp>
@@ -2922,15 +2931,10 @@
           <a:ln w="9525">
             <a:noFill/>
             <a:miter lim="800000"/>
-            <a:headEnd/>
-            <a:tailEnd/>
           </a:ln>
         </p:spPr>
         <p:txBody>
           <a:bodyPr vert="horz" wrap="square" lIns="92007" tIns="46005" rIns="92007" bIns="46005" numCol="1" anchor="t" anchorCtr="0" compatLnSpc="1">
-            <a:prstTxWarp prst="textNoShape">
-              <a:avLst/>
-            </a:prstTxWarp>
             <a:normAutofit/>
           </a:bodyPr>
           <a:lstStyle/>
@@ -2940,6 +2944,7 @@
               <a:rPr lang="en-US" dirty="0"/>
               <a:t>Click to edit Master text styles</a:t>
             </a:r>
+            <a:endParaRPr lang="en-US" dirty="0"/>
           </a:p>
           <a:p>
             <a:pPr lvl="1"/>
@@ -2947,6 +2952,7 @@
               <a:rPr lang="en-US" dirty="0"/>
               <a:t>Second level</a:t>
             </a:r>
+            <a:endParaRPr lang="en-US" dirty="0"/>
           </a:p>
           <a:p>
             <a:pPr lvl="2"/>
@@ -2954,6 +2960,7 @@
               <a:rPr lang="en-US" dirty="0"/>
               <a:t>Third level</a:t>
             </a:r>
+            <a:endParaRPr lang="en-US" dirty="0"/>
           </a:p>
           <a:p>
             <a:pPr lvl="3"/>
@@ -2961,6 +2968,7 @@
               <a:rPr lang="en-US" dirty="0"/>
               <a:t>Fourth level</a:t>
             </a:r>
+            <a:endParaRPr lang="en-US" dirty="0"/>
           </a:p>
           <a:p>
             <a:pPr lvl="4"/>
@@ -2968,6 +2976,7 @@
               <a:rPr lang="en-US" dirty="0"/>
               <a:t>Fifth level</a:t>
             </a:r>
+            <a:endParaRPr lang="en-US" dirty="0"/>
           </a:p>
         </p:txBody>
       </p:sp>
@@ -2993,26 +3002,20 @@
           <a:ln w="9525">
             <a:noFill/>
             <a:miter lim="800000"/>
-            <a:headEnd/>
-            <a:tailEnd/>
           </a:ln>
           <a:effectLst/>
         </p:spPr>
         <p:txBody>
-          <a:bodyPr vert="horz" wrap="square" lIns="0" tIns="0" rIns="0" bIns="0" numCol="1" anchor="b" anchorCtr="0" compatLnSpc="1">
-            <a:prstTxWarp prst="textNoShape">
-              <a:avLst/>
-            </a:prstTxWarp>
-          </a:bodyPr>
+          <a:bodyPr vert="horz" wrap="square" lIns="0" tIns="0" rIns="0" bIns="0" numCol="1" anchor="b" anchorCtr="0" compatLnSpc="1"/>
           <a:lstStyle>
             <a:lvl1pPr algn="r" eaLnBrk="0" hangingPunct="0">
               <a:defRPr b="1">
                 <a:solidFill>
                   <a:srgbClr val="000000"/>
                 </a:solidFill>
-                <a:latin typeface="Arial" charset="0"/>
-                <a:ea typeface="ＭＳ Ｐゴシック" charset="0"/>
-                <a:cs typeface="ＭＳ Ｐゴシック" charset="0"/>
+                <a:latin typeface="Arial" panose="020B0604020202020204" pitchFamily="34" charset="0"/>
+                <a:ea typeface="MS PGothic" charset="0"/>
+                <a:cs typeface="MS PGothic" charset="0"/>
               </a:defRPr>
             </a:lvl1pPr>
           </a:lstStyle>
@@ -3022,10 +3025,6 @@
             </a:pPr>
             <a:fld id="{77EF9825-4C23-4085-A4E3-B5565466BD91}" type="slidenum">
               <a:rPr lang="en-US"/>
-              <a:pPr>
-                <a:defRPr/>
-              </a:pPr>
-              <a:t>‹#›</a:t>
             </a:fld>
             <a:endParaRPr lang="en-US" dirty="0"/>
           </a:p>
@@ -3053,16 +3052,11 @@
           <a:ln w="9525">
             <a:noFill/>
             <a:miter lim="800000"/>
-            <a:headEnd/>
-            <a:tailEnd/>
           </a:ln>
           <a:effectLst/>
         </p:spPr>
         <p:txBody>
           <a:bodyPr vert="horz" wrap="square" lIns="0" tIns="0" rIns="0" bIns="0" numCol="1" anchor="t" anchorCtr="0" compatLnSpc="1">
-            <a:prstTxWarp prst="textNoShape">
-              <a:avLst/>
-            </a:prstTxWarp>
             <a:spAutoFit/>
           </a:bodyPr>
           <a:lstStyle>
@@ -3088,6 +3082,7 @@
               <a:rPr lang="en-US" dirty="0"/>
               <a:t>Copyright © 2017 Elephant Scale. All rights reserved.</a:t>
             </a:r>
+            <a:endParaRPr lang="en-US" dirty="0"/>
           </a:p>
         </p:txBody>
       </p:sp>
@@ -3100,7 +3095,7 @@
           <p:nvPr/>
         </p:nvPicPr>
         <p:blipFill>
-          <a:blip r:embed="rId6"/>
+          <a:blip r:embed="rId5"/>
           <a:srcRect/>
           <a:stretch>
             <a:fillRect/>
@@ -3147,16 +3142,10 @@
           <a:ln w="9525">
             <a:noFill/>
             <a:miter lim="800000"/>
-            <a:headEnd/>
-            <a:tailEnd/>
           </a:ln>
         </p:spPr>
         <p:txBody>
-          <a:bodyPr vert="horz" wrap="square" lIns="92007" tIns="46005" rIns="92007" bIns="46005" numCol="1" anchor="b" anchorCtr="0" compatLnSpc="1">
-            <a:prstTxWarp prst="textNoShape">
-              <a:avLst/>
-            </a:prstTxWarp>
-          </a:bodyPr>
+          <a:bodyPr vert="horz" wrap="square" lIns="92007" tIns="46005" rIns="92007" bIns="46005" numCol="1" anchor="b" anchorCtr="0" compatLnSpc="1"/>
           <a:lstStyle/>
           <a:p>
             <a:pPr lvl="0"/>
@@ -3164,6 +3153,7 @@
               <a:rPr lang="en-US" dirty="0"/>
               <a:t>Click to edit Master title style</a:t>
             </a:r>
+            <a:endParaRPr lang="en-US" dirty="0"/>
           </a:p>
         </p:txBody>
       </p:sp>
@@ -3171,10 +3161,10 @@
   </p:cSld>
   <p:clrMap bg1="dk2" tx1="lt1" bg2="dk1" tx2="lt2" accent1="accent1" accent2="accent2" accent3="accent3" accent4="accent4" accent5="accent5" accent6="accent6" hlink="hlink" folHlink="folHlink"/>
   <p:sldLayoutIdLst>
-    <p:sldLayoutId id="2147483656" r:id="rId1"/>
-    <p:sldLayoutId id="2147483655" r:id="rId2"/>
-    <p:sldLayoutId id="2147483654" r:id="rId3"/>
-    <p:sldLayoutId id="2147483653" r:id="rId4"/>
+    <p:sldLayoutId id="2147483649" r:id="rId1"/>
+    <p:sldLayoutId id="2147483650" r:id="rId2"/>
+    <p:sldLayoutId id="2147483651" r:id="rId3"/>
+    <p:sldLayoutId id="2147483652" r:id="rId4"/>
   </p:sldLayoutIdLst>
   <p:hf hdr="0" dt="0"/>
   <p:txStyles>
@@ -3191,8 +3181,8 @@
             <a:schemeClr val="tx1"/>
           </a:solidFill>
           <a:latin typeface="+mj-lt"/>
-          <a:ea typeface="ＭＳ Ｐゴシック" pitchFamily="-110" charset="-128"/>
-          <a:cs typeface="ＭＳ Ｐゴシック" pitchFamily="-110" charset="-128"/>
+          <a:ea typeface="MS PGothic" pitchFamily="-110" charset="-128"/>
+          <a:cs typeface="MS PGothic" pitchFamily="-110" charset="-128"/>
         </a:defRPr>
       </a:lvl1pPr>
       <a:lvl2pPr algn="l" rtl="0" eaLnBrk="0" fontAlgn="base" hangingPunct="0">
@@ -3206,9 +3196,9 @@
           <a:solidFill>
             <a:schemeClr val="tx1"/>
           </a:solidFill>
-          <a:latin typeface="Verdana" pitchFamily="-110" charset="0"/>
-          <a:ea typeface="ＭＳ Ｐゴシック" pitchFamily="-110" charset="-128"/>
-          <a:cs typeface="ＭＳ Ｐゴシック" pitchFamily="-110" charset="-128"/>
+          <a:latin typeface="Verdana" panose="020B0604030504040204" pitchFamily="-110" charset="0"/>
+          <a:ea typeface="MS PGothic" pitchFamily="-110" charset="-128"/>
+          <a:cs typeface="MS PGothic" pitchFamily="-110" charset="-128"/>
         </a:defRPr>
       </a:lvl2pPr>
       <a:lvl3pPr algn="l" rtl="0" eaLnBrk="0" fontAlgn="base" hangingPunct="0">
@@ -3222,9 +3212,9 @@
           <a:solidFill>
             <a:schemeClr val="tx1"/>
           </a:solidFill>
-          <a:latin typeface="Verdana" pitchFamily="-110" charset="0"/>
-          <a:ea typeface="ＭＳ Ｐゴシック" pitchFamily="-110" charset="-128"/>
-          <a:cs typeface="ＭＳ Ｐゴシック" pitchFamily="-110" charset="-128"/>
+          <a:latin typeface="Verdana" panose="020B0604030504040204" pitchFamily="-110" charset="0"/>
+          <a:ea typeface="MS PGothic" pitchFamily="-110" charset="-128"/>
+          <a:cs typeface="MS PGothic" pitchFamily="-110" charset="-128"/>
         </a:defRPr>
       </a:lvl3pPr>
       <a:lvl4pPr algn="l" rtl="0" eaLnBrk="0" fontAlgn="base" hangingPunct="0">
@@ -3238,9 +3228,9 @@
           <a:solidFill>
             <a:schemeClr val="tx1"/>
           </a:solidFill>
-          <a:latin typeface="Verdana" pitchFamily="-110" charset="0"/>
-          <a:ea typeface="ＭＳ Ｐゴシック" pitchFamily="-110" charset="-128"/>
-          <a:cs typeface="ＭＳ Ｐゴシック" pitchFamily="-110" charset="-128"/>
+          <a:latin typeface="Verdana" panose="020B0604030504040204" pitchFamily="-110" charset="0"/>
+          <a:ea typeface="MS PGothic" pitchFamily="-110" charset="-128"/>
+          <a:cs typeface="MS PGothic" pitchFamily="-110" charset="-128"/>
         </a:defRPr>
       </a:lvl4pPr>
       <a:lvl5pPr algn="l" rtl="0" eaLnBrk="0" fontAlgn="base" hangingPunct="0">
@@ -3254,9 +3244,9 @@
           <a:solidFill>
             <a:schemeClr val="tx1"/>
           </a:solidFill>
-          <a:latin typeface="Verdana" pitchFamily="-110" charset="0"/>
-          <a:ea typeface="ＭＳ Ｐゴシック" pitchFamily="-110" charset="-128"/>
-          <a:cs typeface="ＭＳ Ｐゴシック" pitchFamily="-110" charset="-128"/>
+          <a:latin typeface="Verdana" panose="020B0604030504040204" pitchFamily="-110" charset="0"/>
+          <a:ea typeface="MS PGothic" pitchFamily="-110" charset="-128"/>
+          <a:cs typeface="MS PGothic" pitchFamily="-110" charset="-128"/>
         </a:defRPr>
       </a:lvl5pPr>
       <a:lvl6pPr marL="457200" algn="l" rtl="0" eaLnBrk="0" fontAlgn="base" hangingPunct="0">
@@ -3270,7 +3260,7 @@
           <a:solidFill>
             <a:schemeClr val="tx1"/>
           </a:solidFill>
-          <a:latin typeface="Verdana" pitchFamily="-110" charset="0"/>
+          <a:latin typeface="Verdana" panose="020B0604030504040204" pitchFamily="-110" charset="0"/>
         </a:defRPr>
       </a:lvl6pPr>
       <a:lvl7pPr marL="914400" algn="l" rtl="0" eaLnBrk="0" fontAlgn="base" hangingPunct="0">
@@ -3284,7 +3274,7 @@
           <a:solidFill>
             <a:schemeClr val="tx1"/>
           </a:solidFill>
-          <a:latin typeface="Verdana" pitchFamily="-110" charset="0"/>
+          <a:latin typeface="Verdana" panose="020B0604030504040204" pitchFamily="-110" charset="0"/>
         </a:defRPr>
       </a:lvl7pPr>
       <a:lvl8pPr marL="1371600" algn="l" rtl="0" eaLnBrk="0" fontAlgn="base" hangingPunct="0">
@@ -3298,7 +3288,7 @@
           <a:solidFill>
             <a:schemeClr val="tx1"/>
           </a:solidFill>
-          <a:latin typeface="Verdana" pitchFamily="-110" charset="0"/>
+          <a:latin typeface="Verdana" panose="020B0604030504040204" pitchFamily="-110" charset="0"/>
         </a:defRPr>
       </a:lvl8pPr>
       <a:lvl9pPr marL="1828800" algn="l" rtl="0" eaLnBrk="0" fontAlgn="base" hangingPunct="0">
@@ -3312,12 +3302,12 @@
           <a:solidFill>
             <a:schemeClr val="tx1"/>
           </a:solidFill>
-          <a:latin typeface="Verdana" pitchFamily="-110" charset="0"/>
+          <a:latin typeface="Verdana" panose="020B0604030504040204" pitchFamily="-110" charset="0"/>
         </a:defRPr>
       </a:lvl9pPr>
     </p:titleStyle>
     <p:bodyStyle>
-      <a:lvl1pPr marL="290513" indent="-290513" algn="l" rtl="0" eaLnBrk="0" fontAlgn="base" hangingPunct="0">
+      <a:lvl1pPr marL="290830" indent="-290830" algn="l" rtl="0" eaLnBrk="0" fontAlgn="base" hangingPunct="0">
         <a:spcBef>
           <a:spcPct val="20000"/>
         </a:spcBef>
@@ -3328,18 +3318,18 @@
           <a:schemeClr val="tx2"/>
         </a:buClr>
         <a:buSzPct val="65000"/>
-        <a:buFont typeface="Wingdings" pitchFamily="2" charset="2"/>
+        <a:buFont typeface="Wingdings" panose="05000000000000000000" pitchFamily="2" charset="2"/>
         <a:buChar char=""/>
         <a:defRPr sz="2400">
           <a:solidFill>
             <a:srgbClr val="000000"/>
           </a:solidFill>
           <a:latin typeface="+mn-lt"/>
-          <a:ea typeface="ＭＳ Ｐゴシック" pitchFamily="-110" charset="-128"/>
-          <a:cs typeface="ＭＳ Ｐゴシック" pitchFamily="-110" charset="-128"/>
+          <a:ea typeface="MS PGothic" pitchFamily="-110" charset="-128"/>
+          <a:cs typeface="MS PGothic" pitchFamily="-110" charset="-128"/>
         </a:defRPr>
       </a:lvl1pPr>
-      <a:lvl2pPr marL="633413" indent="-228600" algn="l" rtl="0" eaLnBrk="0" fontAlgn="base" hangingPunct="0">
+      <a:lvl2pPr marL="633730" indent="-228600" algn="l" rtl="0" eaLnBrk="0" fontAlgn="base" hangingPunct="0">
         <a:spcBef>
           <a:spcPct val="20000"/>
         </a:spcBef>
@@ -3355,11 +3345,11 @@
             <a:srgbClr val="000000"/>
           </a:solidFill>
           <a:latin typeface="+mn-lt"/>
-          <a:ea typeface="ＭＳ Ｐゴシック" pitchFamily="-110" charset="-128"/>
-          <a:cs typeface="ＭＳ Ｐゴシック"/>
+          <a:ea typeface="MS PGothic" pitchFamily="-110" charset="-128"/>
+          <a:cs typeface="MS PGothic"/>
         </a:defRPr>
       </a:lvl2pPr>
-      <a:lvl3pPr marL="969963" indent="-222250" algn="l" rtl="0" eaLnBrk="0" fontAlgn="base" hangingPunct="0">
+      <a:lvl3pPr marL="970280" indent="-222250" algn="l" rtl="0" eaLnBrk="0" fontAlgn="base" hangingPunct="0">
         <a:spcBef>
           <a:spcPct val="20000"/>
         </a:spcBef>
@@ -3372,11 +3362,11 @@
             <a:srgbClr val="000000"/>
           </a:solidFill>
           <a:latin typeface="+mn-lt"/>
-          <a:ea typeface="ＭＳ Ｐゴシック" pitchFamily="-110" charset="-128"/>
-          <a:cs typeface="ＭＳ Ｐゴシック"/>
+          <a:ea typeface="MS PGothic" pitchFamily="-110" charset="-128"/>
+          <a:cs typeface="MS PGothic"/>
         </a:defRPr>
       </a:lvl3pPr>
-      <a:lvl4pPr marL="1258888" indent="-228600" algn="l" rtl="0" eaLnBrk="0" fontAlgn="base" hangingPunct="0">
+      <a:lvl4pPr marL="1259205" indent="-228600" algn="l" rtl="0" eaLnBrk="0" fontAlgn="base" hangingPunct="0">
         <a:spcBef>
           <a:spcPct val="0"/>
         </a:spcBef>
@@ -3394,11 +3384,11 @@
             <a:srgbClr val="000000"/>
           </a:solidFill>
           <a:latin typeface="+mn-lt"/>
-          <a:ea typeface="ＭＳ Ｐゴシック" pitchFamily="-110" charset="-128"/>
-          <a:cs typeface="ＭＳ Ｐゴシック"/>
+          <a:ea typeface="MS PGothic" pitchFamily="-110" charset="-128"/>
+          <a:cs typeface="MS PGothic"/>
         </a:defRPr>
       </a:lvl4pPr>
-      <a:lvl5pPr marL="2055813" indent="-230188" algn="l" rtl="0" eaLnBrk="0" fontAlgn="base" hangingPunct="0">
+      <a:lvl5pPr marL="2056130" indent="-230505" algn="l" rtl="0" eaLnBrk="0" fontAlgn="base" hangingPunct="0">
         <a:spcBef>
           <a:spcPct val="20000"/>
         </a:spcBef>
@@ -3412,12 +3402,12 @@
           <a:solidFill>
             <a:schemeClr val="tx1"/>
           </a:solidFill>
-          <a:latin typeface="Times New Roman" pitchFamily="-110" charset="0"/>
-          <a:ea typeface="ＭＳ Ｐゴシック" pitchFamily="-110" charset="-128"/>
-          <a:cs typeface="ＭＳ Ｐゴシック"/>
+          <a:latin typeface="Times New Roman" panose="02020603050405020304" pitchFamily="-110" charset="0"/>
+          <a:ea typeface="MS PGothic" pitchFamily="-110" charset="-128"/>
+          <a:cs typeface="MS PGothic"/>
         </a:defRPr>
       </a:lvl5pPr>
-      <a:lvl6pPr marL="2513013" indent="-230188" algn="l" rtl="0" eaLnBrk="0" fontAlgn="base" hangingPunct="0">
+      <a:lvl6pPr marL="2513330" indent="-230505" algn="l" rtl="0" eaLnBrk="0" fontAlgn="base" hangingPunct="0">
         <a:spcBef>
           <a:spcPct val="20000"/>
         </a:spcBef>
@@ -3431,11 +3421,11 @@
           <a:solidFill>
             <a:schemeClr val="tx1"/>
           </a:solidFill>
-          <a:latin typeface="Times New Roman" pitchFamily="-110" charset="0"/>
-          <a:ea typeface="ＭＳ Ｐゴシック" pitchFamily="-110" charset="-128"/>
+          <a:latin typeface="Times New Roman" panose="02020603050405020304" pitchFamily="-110" charset="0"/>
+          <a:ea typeface="MS PGothic" pitchFamily="-110" charset="-128"/>
         </a:defRPr>
       </a:lvl6pPr>
-      <a:lvl7pPr marL="2970213" indent="-230188" algn="l" rtl="0" eaLnBrk="0" fontAlgn="base" hangingPunct="0">
+      <a:lvl7pPr marL="2970530" indent="-230505" algn="l" rtl="0" eaLnBrk="0" fontAlgn="base" hangingPunct="0">
         <a:spcBef>
           <a:spcPct val="20000"/>
         </a:spcBef>
@@ -3449,11 +3439,11 @@
           <a:solidFill>
             <a:schemeClr val="tx1"/>
           </a:solidFill>
-          <a:latin typeface="Times New Roman" pitchFamily="-110" charset="0"/>
-          <a:ea typeface="ＭＳ Ｐゴシック" pitchFamily="-110" charset="-128"/>
+          <a:latin typeface="Times New Roman" panose="02020603050405020304" pitchFamily="-110" charset="0"/>
+          <a:ea typeface="MS PGothic" pitchFamily="-110" charset="-128"/>
         </a:defRPr>
       </a:lvl7pPr>
-      <a:lvl8pPr marL="3427413" indent="-230188" algn="l" rtl="0" eaLnBrk="0" fontAlgn="base" hangingPunct="0">
+      <a:lvl8pPr marL="3427730" indent="-230505" algn="l" rtl="0" eaLnBrk="0" fontAlgn="base" hangingPunct="0">
         <a:spcBef>
           <a:spcPct val="20000"/>
         </a:spcBef>
@@ -3467,11 +3457,11 @@
           <a:solidFill>
             <a:schemeClr val="tx1"/>
           </a:solidFill>
-          <a:latin typeface="Times New Roman" pitchFamily="-110" charset="0"/>
-          <a:ea typeface="ＭＳ Ｐゴシック" pitchFamily="-110" charset="-128"/>
+          <a:latin typeface="Times New Roman" panose="02020603050405020304" pitchFamily="-110" charset="0"/>
+          <a:ea typeface="MS PGothic" pitchFamily="-110" charset="-128"/>
         </a:defRPr>
       </a:lvl8pPr>
-      <a:lvl9pPr marL="3884613" indent="-230188" algn="l" rtl="0" eaLnBrk="0" fontAlgn="base" hangingPunct="0">
+      <a:lvl9pPr marL="3884930" indent="-230505" algn="l" rtl="0" eaLnBrk="0" fontAlgn="base" hangingPunct="0">
         <a:spcBef>
           <a:spcPct val="20000"/>
         </a:spcBef>
@@ -3485,8 +3475,8 @@
           <a:solidFill>
             <a:schemeClr val="tx1"/>
           </a:solidFill>
-          <a:latin typeface="Times New Roman" pitchFamily="-110" charset="0"/>
-          <a:ea typeface="ＭＳ Ｐゴシック" pitchFamily="-110" charset="-128"/>
+          <a:latin typeface="Times New Roman" panose="02020603050405020304" pitchFamily="-110" charset="0"/>
+          <a:ea typeface="MS PGothic" pitchFamily="-110" charset="-128"/>
         </a:defRPr>
       </a:lvl9pPr>
     </p:bodyStyle>
@@ -3590,7 +3580,7 @@
 </file>
 
 <file path=ppt/slides/slide1.xml><?xml version="1.0" encoding="utf-8"?>
-<p:sld xmlns:a="http://schemas.openxmlformats.org/drawingml/2006/main" xmlns:p="http://schemas.openxmlformats.org/presentationml/2006/main" xmlns:r="http://schemas.openxmlformats.org/officeDocument/2006/relationships">
+<p:sld xmlns:a="http://schemas.openxmlformats.org/drawingml/2006/main" xmlns:r="http://schemas.openxmlformats.org/officeDocument/2006/relationships" xmlns:p="http://schemas.openxmlformats.org/presentationml/2006/main">
   <p:cSld>
     <p:spTree>
       <p:nvGrpSpPr>
@@ -3606,7 +3596,7 @@
             <a:spLocks noGrp="1"/>
           </p:cNvSpPr>
           <p:nvPr>
-            <p:ph type="subTitle" idx="1" sz="quarter"/>
+            <p:ph type="subTitle" sz="quarter" idx="1"/>
           </p:nvPr>
         </p:nvSpPr>
         <p:spPr/>
@@ -3667,6 +3657,11 @@
               </a:rPr>
               <a:t>Copyright © 2021 by Elephant Scale, All Rights Reserved</a:t>
             </a:r>
+            <a:endParaRPr sz="800">
+              <a:solidFill>
+                <a:srgbClr val="000000"/>
+              </a:solidFill>
+            </a:endParaRPr>
           </a:p>
         </p:txBody>
       </p:sp>
@@ -3679,7 +3674,7 @@
 </file>
 
 <file path=ppt/slides/slide10.xml><?xml version="1.0" encoding="utf-8"?>
-<p:sld xmlns:a="http://schemas.openxmlformats.org/drawingml/2006/main" xmlns:p="http://schemas.openxmlformats.org/presentationml/2006/main" xmlns:r="http://schemas.openxmlformats.org/officeDocument/2006/relationships">
+<p:sld xmlns:a="http://schemas.openxmlformats.org/drawingml/2006/main" xmlns:r="http://schemas.openxmlformats.org/officeDocument/2006/relationships" xmlns:p="http://schemas.openxmlformats.org/presentationml/2006/main">
   <p:cSld>
     <p:spTree>
       <p:nvGrpSpPr>
@@ -3768,6 +3763,11 @@
               </a:rPr>
               <a:t>Copyright © 2021 by Elephant Scale, All Rights Reserved</a:t>
             </a:r>
+            <a:endParaRPr sz="800">
+              <a:solidFill>
+                <a:srgbClr val="000000"/>
+              </a:solidFill>
+            </a:endParaRPr>
           </a:p>
         </p:txBody>
       </p:sp>
@@ -3780,7 +3780,7 @@
           <p:nvPr/>
         </p:nvPicPr>
         <p:blipFill>
-          <a:blip r:embed="rId2"/>
+          <a:blip r:embed="rId1"/>
           <a:stretch>
             <a:fillRect/>
           </a:stretch>
@@ -3804,7 +3804,7 @@
 </file>
 
 <file path=ppt/slides/slide11.xml><?xml version="1.0" encoding="utf-8"?>
-<p:sld xmlns:a="http://schemas.openxmlformats.org/drawingml/2006/main" xmlns:p="http://schemas.openxmlformats.org/presentationml/2006/main" xmlns:r="http://schemas.openxmlformats.org/officeDocument/2006/relationships">
+<p:sld xmlns:a="http://schemas.openxmlformats.org/drawingml/2006/main" xmlns:r="http://schemas.openxmlformats.org/officeDocument/2006/relationships" xmlns:p="http://schemas.openxmlformats.org/presentationml/2006/main">
   <p:cSld>
     <p:spTree>
       <p:nvGrpSpPr>
@@ -3862,6 +3862,7 @@
               <a:rPr i="1"/>
               <a:t> Please review this suspicious transaction on your account</a:t>
             </a:r>
+            <a:endParaRPr i="1"/>
           </a:p>
           <a:p>
             <a:r>
@@ -3906,6 +3907,11 @@
               </a:rPr>
               <a:t>Copyright © 2021 by Elephant Scale, All Rights Reserved</a:t>
             </a:r>
+            <a:endParaRPr sz="800">
+              <a:solidFill>
+                <a:srgbClr val="000000"/>
+              </a:solidFill>
+            </a:endParaRPr>
           </a:p>
         </p:txBody>
       </p:sp>
@@ -3918,14 +3924,14 @@
           <p:nvPr/>
         </p:nvPicPr>
         <p:blipFill>
-          <a:blip r:embed="rId2"/>
+          <a:blip r:embed="rId1"/>
           <a:stretch>
             <a:fillRect/>
           </a:stretch>
         </p:blipFill>
         <p:spPr>
           <a:xfrm>
-            <a:off x="0" y="1792224"/>
+            <a:off x="0" y="1482344"/>
             <a:ext cx="8915400" cy="347463"/>
           </a:xfrm>
           <a:prstGeom prst="rect">
@@ -3942,15 +3948,15 @@
           <p:nvPr/>
         </p:nvPicPr>
         <p:blipFill>
-          <a:blip r:embed="rId3"/>
+          <a:blip r:embed="rId2"/>
           <a:stretch>
             <a:fillRect/>
           </a:stretch>
         </p:blipFill>
         <p:spPr>
           <a:xfrm>
-            <a:off x="0" y="3986783"/>
-            <a:ext cx="10160000" cy="787400"/>
+            <a:off x="0" y="3986530"/>
+            <a:ext cx="9239250" cy="716280"/>
           </a:xfrm>
           <a:prstGeom prst="rect">
             <a:avLst/>
@@ -3966,7 +3972,7 @@
 </file>
 
 <file path=ppt/slides/slide12.xml><?xml version="1.0" encoding="utf-8"?>
-<p:sld xmlns:a="http://schemas.openxmlformats.org/drawingml/2006/main" xmlns:p="http://schemas.openxmlformats.org/presentationml/2006/main" xmlns:r="http://schemas.openxmlformats.org/officeDocument/2006/relationships">
+<p:sld xmlns:a="http://schemas.openxmlformats.org/drawingml/2006/main" xmlns:r="http://schemas.openxmlformats.org/officeDocument/2006/relationships" xmlns:p="http://schemas.openxmlformats.org/presentationml/2006/main">
   <p:cSld>
     <p:spTree>
       <p:nvGrpSpPr>
@@ -4077,6 +4083,11 @@
               </a:rPr>
               <a:t>Copyright © 2021 by Elephant Scale, All Rights Reserved</a:t>
             </a:r>
+            <a:endParaRPr sz="800">
+              <a:solidFill>
+                <a:srgbClr val="000000"/>
+              </a:solidFill>
+            </a:endParaRPr>
           </a:p>
         </p:txBody>
       </p:sp>
@@ -4089,7 +4100,7 @@
 </file>
 
 <file path=ppt/slides/slide13.xml><?xml version="1.0" encoding="utf-8"?>
-<p:sld xmlns:a="http://schemas.openxmlformats.org/drawingml/2006/main" xmlns:p="http://schemas.openxmlformats.org/presentationml/2006/main" xmlns:r="http://schemas.openxmlformats.org/officeDocument/2006/relationships">
+<p:sld xmlns:a="http://schemas.openxmlformats.org/drawingml/2006/main" xmlns:r="http://schemas.openxmlformats.org/officeDocument/2006/relationships" xmlns:p="http://schemas.openxmlformats.org/presentationml/2006/main">
   <p:cSld>
     <p:spTree>
       <p:nvGrpSpPr>
@@ -4179,6 +4190,11 @@
               </a:rPr>
               <a:t>Copyright © 2021 by Elephant Scale, All Rights Reserved</a:t>
             </a:r>
+            <a:endParaRPr sz="800">
+              <a:solidFill>
+                <a:srgbClr val="000000"/>
+              </a:solidFill>
+            </a:endParaRPr>
           </a:p>
         </p:txBody>
       </p:sp>
@@ -4191,7 +4207,7 @@
           <p:nvPr/>
         </p:nvPicPr>
         <p:blipFill>
-          <a:blip r:embed="rId2"/>
+          <a:blip r:embed="rId1"/>
           <a:stretch>
             <a:fillRect/>
           </a:stretch>
@@ -4215,7 +4231,7 @@
 </file>
 
 <file path=ppt/slides/slide14.xml><?xml version="1.0" encoding="utf-8"?>
-<p:sld xmlns:a="http://schemas.openxmlformats.org/drawingml/2006/main" xmlns:p="http://schemas.openxmlformats.org/presentationml/2006/main" xmlns:r="http://schemas.openxmlformats.org/officeDocument/2006/relationships">
+<p:sld xmlns:a="http://schemas.openxmlformats.org/drawingml/2006/main" xmlns:r="http://schemas.openxmlformats.org/officeDocument/2006/relationships" xmlns:p="http://schemas.openxmlformats.org/presentationml/2006/main">
   <p:cSld>
     <p:spTree>
       <p:nvGrpSpPr>
@@ -4311,6 +4327,11 @@
               </a:rPr>
               <a:t>Copyright © 2021 by Elephant Scale, All Rights Reserved</a:t>
             </a:r>
+            <a:endParaRPr sz="800">
+              <a:solidFill>
+                <a:srgbClr val="000000"/>
+              </a:solidFill>
+            </a:endParaRPr>
           </a:p>
         </p:txBody>
       </p:sp>
@@ -4323,15 +4344,15 @@
           <p:nvPr/>
         </p:nvPicPr>
         <p:blipFill>
-          <a:blip r:embed="rId2"/>
+          <a:blip r:embed="rId1"/>
           <a:stretch>
             <a:fillRect/>
           </a:stretch>
         </p:blipFill>
         <p:spPr>
           <a:xfrm>
-            <a:off x="0" y="1792224"/>
-            <a:ext cx="8483600" cy="520700"/>
+            <a:off x="0" y="1786890"/>
+            <a:ext cx="7602220" cy="466725"/>
           </a:xfrm>
           <a:prstGeom prst="rect">
             <a:avLst/>
@@ -4347,14 +4368,14 @@
           <p:nvPr/>
         </p:nvPicPr>
         <p:blipFill>
-          <a:blip r:embed="rId3"/>
+          <a:blip r:embed="rId2"/>
           <a:stretch>
             <a:fillRect/>
           </a:stretch>
         </p:blipFill>
         <p:spPr>
           <a:xfrm>
-            <a:off x="0" y="2670048"/>
+            <a:off x="0" y="3158363"/>
             <a:ext cx="8915400" cy="1003943"/>
           </a:xfrm>
           <a:prstGeom prst="rect">
@@ -4371,7 +4392,7 @@
 </file>
 
 <file path=ppt/slides/slide15.xml><?xml version="1.0" encoding="utf-8"?>
-<p:sld xmlns:a="http://schemas.openxmlformats.org/drawingml/2006/main" xmlns:p="http://schemas.openxmlformats.org/presentationml/2006/main" xmlns:r="http://schemas.openxmlformats.org/officeDocument/2006/relationships">
+<p:sld xmlns:a="http://schemas.openxmlformats.org/drawingml/2006/main" xmlns:r="http://schemas.openxmlformats.org/officeDocument/2006/relationships" xmlns:p="http://schemas.openxmlformats.org/presentationml/2006/main">
   <p:cSld>
     <p:spTree>
       <p:nvGrpSpPr>
@@ -4396,7 +4417,7 @@
           <a:lstStyle/>
           <a:p>
             <a:r>
-              <a:t>Example #1 - Parameter Insertion</a:t>
+              <a:t>Example #2 - Parameter Insertion</a:t>
             </a:r>
           </a:p>
         </p:txBody>
@@ -4478,6 +4499,11 @@
               </a:rPr>
               <a:t>Copyright © 2021 by Elephant Scale, All Rights Reserved</a:t>
             </a:r>
+            <a:endParaRPr sz="800">
+              <a:solidFill>
+                <a:srgbClr val="000000"/>
+              </a:solidFill>
+            </a:endParaRPr>
           </a:p>
         </p:txBody>
       </p:sp>
@@ -4490,15 +4516,15 @@
           <p:nvPr/>
         </p:nvPicPr>
         <p:blipFill>
-          <a:blip r:embed="rId2"/>
+          <a:blip r:embed="rId1"/>
           <a:stretch>
             <a:fillRect/>
           </a:stretch>
         </p:blipFill>
         <p:spPr>
           <a:xfrm>
-            <a:off x="0" y="1792224"/>
-            <a:ext cx="11074400" cy="520700"/>
+            <a:off x="0" y="1791970"/>
+            <a:ext cx="9415145" cy="442595"/>
           </a:xfrm>
           <a:prstGeom prst="rect">
             <a:avLst/>
@@ -4514,7 +4540,7 @@
 </file>
 
 <file path=ppt/slides/slide16.xml><?xml version="1.0" encoding="utf-8"?>
-<p:sld xmlns:a="http://schemas.openxmlformats.org/drawingml/2006/main" xmlns:p="http://schemas.openxmlformats.org/presentationml/2006/main" xmlns:r="http://schemas.openxmlformats.org/officeDocument/2006/relationships">
+<p:sld xmlns:a="http://schemas.openxmlformats.org/drawingml/2006/main" xmlns:r="http://schemas.openxmlformats.org/officeDocument/2006/relationships" xmlns:p="http://schemas.openxmlformats.org/presentationml/2006/main">
   <p:cSld>
     <p:spTree>
       <p:nvGrpSpPr>
@@ -4578,7 +4604,7 @@
           <a:p/>
           <a:p>
             <a:r>
-              <a:t> If the user selects image one, then the URL is:</a:t>
+              <a:t> If the user selects image 1, then the URL is:</a:t>
             </a:r>
           </a:p>
           <a:p/>
@@ -4614,6 +4640,11 @@
               </a:rPr>
               <a:t>Copyright © 2021 by Elephant Scale, All Rights Reserved</a:t>
             </a:r>
+            <a:endParaRPr sz="800">
+              <a:solidFill>
+                <a:srgbClr val="000000"/>
+              </a:solidFill>
+            </a:endParaRPr>
           </a:p>
         </p:txBody>
       </p:sp>
@@ -4626,7 +4657,7 @@
           <p:nvPr/>
         </p:nvPicPr>
         <p:blipFill>
-          <a:blip r:embed="rId2"/>
+          <a:blip r:embed="rId1"/>
           <a:stretch>
             <a:fillRect/>
           </a:stretch>
@@ -4650,7 +4681,7 @@
           <p:nvPr/>
         </p:nvPicPr>
         <p:blipFill>
-          <a:blip r:embed="rId3"/>
+          <a:blip r:embed="rId2"/>
           <a:stretch>
             <a:fillRect/>
           </a:stretch>
@@ -4674,7 +4705,7 @@
           <p:nvPr/>
         </p:nvPicPr>
         <p:blipFill>
-          <a:blip r:embed="rId4"/>
+          <a:blip r:embed="rId3"/>
           <a:stretch>
             <a:fillRect/>
           </a:stretch>
@@ -4698,7 +4729,7 @@
 </file>
 
 <file path=ppt/slides/slide17.xml><?xml version="1.0" encoding="utf-8"?>
-<p:sld xmlns:a="http://schemas.openxmlformats.org/drawingml/2006/main" xmlns:p="http://schemas.openxmlformats.org/presentationml/2006/main" xmlns:r="http://schemas.openxmlformats.org/officeDocument/2006/relationships">
+<p:sld xmlns:a="http://schemas.openxmlformats.org/drawingml/2006/main" xmlns:r="http://schemas.openxmlformats.org/officeDocument/2006/relationships" xmlns:p="http://schemas.openxmlformats.org/presentationml/2006/main">
   <p:cSld>
     <p:spTree>
       <p:nvGrpSpPr>
@@ -4723,7 +4754,7 @@
           <a:lstStyle/>
           <a:p>
             <a:r>
-              <a:t>Example #2 - URI Fragment</a:t>
+              <a:t>Example #3 - URI Fragment</a:t>
             </a:r>
           </a:p>
         </p:txBody>
@@ -4802,6 +4833,11 @@
               </a:rPr>
               <a:t>Copyright © 2021 by Elephant Scale, All Rights Reserved</a:t>
             </a:r>
+            <a:endParaRPr sz="800">
+              <a:solidFill>
+                <a:srgbClr val="000000"/>
+              </a:solidFill>
+            </a:endParaRPr>
           </a:p>
         </p:txBody>
       </p:sp>
@@ -4814,15 +4850,15 @@
           <p:nvPr/>
         </p:nvPicPr>
         <p:blipFill>
-          <a:blip r:embed="rId2"/>
+          <a:blip r:embed="rId1"/>
           <a:stretch>
             <a:fillRect/>
           </a:stretch>
         </p:blipFill>
         <p:spPr>
           <a:xfrm>
-            <a:off x="0" y="3108960"/>
-            <a:ext cx="10769600" cy="520700"/>
+            <a:off x="0" y="2999105"/>
+            <a:ext cx="9339580" cy="451485"/>
           </a:xfrm>
           <a:prstGeom prst="rect">
             <a:avLst/>
@@ -4838,7 +4874,7 @@
 </file>
 
 <file path=ppt/slides/slide18.xml><?xml version="1.0" encoding="utf-8"?>
-<p:sld xmlns:a="http://schemas.openxmlformats.org/drawingml/2006/main" xmlns:p="http://schemas.openxmlformats.org/presentationml/2006/main" xmlns:r="http://schemas.openxmlformats.org/officeDocument/2006/relationships">
+<p:sld xmlns:a="http://schemas.openxmlformats.org/drawingml/2006/main" xmlns:r="http://schemas.openxmlformats.org/officeDocument/2006/relationships" xmlns:p="http://schemas.openxmlformats.org/presentationml/2006/main">
   <p:cSld>
     <p:spTree>
       <p:nvGrpSpPr>
@@ -4944,6 +4980,11 @@
               </a:rPr>
               <a:t>Copyright © 2021 by Elephant Scale, All Rights Reserved</a:t>
             </a:r>
+            <a:endParaRPr sz="800">
+              <a:solidFill>
+                <a:srgbClr val="000000"/>
+              </a:solidFill>
+            </a:endParaRPr>
           </a:p>
         </p:txBody>
       </p:sp>
@@ -4956,7 +4997,7 @@
           <p:nvPr/>
         </p:nvPicPr>
         <p:blipFill>
-          <a:blip r:embed="rId2"/>
+          <a:blip r:embed="rId1"/>
           <a:stretch>
             <a:fillRect/>
           </a:stretch>
@@ -4980,7 +5021,7 @@
 </file>
 
 <file path=ppt/slides/slide19.xml><?xml version="1.0" encoding="utf-8"?>
-<p:sld xmlns:a="http://schemas.openxmlformats.org/drawingml/2006/main" xmlns:p="http://schemas.openxmlformats.org/presentationml/2006/main" xmlns:r="http://schemas.openxmlformats.org/officeDocument/2006/relationships">
+<p:sld xmlns:a="http://schemas.openxmlformats.org/drawingml/2006/main" xmlns:r="http://schemas.openxmlformats.org/officeDocument/2006/relationships" xmlns:p="http://schemas.openxmlformats.org/presentationml/2006/main">
   <p:cSld>
     <p:spTree>
       <p:nvGrpSpPr>
@@ -5103,6 +5144,11 @@
               </a:rPr>
               <a:t>Copyright © 2021 by Elephant Scale, All Rights Reserved</a:t>
             </a:r>
+            <a:endParaRPr sz="800">
+              <a:solidFill>
+                <a:srgbClr val="000000"/>
+              </a:solidFill>
+            </a:endParaRPr>
           </a:p>
         </p:txBody>
       </p:sp>
@@ -5115,7 +5161,7 @@
 </file>
 
 <file path=ppt/slides/slide2.xml><?xml version="1.0" encoding="utf-8"?>
-<p:sld xmlns:a="http://schemas.openxmlformats.org/drawingml/2006/main" xmlns:p="http://schemas.openxmlformats.org/presentationml/2006/main" xmlns:r="http://schemas.openxmlformats.org/officeDocument/2006/relationships">
+<p:sld xmlns:a="http://schemas.openxmlformats.org/drawingml/2006/main" xmlns:r="http://schemas.openxmlformats.org/officeDocument/2006/relationships" xmlns:p="http://schemas.openxmlformats.org/presentationml/2006/main">
   <p:cSld>
     <p:spTree>
       <p:nvGrpSpPr>
@@ -5185,7 +5231,7 @@
           <a:p>
             <a:pPr lvl="1"/>
             <a:r>
-              <a:t> Encryption</a:t>
+              <a:t> Encryption attacks</a:t>
             </a:r>
           </a:p>
           <a:p>
@@ -5255,6 +5301,11 @@
               </a:rPr>
               <a:t>Copyright © 2021 by Elephant Scale, All Rights Reserved</a:t>
             </a:r>
+            <a:endParaRPr sz="800">
+              <a:solidFill>
+                <a:srgbClr val="000000"/>
+              </a:solidFill>
+            </a:endParaRPr>
           </a:p>
         </p:txBody>
       </p:sp>
@@ -5267,7 +5318,7 @@
 </file>
 
 <file path=ppt/slides/slide20.xml><?xml version="1.0" encoding="utf-8"?>
-<p:sld xmlns:a="http://schemas.openxmlformats.org/drawingml/2006/main" xmlns:p="http://schemas.openxmlformats.org/presentationml/2006/main" xmlns:r="http://schemas.openxmlformats.org/officeDocument/2006/relationships">
+<p:sld xmlns:a="http://schemas.openxmlformats.org/drawingml/2006/main" xmlns:r="http://schemas.openxmlformats.org/officeDocument/2006/relationships" xmlns:p="http://schemas.openxmlformats.org/presentationml/2006/main">
   <p:cSld>
     <p:spTree>
       <p:nvGrpSpPr>
@@ -5292,7 +5343,7 @@
           <a:lstStyle/>
           <a:p>
             <a:r>
-              <a:t>HTML Encoding</a:t>
+              <a:t>Other XSS Preventive Measures</a:t>
             </a:r>
           </a:p>
         </p:txBody>
@@ -5313,36 +5364,27 @@
           <a:lstStyle/>
           <a:p>
             <a:r>
-              <a:t> HTML encoding is the process of replacing HTML special characters with a coded replacements</a:t>
+              <a:t> Implement Content Security Policy</a:t>
             </a:r>
           </a:p>
           <a:p>
             <a:pPr lvl="1"/>
             <a:r>
-              <a:t> This forces HTML to be treated as raw text and NOT as executable markup by the browser</a:t>
+              <a:t> A browser side directive to specify allowed sources of content</a:t>
             </a:r>
           </a:p>
           <a:p>
             <a:pPr lvl="1"/>
             <a:r>
-              <a:t> For example "&lt;" is encoded as "</a:t>
-            </a:r>
-            <a:r>
-              <a:t> lt;"</a:t>
-            </a:r>
-          </a:p>
-          <a:p>
-            <a:r>
-              <a:t> In the persistent XSS example, the injected payload was</a:t>
-            </a:r>
-          </a:p>
-          <a:p/>
-          <a:p>
-            <a:r>
-              <a:t> After HTML encoding, it is treated as text and looks like</a:t>
-            </a:r>
-          </a:p>
-          <a:p/>
+              <a:t> The directive below allows JavaScript to be loaded only from the page's site and from static.domain.tld</a:t>
+            </a:r>
+          </a:p>
+          <a:p/>
+          <a:p>
+            <a:r>
+              <a:t> Hold all user generated or untrusted content for review before publishing</a:t>
+            </a:r>
+          </a:p>
         </p:txBody>
       </p:sp>
       <p:sp>
@@ -5375,6 +5417,11 @@
               </a:rPr>
               <a:t>Copyright © 2021 by Elephant Scale, All Rights Reserved</a:t>
             </a:r>
+            <a:endParaRPr sz="800">
+              <a:solidFill>
+                <a:srgbClr val="000000"/>
+              </a:solidFill>
+            </a:endParaRPr>
           </a:p>
         </p:txBody>
       </p:sp>
@@ -5387,39 +5434,15 @@
           <p:nvPr/>
         </p:nvPicPr>
         <p:blipFill>
-          <a:blip r:embed="rId2"/>
+          <a:blip r:embed="rId1"/>
           <a:stretch>
             <a:fillRect/>
           </a:stretch>
         </p:blipFill>
         <p:spPr>
           <a:xfrm>
-            <a:off x="0" y="3547872"/>
-            <a:ext cx="10160000" cy="787400"/>
-          </a:xfrm>
-          <a:prstGeom prst="rect">
-            <a:avLst/>
-          </a:prstGeom>
-        </p:spPr>
-      </p:pic>
-      <p:pic>
-        <p:nvPicPr>
-          <p:cNvPr id="6" name="Picture 5" descr="1.png"/>
-          <p:cNvPicPr>
-            <a:picLocks noChangeAspect="1"/>
-          </p:cNvPicPr>
-          <p:nvPr/>
-        </p:nvPicPr>
-        <p:blipFill>
-          <a:blip r:embed="rId3"/>
-          <a:stretch>
-            <a:fillRect/>
-          </a:stretch>
-        </p:blipFill>
-        <p:spPr>
-          <a:xfrm>
-            <a:off x="0" y="4864608"/>
-            <a:ext cx="8915400" cy="585545"/>
+            <a:off x="0" y="2625090"/>
+            <a:ext cx="8915400" cy="351472"/>
           </a:xfrm>
           <a:prstGeom prst="rect">
             <a:avLst/>
@@ -5435,7 +5458,7 @@
 </file>
 
 <file path=ppt/slides/slide21.xml><?xml version="1.0" encoding="utf-8"?>
-<p:sld xmlns:a="http://schemas.openxmlformats.org/drawingml/2006/main" xmlns:p="http://schemas.openxmlformats.org/presentationml/2006/main" xmlns:r="http://schemas.openxmlformats.org/officeDocument/2006/relationships">
+<p:sld xmlns:a="http://schemas.openxmlformats.org/drawingml/2006/main" xmlns:r="http://schemas.openxmlformats.org/officeDocument/2006/relationships" xmlns:p="http://schemas.openxmlformats.org/presentationml/2006/main">
   <p:cSld>
     <p:spTree>
       <p:nvGrpSpPr>
@@ -5460,7 +5483,7 @@
           <a:lstStyle/>
           <a:p>
             <a:r>
-              <a:t>Other Defences Against XSS</a:t>
+              <a:t>Malicious File Execution</a:t>
             </a:r>
           </a:p>
         </p:txBody>
@@ -5481,49 +5504,41 @@
           <a:lstStyle/>
           <a:p>
             <a:r>
-              <a:t> Any content that does not come from trusted sources is flagged as</a:t>
-            </a:r>
-            <a:r>
-              <a:rPr i="1"/>
-              <a:t> untrusted content</a:t>
-            </a:r>
-          </a:p>
-          <a:p>
-            <a:r>
-              <a:t> Any untrusted content should be inserted only in specified and monitored locations</a:t>
-            </a:r>
-          </a:p>
-          <a:p>
-            <a:r>
-              <a:t> No untrusted content is used as content in an HTML element without being HTML encoded</a:t>
+              <a:t> There are two basic types of malicious file execution</a:t>
+            </a:r>
+          </a:p>
+          <a:p>
+            <a:r>
+              <a:t> Client side attacks</a:t>
             </a:r>
           </a:p>
           <a:p>
             <a:pPr lvl="1"/>
             <a:r>
-              <a:t> This ensures the content is treated as data and not as markup</a:t>
-            </a:r>
-          </a:p>
-          <a:p>
-            <a:r>
-              <a:t> All attribute values must be attribute encoded</a:t>
+              <a:t> Malicious code is inserted into the client machine to compromise its operations</a:t>
             </a:r>
           </a:p>
           <a:p>
             <a:pPr lvl="1"/>
             <a:r>
-              <a:t> Attribute encoding is a subset of HTML encoding</a:t>
+              <a:t> Often targets communications between the browser and the browser security mechanisms</a:t>
+            </a:r>
+          </a:p>
+          <a:p>
+            <a:r>
+              <a:t> Server side attacks</a:t>
             </a:r>
           </a:p>
           <a:p>
             <a:pPr lvl="1"/>
             <a:r>
-              <a:t> A different encoding is used because attributes are parsed differently than HTML elements</a:t>
-            </a:r>
-          </a:p>
-          <a:p>
-            <a:r>
-              <a:t> Similar encoding rules exist for CSS and JavaScript</a:t>
+              <a:t> Malicious code is inserted into the server environment to execute on the server or to  interfere with the server operations</a:t>
+            </a:r>
+          </a:p>
+          <a:p>
+            <a:pPr lvl="1"/>
+            <a:r>
+              <a:t> Often the result of poor security protocols on the server side</a:t>
             </a:r>
           </a:p>
         </p:txBody>
@@ -5558,6 +5573,11 @@
               </a:rPr>
               <a:t>Copyright © 2021 by Elephant Scale, All Rights Reserved</a:t>
             </a:r>
+            <a:endParaRPr sz="800">
+              <a:solidFill>
+                <a:srgbClr val="000000"/>
+              </a:solidFill>
+            </a:endParaRPr>
           </a:p>
         </p:txBody>
       </p:sp>
@@ -5570,7 +5590,7 @@
 </file>
 
 <file path=ppt/slides/slide22.xml><?xml version="1.0" encoding="utf-8"?>
-<p:sld xmlns:a="http://schemas.openxmlformats.org/drawingml/2006/main" xmlns:p="http://schemas.openxmlformats.org/presentationml/2006/main" xmlns:r="http://schemas.openxmlformats.org/officeDocument/2006/relationships">
+<p:sld xmlns:a="http://schemas.openxmlformats.org/drawingml/2006/main" xmlns:r="http://schemas.openxmlformats.org/officeDocument/2006/relationships" xmlns:p="http://schemas.openxmlformats.org/presentationml/2006/main">
   <p:cSld>
     <p:spTree>
       <p:nvGrpSpPr>
@@ -5595,7 +5615,7 @@
           <a:lstStyle/>
           <a:p>
             <a:r>
-              <a:t>Other Defences Against XSS</a:t>
+              <a:t>Labs</a:t>
             </a:r>
           </a:p>
         </p:txBody>
@@ -5616,63 +5636,21 @@
           <a:lstStyle/>
           <a:p>
             <a:r>
-              <a:t> Sanitize all untrusted content</a:t>
-            </a:r>
-          </a:p>
-          <a:p>
-            <a:r>
-              <a:t> If some HTML markup is allowed in untrusted input, sanitizing removes all the illegal input</a:t>
-            </a:r>
-          </a:p>
-          <a:p>
-            <a:r>
-              <a:t> For example, a comment section for a blog allows</a:t>
-            </a:r>
-            <a:r>
-              <a:rPr>
-                <a:latin typeface="Courier New"/>
-              </a:rPr>
-              <a:t> &lt;b&gt;</a:t>
-            </a:r>
-            <a:r>
-              <a:t> ,</a:t>
-            </a:r>
-            <a:r>
-              <a:rPr>
-                <a:latin typeface="Courier New"/>
-              </a:rPr>
-              <a:t> &lt;i&gt;</a:t>
-            </a:r>
-            <a:r>
-              <a:t> and</a:t>
-            </a:r>
-            <a:r>
-              <a:rPr>
-                <a:latin typeface="Courier New"/>
-              </a:rPr>
-              <a:t> &lt;hr&gt;</a:t>
-            </a:r>
-            <a:r>
-              <a:t> tags</a:t>
-            </a:r>
-          </a:p>
-          <a:p>
-            <a:r>
-              <a:t> The uploaded HTML is</a:t>
-            </a:r>
-          </a:p>
-          <a:p/>
-          <a:p>
-            <a:r>
-              <a:t> The sanitized versions is</a:t>
-            </a:r>
-          </a:p>
-          <a:p/>
-          <a:p>
-            <a:r>
-              <a:t> Any untrusted content included in HTTP responses should be sanitized to prevent XSS reflection attacks</a:t>
-            </a:r>
-          </a:p>
+              <a:t> Goat labs for XSS</a:t>
+            </a:r>
+          </a:p>
+          <a:p/>
+          <a:p/>
+          <a:p/>
+          <a:p/>
+          <a:p/>
+          <a:p/>
+          <a:p/>
+          <a:p/>
+          <a:p/>
+          <a:p/>
+          <a:p/>
+          <a:p/>
         </p:txBody>
       </p:sp>
       <p:sp>
@@ -5705,51 +5683,32 @@
               </a:rPr>
               <a:t>Copyright © 2021 by Elephant Scale, All Rights Reserved</a:t>
             </a:r>
+            <a:endParaRPr sz="800">
+              <a:solidFill>
+                <a:srgbClr val="000000"/>
+              </a:solidFill>
+            </a:endParaRPr>
           </a:p>
         </p:txBody>
       </p:sp>
       <p:pic>
         <p:nvPicPr>
-          <p:cNvPr id="5" name="Picture 4" descr="1.png"/>
+          <p:cNvPr id="5" name="Picture 4" descr="xss.png"/>
           <p:cNvPicPr>
             <a:picLocks noChangeAspect="1"/>
           </p:cNvPicPr>
           <p:nvPr/>
         </p:nvPicPr>
         <p:blipFill>
-          <a:blip r:embed="rId2"/>
+          <a:blip r:embed="rId1"/>
           <a:stretch>
             <a:fillRect/>
           </a:stretch>
         </p:blipFill>
         <p:spPr>
           <a:xfrm>
-            <a:off x="0" y="3108960"/>
-            <a:ext cx="10769600" cy="787400"/>
-          </a:xfrm>
-          <a:prstGeom prst="rect">
-            <a:avLst/>
-          </a:prstGeom>
-        </p:spPr>
-      </p:pic>
-      <p:pic>
-        <p:nvPicPr>
-          <p:cNvPr id="6" name="Picture 5" descr="1.png"/>
-          <p:cNvPicPr>
-            <a:picLocks noChangeAspect="1"/>
-          </p:cNvPicPr>
-          <p:nvPr/>
-        </p:nvPicPr>
-        <p:blipFill>
-          <a:blip r:embed="rId3"/>
-          <a:stretch>
-            <a:fillRect/>
-          </a:stretch>
-        </p:blipFill>
-        <p:spPr>
-          <a:xfrm>
-            <a:off x="0" y="3986783"/>
-            <a:ext cx="6959600" cy="520700"/>
+            <a:off x="704088" y="1710817"/>
+            <a:ext cx="7507224" cy="3482343"/>
           </a:xfrm>
           <a:prstGeom prst="rect">
             <a:avLst/>
@@ -5765,7 +5724,7 @@
 </file>
 
 <file path=ppt/slides/slide23.xml><?xml version="1.0" encoding="utf-8"?>
-<p:sld xmlns:a="http://schemas.openxmlformats.org/drawingml/2006/main" xmlns:p="http://schemas.openxmlformats.org/presentationml/2006/main" xmlns:r="http://schemas.openxmlformats.org/officeDocument/2006/relationships">
+<p:sld xmlns:a="http://schemas.openxmlformats.org/drawingml/2006/main" xmlns:r="http://schemas.openxmlformats.org/officeDocument/2006/relationships" xmlns:p="http://schemas.openxmlformats.org/presentationml/2006/main">
   <p:cSld>
     <p:spTree>
       <p:nvGrpSpPr>
@@ -5790,7 +5749,7 @@
           <a:lstStyle/>
           <a:p>
             <a:r>
-              <a:t>Sanitizing Libraries</a:t>
+              <a:t>Client Side Attacks</a:t>
             </a:r>
           </a:p>
         </p:txBody>
@@ -5811,65 +5770,64 @@
           <a:lstStyle/>
           <a:p>
             <a:r>
-              <a:t> There are multiple libraries that can be used for code sanitization</a:t>
-            </a:r>
-          </a:p>
-          <a:p>
-            <a:r>
-              <a:t> Some standard libraries are:</a:t>
-            </a:r>
-          </a:p>
-          <a:p>
-            <a:r>
-              <a:t> HTML sanitizer from</a:t>
+              <a:t> The primary type of software used in a client side attack is a Trojan</a:t>
+            </a:r>
+          </a:p>
+          <a:p>
+            <a:pPr lvl="1"/>
+            <a:r>
+              <a:t> Trojans are malicious code masquerading a trusted application</a:t>
+            </a:r>
+          </a:p>
+          <a:p>
+            <a:pPr lvl="1"/>
+            <a:r>
+              <a:t> Trojans can also modify existing trusted applications</a:t>
+            </a:r>
+          </a:p>
+          <a:p>
+            <a:pPr lvl="1"/>
+            <a:r>
+              <a:t> One of the most common client side attacks</a:t>
+            </a:r>
+          </a:p>
+          <a:p>
+            <a:pPr lvl="1"/>
+            <a:r>
+              <a:t> Enables other attacks like</a:t>
             </a:r>
             <a:r>
               <a:rPr i="1"/>
-              <a:t> Google Closure Library</a:t>
-            </a:r>
-            <a:r>
-              <a:t> (JavaScript/Node.js, docs)</a:t>
+              <a:t> session hijacking</a:t>
+            </a:r>
+            <a:r>
+              <a:t> and</a:t>
+            </a:r>
+            <a:r>
+              <a:rPr i="1"/>
+              <a:t> manipulator in the middle</a:t>
+            </a:r>
+            <a:endParaRPr i="1"/>
+          </a:p>
+          <a:p>
+            <a:r>
+              <a:t> Other client side malware deliver vectors are worms and viruses</a:t>
             </a:r>
           </a:p>
           <a:p>
             <a:pPr lvl="1"/>
             <a:r>
-              <a:t> https://developers.google.com/closure/library/</a:t>
-            </a:r>
-          </a:p>
-          <a:p>
-            <a:r>
-              <a:t> DOMPurify (JavaScript, requires jsdom for Node.js)</a:t>
+              <a:t> Worms and viruses are used to propagate malware across systems</a:t>
             </a:r>
           </a:p>
           <a:p>
             <a:pPr lvl="1"/>
             <a:r>
-              <a:t> https://github.com/cure53/DOMPurify</a:t>
-            </a:r>
-          </a:p>
-          <a:p>
-            <a:r>
-              <a:t> PHP HTML Purifier</a:t>
-            </a:r>
-          </a:p>
-          <a:p>
-            <a:pPr lvl="1"/>
-            <a:r>
-              <a:t> http://htmlpurifier.org/</a:t>
-            </a:r>
-          </a:p>
-          <a:p>
-            <a:r>
-              <a:t> Python Bleach</a:t>
-            </a:r>
-          </a:p>
-          <a:p>
-            <a:pPr lvl="1"/>
-            <a:r>
-              <a:t> https://pypi.org/project/bleach/</a:t>
-            </a:r>
-          </a:p>
+              <a:t> The payload of a worm or virus is often a Trojan</a:t>
+            </a:r>
+          </a:p>
+          <a:p/>
+          <a:p/>
         </p:txBody>
       </p:sp>
       <p:sp>
@@ -5902,138 +5860,32 @@
               </a:rPr>
               <a:t>Copyright © 2021 by Elephant Scale, All Rights Reserved</a:t>
             </a:r>
-          </a:p>
-        </p:txBody>
-      </p:sp>
-    </p:spTree>
-  </p:cSld>
-  <p:clrMapOvr>
-    <a:masterClrMapping/>
-  </p:clrMapOvr>
-</p:sld>
-</file>
-
-<file path=ppt/slides/slide24.xml><?xml version="1.0" encoding="utf-8"?>
-<p:sld xmlns:a="http://schemas.openxmlformats.org/drawingml/2006/main" xmlns:p="http://schemas.openxmlformats.org/presentationml/2006/main" xmlns:r="http://schemas.openxmlformats.org/officeDocument/2006/relationships">
-  <p:cSld>
-    <p:spTree>
-      <p:nvGrpSpPr>
-        <p:cNvPr id="1" name=""/>
-        <p:cNvGrpSpPr/>
-        <p:nvPr/>
-      </p:nvGrpSpPr>
-      <p:grpSpPr/>
-      <p:sp>
-        <p:nvSpPr>
-          <p:cNvPr id="2" name="Title 1"/>
-          <p:cNvSpPr>
-            <a:spLocks noGrp="1"/>
-          </p:cNvSpPr>
-          <p:nvPr>
-            <p:ph type="title"/>
-          </p:nvPr>
-        </p:nvSpPr>
-        <p:spPr/>
-        <p:txBody>
-          <a:bodyPr/>
-          <a:lstStyle/>
-          <a:p>
-            <a:r>
-              <a:t>Other XSS Preventive Measures</a:t>
-            </a:r>
-          </a:p>
-        </p:txBody>
-      </p:sp>
-      <p:sp>
-        <p:nvSpPr>
-          <p:cNvPr id="3" name="Content Placeholder 2"/>
-          <p:cNvSpPr>
-            <a:spLocks noGrp="1"/>
-          </p:cNvSpPr>
-          <p:nvPr>
-            <p:ph idx="1"/>
-          </p:nvPr>
-        </p:nvSpPr>
-        <p:spPr/>
-        <p:txBody>
-          <a:bodyPr/>
-          <a:lstStyle/>
-          <a:p>
-            <a:r>
-              <a:t> Implement Content Security Policy</a:t>
-            </a:r>
-          </a:p>
-          <a:p>
-            <a:pPr lvl="1"/>
-            <a:r>
-              <a:t> A browser side directive to specify allowed sources of content</a:t>
-            </a:r>
-          </a:p>
-          <a:p>
-            <a:pPr lvl="1"/>
-            <a:r>
-              <a:t> The directive below allows JavaScript to be loaded only from the page's site and from static.domain.tld</a:t>
-            </a:r>
-          </a:p>
-          <a:p/>
-          <a:p>
-            <a:r>
-              <a:t> Hold all user generated or untrusted content for review before writing</a:t>
-            </a:r>
-          </a:p>
-        </p:txBody>
-      </p:sp>
-      <p:sp>
-        <p:nvSpPr>
-          <p:cNvPr id="4" name="TextBox 3"/>
-          <p:cNvSpPr txBox="1"/>
-          <p:nvPr/>
-        </p:nvSpPr>
-        <p:spPr>
-          <a:xfrm>
-            <a:off x="704088" y="8065008"/>
-            <a:ext cx="8915400" cy="228600"/>
-          </a:xfrm>
-          <a:prstGeom prst="rect">
-            <a:avLst/>
-          </a:prstGeom>
-          <a:noFill/>
-        </p:spPr>
-        <p:txBody>
-          <a:bodyPr wrap="none">
-            <a:spAutoFit/>
-          </a:bodyPr>
-          <a:lstStyle/>
-          <a:p>
-            <a:r>
-              <a:rPr sz="800">
-                <a:solidFill>
-                  <a:srgbClr val="000000"/>
-                </a:solidFill>
-              </a:rPr>
-              <a:t>Copyright © 2021 by Elephant Scale, All Rights Reserved</a:t>
-            </a:r>
+            <a:endParaRPr sz="800">
+              <a:solidFill>
+                <a:srgbClr val="000000"/>
+              </a:solidFill>
+            </a:endParaRPr>
           </a:p>
         </p:txBody>
       </p:sp>
       <p:pic>
         <p:nvPicPr>
-          <p:cNvPr id="5" name="Picture 4" descr="1.png"/>
+          <p:cNvPr id="5" name="Picture 4" descr="TrojansVirusesWorms.png"/>
           <p:cNvPicPr>
             <a:picLocks noChangeAspect="1"/>
           </p:cNvPicPr>
           <p:nvPr/>
         </p:nvPicPr>
         <p:blipFill>
-          <a:blip r:embed="rId2"/>
+          <a:blip r:embed="rId1"/>
           <a:stretch>
             <a:fillRect/>
           </a:stretch>
         </p:blipFill>
         <p:spPr>
           <a:xfrm>
-            <a:off x="0" y="3108960"/>
-            <a:ext cx="8915400" cy="351472"/>
+            <a:off x="1028700" y="5825490"/>
+            <a:ext cx="5623560" cy="1950720"/>
           </a:xfrm>
           <a:prstGeom prst="rect">
             <a:avLst/>
@@ -6048,8 +5900,8 @@
 </p:sld>
 </file>
 
-<file path=ppt/slides/slide25.xml><?xml version="1.0" encoding="utf-8"?>
-<p:sld xmlns:a="http://schemas.openxmlformats.org/drawingml/2006/main" xmlns:p="http://schemas.openxmlformats.org/presentationml/2006/main" xmlns:r="http://schemas.openxmlformats.org/officeDocument/2006/relationships">
+<file path=ppt/slides/slide24.xml><?xml version="1.0" encoding="utf-8"?>
+<p:sld xmlns:a="http://schemas.openxmlformats.org/drawingml/2006/main" xmlns:r="http://schemas.openxmlformats.org/officeDocument/2006/relationships" xmlns:p="http://schemas.openxmlformats.org/presentationml/2006/main">
   <p:cSld>
     <p:spTree>
       <p:nvGrpSpPr>
@@ -6074,7 +5926,7 @@
           <a:lstStyle/>
           <a:p>
             <a:r>
-              <a:t>Malicious File Execution</a:t>
+              <a:t>Common Types of Trojans - RATs</a:t>
             </a:r>
           </a:p>
         </p:txBody>
@@ -6095,41 +5947,59 @@
           <a:lstStyle/>
           <a:p>
             <a:r>
-              <a:t> There are two basic types of malicious file execution</a:t>
-            </a:r>
-          </a:p>
-          <a:p>
-            <a:r>
-              <a:t> Client side attacks</a:t>
+              <a:rPr i="1"/>
+              <a:t> Remote Access Trojan (RAT):</a:t>
+            </a:r>
+            <a:r>
+              <a:t> Allows attacker to take full control a computer</a:t>
             </a:r>
           </a:p>
           <a:p>
             <a:pPr lvl="1"/>
             <a:r>
-              <a:t> Malicious code is inserted into the client machine to intercept communications between the browser and the browser security mechanisms</a:t>
+              <a:t> Often disguised as a utility or extension to an existing trusted program</a:t>
             </a:r>
           </a:p>
           <a:p>
             <a:pPr lvl="1"/>
             <a:r>
-              <a:t> Often depends on social engineering to deceive users into installation</a:t>
-            </a:r>
-          </a:p>
-          <a:p>
-            <a:r>
-              <a:t> Server side attacks</a:t>
+              <a:t> Social Engineering often used to gain access to a machine for installation of the RAT</a:t>
+            </a:r>
+          </a:p>
+          <a:p>
+            <a:r>
+              <a:t> Eg. The</a:t>
+            </a:r>
+            <a:r>
+              <a:rPr i="1"/>
+              <a:t> Windows Support Scam</a:t>
+            </a:r>
+            <a:r>
+              <a:t> is a social engineering attack for RAT installation</a:t>
             </a:r>
           </a:p>
           <a:p>
             <a:pPr lvl="1"/>
             <a:r>
-              <a:t> Malicious code is inserted into the server environment to execute on the server or to  interfere with the server operations</a:t>
+              <a:t> Users are served a phony webpage, shown on the next slide, often from some phishing attack</a:t>
             </a:r>
           </a:p>
           <a:p>
             <a:pPr lvl="1"/>
             <a:r>
-              <a:t> Often the result of poor security protocols on the server side</a:t>
+              <a:t> After calling the number, victims give scammers remote access to their computer</a:t>
+            </a:r>
+          </a:p>
+          <a:p>
+            <a:pPr lvl="1"/>
+            <a:r>
+              <a:t> The scammers install a RAT disguised as an anti-virus or other utility</a:t>
+            </a:r>
+          </a:p>
+          <a:p>
+            <a:pPr lvl="1"/>
+            <a:r>
+              <a:t> The scammers have free access to the infected machine to perform other attacks</a:t>
             </a:r>
           </a:p>
         </p:txBody>
@@ -6164,6 +6034,11 @@
               </a:rPr>
               <a:t>Copyright © 2021 by Elephant Scale, All Rights Reserved</a:t>
             </a:r>
+            <a:endParaRPr sz="800">
+              <a:solidFill>
+                <a:srgbClr val="000000"/>
+              </a:solidFill>
+            </a:endParaRPr>
           </a:p>
         </p:txBody>
       </p:sp>
@@ -6175,8 +6050,8 @@
 </p:sld>
 </file>
 
-<file path=ppt/slides/slide26.xml><?xml version="1.0" encoding="utf-8"?>
-<p:sld xmlns:a="http://schemas.openxmlformats.org/drawingml/2006/main" xmlns:p="http://schemas.openxmlformats.org/presentationml/2006/main" xmlns:r="http://schemas.openxmlformats.org/officeDocument/2006/relationships">
+<file path=ppt/slides/slide25.xml><?xml version="1.0" encoding="utf-8"?>
+<p:sld xmlns:a="http://schemas.openxmlformats.org/drawingml/2006/main" xmlns:r="http://schemas.openxmlformats.org/officeDocument/2006/relationships" xmlns:p="http://schemas.openxmlformats.org/presentationml/2006/main">
   <p:cSld>
     <p:spTree>
       <p:nvGrpSpPr>
@@ -6201,7 +6076,7 @@
           <a:lstStyle/>
           <a:p>
             <a:r>
-              <a:t>Client Side Attacks</a:t>
+              <a:t>Windows Support Scam</a:t>
             </a:r>
           </a:p>
         </p:txBody>
@@ -6220,57 +6095,18 @@
         <p:txBody>
           <a:bodyPr/>
           <a:lstStyle/>
-          <a:p>
-            <a:r>
-              <a:t> The primary vector used in a client side attack is a Trojan</a:t>
-            </a:r>
-          </a:p>
-          <a:p>
-            <a:pPr lvl="1"/>
-            <a:r>
-              <a:t> Trojans are malicious code masquerading a trusted application or modify existing trusted applications</a:t>
-            </a:r>
-          </a:p>
-          <a:p>
-            <a:pPr lvl="1"/>
-            <a:r>
-              <a:t> One of the most common client side attacks</a:t>
-            </a:r>
-          </a:p>
-          <a:p>
-            <a:pPr lvl="1"/>
-            <a:r>
-              <a:t> Enables other attacks like</a:t>
-            </a:r>
-            <a:r>
-              <a:rPr i="1"/>
-              <a:t> session hijacking</a:t>
-            </a:r>
-            <a:r>
-              <a:t> and</a:t>
-            </a:r>
-            <a:r>
-              <a:rPr i="1"/>
-              <a:t> manipulator in the middle</a:t>
-            </a:r>
-          </a:p>
-          <a:p>
-            <a:r>
-              <a:t> Other client side attack components are worms and viruses</a:t>
-            </a:r>
-          </a:p>
-          <a:p>
-            <a:pPr lvl="1"/>
-            <a:r>
-              <a:t> Worms and viruses are used to propagate malware across systems</a:t>
-            </a:r>
-          </a:p>
-          <a:p>
-            <a:pPr lvl="1"/>
-            <a:r>
-              <a:t> The payload of a worm or virus is often a Trojan</a:t>
-            </a:r>
-          </a:p>
+          <a:p/>
+          <a:p/>
+          <a:p/>
+          <a:p/>
+          <a:p/>
+          <a:p/>
+          <a:p/>
+          <a:p/>
+          <a:p/>
+          <a:p/>
+          <a:p/>
+          <a:p/>
           <a:p/>
           <a:p/>
         </p:txBody>
@@ -6305,277 +6141,11 @@
               </a:rPr>
               <a:t>Copyright © 2021 by Elephant Scale, All Rights Reserved</a:t>
             </a:r>
-          </a:p>
-        </p:txBody>
-      </p:sp>
-      <p:pic>
-        <p:nvPicPr>
-          <p:cNvPr id="5" name="Picture 4" descr="TrojansVirusesWorms.png"/>
-          <p:cNvPicPr>
-            <a:picLocks noChangeAspect="1"/>
-          </p:cNvPicPr>
-          <p:nvPr/>
-        </p:nvPicPr>
-        <p:blipFill>
-          <a:blip r:embed="rId2"/>
-          <a:stretch>
-            <a:fillRect/>
-          </a:stretch>
-        </p:blipFill>
-        <p:spPr>
-          <a:xfrm>
-            <a:off x="704088" y="5742431"/>
-            <a:ext cx="1845454" cy="640080"/>
-          </a:xfrm>
-          <a:prstGeom prst="rect">
-            <a:avLst/>
-          </a:prstGeom>
-        </p:spPr>
-      </p:pic>
-    </p:spTree>
-  </p:cSld>
-  <p:clrMapOvr>
-    <a:masterClrMapping/>
-  </p:clrMapOvr>
-</p:sld>
-</file>
-
-<file path=ppt/slides/slide27.xml><?xml version="1.0" encoding="utf-8"?>
-<p:sld xmlns:a="http://schemas.openxmlformats.org/drawingml/2006/main" xmlns:p="http://schemas.openxmlformats.org/presentationml/2006/main" xmlns:r="http://schemas.openxmlformats.org/officeDocument/2006/relationships">
-  <p:cSld>
-    <p:spTree>
-      <p:nvGrpSpPr>
-        <p:cNvPr id="1" name=""/>
-        <p:cNvGrpSpPr/>
-        <p:nvPr/>
-      </p:nvGrpSpPr>
-      <p:grpSpPr/>
-      <p:sp>
-        <p:nvSpPr>
-          <p:cNvPr id="2" name="Title 1"/>
-          <p:cNvSpPr>
-            <a:spLocks noGrp="1"/>
-          </p:cNvSpPr>
-          <p:nvPr>
-            <p:ph type="title"/>
-          </p:nvPr>
-        </p:nvSpPr>
-        <p:spPr/>
-        <p:txBody>
-          <a:bodyPr/>
-          <a:lstStyle/>
-          <a:p>
-            <a:r>
-              <a:t>Common Types of Trojans - RATs</a:t>
-            </a:r>
-          </a:p>
-        </p:txBody>
-      </p:sp>
-      <p:sp>
-        <p:nvSpPr>
-          <p:cNvPr id="3" name="Content Placeholder 2"/>
-          <p:cNvSpPr>
-            <a:spLocks noGrp="1"/>
-          </p:cNvSpPr>
-          <p:nvPr>
-            <p:ph idx="1"/>
-          </p:nvPr>
-        </p:nvSpPr>
-        <p:spPr/>
-        <p:txBody>
-          <a:bodyPr/>
-          <a:lstStyle/>
-          <a:p>
-            <a:r>
-              <a:rPr i="1"/>
-              <a:t> Remote Access Trojan (RAT):</a:t>
-            </a:r>
-            <a:r>
-              <a:t> Allows attacker to take full control a computer</a:t>
-            </a:r>
-          </a:p>
-          <a:p>
-            <a:pPr lvl="1"/>
-            <a:r>
-              <a:t> Often disguised as a utility or incorporates itself into an existing program</a:t>
-            </a:r>
-          </a:p>
-          <a:p>
-            <a:pPr lvl="1"/>
-            <a:r>
-              <a:t> Social Engineering often used to gain access to a machine for installation of the RAT</a:t>
-            </a:r>
-          </a:p>
-          <a:p>
-            <a:r>
-              <a:t> Ef. The</a:t>
-            </a:r>
-            <a:r>
-              <a:rPr i="1"/>
-              <a:t> Windows Support Scam</a:t>
-            </a:r>
-            <a:r>
-              <a:t> is a social engineering attack for RAT installation</a:t>
-            </a:r>
-          </a:p>
-          <a:p>
-            <a:pPr lvl="1"/>
-            <a:r>
-              <a:t> Users are served a phony webpage, shown on the next slide, often from some phishing attack</a:t>
-            </a:r>
-          </a:p>
-          <a:p>
-            <a:pPr lvl="1"/>
-            <a:r>
-              <a:t> After calling the number, victims give scammers remote access to their computer</a:t>
-            </a:r>
-          </a:p>
-          <a:p>
-            <a:pPr lvl="1"/>
-            <a:r>
-              <a:t> The scammers install a RAT disguised as an anti-virus or other utility</a:t>
-            </a:r>
-          </a:p>
-          <a:p>
-            <a:pPr lvl="1"/>
-            <a:r>
-              <a:t> The scammers have free access to the infected machine to perform other attacks</a:t>
-            </a:r>
-          </a:p>
-        </p:txBody>
-      </p:sp>
-      <p:sp>
-        <p:nvSpPr>
-          <p:cNvPr id="4" name="TextBox 3"/>
-          <p:cNvSpPr txBox="1"/>
-          <p:nvPr/>
-        </p:nvSpPr>
-        <p:spPr>
-          <a:xfrm>
-            <a:off x="704088" y="8065008"/>
-            <a:ext cx="8915400" cy="228600"/>
-          </a:xfrm>
-          <a:prstGeom prst="rect">
-            <a:avLst/>
-          </a:prstGeom>
-          <a:noFill/>
-        </p:spPr>
-        <p:txBody>
-          <a:bodyPr wrap="none">
-            <a:spAutoFit/>
-          </a:bodyPr>
-          <a:lstStyle/>
-          <a:p>
-            <a:r>
-              <a:rPr sz="800">
-                <a:solidFill>
-                  <a:srgbClr val="000000"/>
-                </a:solidFill>
-              </a:rPr>
-              <a:t>Copyright © 2021 by Elephant Scale, All Rights Reserved</a:t>
-            </a:r>
-          </a:p>
-        </p:txBody>
-      </p:sp>
-    </p:spTree>
-  </p:cSld>
-  <p:clrMapOvr>
-    <a:masterClrMapping/>
-  </p:clrMapOvr>
-</p:sld>
-</file>
-
-<file path=ppt/slides/slide28.xml><?xml version="1.0" encoding="utf-8"?>
-<p:sld xmlns:a="http://schemas.openxmlformats.org/drawingml/2006/main" xmlns:p="http://schemas.openxmlformats.org/presentationml/2006/main" xmlns:r="http://schemas.openxmlformats.org/officeDocument/2006/relationships">
-  <p:cSld>
-    <p:spTree>
-      <p:nvGrpSpPr>
-        <p:cNvPr id="1" name=""/>
-        <p:cNvGrpSpPr/>
-        <p:nvPr/>
-      </p:nvGrpSpPr>
-      <p:grpSpPr/>
-      <p:sp>
-        <p:nvSpPr>
-          <p:cNvPr id="2" name="Title 1"/>
-          <p:cNvSpPr>
-            <a:spLocks noGrp="1"/>
-          </p:cNvSpPr>
-          <p:nvPr>
-            <p:ph type="title"/>
-          </p:nvPr>
-        </p:nvSpPr>
-        <p:spPr/>
-        <p:txBody>
-          <a:bodyPr/>
-          <a:lstStyle/>
-          <a:p>
-            <a:r>
-              <a:t>Windows Support Scam</a:t>
-            </a:r>
-          </a:p>
-        </p:txBody>
-      </p:sp>
-      <p:sp>
-        <p:nvSpPr>
-          <p:cNvPr id="3" name="Content Placeholder 2"/>
-          <p:cNvSpPr>
-            <a:spLocks noGrp="1"/>
-          </p:cNvSpPr>
-          <p:nvPr>
-            <p:ph idx="1"/>
-          </p:nvPr>
-        </p:nvSpPr>
-        <p:spPr/>
-        <p:txBody>
-          <a:bodyPr/>
-          <a:lstStyle/>
-          <a:p/>
-          <a:p/>
-          <a:p/>
-          <a:p/>
-          <a:p/>
-          <a:p/>
-          <a:p/>
-          <a:p/>
-          <a:p/>
-          <a:p/>
-          <a:p/>
-          <a:p/>
-          <a:p/>
-          <a:p/>
-        </p:txBody>
-      </p:sp>
-      <p:sp>
-        <p:nvSpPr>
-          <p:cNvPr id="4" name="TextBox 3"/>
-          <p:cNvSpPr txBox="1"/>
-          <p:nvPr/>
-        </p:nvSpPr>
-        <p:spPr>
-          <a:xfrm>
-            <a:off x="704088" y="8065008"/>
-            <a:ext cx="8915400" cy="228600"/>
-          </a:xfrm>
-          <a:prstGeom prst="rect">
-            <a:avLst/>
-          </a:prstGeom>
-          <a:noFill/>
-        </p:spPr>
-        <p:txBody>
-          <a:bodyPr wrap="none">
-            <a:spAutoFit/>
-          </a:bodyPr>
-          <a:lstStyle/>
-          <a:p>
-            <a:r>
-              <a:rPr sz="800">
-                <a:solidFill>
-                  <a:srgbClr val="000000"/>
-                </a:solidFill>
-              </a:rPr>
-              <a:t>Copyright © 2021 by Elephant Scale, All Rights Reserved</a:t>
-            </a:r>
+            <a:endParaRPr sz="800">
+              <a:solidFill>
+                <a:srgbClr val="000000"/>
+              </a:solidFill>
+            </a:endParaRPr>
           </a:p>
         </p:txBody>
       </p:sp>
@@ -6588,14 +6158,14 @@
           <p:nvPr/>
         </p:nvPicPr>
         <p:blipFill>
-          <a:blip r:embed="rId2"/>
+          <a:blip r:embed="rId1"/>
           <a:stretch>
             <a:fillRect/>
           </a:stretch>
         </p:blipFill>
         <p:spPr>
           <a:xfrm>
-            <a:off x="704088" y="914400"/>
+            <a:off x="723773" y="1710690"/>
             <a:ext cx="7507224" cy="4101947"/>
           </a:xfrm>
           <a:prstGeom prst="rect">
@@ -6611,8 +6181,8 @@
 </p:sld>
 </file>
 
-<file path=ppt/slides/slide29.xml><?xml version="1.0" encoding="utf-8"?>
-<p:sld xmlns:a="http://schemas.openxmlformats.org/drawingml/2006/main" xmlns:p="http://schemas.openxmlformats.org/presentationml/2006/main" xmlns:r="http://schemas.openxmlformats.org/officeDocument/2006/relationships">
+<file path=ppt/slides/slide26.xml><?xml version="1.0" encoding="utf-8"?>
+<p:sld xmlns:a="http://schemas.openxmlformats.org/drawingml/2006/main" xmlns:r="http://schemas.openxmlformats.org/officeDocument/2006/relationships" xmlns:p="http://schemas.openxmlformats.org/presentationml/2006/main">
   <p:cSld>
     <p:spTree>
       <p:nvGrpSpPr>
@@ -6674,7 +6244,7 @@
           <a:p>
             <a:pPr lvl="1"/>
             <a:r>
-              <a:t> The data is then sent to the attacker</a:t>
+              <a:t> Stolen data is sent to the attacker</a:t>
             </a:r>
           </a:p>
           <a:p>
@@ -6730,6 +6300,11 @@
               </a:rPr>
               <a:t>Copyright © 2021 by Elephant Scale, All Rights Reserved</a:t>
             </a:r>
+            <a:endParaRPr sz="800">
+              <a:solidFill>
+                <a:srgbClr val="000000"/>
+              </a:solidFill>
+            </a:endParaRPr>
           </a:p>
         </p:txBody>
       </p:sp>
@@ -6741,8 +6316,8 @@
 </p:sld>
 </file>
 
-<file path=ppt/slides/slide3.xml><?xml version="1.0" encoding="utf-8"?>
-<p:sld xmlns:a="http://schemas.openxmlformats.org/drawingml/2006/main" xmlns:p="http://schemas.openxmlformats.org/presentationml/2006/main" xmlns:r="http://schemas.openxmlformats.org/officeDocument/2006/relationships">
+<file path=ppt/slides/slide27.xml><?xml version="1.0" encoding="utf-8"?>
+<p:sld xmlns:a="http://schemas.openxmlformats.org/drawingml/2006/main" xmlns:r="http://schemas.openxmlformats.org/officeDocument/2006/relationships" xmlns:p="http://schemas.openxmlformats.org/presentationml/2006/main">
   <p:cSld>
     <p:spTree>
       <p:nvGrpSpPr>
@@ -6767,7 +6342,7 @@
           <a:lstStyle/>
           <a:p>
             <a:r>
-              <a:t>Cross Site Scripting (XSS)</a:t>
+              <a:t>Zeus Trojan</a:t>
             </a:r>
           </a:p>
         </p:txBody>
@@ -6786,39 +6361,36 @@
         <p:txBody>
           <a:bodyPr/>
           <a:lstStyle/>
-          <a:p>
-            <a:r>
-              <a:t> A form of injection attack</a:t>
-            </a:r>
-          </a:p>
-          <a:p>
-            <a:r>
-              <a:t> Malicious scripts are injected into an HTTP response from a trusted website</a:t>
-            </a:r>
-          </a:p>
-          <a:p>
-            <a:r>
-              <a:t> Because the script is from a trusted source, the user's browser executes it as trusted code</a:t>
-            </a:r>
-          </a:p>
-          <a:p>
-            <a:r>
-              <a:t> The browser cannot determine that the script originated from an untrusted source</a:t>
-            </a:r>
-          </a:p>
-          <a:p>
-            <a:r>
-              <a:t> The XSS script has the same level of trust as the website the HTTP response originated from</a:t>
-            </a:r>
-          </a:p>
-          <a:p>
-            <a:r>
-              <a:t> XSS is a common attack for stealing information stored in the user's browser</a:t>
-            </a:r>
-          </a:p>
-          <a:p>
-            <a:r>
-              <a:t> And for "drive-by" installation of malware on a computer</a:t>
+          <a:p/>
+          <a:p/>
+          <a:p/>
+          <a:p/>
+          <a:p/>
+          <a:p/>
+          <a:p/>
+          <a:p>
+            <a:r>
+              <a:t> The Zeus malware was a very widespread and highly damaging Trojan</a:t>
+            </a:r>
+          </a:p>
+          <a:p>
+            <a:r>
+              <a:t> The main attack vector was a phishing email containing a URL for an XSS attack</a:t>
+            </a:r>
+          </a:p>
+          <a:p>
+            <a:r>
+              <a:t> Opening the URL installed Zeus on the victim's computer</a:t>
+            </a:r>
+          </a:p>
+          <a:p>
+            <a:r>
+              <a:t> Zeus didn't masquerade as an application but rather modified existing applications</a:t>
+            </a:r>
+          </a:p>
+          <a:p>
+            <a:r>
+              <a:t> Currently not active, it is the basis for developing other trojans</a:t>
             </a:r>
           </a:p>
         </p:txBody>
@@ -6853,126 +6425,11 @@
               </a:rPr>
               <a:t>Copyright © 2021 by Elephant Scale, All Rights Reserved</a:t>
             </a:r>
-          </a:p>
-        </p:txBody>
-      </p:sp>
-    </p:spTree>
-  </p:cSld>
-  <p:clrMapOvr>
-    <a:masterClrMapping/>
-  </p:clrMapOvr>
-</p:sld>
-</file>
-
-<file path=ppt/slides/slide30.xml><?xml version="1.0" encoding="utf-8"?>
-<p:sld xmlns:a="http://schemas.openxmlformats.org/drawingml/2006/main" xmlns:p="http://schemas.openxmlformats.org/presentationml/2006/main" xmlns:r="http://schemas.openxmlformats.org/officeDocument/2006/relationships">
-  <p:cSld>
-    <p:spTree>
-      <p:nvGrpSpPr>
-        <p:cNvPr id="1" name=""/>
-        <p:cNvGrpSpPr/>
-        <p:nvPr/>
-      </p:nvGrpSpPr>
-      <p:grpSpPr/>
-      <p:sp>
-        <p:nvSpPr>
-          <p:cNvPr id="2" name="Title 1"/>
-          <p:cNvSpPr>
-            <a:spLocks noGrp="1"/>
-          </p:cNvSpPr>
-          <p:nvPr>
-            <p:ph type="title"/>
-          </p:nvPr>
-        </p:nvSpPr>
-        <p:spPr/>
-        <p:txBody>
-          <a:bodyPr/>
-          <a:lstStyle/>
-          <a:p>
-            <a:r>
-              <a:t>Zeus Trojan</a:t>
-            </a:r>
-          </a:p>
-        </p:txBody>
-      </p:sp>
-      <p:sp>
-        <p:nvSpPr>
-          <p:cNvPr id="3" name="Content Placeholder 2"/>
-          <p:cNvSpPr>
-            <a:spLocks noGrp="1"/>
-          </p:cNvSpPr>
-          <p:nvPr>
-            <p:ph idx="1"/>
-          </p:nvPr>
-        </p:nvSpPr>
-        <p:spPr/>
-        <p:txBody>
-          <a:bodyPr/>
-          <a:lstStyle/>
-          <a:p/>
-          <a:p/>
-          <a:p/>
-          <a:p/>
-          <a:p/>
-          <a:p/>
-          <a:p/>
-          <a:p>
-            <a:r>
-              <a:t> The Zeus malware was a very widespread and highly damaging Trojans</a:t>
-            </a:r>
-          </a:p>
-          <a:p>
-            <a:r>
-              <a:t> The main attack vector was a phishing email that with a URL for an XSS attack</a:t>
-            </a:r>
-          </a:p>
-          <a:p>
-            <a:r>
-              <a:t> Victims who clicked on the URL would have Zeus installed on their computer</a:t>
-            </a:r>
-          </a:p>
-          <a:p>
-            <a:r>
-              <a:t> Zeus didn't masquerade as an application but rather modified existing applications</a:t>
-            </a:r>
-          </a:p>
-          <a:p>
-            <a:r>
-              <a:t> Currently, in "retirement," it is still the inspiration for many similar trojans</a:t>
-            </a:r>
-          </a:p>
-        </p:txBody>
-      </p:sp>
-      <p:sp>
-        <p:nvSpPr>
-          <p:cNvPr id="4" name="TextBox 3"/>
-          <p:cNvSpPr txBox="1"/>
-          <p:nvPr/>
-        </p:nvSpPr>
-        <p:spPr>
-          <a:xfrm>
-            <a:off x="704088" y="8065008"/>
-            <a:ext cx="8915400" cy="228600"/>
-          </a:xfrm>
-          <a:prstGeom prst="rect">
-            <a:avLst/>
-          </a:prstGeom>
-          <a:noFill/>
-        </p:spPr>
-        <p:txBody>
-          <a:bodyPr wrap="none">
-            <a:spAutoFit/>
-          </a:bodyPr>
-          <a:lstStyle/>
-          <a:p>
-            <a:r>
-              <a:rPr sz="800">
-                <a:solidFill>
-                  <a:srgbClr val="000000"/>
-                </a:solidFill>
-              </a:rPr>
-              <a:t>Copyright © 2021 by Elephant Scale, All Rights Reserved</a:t>
-            </a:r>
+            <a:endParaRPr sz="800">
+              <a:solidFill>
+                <a:srgbClr val="000000"/>
+              </a:solidFill>
+            </a:endParaRPr>
           </a:p>
         </p:txBody>
       </p:sp>
@@ -6985,15 +6442,15 @@
           <p:nvPr/>
         </p:nvPicPr>
         <p:blipFill>
-          <a:blip r:embed="rId2"/>
+          <a:blip r:embed="rId1"/>
           <a:stretch>
             <a:fillRect/>
           </a:stretch>
         </p:blipFill>
         <p:spPr>
           <a:xfrm>
-            <a:off x="704088" y="914400"/>
-            <a:ext cx="8001000" cy="3530600"/>
+            <a:off x="704215" y="914400"/>
+            <a:ext cx="6884670" cy="3037840"/>
           </a:xfrm>
           <a:prstGeom prst="rect">
             <a:avLst/>
@@ -7008,8 +6465,8 @@
 </p:sld>
 </file>
 
-<file path=ppt/slides/slide31.xml><?xml version="1.0" encoding="utf-8"?>
-<p:sld xmlns:a="http://schemas.openxmlformats.org/drawingml/2006/main" xmlns:p="http://schemas.openxmlformats.org/presentationml/2006/main" xmlns:r="http://schemas.openxmlformats.org/officeDocument/2006/relationships">
+<file path=ppt/slides/slide28.xml><?xml version="1.0" encoding="utf-8"?>
+<p:sld xmlns:a="http://schemas.openxmlformats.org/drawingml/2006/main" xmlns:r="http://schemas.openxmlformats.org/officeDocument/2006/relationships" xmlns:p="http://schemas.openxmlformats.org/presentationml/2006/main">
   <p:cSld>
     <p:spTree>
       <p:nvGrpSpPr>
@@ -7065,7 +6522,7 @@
           <a:p>
             <a:pPr lvl="1"/>
             <a:r>
-              <a:t> Ransomware is variation on this since the encrypted data is essentially destroyed</a:t>
+              <a:t> Eg. Ransomware since the encrypted data is often never recovered</a:t>
             </a:r>
           </a:p>
           <a:p>
@@ -7095,7 +6552,7 @@
               <a:t> FTP Trojan</a:t>
             </a:r>
             <a:r>
-              <a:t> : Uses port 21 to enable FTP file uploads to tje victim’s computer</a:t>
+              <a:t> : Uses port 21 to enable FTP file uploads to the victim’s computer</a:t>
             </a:r>
           </a:p>
           <a:p>
@@ -7104,7 +6561,7 @@
               <a:t> Security software disabler Trojan:</a:t>
             </a:r>
             <a:r>
-              <a:t> Disables security software like firewall and antivirus software</a:t>
+              <a:t> Disables security software like firewalls and antivirus software</a:t>
             </a:r>
           </a:p>
           <a:p>
@@ -7148,6 +6605,11 @@
               </a:rPr>
               <a:t>Copyright © 2021 by Elephant Scale, All Rights Reserved</a:t>
             </a:r>
+            <a:endParaRPr sz="800">
+              <a:solidFill>
+                <a:srgbClr val="000000"/>
+              </a:solidFill>
+            </a:endParaRPr>
           </a:p>
         </p:txBody>
       </p:sp>
@@ -7159,8 +6621,8 @@
 </p:sld>
 </file>
 
-<file path=ppt/slides/slide32.xml><?xml version="1.0" encoding="utf-8"?>
-<p:sld xmlns:a="http://schemas.openxmlformats.org/drawingml/2006/main" xmlns:p="http://schemas.openxmlformats.org/presentationml/2006/main" xmlns:r="http://schemas.openxmlformats.org/officeDocument/2006/relationships">
+<file path=ppt/slides/slide29.xml><?xml version="1.0" encoding="utf-8"?>
+<p:sld xmlns:a="http://schemas.openxmlformats.org/drawingml/2006/main" xmlns:r="http://schemas.openxmlformats.org/officeDocument/2006/relationships" xmlns:p="http://schemas.openxmlformats.org/presentationml/2006/main">
   <p:cSld>
     <p:spTree>
       <p:nvGrpSpPr>
@@ -7229,7 +6691,7 @@
           </a:p>
           <a:p>
             <a:r>
-              <a:t> Ransomware can also be installed by a victim directly as part of what they believe is a legitimate application</a:t>
+              <a:t> Ransomware can also be installed by a victim via compromised applications</a:t>
             </a:r>
           </a:p>
         </p:txBody>
@@ -7264,6 +6726,11 @@
               </a:rPr>
               <a:t>Copyright © 2021 by Elephant Scale, All Rights Reserved</a:t>
             </a:r>
+            <a:endParaRPr sz="800">
+              <a:solidFill>
+                <a:srgbClr val="000000"/>
+              </a:solidFill>
+            </a:endParaRPr>
           </a:p>
         </p:txBody>
       </p:sp>
@@ -7276,7 +6743,7 @@
           <p:nvPr/>
         </p:nvPicPr>
         <p:blipFill>
-          <a:blip r:embed="rId2"/>
+          <a:blip r:embed="rId1"/>
           <a:stretch>
             <a:fillRect/>
           </a:stretch>
@@ -7299,8 +6766,8 @@
 </p:sld>
 </file>
 
-<file path=ppt/slides/slide33.xml><?xml version="1.0" encoding="utf-8"?>
-<p:sld xmlns:a="http://schemas.openxmlformats.org/drawingml/2006/main" xmlns:p="http://schemas.openxmlformats.org/presentationml/2006/main" xmlns:r="http://schemas.openxmlformats.org/officeDocument/2006/relationships">
+<file path=ppt/slides/slide3.xml><?xml version="1.0" encoding="utf-8"?>
+<p:sld xmlns:a="http://schemas.openxmlformats.org/drawingml/2006/main" xmlns:r="http://schemas.openxmlformats.org/officeDocument/2006/relationships" xmlns:p="http://schemas.openxmlformats.org/presentationml/2006/main">
   <p:cSld>
     <p:spTree>
       <p:nvGrpSpPr>
@@ -7325,7 +6792,7 @@
           <a:lstStyle/>
           <a:p>
             <a:r>
-              <a:t>Client Attack Defences</a:t>
+              <a:t>Cross Site Scripting (XSS)</a:t>
             </a:r>
           </a:p>
         </p:txBody>
@@ -7346,40 +6813,37 @@
           <a:lstStyle/>
           <a:p>
             <a:r>
-              <a:t> Since client attacks often start with an XSS attack, mitigating XSS attacks also helps prevent client side attacks</a:t>
-            </a:r>
-          </a:p>
-          <a:p>
-            <a:r>
-              <a:t> Trojans also spread via viruses and worms</a:t>
-            </a:r>
-          </a:p>
-          <a:p>
-            <a:pPr lvl="1"/>
-            <a:r>
-              <a:t> Upto date anti-virus and malware scanning tools can block these vectors</a:t>
-            </a:r>
-          </a:p>
-          <a:p>
-            <a:pPr lvl="1"/>
-            <a:r>
-              <a:t> Firewalls and other filtering tools can prevent access through open ports</a:t>
-            </a:r>
-          </a:p>
-          <a:p>
-            <a:r>
-              <a:t> Malware exploits unpatched security holes which can be mitigated by regular system updates</a:t>
-            </a:r>
-          </a:p>
-          <a:p>
-            <a:r>
-              <a:t> Users and programs should have only the level of access required</a:t>
-            </a:r>
-          </a:p>
-          <a:p>
-            <a:pPr lvl="1"/>
-            <a:r>
-              <a:t> Eg. Administrative privileges for installing software are only granted for specific applications</a:t>
+              <a:t> A form of injection attack</a:t>
+            </a:r>
+          </a:p>
+          <a:p>
+            <a:r>
+              <a:t> Malicious scripts are injected into an HTTP response from a trusted website</a:t>
+            </a:r>
+          </a:p>
+          <a:p>
+            <a:r>
+              <a:t> Because the script is from a trusted source, the user's browser executes it as trusted code</a:t>
+            </a:r>
+          </a:p>
+          <a:p>
+            <a:r>
+              <a:t> The browser cannot determine that the script originated from an untrusted source</a:t>
+            </a:r>
+          </a:p>
+          <a:p>
+            <a:r>
+              <a:t> The XSS script has the same level of trust as the website the HTTP response originated from</a:t>
+            </a:r>
+          </a:p>
+          <a:p>
+            <a:r>
+              <a:t> XSS is a common attack for stealing information stored in the user's browser</a:t>
+            </a:r>
+          </a:p>
+          <a:p>
+            <a:r>
+              <a:t> And for "drive-by" installation of malware on a computer</a:t>
             </a:r>
           </a:p>
         </p:txBody>
@@ -7414,6 +6878,11 @@
               </a:rPr>
               <a:t>Copyright © 2021 by Elephant Scale, All Rights Reserved</a:t>
             </a:r>
+            <a:endParaRPr sz="800">
+              <a:solidFill>
+                <a:srgbClr val="000000"/>
+              </a:solidFill>
+            </a:endParaRPr>
           </a:p>
         </p:txBody>
       </p:sp>
@@ -7425,8 +6894,8 @@
 </p:sld>
 </file>
 
-<file path=ppt/slides/slide34.xml><?xml version="1.0" encoding="utf-8"?>
-<p:sld xmlns:a="http://schemas.openxmlformats.org/drawingml/2006/main" xmlns:p="http://schemas.openxmlformats.org/presentationml/2006/main" xmlns:r="http://schemas.openxmlformats.org/officeDocument/2006/relationships">
+<file path=ppt/slides/slide30.xml><?xml version="1.0" encoding="utf-8"?>
+<p:sld xmlns:a="http://schemas.openxmlformats.org/drawingml/2006/main" xmlns:r="http://schemas.openxmlformats.org/officeDocument/2006/relationships" xmlns:p="http://schemas.openxmlformats.org/presentationml/2006/main">
   <p:cSld>
     <p:spTree>
       <p:nvGrpSpPr>
@@ -7470,24 +6939,42 @@
         <p:txBody>
           <a:bodyPr/>
           <a:lstStyle/>
-          <a:p/>
-          <a:p/>
-          <a:p/>
-          <a:p/>
-          <a:p/>
-          <a:p/>
-          <a:p/>
-          <a:p/>
-          <a:p/>
-          <a:p/>
-          <a:p>
-            <a:r>
-              <a:t> Modern browsers have access to databases of know sources of malware</a:t>
-            </a:r>
-          </a:p>
-          <a:p>
-            <a:r>
-              <a:t> Following browser recommendations about unsafe sites mitigates XSS and other malware risks</a:t>
+          <a:p>
+            <a:r>
+              <a:t> Since client attacks often start with an XSS attack, mitigating XSS attacks also helps prevent client side attacks</a:t>
+            </a:r>
+          </a:p>
+          <a:p>
+            <a:r>
+              <a:t> Trojans also spread via viruses and worms</a:t>
+            </a:r>
+          </a:p>
+          <a:p>
+            <a:pPr lvl="1"/>
+            <a:r>
+              <a:t> Up to date anti-virus and malware scanning tools can block these vectors</a:t>
+            </a:r>
+          </a:p>
+          <a:p>
+            <a:pPr lvl="1"/>
+            <a:r>
+              <a:t> Firewalls and other filtering tools can prevent access through open ports</a:t>
+            </a:r>
+          </a:p>
+          <a:p>
+            <a:r>
+              <a:t> Malware exploits unpatched security holes which can be mitigated by regular system updates</a:t>
+            </a:r>
+          </a:p>
+          <a:p>
+            <a:r>
+              <a:t> Users and programs should have only the level of access required</a:t>
+            </a:r>
+          </a:p>
+          <a:p>
+            <a:pPr lvl="1"/>
+            <a:r>
+              <a:t> Eg. Administrative privileges for installing software are only granted for vetted applications</a:t>
             </a:r>
           </a:p>
         </p:txBody>
@@ -7522,6 +7009,124 @@
               </a:rPr>
               <a:t>Copyright © 2021 by Elephant Scale, All Rights Reserved</a:t>
             </a:r>
+            <a:endParaRPr sz="800">
+              <a:solidFill>
+                <a:srgbClr val="000000"/>
+              </a:solidFill>
+            </a:endParaRPr>
+          </a:p>
+        </p:txBody>
+      </p:sp>
+    </p:spTree>
+  </p:cSld>
+  <p:clrMapOvr>
+    <a:masterClrMapping/>
+  </p:clrMapOvr>
+</p:sld>
+</file>
+
+<file path=ppt/slides/slide31.xml><?xml version="1.0" encoding="utf-8"?>
+<p:sld xmlns:a="http://schemas.openxmlformats.org/drawingml/2006/main" xmlns:r="http://schemas.openxmlformats.org/officeDocument/2006/relationships" xmlns:p="http://schemas.openxmlformats.org/presentationml/2006/main">
+  <p:cSld>
+    <p:spTree>
+      <p:nvGrpSpPr>
+        <p:cNvPr id="1" name=""/>
+        <p:cNvGrpSpPr/>
+        <p:nvPr/>
+      </p:nvGrpSpPr>
+      <p:grpSpPr/>
+      <p:sp>
+        <p:nvSpPr>
+          <p:cNvPr id="2" name="Title 1"/>
+          <p:cNvSpPr>
+            <a:spLocks noGrp="1"/>
+          </p:cNvSpPr>
+          <p:nvPr>
+            <p:ph type="title"/>
+          </p:nvPr>
+        </p:nvSpPr>
+        <p:spPr/>
+        <p:txBody>
+          <a:bodyPr/>
+          <a:lstStyle/>
+          <a:p>
+            <a:r>
+              <a:t>Client Attack Defences</a:t>
+            </a:r>
+          </a:p>
+        </p:txBody>
+      </p:sp>
+      <p:sp>
+        <p:nvSpPr>
+          <p:cNvPr id="3" name="Content Placeholder 2"/>
+          <p:cNvSpPr>
+            <a:spLocks noGrp="1"/>
+          </p:cNvSpPr>
+          <p:nvPr>
+            <p:ph idx="1"/>
+          </p:nvPr>
+        </p:nvSpPr>
+        <p:spPr/>
+        <p:txBody>
+          <a:bodyPr/>
+          <a:lstStyle/>
+          <a:p/>
+          <a:p/>
+          <a:p/>
+          <a:p/>
+          <a:p/>
+          <a:p/>
+          <a:p/>
+          <a:p/>
+          <a:p/>
+          <a:p/>
+          <a:p>
+            <a:r>
+              <a:t> Modern browsers have access to databases of know sources of malware</a:t>
+            </a:r>
+          </a:p>
+          <a:p>
+            <a:r>
+              <a:t> Following browser recommendations about unsafe sites mitigates XSS and other malware risks</a:t>
+            </a:r>
+          </a:p>
+        </p:txBody>
+      </p:sp>
+      <p:sp>
+        <p:nvSpPr>
+          <p:cNvPr id="4" name="TextBox 3"/>
+          <p:cNvSpPr txBox="1"/>
+          <p:nvPr/>
+        </p:nvSpPr>
+        <p:spPr>
+          <a:xfrm>
+            <a:off x="704088" y="8065008"/>
+            <a:ext cx="8915400" cy="228600"/>
+          </a:xfrm>
+          <a:prstGeom prst="rect">
+            <a:avLst/>
+          </a:prstGeom>
+          <a:noFill/>
+        </p:spPr>
+        <p:txBody>
+          <a:bodyPr wrap="none">
+            <a:spAutoFit/>
+          </a:bodyPr>
+          <a:lstStyle/>
+          <a:p>
+            <a:r>
+              <a:rPr sz="800">
+                <a:solidFill>
+                  <a:srgbClr val="000000"/>
+                </a:solidFill>
+              </a:rPr>
+              <a:t>Copyright © 2021 by Elephant Scale, All Rights Reserved</a:t>
+            </a:r>
+            <a:endParaRPr sz="800">
+              <a:solidFill>
+                <a:srgbClr val="000000"/>
+              </a:solidFill>
+            </a:endParaRPr>
           </a:p>
         </p:txBody>
       </p:sp>
@@ -7534,14 +7139,14 @@
           <p:nvPr/>
         </p:nvPicPr>
         <p:blipFill>
-          <a:blip r:embed="rId2"/>
+          <a:blip r:embed="rId1"/>
           <a:stretch>
             <a:fillRect/>
           </a:stretch>
         </p:blipFill>
         <p:spPr>
           <a:xfrm>
-            <a:off x="704088" y="914400"/>
+            <a:off x="723773" y="1177290"/>
             <a:ext cx="7507224" cy="3734363"/>
           </a:xfrm>
           <a:prstGeom prst="rect">
@@ -7557,8 +7162,8 @@
 </p:sld>
 </file>
 
-<file path=ppt/slides/slide35.xml><?xml version="1.0" encoding="utf-8"?>
-<p:sld xmlns:a="http://schemas.openxmlformats.org/drawingml/2006/main" xmlns:p="http://schemas.openxmlformats.org/presentationml/2006/main" xmlns:r="http://schemas.openxmlformats.org/officeDocument/2006/relationships">
+<file path=ppt/slides/slide32.xml><?xml version="1.0" encoding="utf-8"?>
+<p:sld xmlns:a="http://schemas.openxmlformats.org/drawingml/2006/main" xmlns:r="http://schemas.openxmlformats.org/officeDocument/2006/relationships" xmlns:p="http://schemas.openxmlformats.org/presentationml/2006/main">
   <p:cSld>
     <p:spTree>
       <p:nvGrpSpPr>
@@ -7634,7 +7239,7 @@
           <a:p>
             <a:pPr lvl="1"/>
             <a:r>
-              <a:t> Most of the scenarios and mitigations for client side attacks also apply</a:t>
+              <a:t> Most of the scenarios and defences for client side attacks also apply</a:t>
             </a:r>
           </a:p>
           <a:p>
@@ -7646,6 +7251,7 @@
               <a:rPr i="1"/>
               <a:t> session hijacking</a:t>
             </a:r>
+            <a:endParaRPr i="1"/>
           </a:p>
           <a:p>
             <a:r>
@@ -7655,13 +7261,13 @@
           <a:p>
             <a:pPr lvl="1"/>
             <a:r>
-              <a:t> One goal of this mode is to render the server inoperable</a:t>
+              <a:t> The goals of this attack mode is to render the server inoperable</a:t>
             </a:r>
           </a:p>
           <a:p>
             <a:pPr lvl="1"/>
             <a:r>
-              <a:t> Another is to put the server into an unstable state for further attacks</a:t>
+              <a:t> Or to put the server into an unstable state to create vulnerabilities for further attacks</a:t>
             </a:r>
           </a:p>
         </p:txBody>
@@ -7696,6 +7302,11 @@
               </a:rPr>
               <a:t>Copyright © 2021 by Elephant Scale, All Rights Reserved</a:t>
             </a:r>
+            <a:endParaRPr sz="800">
+              <a:solidFill>
+                <a:srgbClr val="000000"/>
+              </a:solidFill>
+            </a:endParaRPr>
           </a:p>
         </p:txBody>
       </p:sp>
@@ -7707,8 +7318,8 @@
 </p:sld>
 </file>
 
-<file path=ppt/slides/slide36.xml><?xml version="1.0" encoding="utf-8"?>
-<p:sld xmlns:a="http://schemas.openxmlformats.org/drawingml/2006/main" xmlns:p="http://schemas.openxmlformats.org/presentationml/2006/main" xmlns:r="http://schemas.openxmlformats.org/officeDocument/2006/relationships">
+<file path=ppt/slides/slide33.xml><?xml version="1.0" encoding="utf-8"?>
+<p:sld xmlns:a="http://schemas.openxmlformats.org/drawingml/2006/main" xmlns:r="http://schemas.openxmlformats.org/officeDocument/2006/relationships" xmlns:p="http://schemas.openxmlformats.org/presentationml/2006/main">
   <p:cSld>
     <p:spTree>
       <p:nvGrpSpPr>
@@ -7756,6 +7367,8 @@
           <a:p/>
           <a:p/>
           <a:p/>
+          <a:p/>
+          <a:p/>
           <a:p>
             <a:r>
               <a:t> In 2015, the OPM disclosed that data on 21.5 million people had been stolen</a:t>
@@ -7775,7 +7388,7 @@
           </a:p>
           <a:p>
             <a:r>
-              <a:t> Considered one of the most devastating cyberattack ever on the US Government</a:t>
+              <a:t> Considered one of the most devastating cyberattacks of all time on the US Government</a:t>
             </a:r>
           </a:p>
         </p:txBody>
@@ -7810,6 +7423,11 @@
               </a:rPr>
               <a:t>Copyright © 2021 by Elephant Scale, All Rights Reserved</a:t>
             </a:r>
+            <a:endParaRPr sz="800">
+              <a:solidFill>
+                <a:srgbClr val="000000"/>
+              </a:solidFill>
+            </a:endParaRPr>
           </a:p>
         </p:txBody>
       </p:sp>
@@ -7822,14 +7440,14 @@
           <p:nvPr/>
         </p:nvPicPr>
         <p:blipFill>
-          <a:blip r:embed="rId2"/>
+          <a:blip r:embed="rId1"/>
           <a:stretch>
             <a:fillRect/>
           </a:stretch>
         </p:blipFill>
         <p:spPr>
           <a:xfrm>
-            <a:off x="704088" y="914400"/>
+            <a:off x="723773" y="1101090"/>
             <a:ext cx="3987800" cy="2044700"/>
           </a:xfrm>
           <a:prstGeom prst="rect">
@@ -7845,8 +7463,8 @@
 </p:sld>
 </file>
 
-<file path=ppt/slides/slide37.xml><?xml version="1.0" encoding="utf-8"?>
-<p:sld xmlns:a="http://schemas.openxmlformats.org/drawingml/2006/main" xmlns:p="http://schemas.openxmlformats.org/presentationml/2006/main" xmlns:r="http://schemas.openxmlformats.org/officeDocument/2006/relationships">
+<file path=ppt/slides/slide34.xml><?xml version="1.0" encoding="utf-8"?>
+<p:sld xmlns:a="http://schemas.openxmlformats.org/drawingml/2006/main" xmlns:r="http://schemas.openxmlformats.org/officeDocument/2006/relationships" xmlns:p="http://schemas.openxmlformats.org/presentationml/2006/main">
   <p:cSld>
     <p:spTree>
       <p:nvGrpSpPr>
@@ -7892,12 +7510,12 @@
           <a:lstStyle/>
           <a:p>
             <a:r>
-              <a:t> How the hackers gained access has not been revealed</a:t>
-            </a:r>
-          </a:p>
-          <a:p>
-            <a:r>
-              <a:t> Likely through installation of malware by a compromised individual</a:t>
+              <a:t> How the hackers initially gained access has not been revealed</a:t>
+            </a:r>
+          </a:p>
+          <a:p>
+            <a:r>
+              <a:t> Likely through the direct installation of malware by a compromised individual</a:t>
             </a:r>
           </a:p>
           <a:p>
@@ -7952,6 +7570,11 @@
               </a:rPr>
               <a:t>Copyright © 2021 by Elephant Scale, All Rights Reserved</a:t>
             </a:r>
+            <a:endParaRPr sz="800">
+              <a:solidFill>
+                <a:srgbClr val="000000"/>
+              </a:solidFill>
+            </a:endParaRPr>
           </a:p>
         </p:txBody>
       </p:sp>
@@ -7963,8 +7586,8 @@
 </p:sld>
 </file>
 
-<file path=ppt/slides/slide38.xml><?xml version="1.0" encoding="utf-8"?>
-<p:sld xmlns:a="http://schemas.openxmlformats.org/drawingml/2006/main" xmlns:p="http://schemas.openxmlformats.org/presentationml/2006/main" xmlns:r="http://schemas.openxmlformats.org/officeDocument/2006/relationships">
+<file path=ppt/slides/slide35.xml><?xml version="1.0" encoding="utf-8"?>
+<p:sld xmlns:a="http://schemas.openxmlformats.org/drawingml/2006/main" xmlns:r="http://schemas.openxmlformats.org/officeDocument/2006/relationships" xmlns:p="http://schemas.openxmlformats.org/presentationml/2006/main">
   <p:cSld>
     <p:spTree>
       <p:nvGrpSpPr>
@@ -8069,6 +7692,11 @@
               </a:rPr>
               <a:t>Copyright © 2021 by Elephant Scale, All Rights Reserved</a:t>
             </a:r>
+            <a:endParaRPr sz="800">
+              <a:solidFill>
+                <a:srgbClr val="000000"/>
+              </a:solidFill>
+            </a:endParaRPr>
           </a:p>
         </p:txBody>
       </p:sp>
@@ -8081,7 +7709,7 @@
           <p:nvPr/>
         </p:nvPicPr>
         <p:blipFill>
-          <a:blip r:embed="rId2"/>
+          <a:blip r:embed="rId1"/>
           <a:stretch>
             <a:fillRect/>
           </a:stretch>
@@ -8104,8 +7732,8 @@
 </p:sld>
 </file>
 
-<file path=ppt/slides/slide39.xml><?xml version="1.0" encoding="utf-8"?>
-<p:sld xmlns:a="http://schemas.openxmlformats.org/drawingml/2006/main" xmlns:p="http://schemas.openxmlformats.org/presentationml/2006/main" xmlns:r="http://schemas.openxmlformats.org/officeDocument/2006/relationships">
+<file path=ppt/slides/slide36.xml><?xml version="1.0" encoding="utf-8"?>
+<p:sld xmlns:a="http://schemas.openxmlformats.org/drawingml/2006/main" xmlns:r="http://schemas.openxmlformats.org/officeDocument/2006/relationships" xmlns:p="http://schemas.openxmlformats.org/presentationml/2006/main">
   <p:cSld>
     <p:spTree>
       <p:nvGrpSpPr>
@@ -8213,6 +7841,11 @@
               </a:rPr>
               <a:t>Copyright © 2021 by Elephant Scale, All Rights Reserved</a:t>
             </a:r>
+            <a:endParaRPr sz="800">
+              <a:solidFill>
+                <a:srgbClr val="000000"/>
+              </a:solidFill>
+            </a:endParaRPr>
           </a:p>
         </p:txBody>
       </p:sp>
@@ -8225,15 +7858,15 @@
           <p:nvPr/>
         </p:nvPicPr>
         <p:blipFill>
-          <a:blip r:embed="rId2"/>
+          <a:blip r:embed="rId1"/>
           <a:stretch>
             <a:fillRect/>
           </a:stretch>
         </p:blipFill>
         <p:spPr>
           <a:xfrm>
-            <a:off x="704088" y="914400"/>
-            <a:ext cx="2279904" cy="865632"/>
+            <a:off x="704215" y="914400"/>
+            <a:ext cx="8069580" cy="3063875"/>
           </a:xfrm>
           <a:prstGeom prst="rect">
             <a:avLst/>
@@ -8248,8 +7881,8 @@
 </p:sld>
 </file>
 
-<file path=ppt/slides/slide4.xml><?xml version="1.0" encoding="utf-8"?>
-<p:sld xmlns:a="http://schemas.openxmlformats.org/drawingml/2006/main" xmlns:p="http://schemas.openxmlformats.org/presentationml/2006/main" xmlns:r="http://schemas.openxmlformats.org/officeDocument/2006/relationships">
+<file path=ppt/slides/slide37.xml><?xml version="1.0" encoding="utf-8"?>
+<p:sld xmlns:a="http://schemas.openxmlformats.org/drawingml/2006/main" xmlns:r="http://schemas.openxmlformats.org/officeDocument/2006/relationships" xmlns:p="http://schemas.openxmlformats.org/presentationml/2006/main">
   <p:cSld>
     <p:spTree>
       <p:nvGrpSpPr>
@@ -8274,7 +7907,7 @@
           <a:lstStyle/>
           <a:p>
             <a:r>
-              <a:t>Types of XSS Attacks</a:t>
+              <a:t>Session Hijacking</a:t>
             </a:r>
           </a:p>
         </p:txBody>
@@ -8295,75 +7928,47 @@
           <a:lstStyle/>
           <a:p>
             <a:r>
-              <a:t> There are three types of XSS attacks</a:t>
+              <a:t> HTTP is a stateless protocol but user interactions are usually stateful</a:t>
             </a:r>
           </a:p>
           <a:p>
             <a:pPr lvl="1"/>
             <a:r>
-              <a:rPr i="1"/>
-              <a:t> Stored XSS:</a:t>
-            </a:r>
-            <a:r>
-              <a:t> Also referred to as persistent or Type I attacks</a:t>
+              <a:t> For example, logging onto a web banking session</a:t>
             </a:r>
           </a:p>
           <a:p>
             <a:pPr lvl="1"/>
             <a:r>
-              <a:rPr i="1"/>
-              <a:t> Reflected XSS:</a:t>
-            </a:r>
-            <a:r>
-              <a:t> Also referred to as Type II attacks</a:t>
+              <a:t> You have to be in an authenticated state before doing any banking</a:t>
+            </a:r>
+          </a:p>
+          <a:p>
+            <a:r>
+              <a:t> User session state is managed by some sort of session management token</a:t>
             </a:r>
           </a:p>
           <a:p>
             <a:pPr lvl="1"/>
             <a:r>
-              <a:rPr i="1"/>
-              <a:t> DOM XSS:</a:t>
-            </a:r>
-            <a:r>
-              <a:t> Also referred to as Type 0 attacks</a:t>
-            </a:r>
-          </a:p>
-          <a:p>
-            <a:r>
-              <a:t> XSS attacks rely on users clicking on a link to an infected URL</a:t>
-            </a:r>
-          </a:p>
-          <a:p>
-            <a:r>
-              <a:t> Social Engineering refers to the manipulative methods used to induce users to take some action to trigger the XSS attack</a:t>
+              <a:t> This token identifies the client browser as the correct user for that session</a:t>
+            </a:r>
+          </a:p>
+          <a:p>
+            <a:r>
+              <a:t> Session hijack attacks involve stealing the token from a victim's session</a:t>
             </a:r>
           </a:p>
           <a:p>
             <a:pPr lvl="1"/>
             <a:r>
-              <a:t> Email phishing is one of the most common</a:t>
+              <a:t> The attacker can now take the place of the real user and perform actions the real user would be allowed to do in the session</a:t>
             </a:r>
           </a:p>
           <a:p>
             <a:pPr lvl="1"/>
             <a:r>
-              <a:t> Potential victims are sent an email with the infected URL and a deceptive description</a:t>
-            </a:r>
-          </a:p>
-          <a:p>
-            <a:pPr lvl="1"/>
-            <a:r>
-              <a:t> Eg.</a:t>
-            </a:r>
-            <a:r>
-              <a:rPr i="1"/>
-              <a:t> Limited time promotion: claim your $100 discount on your next Amazon purchase!!</a:t>
-            </a:r>
-          </a:p>
-          <a:p>
-            <a:pPr lvl="1"/>
-            <a:r>
-              <a:t> The source of the email is usually spoofed or made to look like a legitimate sender the victim would trust</a:t>
+              <a:t> For example, hijacking an on-line banking session and transferring funds to the attacker's account</a:t>
             </a:r>
           </a:p>
         </p:txBody>
@@ -8398,6 +8003,11 @@
               </a:rPr>
               <a:t>Copyright © 2021 by Elephant Scale, All Rights Reserved</a:t>
             </a:r>
+            <a:endParaRPr sz="800">
+              <a:solidFill>
+                <a:srgbClr val="000000"/>
+              </a:solidFill>
+            </a:endParaRPr>
           </a:p>
         </p:txBody>
       </p:sp>
@@ -8409,8 +8019,8 @@
 </p:sld>
 </file>
 
-<file path=ppt/slides/slide40.xml><?xml version="1.0" encoding="utf-8"?>
-<p:sld xmlns:a="http://schemas.openxmlformats.org/drawingml/2006/main" xmlns:p="http://schemas.openxmlformats.org/presentationml/2006/main" xmlns:r="http://schemas.openxmlformats.org/officeDocument/2006/relationships">
+<file path=ppt/slides/slide38.xml><?xml version="1.0" encoding="utf-8"?>
+<p:sld xmlns:a="http://schemas.openxmlformats.org/drawingml/2006/main" xmlns:r="http://schemas.openxmlformats.org/officeDocument/2006/relationships" xmlns:p="http://schemas.openxmlformats.org/presentationml/2006/main">
   <p:cSld>
     <p:spTree>
       <p:nvGrpSpPr>
@@ -8454,56 +8064,20 @@
         <p:txBody>
           <a:bodyPr/>
           <a:lstStyle/>
-          <a:p>
-            <a:r>
-              <a:t> HTTP is a stateless protocol but user interactions are usually stateful</a:t>
-            </a:r>
-          </a:p>
-          <a:p>
-            <a:pPr lvl="1"/>
-            <a:r>
-              <a:t> For example, logging onto a web banking session</a:t>
-            </a:r>
-          </a:p>
-          <a:p>
-            <a:pPr lvl="1"/>
-            <a:r>
-              <a:t> You have to be in an authenticated state before doing any banking</a:t>
-            </a:r>
-          </a:p>
-          <a:p>
-            <a:r>
-              <a:t> User session state is managed by some sort of session management token</a:t>
-            </a:r>
-          </a:p>
-          <a:p>
-            <a:pPr lvl="1"/>
-            <a:r>
-              <a:t> This token identifies the client browser as the correct user for that session</a:t>
-            </a:r>
-          </a:p>
-          <a:p>
-            <a:r>
-              <a:t> Session hijack attacks involve stealing the token from a victim's session</a:t>
-            </a:r>
-          </a:p>
-          <a:p>
-            <a:pPr lvl="1"/>
-            <a:r>
-              <a:t> The attacker can now take the place of the real user and perform actions the real user would be allowed to do in the session</a:t>
-            </a:r>
-          </a:p>
-          <a:p>
-            <a:pPr lvl="1"/>
-            <a:r>
-              <a:t> For example, hijacking an on-line banking session and transferring funds to the attacker's account</a:t>
-            </a:r>
-          </a:p>
-          <a:p>
-            <a:r>
-              <a:t> There are different types of session hijack attacks</a:t>
-            </a:r>
-          </a:p>
+          <a:p/>
+          <a:p/>
+          <a:p/>
+          <a:p/>
+          <a:p/>
+          <a:p/>
+          <a:p/>
+          <a:p/>
+          <a:p/>
+          <a:p/>
+          <a:p/>
+          <a:p/>
+          <a:p/>
+          <a:p/>
         </p:txBody>
       </p:sp>
       <p:sp>
@@ -8536,108 +8110,11 @@
               </a:rPr>
               <a:t>Copyright © 2021 by Elephant Scale, All Rights Reserved</a:t>
             </a:r>
-          </a:p>
-        </p:txBody>
-      </p:sp>
-    </p:spTree>
-  </p:cSld>
-  <p:clrMapOvr>
-    <a:masterClrMapping/>
-  </p:clrMapOvr>
-</p:sld>
-</file>
-
-<file path=ppt/slides/slide41.xml><?xml version="1.0" encoding="utf-8"?>
-<p:sld xmlns:a="http://schemas.openxmlformats.org/drawingml/2006/main" xmlns:p="http://schemas.openxmlformats.org/presentationml/2006/main" xmlns:r="http://schemas.openxmlformats.org/officeDocument/2006/relationships">
-  <p:cSld>
-    <p:spTree>
-      <p:nvGrpSpPr>
-        <p:cNvPr id="1" name=""/>
-        <p:cNvGrpSpPr/>
-        <p:nvPr/>
-      </p:nvGrpSpPr>
-      <p:grpSpPr/>
-      <p:sp>
-        <p:nvSpPr>
-          <p:cNvPr id="2" name="Title 1"/>
-          <p:cNvSpPr>
-            <a:spLocks noGrp="1"/>
-          </p:cNvSpPr>
-          <p:nvPr>
-            <p:ph type="title"/>
-          </p:nvPr>
-        </p:nvSpPr>
-        <p:spPr/>
-        <p:txBody>
-          <a:bodyPr/>
-          <a:lstStyle/>
-          <a:p>
-            <a:r>
-              <a:t>Session Hijacking</a:t>
-            </a:r>
-          </a:p>
-        </p:txBody>
-      </p:sp>
-      <p:sp>
-        <p:nvSpPr>
-          <p:cNvPr id="3" name="Content Placeholder 2"/>
-          <p:cNvSpPr>
-            <a:spLocks noGrp="1"/>
-          </p:cNvSpPr>
-          <p:nvPr>
-            <p:ph idx="1"/>
-          </p:nvPr>
-        </p:nvSpPr>
-        <p:spPr/>
-        <p:txBody>
-          <a:bodyPr/>
-          <a:lstStyle/>
-          <a:p/>
-          <a:p/>
-          <a:p/>
-          <a:p/>
-          <a:p/>
-          <a:p/>
-          <a:p/>
-          <a:p/>
-          <a:p/>
-          <a:p/>
-          <a:p/>
-          <a:p/>
-          <a:p/>
-          <a:p/>
-        </p:txBody>
-      </p:sp>
-      <p:sp>
-        <p:nvSpPr>
-          <p:cNvPr id="4" name="TextBox 3"/>
-          <p:cNvSpPr txBox="1"/>
-          <p:nvPr/>
-        </p:nvSpPr>
-        <p:spPr>
-          <a:xfrm>
-            <a:off x="704088" y="8065008"/>
-            <a:ext cx="8915400" cy="228600"/>
-          </a:xfrm>
-          <a:prstGeom prst="rect">
-            <a:avLst/>
-          </a:prstGeom>
-          <a:noFill/>
-        </p:spPr>
-        <p:txBody>
-          <a:bodyPr wrap="none">
-            <a:spAutoFit/>
-          </a:bodyPr>
-          <a:lstStyle/>
-          <a:p>
-            <a:r>
-              <a:rPr sz="800">
-                <a:solidFill>
-                  <a:srgbClr val="000000"/>
-                </a:solidFill>
-              </a:rPr>
-              <a:t>Copyright © 2021 by Elephant Scale, All Rights Reserved</a:t>
-            </a:r>
+            <a:endParaRPr sz="800">
+              <a:solidFill>
+                <a:srgbClr val="000000"/>
+              </a:solidFill>
+            </a:endParaRPr>
           </a:p>
         </p:txBody>
       </p:sp>
@@ -8650,7 +8127,7 @@
           <p:nvPr/>
         </p:nvPicPr>
         <p:blipFill>
-          <a:blip r:embed="rId2"/>
+          <a:blip r:embed="rId1"/>
           <a:stretch>
             <a:fillRect/>
           </a:stretch>
@@ -8673,8 +8150,8 @@
 </p:sld>
 </file>
 
-<file path=ppt/slides/slide42.xml><?xml version="1.0" encoding="utf-8"?>
-<p:sld xmlns:a="http://schemas.openxmlformats.org/drawingml/2006/main" xmlns:p="http://schemas.openxmlformats.org/presentationml/2006/main" xmlns:r="http://schemas.openxmlformats.org/officeDocument/2006/relationships">
+<file path=ppt/slides/slide39.xml><?xml version="1.0" encoding="utf-8"?>
+<p:sld xmlns:a="http://schemas.openxmlformats.org/drawingml/2006/main" xmlns:r="http://schemas.openxmlformats.org/officeDocument/2006/relationships" xmlns:p="http://schemas.openxmlformats.org/presentationml/2006/main">
   <p:cSld>
     <p:spTree>
       <p:nvGrpSpPr>
@@ -8720,7 +8197,7 @@
           <a:lstStyle/>
           <a:p>
             <a:r>
-              <a:t> Session hijacking often requires obtaining the session token</a:t>
+              <a:t> A session hijacking requires obtaining the session token</a:t>
             </a:r>
           </a:p>
           <a:p>
@@ -8731,7 +8208,7 @@
           <a:p>
             <a:pPr lvl="1"/>
             <a:r>
-              <a:t> Predicable session tokens</a:t>
+              <a:t> Guessing predicable session tokens</a:t>
             </a:r>
           </a:p>
           <a:p>
@@ -8754,24 +8231,19 @@
           </a:p>
           <a:p>
             <a:r>
-              <a:t> Session sniffing involves scanning HTTP traffic between a host and client to mine session tokens</a:t>
-            </a:r>
-          </a:p>
-          <a:p>
-            <a:r>
-              <a:t> Two common forms of attacks that are related to session hijacking are:</a:t>
+              <a:t> Two common forms of attacks that are enabled by session hijacking are:</a:t>
             </a:r>
           </a:p>
           <a:p>
             <a:pPr lvl="1"/>
             <a:r>
-              <a:t> Man in the Middle Attack</a:t>
+              <a:t> Manipulator in the Middle Attack</a:t>
             </a:r>
           </a:p>
           <a:p>
             <a:pPr lvl="1"/>
             <a:r>
-              <a:t> Man in the Browser Attack</a:t>
+              <a:t> Manipulator in the Browser Attack</a:t>
             </a:r>
           </a:p>
         </p:txBody>
@@ -8806,6 +8278,11 @@
               </a:rPr>
               <a:t>Copyright © 2021 by Elephant Scale, All Rights Reserved</a:t>
             </a:r>
+            <a:endParaRPr sz="800">
+              <a:solidFill>
+                <a:srgbClr val="000000"/>
+              </a:solidFill>
+            </a:endParaRPr>
           </a:p>
         </p:txBody>
       </p:sp>
@@ -8817,8 +8294,8 @@
 </p:sld>
 </file>
 
-<file path=ppt/slides/slide43.xml><?xml version="1.0" encoding="utf-8"?>
-<p:sld xmlns:a="http://schemas.openxmlformats.org/drawingml/2006/main" xmlns:p="http://schemas.openxmlformats.org/presentationml/2006/main" xmlns:r="http://schemas.openxmlformats.org/officeDocument/2006/relationships">
+<file path=ppt/slides/slide4.xml><?xml version="1.0" encoding="utf-8"?>
+<p:sld xmlns:a="http://schemas.openxmlformats.org/drawingml/2006/main" xmlns:r="http://schemas.openxmlformats.org/officeDocument/2006/relationships" xmlns:p="http://schemas.openxmlformats.org/presentationml/2006/main">
   <p:cSld>
     <p:spTree>
       <p:nvGrpSpPr>
@@ -8843,7 +8320,7 @@
           <a:lstStyle/>
           <a:p>
             <a:r>
-              <a:t>Predicable Session Tokens</a:t>
+              <a:t>Types of XSS Attacks</a:t>
             </a:r>
           </a:p>
         </p:txBody>
@@ -8862,45 +8339,78 @@
         <p:txBody>
           <a:bodyPr/>
           <a:lstStyle/>
-          <a:p/>
-          <a:p/>
-          <a:p/>
-          <a:p>
-            <a:r>
-              <a:t> Vulnerability is due to poor security design</a:t>
+          <a:p>
+            <a:r>
+              <a:t> There are three types of XSS attacks</a:t>
             </a:r>
           </a:p>
           <a:p>
             <a:pPr lvl="1"/>
             <a:r>
-              <a:t> Eg. using the user ID or other piece of data as the session token</a:t>
-            </a:r>
-          </a:p>
-          <a:p>
-            <a:r>
-              <a:t> Short tokens are easier to guess or use brute force to spoof</a:t>
-            </a:r>
-          </a:p>
-          <a:p>
-            <a:r>
-              <a:t> Tokens that follow a predicable sequence can be predicted</a:t>
-            </a:r>
-          </a:p>
-          <a:p>
-            <a:r>
-              <a:t> To avoid this specific vulnerability</a:t>
+              <a:rPr i="1"/>
+              <a:t> Stored XSS:</a:t>
+            </a:r>
+            <a:r>
+              <a:t> Also referred to as persistent or Type I attacks</a:t>
             </a:r>
           </a:p>
           <a:p>
             <a:pPr lvl="1"/>
             <a:r>
-              <a:t> Use long and randomly generated session tokens</a:t>
+              <a:rPr i="1"/>
+              <a:t> Reflected XSS:</a:t>
+            </a:r>
+            <a:r>
+              <a:t> Also referred to as Type II attacks</a:t>
             </a:r>
           </a:p>
           <a:p>
             <a:pPr lvl="1"/>
             <a:r>
-              <a:t> Change the token after each request or at random times</a:t>
+              <a:rPr i="1"/>
+              <a:t> DOM XSS:</a:t>
+            </a:r>
+            <a:r>
+              <a:t> Also referred to as Type 0 attacks</a:t>
+            </a:r>
+          </a:p>
+          <a:p>
+            <a:r>
+              <a:t> XSS attacks rely on users clicking on a link to an infected URL</a:t>
+            </a:r>
+          </a:p>
+          <a:p>
+            <a:r>
+              <a:t> Social Engineering refers to the manipulative methods used to induce users to take some action to trigger the XSS attack</a:t>
+            </a:r>
+          </a:p>
+          <a:p>
+            <a:pPr lvl="1"/>
+            <a:r>
+              <a:t> Email phishing is one of the most common</a:t>
+            </a:r>
+          </a:p>
+          <a:p>
+            <a:pPr lvl="1"/>
+            <a:r>
+              <a:t> Potential victims are sent an email with the infected URL and a deceptive description</a:t>
+            </a:r>
+          </a:p>
+          <a:p>
+            <a:pPr lvl="1"/>
+            <a:r>
+              <a:t> E.g.</a:t>
+            </a:r>
+            <a:r>
+              <a:rPr i="1"/>
+              <a:t> Limited time promotion: claim your $100 discount on your next Amazon purchase!!</a:t>
+            </a:r>
+            <a:endParaRPr i="1"/>
+          </a:p>
+          <a:p>
+            <a:pPr lvl="1"/>
+            <a:r>
+              <a:t> The source of the email is usually spoofed or made to look like a legitimate sender the victim would trust</a:t>
             </a:r>
           </a:p>
         </p:txBody>
@@ -8935,6 +8445,148 @@
               </a:rPr>
               <a:t>Copyright © 2021 by Elephant Scale, All Rights Reserved</a:t>
             </a:r>
+            <a:endParaRPr sz="800">
+              <a:solidFill>
+                <a:srgbClr val="000000"/>
+              </a:solidFill>
+            </a:endParaRPr>
+          </a:p>
+        </p:txBody>
+      </p:sp>
+    </p:spTree>
+  </p:cSld>
+  <p:clrMapOvr>
+    <a:masterClrMapping/>
+  </p:clrMapOvr>
+</p:sld>
+</file>
+
+<file path=ppt/slides/slide40.xml><?xml version="1.0" encoding="utf-8"?>
+<p:sld xmlns:a="http://schemas.openxmlformats.org/drawingml/2006/main" xmlns:r="http://schemas.openxmlformats.org/officeDocument/2006/relationships" xmlns:p="http://schemas.openxmlformats.org/presentationml/2006/main">
+  <p:cSld>
+    <p:spTree>
+      <p:nvGrpSpPr>
+        <p:cNvPr id="1" name=""/>
+        <p:cNvGrpSpPr/>
+        <p:nvPr/>
+      </p:nvGrpSpPr>
+      <p:grpSpPr/>
+      <p:sp>
+        <p:nvSpPr>
+          <p:cNvPr id="2" name="Title 1"/>
+          <p:cNvSpPr>
+            <a:spLocks noGrp="1"/>
+          </p:cNvSpPr>
+          <p:nvPr>
+            <p:ph type="title"/>
+          </p:nvPr>
+        </p:nvSpPr>
+        <p:spPr/>
+        <p:txBody>
+          <a:bodyPr/>
+          <a:lstStyle/>
+          <a:p>
+            <a:r>
+              <a:t>Predicable Session Tokens</a:t>
+            </a:r>
+          </a:p>
+        </p:txBody>
+      </p:sp>
+      <p:sp>
+        <p:nvSpPr>
+          <p:cNvPr id="3" name="Content Placeholder 2"/>
+          <p:cNvSpPr>
+            <a:spLocks noGrp="1"/>
+          </p:cNvSpPr>
+          <p:nvPr>
+            <p:ph idx="1"/>
+          </p:nvPr>
+        </p:nvSpPr>
+        <p:spPr/>
+        <p:txBody>
+          <a:bodyPr/>
+          <a:lstStyle/>
+          <a:p/>
+          <a:p/>
+          <a:p/>
+          <a:p/>
+          <a:p/>
+          <a:p/>
+          <a:p>
+            <a:r>
+              <a:t> Vulnerability is due to poor security design</a:t>
+            </a:r>
+          </a:p>
+          <a:p>
+            <a:pPr lvl="1"/>
+            <a:r>
+              <a:t> Eg. using the user ID or other piece of data as the session token</a:t>
+            </a:r>
+          </a:p>
+          <a:p>
+            <a:r>
+              <a:t> Short tokens are easier to guess or to crack using brute force</a:t>
+            </a:r>
+          </a:p>
+          <a:p>
+            <a:r>
+              <a:t> Tokens that follow a predicable sequence can be predicted</a:t>
+            </a:r>
+          </a:p>
+          <a:p>
+            <a:r>
+              <a:t> To avoid this specific vulnerability</a:t>
+            </a:r>
+          </a:p>
+          <a:p>
+            <a:pPr lvl="1"/>
+            <a:r>
+              <a:t> Use long and randomly generated session tokens</a:t>
+            </a:r>
+          </a:p>
+          <a:p>
+            <a:pPr lvl="1"/>
+            <a:r>
+              <a:t> Change the token after each request or at random times</a:t>
+            </a:r>
+          </a:p>
+        </p:txBody>
+      </p:sp>
+      <p:sp>
+        <p:nvSpPr>
+          <p:cNvPr id="4" name="TextBox 3"/>
+          <p:cNvSpPr txBox="1"/>
+          <p:nvPr/>
+        </p:nvSpPr>
+        <p:spPr>
+          <a:xfrm>
+            <a:off x="704088" y="8065008"/>
+            <a:ext cx="8915400" cy="228600"/>
+          </a:xfrm>
+          <a:prstGeom prst="rect">
+            <a:avLst/>
+          </a:prstGeom>
+          <a:noFill/>
+        </p:spPr>
+        <p:txBody>
+          <a:bodyPr wrap="none">
+            <a:spAutoFit/>
+          </a:bodyPr>
+          <a:lstStyle/>
+          <a:p>
+            <a:r>
+              <a:rPr sz="800">
+                <a:solidFill>
+                  <a:srgbClr val="000000"/>
+                </a:solidFill>
+              </a:rPr>
+              <a:t>Copyright © 2021 by Elephant Scale, All Rights Reserved</a:t>
+            </a:r>
+            <a:endParaRPr sz="800">
+              <a:solidFill>
+                <a:srgbClr val="000000"/>
+              </a:solidFill>
+            </a:endParaRPr>
           </a:p>
         </p:txBody>
       </p:sp>
@@ -8947,15 +8599,15 @@
           <p:nvPr/>
         </p:nvPicPr>
         <p:blipFill>
-          <a:blip r:embed="rId2"/>
+          <a:blip r:embed="rId1"/>
           <a:stretch>
             <a:fillRect/>
           </a:stretch>
         </p:blipFill>
         <p:spPr>
           <a:xfrm>
-            <a:off x="704088" y="914400"/>
-            <a:ext cx="4711700" cy="1727200"/>
+            <a:off x="704215" y="914400"/>
+            <a:ext cx="6681470" cy="2449195"/>
           </a:xfrm>
           <a:prstGeom prst="rect">
             <a:avLst/>
@@ -8970,8 +8622,8 @@
 </p:sld>
 </file>
 
-<file path=ppt/slides/slide44.xml><?xml version="1.0" encoding="utf-8"?>
-<p:sld xmlns:a="http://schemas.openxmlformats.org/drawingml/2006/main" xmlns:p="http://schemas.openxmlformats.org/presentationml/2006/main" xmlns:r="http://schemas.openxmlformats.org/officeDocument/2006/relationships">
+<file path=ppt/slides/slide41.xml><?xml version="1.0" encoding="utf-8"?>
+<p:sld xmlns:a="http://schemas.openxmlformats.org/drawingml/2006/main" xmlns:r="http://schemas.openxmlformats.org/officeDocument/2006/relationships" xmlns:p="http://schemas.openxmlformats.org/presentationml/2006/main">
   <p:cSld>
     <p:spTree>
       <p:nvGrpSpPr>
@@ -8996,7 +8648,7 @@
           <a:lstStyle/>
           <a:p>
             <a:r>
-              <a:t>Sniffing</a:t>
+              <a:t>Sniffing Attacks</a:t>
             </a:r>
           </a:p>
         </p:txBody>
@@ -9061,6 +8713,11 @@
               </a:rPr>
               <a:t>Copyright © 2021 by Elephant Scale, All Rights Reserved</a:t>
             </a:r>
+            <a:endParaRPr sz="800">
+              <a:solidFill>
+                <a:srgbClr val="000000"/>
+              </a:solidFill>
+            </a:endParaRPr>
           </a:p>
         </p:txBody>
       </p:sp>
@@ -9073,7 +8730,7 @@
           <p:nvPr/>
         </p:nvPicPr>
         <p:blipFill>
-          <a:blip r:embed="rId2"/>
+          <a:blip r:embed="rId1"/>
           <a:stretch>
             <a:fillRect/>
           </a:stretch>
@@ -9096,8 +8753,8 @@
 </p:sld>
 </file>
 
-<file path=ppt/slides/slide45.xml><?xml version="1.0" encoding="utf-8"?>
-<p:sld xmlns:a="http://schemas.openxmlformats.org/drawingml/2006/main" xmlns:p="http://schemas.openxmlformats.org/presentationml/2006/main" xmlns:r="http://schemas.openxmlformats.org/officeDocument/2006/relationships">
+<file path=ppt/slides/slide42.xml><?xml version="1.0" encoding="utf-8"?>
+<p:sld xmlns:a="http://schemas.openxmlformats.org/drawingml/2006/main" xmlns:r="http://schemas.openxmlformats.org/officeDocument/2006/relationships" xmlns:p="http://schemas.openxmlformats.org/presentationml/2006/main">
   <p:cSld>
     <p:spTree>
       <p:nvGrpSpPr>
@@ -9122,7 +8779,7 @@
           <a:lstStyle/>
           <a:p>
             <a:r>
-              <a:t>Sniffing</a:t>
+              <a:t>Sniffing Attacks</a:t>
             </a:r>
           </a:p>
         </p:txBody>
@@ -9184,7 +8841,7 @@
           <a:p>
             <a:pPr lvl="1"/>
             <a:r>
-              <a:t> Don't rely on just session keys to establish ID - use URLs, usage patterns or other identifying data</a:t>
+              <a:t> Don't rely on just session keys to establish ID - use URLs, usage patterns or other identifying data as well</a:t>
             </a:r>
           </a:p>
         </p:txBody>
@@ -9219,6 +8876,11 @@
               </a:rPr>
               <a:t>Copyright © 2021 by Elephant Scale, All Rights Reserved</a:t>
             </a:r>
+            <a:endParaRPr sz="800">
+              <a:solidFill>
+                <a:srgbClr val="000000"/>
+              </a:solidFill>
+            </a:endParaRPr>
           </a:p>
         </p:txBody>
       </p:sp>
@@ -9230,8 +8892,8 @@
 </p:sld>
 </file>
 
-<file path=ppt/slides/slide46.xml><?xml version="1.0" encoding="utf-8"?>
-<p:sld xmlns:a="http://schemas.openxmlformats.org/drawingml/2006/main" xmlns:p="http://schemas.openxmlformats.org/presentationml/2006/main" xmlns:r="http://schemas.openxmlformats.org/officeDocument/2006/relationships">
+<file path=ppt/slides/slide43.xml><?xml version="1.0" encoding="utf-8"?>
+<p:sld xmlns:a="http://schemas.openxmlformats.org/drawingml/2006/main" xmlns:r="http://schemas.openxmlformats.org/officeDocument/2006/relationships" xmlns:p="http://schemas.openxmlformats.org/presentationml/2006/main">
   <p:cSld>
     <p:spTree>
       <p:nvGrpSpPr>
@@ -9256,7 +8918,7 @@
           <a:lstStyle/>
           <a:p>
             <a:r>
-              <a:t>Man in the Middle Attack</a:t>
+              <a:t>Manipulator in the Middle Attack</a:t>
             </a:r>
           </a:p>
         </p:txBody>
@@ -9282,7 +8944,7 @@
           </a:p>
           <a:p>
             <a:r>
-              <a:t> often used to eavesdrop on communications</a:t>
+              <a:t> Often used to eavesdrop on communications</a:t>
             </a:r>
           </a:p>
           <a:p>
@@ -9311,13 +8973,19 @@
           <a:p>
             <a:pPr lvl="1"/>
             <a:r>
-              <a:t> Often used to create a vulnerability to be exploited by a later attack</a:t>
+              <a:t> Used to create a vulnerability to be exploited by a later attack</a:t>
             </a:r>
           </a:p>
           <a:p>
             <a:pPr lvl="1"/>
             <a:r>
               <a:t> For example, spoofing wikipedia to install malware on the target's computer</a:t>
+            </a:r>
+          </a:p>
+          <a:p>
+            <a:pPr lvl="1"/>
+            <a:r>
+              <a:t> NSA reportedly used a MitM attack to intercept traffic between targets and Google</a:t>
             </a:r>
           </a:p>
         </p:txBody>
@@ -9352,6 +9020,11 @@
               </a:rPr>
               <a:t>Copyright © 2021 by Elephant Scale, All Rights Reserved</a:t>
             </a:r>
+            <a:endParaRPr sz="800">
+              <a:solidFill>
+                <a:srgbClr val="000000"/>
+              </a:solidFill>
+            </a:endParaRPr>
           </a:p>
         </p:txBody>
       </p:sp>
@@ -9363,8 +9036,8 @@
 </p:sld>
 </file>
 
-<file path=ppt/slides/slide47.xml><?xml version="1.0" encoding="utf-8"?>
-<p:sld xmlns:a="http://schemas.openxmlformats.org/drawingml/2006/main" xmlns:p="http://schemas.openxmlformats.org/presentationml/2006/main" xmlns:r="http://schemas.openxmlformats.org/officeDocument/2006/relationships">
+<file path=ppt/slides/slide44.xml><?xml version="1.0" encoding="utf-8"?>
+<p:sld xmlns:a="http://schemas.openxmlformats.org/drawingml/2006/main" xmlns:r="http://schemas.openxmlformats.org/officeDocument/2006/relationships" xmlns:p="http://schemas.openxmlformats.org/presentationml/2006/main">
   <p:cSld>
     <p:spTree>
       <p:nvGrpSpPr>
@@ -9440,7 +9113,11 @@
               <a:t> Involves altering a DNS record so that users are sent to the attackers IP address</a:t>
             </a:r>
           </a:p>
-          <a:p/>
+          <a:p>
+            <a:r>
+              <a:t> Neither party is aware that their traffic is passing through the attacker's spoof</a:t>
+            </a:r>
+          </a:p>
           <a:p/>
           <a:p/>
           <a:p/>
@@ -9477,6 +9154,11 @@
               </a:rPr>
               <a:t>Copyright © 2021 by Elephant Scale, All Rights Reserved</a:t>
             </a:r>
+            <a:endParaRPr sz="800">
+              <a:solidFill>
+                <a:srgbClr val="000000"/>
+              </a:solidFill>
+            </a:endParaRPr>
           </a:p>
         </p:txBody>
       </p:sp>
@@ -9489,15 +9171,15 @@
           <p:nvPr/>
         </p:nvPicPr>
         <p:blipFill>
-          <a:blip r:embed="rId2"/>
+          <a:blip r:embed="rId1"/>
           <a:stretch>
             <a:fillRect/>
           </a:stretch>
         </p:blipFill>
         <p:spPr>
           <a:xfrm>
-            <a:off x="704088" y="4425696"/>
-            <a:ext cx="3580801" cy="1956816"/>
+            <a:off x="704215" y="5303520"/>
+            <a:ext cx="4406265" cy="2407920"/>
           </a:xfrm>
           <a:prstGeom prst="rect">
             <a:avLst/>
@@ -9512,8 +9194,8 @@
 </p:sld>
 </file>
 
-<file path=ppt/slides/slide48.xml><?xml version="1.0" encoding="utf-8"?>
-<p:sld xmlns:a="http://schemas.openxmlformats.org/drawingml/2006/main" xmlns:p="http://schemas.openxmlformats.org/presentationml/2006/main" xmlns:r="http://schemas.openxmlformats.org/officeDocument/2006/relationships">
+<file path=ppt/slides/slide45.xml><?xml version="1.0" encoding="utf-8"?>
+<p:sld xmlns:a="http://schemas.openxmlformats.org/drawingml/2006/main" xmlns:r="http://schemas.openxmlformats.org/officeDocument/2006/relationships" xmlns:p="http://schemas.openxmlformats.org/presentationml/2006/main">
   <p:cSld>
     <p:spTree>
       <p:nvGrpSpPr>
@@ -9564,7 +9246,7 @@
           </a:p>
           <a:p>
             <a:r>
-              <a:t> Browser warning about unsecured websites may be an attempted MitM attack</a:t>
+              <a:t> Follow browser warnings about possible attempted MitM attack</a:t>
             </a:r>
           </a:p>
           <a:p>
@@ -9579,7 +9261,7 @@
           </a:p>
           <a:p>
             <a:r>
-              <a:t> Timeouts to terminate idle applications</a:t>
+              <a:t> Timeouts to terminate idle applications to force new sessions</a:t>
             </a:r>
           </a:p>
         </p:txBody>
@@ -9614,6 +9296,11 @@
               </a:rPr>
               <a:t>Copyright © 2021 by Elephant Scale, All Rights Reserved</a:t>
             </a:r>
+            <a:endParaRPr sz="800">
+              <a:solidFill>
+                <a:srgbClr val="000000"/>
+              </a:solidFill>
+            </a:endParaRPr>
           </a:p>
         </p:txBody>
       </p:sp>
@@ -9625,8 +9312,8 @@
 </p:sld>
 </file>
 
-<file path=ppt/slides/slide49.xml><?xml version="1.0" encoding="utf-8"?>
-<p:sld xmlns:a="http://schemas.openxmlformats.org/drawingml/2006/main" xmlns:p="http://schemas.openxmlformats.org/presentationml/2006/main" xmlns:r="http://schemas.openxmlformats.org/officeDocument/2006/relationships">
+<file path=ppt/slides/slide46.xml><?xml version="1.0" encoding="utf-8"?>
+<p:sld xmlns:a="http://schemas.openxmlformats.org/drawingml/2006/main" xmlns:r="http://schemas.openxmlformats.org/officeDocument/2006/relationships" xmlns:p="http://schemas.openxmlformats.org/presentationml/2006/main">
   <p:cSld>
     <p:spTree>
       <p:nvGrpSpPr>
@@ -9651,7 +9338,7 @@
           <a:lstStyle/>
           <a:p>
             <a:r>
-              <a:t>Man in the Browser Attacks</a:t>
+              <a:t>Manipulator in the Browser Attacks</a:t>
             </a:r>
           </a:p>
         </p:txBody>
@@ -9670,36 +9357,33 @@
         <p:txBody>
           <a:bodyPr/>
           <a:lstStyle/>
-          <a:p>
-            <a:r>
-              <a:t> 1</a:t>
-            </a:r>
-            <a:r>
-              <a:rPr>
-                <a:hlinkClick r:id="rId2"/>
-              </a:rPr>
-              <a:t> </a:t>
-            </a:r>
-          </a:p>
-          <a:p>
-            <a:r>
-              <a:t> MitB attacks uses trojans to manipulate traffic before it reaches the browser</a:t>
+          <a:p/>
+          <a:p/>
+          <a:p/>
+          <a:p/>
+          <a:p/>
+          <a:p/>
+          <a:p/>
+          <a:p/>
+          <a:p>
+            <a:r>
+              <a:t> MitB attacks manipulate traffic before it reaches the browser security layers</a:t>
             </a:r>
           </a:p>
           <a:p>
             <a:pPr lvl="1"/>
             <a:r>
-              <a:t> Often done by infected libraries, browser extensions or helper applications</a:t>
-            </a:r>
-          </a:p>
-          <a:p>
-            <a:r>
-              <a:t> Enables manipulation of traffic before it goes through security layers</a:t>
-            </a:r>
-          </a:p>
-          <a:p>
-            <a:r>
-              <a:t> This is mitigated in the same way as other Trojan attacks</a:t>
+              <a:t> Enabled by trojans in infected libraries, browser extensions or helper applications</a:t>
+            </a:r>
+          </a:p>
+          <a:p>
+            <a:r>
+              <a:t> Mitigated by good malware defences and protocols</a:t>
+            </a:r>
+          </a:p>
+          <a:p>
+            <a:r>
+              <a:t> The Zeus trojan used MitB to add attacks to legitimate webpages</a:t>
             </a:r>
           </a:p>
         </p:txBody>
@@ -9734,9 +9418,38 @@
               </a:rPr>
               <a:t>Copyright © 2021 by Elephant Scale, All Rights Reserved</a:t>
             </a:r>
-          </a:p>
-        </p:txBody>
-      </p:sp>
+            <a:endParaRPr sz="800">
+              <a:solidFill>
+                <a:srgbClr val="000000"/>
+              </a:solidFill>
+            </a:endParaRPr>
+          </a:p>
+        </p:txBody>
+      </p:sp>
+      <p:pic>
+        <p:nvPicPr>
+          <p:cNvPr id="5" name="Picture 4" descr="Man-in-the-Browser-Secret-Double-Octopus-1200x684.png"/>
+          <p:cNvPicPr>
+            <a:picLocks noChangeAspect="1"/>
+          </p:cNvPicPr>
+          <p:nvPr/>
+        </p:nvPicPr>
+        <p:blipFill>
+          <a:blip r:embed="rId1"/>
+          <a:stretch>
+            <a:fillRect/>
+          </a:stretch>
+        </p:blipFill>
+        <p:spPr>
+          <a:xfrm>
+            <a:off x="704215" y="914400"/>
+            <a:ext cx="6199505" cy="3533775"/>
+          </a:xfrm>
+          <a:prstGeom prst="rect">
+            <a:avLst/>
+          </a:prstGeom>
+        </p:spPr>
+      </p:pic>
     </p:spTree>
   </p:cSld>
   <p:clrMapOvr>
@@ -9745,8 +9458,8 @@
 </p:sld>
 </file>
 
-<file path=ppt/slides/slide5.xml><?xml version="1.0" encoding="utf-8"?>
-<p:sld xmlns:a="http://schemas.openxmlformats.org/drawingml/2006/main" xmlns:p="http://schemas.openxmlformats.org/presentationml/2006/main" xmlns:r="http://schemas.openxmlformats.org/officeDocument/2006/relationships">
+<file path=ppt/slides/slide47.xml><?xml version="1.0" encoding="utf-8"?>
+<p:sld xmlns:a="http://schemas.openxmlformats.org/drawingml/2006/main" xmlns:r="http://schemas.openxmlformats.org/officeDocument/2006/relationships" xmlns:p="http://schemas.openxmlformats.org/presentationml/2006/main">
   <p:cSld>
     <p:spTree>
       <p:nvGrpSpPr>
@@ -9771,7 +9484,7 @@
           <a:lstStyle/>
           <a:p>
             <a:r>
-              <a:t>Persistent XSS Attack</a:t>
+              <a:t>Encryption Attack Vulnerabilities</a:t>
             </a:r>
           </a:p>
         </p:txBody>
@@ -9792,32 +9505,53 @@
           <a:lstStyle/>
           <a:p>
             <a:r>
-              <a:t> An attacker injects or inserts a malicious script payload into a trusted website</a:t>
-            </a:r>
-          </a:p>
-          <a:p>
-            <a:r>
-              <a:t> Vulnerable websites fail to check if the input is executable code</a:t>
-            </a:r>
-          </a:p>
-          <a:p>
-            <a:r>
-              <a:t> Typical injection targets are blog comments and other user generated content</a:t>
-            </a:r>
-          </a:p>
-          <a:p>
-            <a:r>
-              <a:t> A victim accessing the infected page will download the script payload in the HTTP response</a:t>
-            </a:r>
-          </a:p>
-          <a:p>
-            <a:r>
-              <a:t> The victim's browser executes the XSS payload code as it loads the HTTP response</a:t>
-            </a:r>
-          </a:p>
-          <a:p>
-            <a:r>
-              <a:t> Email phishing is usually used to trick users into visiting the infected URL</a:t>
+              <a:t> Encryption attacks take a number of different forms</a:t>
+            </a:r>
+          </a:p>
+          <a:p>
+            <a:r>
+              <a:t> The most obvious is to find weaknesses where:</a:t>
+            </a:r>
+          </a:p>
+          <a:p>
+            <a:pPr lvl="1"/>
+            <a:r>
+              <a:t> Encryption is not used - data or messages are clear text</a:t>
+            </a:r>
+          </a:p>
+          <a:p>
+            <a:pPr lvl="1"/>
+            <a:r>
+              <a:t> Sensitive data is stored in accessible logs or caches</a:t>
+            </a:r>
+          </a:p>
+          <a:p>
+            <a:pPr lvl="1"/>
+            <a:r>
+              <a:t> Weak or old cryptographic algorithms are in use</a:t>
+            </a:r>
+          </a:p>
+          <a:p>
+            <a:pPr lvl="1"/>
+            <a:r>
+              <a:t> Weak or easily cracked cryptographic keys and passwords ("qwerty123") are in use</a:t>
+            </a:r>
+          </a:p>
+          <a:p>
+            <a:r>
+              <a:t> Other weakness occur when:</a:t>
+            </a:r>
+          </a:p>
+          <a:p>
+            <a:pPr lvl="1"/>
+            <a:r>
+              <a:t> Encryption is done poorly or inconsistently</a:t>
+            </a:r>
+          </a:p>
+          <a:p>
+            <a:pPr lvl="1"/>
+            <a:r>
+              <a:t> Authentication of SSL certificates is not done robustly</a:t>
             </a:r>
           </a:p>
         </p:txBody>
@@ -9852,6 +9586,11 @@
               </a:rPr>
               <a:t>Copyright © 2021 by Elephant Scale, All Rights Reserved</a:t>
             </a:r>
+            <a:endParaRPr sz="800">
+              <a:solidFill>
+                <a:srgbClr val="000000"/>
+              </a:solidFill>
+            </a:endParaRPr>
           </a:p>
         </p:txBody>
       </p:sp>
@@ -9863,8 +9602,8 @@
 </p:sld>
 </file>
 
-<file path=ppt/slides/slide50.xml><?xml version="1.0" encoding="utf-8"?>
-<p:sld xmlns:a="http://schemas.openxmlformats.org/drawingml/2006/main" xmlns:p="http://schemas.openxmlformats.org/presentationml/2006/main" xmlns:r="http://schemas.openxmlformats.org/officeDocument/2006/relationships">
+<file path=ppt/slides/slide48.xml><?xml version="1.0" encoding="utf-8"?>
+<p:sld xmlns:a="http://schemas.openxmlformats.org/drawingml/2006/main" xmlns:r="http://schemas.openxmlformats.org/officeDocument/2006/relationships" xmlns:p="http://schemas.openxmlformats.org/presentationml/2006/main">
   <p:cSld>
     <p:spTree>
       <p:nvGrpSpPr>
@@ -9889,7 +9628,7 @@
           <a:lstStyle/>
           <a:p>
             <a:r>
-              <a:t>Encryption Attacks</a:t>
+              <a:t>Encryption Vulnerability Examples</a:t>
             </a:r>
           </a:p>
         </p:txBody>
@@ -9910,53 +9649,59 @@
           <a:lstStyle/>
           <a:p>
             <a:r>
-              <a:t> Encryption attacks take a number of different forms</a:t>
-            </a:r>
-          </a:p>
-          <a:p>
-            <a:r>
-              <a:t> The most obvious is to find weaknesses where:</a:t>
+              <a:t> Data is automatically decrypted when retrieved via an SQL query</a:t>
             </a:r>
           </a:p>
           <a:p>
             <a:pPr lvl="1"/>
             <a:r>
-              <a:t> Encryption is not used - data or messages are clear text</a:t>
+              <a:t> SQL injection attack could to obtain information in clear text</a:t>
+            </a:r>
+          </a:p>
+          <a:p>
+            <a:r>
+              <a:t> Simple hashes are used to store data</a:t>
             </a:r>
           </a:p>
           <a:p>
             <a:pPr lvl="1"/>
             <a:r>
-              <a:t> Sensitive data is stored in accessible logs or caches</a:t>
+              <a:t> Attacker can crack hashes by brute force computation</a:t>
             </a:r>
           </a:p>
           <a:p>
             <a:pPr lvl="1"/>
             <a:r>
-              <a:t> Weak or old cryptographic algorithms are in use</a:t>
+              <a:t> Rainbow tables are precomputed tables of output of hashing functions that allow for reverse engineering the hash</a:t>
+            </a:r>
+          </a:p>
+          <a:p>
+            <a:r>
+              <a:t> Poor key management</a:t>
             </a:r>
           </a:p>
           <a:p>
             <a:pPr lvl="1"/>
             <a:r>
-              <a:t> Weak or easily cracked cryptographic keys and passwords ("qwerty123") are in use</a:t>
-            </a:r>
-          </a:p>
-          <a:p>
-            <a:r>
-              <a:t> Other weakness occur when:</a:t>
+              <a:t> Attacker can gain access to the directories where keys are stored</a:t>
             </a:r>
           </a:p>
           <a:p>
             <a:pPr lvl="1"/>
             <a:r>
-              <a:t> Encryption is done poorly or inconsistently</a:t>
+              <a:t> Attacker can sniff keys included in messages or headers</a:t>
             </a:r>
           </a:p>
           <a:p>
             <a:pPr lvl="1"/>
             <a:r>
-              <a:t> Failure to authenticate SSL certificates</a:t>
+              <a:t> Keys can be altered or destroyed to cause the system to fail</a:t>
+            </a:r>
+          </a:p>
+          <a:p>
+            <a:pPr lvl="1"/>
+            <a:r>
+              <a:t> Mobile applications are especially susceptible</a:t>
             </a:r>
           </a:p>
         </p:txBody>
@@ -9991,6 +9736,11 @@
               </a:rPr>
               <a:t>Copyright © 2021 by Elephant Scale, All Rights Reserved</a:t>
             </a:r>
+            <a:endParaRPr sz="800">
+              <a:solidFill>
+                <a:srgbClr val="000000"/>
+              </a:solidFill>
+            </a:endParaRPr>
           </a:p>
         </p:txBody>
       </p:sp>
@@ -10002,8 +9752,8 @@
 </p:sld>
 </file>
 
-<file path=ppt/slides/slide51.xml><?xml version="1.0" encoding="utf-8"?>
-<p:sld xmlns:a="http://schemas.openxmlformats.org/drawingml/2006/main" xmlns:p="http://schemas.openxmlformats.org/presentationml/2006/main" xmlns:r="http://schemas.openxmlformats.org/officeDocument/2006/relationships">
+<file path=ppt/slides/slide49.xml><?xml version="1.0" encoding="utf-8"?>
+<p:sld xmlns:a="http://schemas.openxmlformats.org/drawingml/2006/main" xmlns:r="http://schemas.openxmlformats.org/officeDocument/2006/relationships" xmlns:p="http://schemas.openxmlformats.org/presentationml/2006/main">
   <p:cSld>
     <p:spTree>
       <p:nvGrpSpPr>
@@ -10028,7 +9778,7 @@
           <a:lstStyle/>
           <a:p>
             <a:r>
-              <a:t>Ecryption Attack Examples</a:t>
+              <a:t>Encryption Attack Mitigation</a:t>
             </a:r>
           </a:p>
         </p:txBody>
@@ -10049,59 +9799,42 @@
           <a:lstStyle/>
           <a:p>
             <a:r>
-              <a:t> Data is automatically decrypted when retrieved via an SQL query</a:t>
-            </a:r>
-          </a:p>
-          <a:p>
-            <a:pPr lvl="1"/>
-            <a:r>
-              <a:t> Attacker could use an SQL injection attack to obtain information in clear text</a:t>
-            </a:r>
-          </a:p>
-          <a:p>
-            <a:r>
-              <a:t> Simple hashes are used to store data</a:t>
-            </a:r>
-          </a:p>
-          <a:p>
-            <a:pPr lvl="1"/>
-            <a:r>
-              <a:t> Attacker can crack hashes by brute force computation</a:t>
-            </a:r>
-          </a:p>
-          <a:p>
-            <a:pPr lvl="1"/>
-            <a:r>
-              <a:t> Rainbow tables are precomputed tables of output of hashing functions</a:t>
-            </a:r>
-          </a:p>
-          <a:p>
-            <a:r>
-              <a:t> Poor key management</a:t>
-            </a:r>
-          </a:p>
-          <a:p>
-            <a:pPr lvl="1"/>
-            <a:r>
-              <a:t> Attacker can gain access to the directories where keys are stored</a:t>
-            </a:r>
-          </a:p>
-          <a:p>
-            <a:pPr lvl="1"/>
-            <a:r>
-              <a:t> Attacker can sniff keys included in messages or headers</a:t>
-            </a:r>
-          </a:p>
-          <a:p>
-            <a:pPr lvl="1"/>
-            <a:r>
-              <a:t> Keys can be altered or destroyed to cause the system to fail</a:t>
-            </a:r>
-          </a:p>
-          <a:p>
-            <a:pPr lvl="1"/>
-            <a:r>
-              <a:t> Mobile applications are especially susceptible</a:t>
+              <a:t> Keys are never hardcoded into applications</a:t>
+            </a:r>
+          </a:p>
+          <a:p>
+            <a:r>
+              <a:t> Logging and caching of keys or other cryptographic data is blocked</a:t>
+            </a:r>
+          </a:p>
+          <a:p>
+            <a:r>
+              <a:t> All sensitive data is encrypted at rest</a:t>
+            </a:r>
+          </a:p>
+          <a:p>
+            <a:r>
+              <a:t> All cryptographic algorithms and tools are up-to-date and support strong encryption</a:t>
+            </a:r>
+          </a:p>
+          <a:p>
+            <a:r>
+              <a:t> Avoid key leakage by using a secrets manager like Hashicorp Vault</a:t>
+            </a:r>
+          </a:p>
+          <a:p>
+            <a:r>
+              <a:t> Keep all unnecessary sensitive data  (eg. old credit card info) in an inaccessible location</a:t>
+            </a:r>
+          </a:p>
+          <a:p>
+            <a:r>
+              <a:t> Encrypt all data in transit and enforce with protocols like HSTS - HTTP Strict Transport Security</a:t>
+            </a:r>
+          </a:p>
+          <a:p>
+            <a:r>
+              <a:t> Enforce strong and regularly changed passwords</a:t>
             </a:r>
           </a:p>
         </p:txBody>
@@ -10136,6 +9869,11 @@
               </a:rPr>
               <a:t>Copyright © 2021 by Elephant Scale, All Rights Reserved</a:t>
             </a:r>
+            <a:endParaRPr sz="800">
+              <a:solidFill>
+                <a:srgbClr val="000000"/>
+              </a:solidFill>
+            </a:endParaRPr>
           </a:p>
         </p:txBody>
       </p:sp>
@@ -10147,8 +9885,8 @@
 </p:sld>
 </file>
 
-<file path=ppt/slides/slide52.xml><?xml version="1.0" encoding="utf-8"?>
-<p:sld xmlns:a="http://schemas.openxmlformats.org/drawingml/2006/main" xmlns:p="http://schemas.openxmlformats.org/presentationml/2006/main" xmlns:r="http://schemas.openxmlformats.org/officeDocument/2006/relationships">
+<file path=ppt/slides/slide5.xml><?xml version="1.0" encoding="utf-8"?>
+<p:sld xmlns:a="http://schemas.openxmlformats.org/drawingml/2006/main" xmlns:r="http://schemas.openxmlformats.org/officeDocument/2006/relationships" xmlns:p="http://schemas.openxmlformats.org/presentationml/2006/main">
   <p:cSld>
     <p:spTree>
       <p:nvGrpSpPr>
@@ -10173,7 +9911,7 @@
           <a:lstStyle/>
           <a:p>
             <a:r>
-              <a:t>Encryption Attack Mitigation</a:t>
+              <a:t>Persistent XSS Attack</a:t>
             </a:r>
           </a:p>
         </p:txBody>
@@ -10194,42 +9932,32 @@
           <a:lstStyle/>
           <a:p>
             <a:r>
-              <a:t> Keys are never hardcoded into applications</a:t>
-            </a:r>
-          </a:p>
-          <a:p>
-            <a:r>
-              <a:t> Logging and caching of keys or other cryptographic data is blocked</a:t>
-            </a:r>
-          </a:p>
-          <a:p>
-            <a:r>
-              <a:t> All sensitive data is encrypted at rest</a:t>
-            </a:r>
-          </a:p>
-          <a:p>
-            <a:r>
-              <a:t> Ensure all cryptographic algorithms and tools are up-to-date and support strong encryption</a:t>
-            </a:r>
-          </a:p>
-          <a:p>
-            <a:r>
-              <a:t> Avoid key leakage by using a secrets' manager like Hashicorp Vault</a:t>
-            </a:r>
-          </a:p>
-          <a:p>
-            <a:r>
-              <a:t> Keep all unnecessary sensitive data  (eg. old credit card info) in an inaccessible location</a:t>
-            </a:r>
-          </a:p>
-          <a:p>
-            <a:r>
-              <a:t> Encrypt all data in transit and enforce with protocols like HSTS - HTTP Strict Transport Security</a:t>
-            </a:r>
-          </a:p>
-          <a:p>
-            <a:r>
-              <a:t> Enforce strong and regularly changed passwords</a:t>
+              <a:t> An attacker injects or inserts a malicious script payload into a trusted website</a:t>
+            </a:r>
+          </a:p>
+          <a:p>
+            <a:r>
+              <a:t> Vulnerable websites fail to check if the input is executable code</a:t>
+            </a:r>
+          </a:p>
+          <a:p>
+            <a:r>
+              <a:t> Typical injection targets are blog comments and other user generated content</a:t>
+            </a:r>
+          </a:p>
+          <a:p>
+            <a:r>
+              <a:t> A victim accessing the infected page will download the script payload in the HTTP response</a:t>
+            </a:r>
+          </a:p>
+          <a:p>
+            <a:r>
+              <a:t> The victim's browser executes the XSS payload code as it loads the HTTP response</a:t>
+            </a:r>
+          </a:p>
+          <a:p>
+            <a:r>
+              <a:t> Email phishing is usually used to trick users into visiting the infected URL</a:t>
             </a:r>
           </a:p>
         </p:txBody>
@@ -10264,6 +9992,11 @@
               </a:rPr>
               <a:t>Copyright © 2021 by Elephant Scale, All Rights Reserved</a:t>
             </a:r>
+            <a:endParaRPr sz="800">
+              <a:solidFill>
+                <a:srgbClr val="000000"/>
+              </a:solidFill>
+            </a:endParaRPr>
           </a:p>
         </p:txBody>
       </p:sp>
@@ -10275,8 +10008,8 @@
 </p:sld>
 </file>
 
-<file path=ppt/slides/slide53.xml><?xml version="1.0" encoding="utf-8"?>
-<p:sld xmlns:a="http://schemas.openxmlformats.org/drawingml/2006/main" xmlns:p="http://schemas.openxmlformats.org/presentationml/2006/main" xmlns:r="http://schemas.openxmlformats.org/officeDocument/2006/relationships">
+<file path=ppt/slides/slide50.xml><?xml version="1.0" encoding="utf-8"?>
+<p:sld xmlns:a="http://schemas.openxmlformats.org/drawingml/2006/main" xmlns:r="http://schemas.openxmlformats.org/officeDocument/2006/relationships" xmlns:p="http://schemas.openxmlformats.org/presentationml/2006/main">
   <p:cSld>
     <p:spTree>
       <p:nvGrpSpPr>
@@ -10338,7 +10071,7 @@
           <a:p>
             <a:pPr lvl="1"/>
             <a:r>
-              <a:t> Can be used as part of a Man in the Middle attack</a:t>
+              <a:t> Can be used as part of a MitM attack</a:t>
             </a:r>
           </a:p>
           <a:p>
@@ -10356,7 +10089,7 @@
               <a:t> The victim is infected with malicious JavaScript that captures encrypted cookies and enables the attacker</a:t>
             </a:r>
             <a:r>
-              <a:t> cookies and authentication tokens.</a:t>
+              <a:t> cookies and authentication tokens</a:t>
             </a:r>
           </a:p>
           <a:p>
@@ -10415,6 +10148,11 @@
               </a:rPr>
               <a:t>Copyright © 2021 by Elephant Scale, All Rights Reserved</a:t>
             </a:r>
+            <a:endParaRPr sz="800">
+              <a:solidFill>
+                <a:srgbClr val="000000"/>
+              </a:solidFill>
+            </a:endParaRPr>
           </a:p>
         </p:txBody>
       </p:sp>
@@ -10426,8 +10164,8 @@
 </p:sld>
 </file>
 
-<file path=ppt/slides/slide54.xml><?xml version="1.0" encoding="utf-8"?>
-<p:sld xmlns:a="http://schemas.openxmlformats.org/drawingml/2006/main" xmlns:p="http://schemas.openxmlformats.org/presentationml/2006/main" xmlns:r="http://schemas.openxmlformats.org/officeDocument/2006/relationships">
+<file path=ppt/slides/slide51.xml><?xml version="1.0" encoding="utf-8"?>
+<p:sld xmlns:a="http://schemas.openxmlformats.org/drawingml/2006/main" xmlns:r="http://schemas.openxmlformats.org/officeDocument/2006/relationships" xmlns:p="http://schemas.openxmlformats.org/presentationml/2006/main">
   <p:cSld>
     <p:spTree>
       <p:nvGrpSpPr>
@@ -10544,6 +10282,11 @@
               </a:rPr>
               <a:t>Copyright © 2021 by Elephant Scale, All Rights Reserved</a:t>
             </a:r>
+            <a:endParaRPr sz="800">
+              <a:solidFill>
+                <a:srgbClr val="000000"/>
+              </a:solidFill>
+            </a:endParaRPr>
           </a:p>
         </p:txBody>
       </p:sp>
@@ -10555,8 +10298,8 @@
 </p:sld>
 </file>
 
-<file path=ppt/slides/slide55.xml><?xml version="1.0" encoding="utf-8"?>
-<p:sld xmlns:a="http://schemas.openxmlformats.org/drawingml/2006/main" xmlns:p="http://schemas.openxmlformats.org/presentationml/2006/main" xmlns:r="http://schemas.openxmlformats.org/officeDocument/2006/relationships">
+<file path=ppt/slides/slide52.xml><?xml version="1.0" encoding="utf-8"?>
+<p:sld xmlns:a="http://schemas.openxmlformats.org/drawingml/2006/main" xmlns:r="http://schemas.openxmlformats.org/officeDocument/2006/relationships" xmlns:p="http://schemas.openxmlformats.org/presentationml/2006/main">
   <p:cSld>
     <p:spTree>
       <p:nvGrpSpPr>
@@ -10581,7 +10324,7 @@
           <a:lstStyle/>
           <a:p>
             <a:r>
-              <a:t>Direct Object Access Attack</a:t>
+              <a:t>Unsecured Direct Object Access Attack</a:t>
             </a:r>
           </a:p>
         </p:txBody>
@@ -10607,27 +10350,35 @@
           </a:p>
           <a:p>
             <a:r>
-              <a:t> Configuration and other files that manage the server are accessible to users</a:t>
-            </a:r>
-          </a:p>
-          <a:p>
-            <a:r>
-              <a:t> A common cause is keeping these files in the document root directory or a subdirectory</a:t>
-            </a:r>
-          </a:p>
-          <a:p>
-            <a:r>
-              <a:t> The contents of the file can be accessed via a web shell attack</a:t>
-            </a:r>
-          </a:p>
-          <a:p>
-            <a:r>
-              <a:t> Particularly dangerous when the attacker can run exectuable files</a:t>
-            </a:r>
-          </a:p>
-          <a:p>
-            <a:r>
-              <a:t> Mitigated by following best practices for servers and application configuration</a:t>
+              <a:t> Happens when implementation objects are exposed</a:t>
+            </a:r>
+          </a:p>
+          <a:p>
+            <a:pPr lvl="1"/>
+            <a:r>
+              <a:t> Eg. Configuration files, credentials, SQL queries</a:t>
+            </a:r>
+          </a:p>
+          <a:p>
+            <a:r>
+              <a:t> These objects can then be modified or destroyed</a:t>
+            </a:r>
+          </a:p>
+          <a:p>
+            <a:r>
+              <a:t> If implementation directories are accessible</a:t>
+            </a:r>
+          </a:p>
+          <a:p>
+            <a:pPr lvl="1"/>
+            <a:r>
+              <a:t> Attackers can add new files to compromise the system</a:t>
+            </a:r>
+          </a:p>
+          <a:p>
+            <a:pPr lvl="1"/>
+            <a:r>
+              <a:t> Creates an opportunity for malware installation</a:t>
             </a:r>
           </a:p>
         </p:txBody>
@@ -10662,6 +10413,11 @@
               </a:rPr>
               <a:t>Copyright © 2021 by Elephant Scale, All Rights Reserved</a:t>
             </a:r>
+            <a:endParaRPr sz="800">
+              <a:solidFill>
+                <a:srgbClr val="000000"/>
+              </a:solidFill>
+            </a:endParaRPr>
           </a:p>
         </p:txBody>
       </p:sp>
@@ -10673,8 +10429,8 @@
 </p:sld>
 </file>
 
-<file path=ppt/slides/slide56.xml><?xml version="1.0" encoding="utf-8"?>
-<p:sld xmlns:a="http://schemas.openxmlformats.org/drawingml/2006/main" xmlns:p="http://schemas.openxmlformats.org/presentationml/2006/main" xmlns:r="http://schemas.openxmlformats.org/officeDocument/2006/relationships">
+<file path=ppt/slides/slide53.xml><?xml version="1.0" encoding="utf-8"?>
+<p:sld xmlns:a="http://schemas.openxmlformats.org/drawingml/2006/main" xmlns:r="http://schemas.openxmlformats.org/officeDocument/2006/relationships" xmlns:p="http://schemas.openxmlformats.org/presentationml/2006/main">
   <p:cSld>
     <p:spTree>
       <p:nvGrpSpPr>
@@ -10764,6 +10520,11 @@
               </a:rPr>
               <a:t>Copyright © 2021 by Elephant Scale, All Rights Reserved</a:t>
             </a:r>
+            <a:endParaRPr sz="800">
+              <a:solidFill>
+                <a:srgbClr val="000000"/>
+              </a:solidFill>
+            </a:endParaRPr>
           </a:p>
         </p:txBody>
       </p:sp>
@@ -10776,7 +10537,7 @@
           <p:nvPr/>
         </p:nvPicPr>
         <p:blipFill>
-          <a:blip r:embed="rId2"/>
+          <a:blip r:embed="rId1"/>
           <a:stretch>
             <a:fillRect/>
           </a:stretch>
@@ -10799,8 +10560,8 @@
 </p:sld>
 </file>
 
-<file path=ppt/slides/slide57.xml><?xml version="1.0" encoding="utf-8"?>
-<p:sld xmlns:a="http://schemas.openxmlformats.org/drawingml/2006/main" xmlns:p="http://schemas.openxmlformats.org/presentationml/2006/main" xmlns:r="http://schemas.openxmlformats.org/officeDocument/2006/relationships">
+<file path=ppt/slides/slide54.xml><?xml version="1.0" encoding="utf-8"?>
+<p:sld xmlns:a="http://schemas.openxmlformats.org/drawingml/2006/main" xmlns:r="http://schemas.openxmlformats.org/officeDocument/2006/relationships" xmlns:p="http://schemas.openxmlformats.org/presentationml/2006/main">
   <p:cSld>
     <p:spTree>
       <p:nvGrpSpPr>
@@ -10850,18 +10611,16 @@
             </a:r>
           </a:p>
           <a:p>
-            <a:pPr lvl="1"/>
-            <a:r>
-              <a:t> For example, guessing that the administrator account has account id "1" in the previous slide</a:t>
-            </a:r>
-          </a:p>
-          <a:p>
-            <a:r>
-              <a:t> Cause of a 2002 data breech at H&amp;R Block where users' account number appeared in the URL</a:t>
-            </a:r>
-          </a:p>
-          <a:p>
-            <a:pPr lvl="1"/>
+            <a:r>
+              <a:t> Eg. guessing that the administrator account has account id "1" in the previous slide</a:t>
+            </a:r>
+          </a:p>
+          <a:p>
+            <a:r>
+              <a:t> Cause of a 2002 data breech at H&amp;R Block where customer account numbers appeared in the URL</a:t>
+            </a:r>
+          </a:p>
+          <a:p>
             <a:r>
               <a:t> Changing the number in the URL allowed access to other customers' accounts</a:t>
             </a:r>
@@ -10904,6 +10663,11 @@
               </a:rPr>
               <a:t>Copyright © 2021 by Elephant Scale, All Rights Reserved</a:t>
             </a:r>
+            <a:endParaRPr sz="800">
+              <a:solidFill>
+                <a:srgbClr val="000000"/>
+              </a:solidFill>
+            </a:endParaRPr>
           </a:p>
         </p:txBody>
       </p:sp>
@@ -10916,7 +10680,7 @@
           <p:nvPr/>
         </p:nvPicPr>
         <p:blipFill>
-          <a:blip r:embed="rId2"/>
+          <a:blip r:embed="rId1"/>
           <a:stretch>
             <a:fillRect/>
           </a:stretch>
@@ -10939,8 +10703,8 @@
 </p:sld>
 </file>
 
-<file path=ppt/slides/slide58.xml><?xml version="1.0" encoding="utf-8"?>
-<p:sld xmlns:a="http://schemas.openxmlformats.org/drawingml/2006/main" xmlns:p="http://schemas.openxmlformats.org/presentationml/2006/main" xmlns:r="http://schemas.openxmlformats.org/officeDocument/2006/relationships">
+<file path=ppt/slides/slide55.xml><?xml version="1.0" encoding="utf-8"?>
+<p:sld xmlns:a="http://schemas.openxmlformats.org/drawingml/2006/main" xmlns:r="http://schemas.openxmlformats.org/officeDocument/2006/relationships" xmlns:p="http://schemas.openxmlformats.org/presentationml/2006/main">
   <p:cSld>
     <p:spTree>
       <p:nvGrpSpPr>
@@ -10984,7 +10748,46 @@
         <p:txBody>
           <a:bodyPr/>
           <a:lstStyle/>
-          <a:p/>
+          <a:p>
+            <a:r>
+              <a:t> These attacks are possible when there is a lack of role authorization</a:t>
+            </a:r>
+          </a:p>
+          <a:p>
+            <a:pPr lvl="1"/>
+            <a:r>
+              <a:t> Users are able to access resources they should not be authorized for</a:t>
+            </a:r>
+          </a:p>
+          <a:p>
+            <a:pPr lvl="1"/>
+            <a:r>
+              <a:t> Mitigate by ensuring that there is an authentication mechanism</a:t>
+            </a:r>
+          </a:p>
+          <a:p>
+            <a:pPr lvl="1"/>
+            <a:r>
+              <a:t> Users can then only access the objects they are authorized for and are blocked from accessing other objects</a:t>
+            </a:r>
+          </a:p>
+          <a:p>
+            <a:r>
+              <a:t> Also mitigated by not exposing the reference to the object in a manner that can be recorded</a:t>
+            </a:r>
+          </a:p>
+          <a:p>
+            <a:pPr lvl="1"/>
+            <a:r>
+              <a:t> Eg. URL references "MyAccount" instead of account number</a:t>
+            </a:r>
+          </a:p>
+          <a:p>
+            <a:pPr lvl="1"/>
+            <a:r>
+              <a:t> Requires an addition step on the server to retrieve the object reference</a:t>
+            </a:r>
+          </a:p>
         </p:txBody>
       </p:sp>
       <p:sp>
@@ -11017,6 +10820,11 @@
               </a:rPr>
               <a:t>Copyright © 2021 by Elephant Scale, All Rights Reserved</a:t>
             </a:r>
+            <a:endParaRPr sz="800">
+              <a:solidFill>
+                <a:srgbClr val="000000"/>
+              </a:solidFill>
+            </a:endParaRPr>
           </a:p>
         </p:txBody>
       </p:sp>
@@ -11028,8 +10836,8 @@
 </p:sld>
 </file>
 
-<file path=ppt/slides/slide59.xml><?xml version="1.0" encoding="utf-8"?>
-<p:sld xmlns:a="http://schemas.openxmlformats.org/drawingml/2006/main" xmlns:p="http://schemas.openxmlformats.org/presentationml/2006/main" xmlns:r="http://schemas.openxmlformats.org/officeDocument/2006/relationships">
+<file path=ppt/slides/slide56.xml><?xml version="1.0" encoding="utf-8"?>
+<p:sld xmlns:a="http://schemas.openxmlformats.org/drawingml/2006/main" xmlns:r="http://schemas.openxmlformats.org/officeDocument/2006/relationships" xmlns:p="http://schemas.openxmlformats.org/presentationml/2006/main">
   <p:cSld>
     <p:spTree>
       <p:nvGrpSpPr>
@@ -11054,7 +10862,7 @@
           <a:lstStyle/>
           <a:p>
             <a:r>
-              <a:t>WebShell Attack</a:t>
+              <a:t>Labs</a:t>
             </a:r>
           </a:p>
         </p:txBody>
@@ -11075,24 +10883,22 @@
           <a:lstStyle/>
           <a:p>
             <a:r>
-              <a:t> A webshell attack occurs when an attacker is able to run shell commands on a server</a:t>
-            </a:r>
-          </a:p>
-          <a:p>
-            <a:r>
-              <a:t> Intent is to gain escalation of privileges and persistent access to the machine</a:t>
-            </a:r>
-          </a:p>
-          <a:p>
-            <a:r>
-              <a:t> Exploits the ability of web programming languages to run shell commands</a:t>
-            </a:r>
-          </a:p>
-          <a:p>
-            <a:r>
-              <a:t> For example, accessing shell commands via php:</a:t>
-            </a:r>
-          </a:p>
+              <a:t> Goat labs</a:t>
+            </a:r>
+          </a:p>
+          <a:p>
+            <a:r>
+              <a:t> Insecure deserialization</a:t>
+            </a:r>
+          </a:p>
+          <a:p/>
+          <a:p/>
+          <a:p/>
+          <a:p/>
+          <a:p/>
+          <a:p/>
+          <a:p/>
+          <a:p/>
           <a:p/>
           <a:p/>
           <a:p/>
@@ -11129,27 +10935,32 @@
               </a:rPr>
               <a:t>Copyright © 2021 by Elephant Scale, All Rights Reserved</a:t>
             </a:r>
+            <a:endParaRPr sz="800">
+              <a:solidFill>
+                <a:srgbClr val="000000"/>
+              </a:solidFill>
+            </a:endParaRPr>
           </a:p>
         </p:txBody>
       </p:sp>
       <p:pic>
         <p:nvPicPr>
-          <p:cNvPr id="5" name="Picture 4" descr="1.png"/>
+          <p:cNvPr id="5" name="Picture 4" descr="insecure-deserialization.png"/>
           <p:cNvPicPr>
             <a:picLocks noChangeAspect="1"/>
           </p:cNvPicPr>
           <p:nvPr/>
         </p:nvPicPr>
         <p:blipFill>
-          <a:blip r:embed="rId2"/>
+          <a:blip r:embed="rId1"/>
           <a:stretch>
             <a:fillRect/>
           </a:stretch>
         </p:blipFill>
         <p:spPr>
           <a:xfrm>
-            <a:off x="0" y="3986783"/>
-            <a:ext cx="10769600" cy="2654300"/>
+            <a:off x="704088" y="1792224"/>
+            <a:ext cx="7507224" cy="3342171"/>
           </a:xfrm>
           <a:prstGeom prst="rect">
             <a:avLst/>
@@ -11164,8 +10975,8 @@
 </p:sld>
 </file>
 
-<file path=ppt/slides/slide6.xml><?xml version="1.0" encoding="utf-8"?>
-<p:sld xmlns:a="http://schemas.openxmlformats.org/drawingml/2006/main" xmlns:p="http://schemas.openxmlformats.org/presentationml/2006/main" xmlns:r="http://schemas.openxmlformats.org/officeDocument/2006/relationships">
+<file path=ppt/slides/slide57.xml><?xml version="1.0" encoding="utf-8"?>
+<p:sld xmlns:a="http://schemas.openxmlformats.org/drawingml/2006/main" xmlns:r="http://schemas.openxmlformats.org/officeDocument/2006/relationships" xmlns:p="http://schemas.openxmlformats.org/presentationml/2006/main">
   <p:cSld>
     <p:spTree>
       <p:nvGrpSpPr>
@@ -11190,7 +11001,7 @@
           <a:lstStyle/>
           <a:p>
             <a:r>
-              <a:t>Persistent XSS Attack</a:t>
+              <a:t>WebShell Attack</a:t>
             </a:r>
           </a:p>
         </p:txBody>
@@ -11209,16 +11020,40 @@
         <p:txBody>
           <a:bodyPr/>
           <a:lstStyle/>
-          <a:p/>
-          <a:p/>
-          <a:p/>
-          <a:p/>
-          <a:p/>
-          <a:p/>
-          <a:p/>
-          <a:p/>
-          <a:p/>
-          <a:p/>
+          <a:p>
+            <a:r>
+              <a:t> A webshell attack occurs when an attacker is able to run shell commands on a server</a:t>
+            </a:r>
+          </a:p>
+          <a:p>
+            <a:r>
+              <a:t> Intent is to gain escalation of privileges and persistent access to the machine</a:t>
+            </a:r>
+          </a:p>
+          <a:p>
+            <a:r>
+              <a:t> Exploits the ability of web programming languages to run shell commands</a:t>
+            </a:r>
+          </a:p>
+          <a:p>
+            <a:r>
+              <a:t> For example, accessing shell commands via php:</a:t>
+            </a:r>
+          </a:p>
+          <a:p/>
+          <a:p/>
+          <a:p/>
+          <a:p/>
+          <a:p>
+            <a:r>
+              <a:t> Can also exploit open  ports and poorly configured ssh ports</a:t>
+            </a:r>
+          </a:p>
+          <a:p>
+            <a:r>
+              <a:t> Guessable root passwords create a vulnerability for ssh access</a:t>
+            </a:r>
+          </a:p>
         </p:txBody>
       </p:sp>
       <p:sp>
@@ -11251,6 +11086,438 @@
               </a:rPr>
               <a:t>Copyright © 2021 by Elephant Scale, All Rights Reserved</a:t>
             </a:r>
+            <a:endParaRPr sz="800">
+              <a:solidFill>
+                <a:srgbClr val="000000"/>
+              </a:solidFill>
+            </a:endParaRPr>
+          </a:p>
+        </p:txBody>
+      </p:sp>
+      <p:pic>
+        <p:nvPicPr>
+          <p:cNvPr id="5" name="Picture 4" descr="1.png"/>
+          <p:cNvPicPr>
+            <a:picLocks noChangeAspect="1"/>
+          </p:cNvPicPr>
+          <p:nvPr/>
+        </p:nvPicPr>
+        <p:blipFill>
+          <a:blip r:embed="rId1"/>
+          <a:stretch>
+            <a:fillRect/>
+          </a:stretch>
+        </p:blipFill>
+        <p:spPr>
+          <a:xfrm>
+            <a:off x="-38100" y="4900295"/>
+            <a:ext cx="9266555" cy="2284095"/>
+          </a:xfrm>
+          <a:prstGeom prst="rect">
+            <a:avLst/>
+          </a:prstGeom>
+        </p:spPr>
+      </p:pic>
+    </p:spTree>
+  </p:cSld>
+  <p:clrMapOvr>
+    <a:masterClrMapping/>
+  </p:clrMapOvr>
+</p:sld>
+</file>
+
+<file path=ppt/slides/slide58.xml><?xml version="1.0" encoding="utf-8"?>
+<p:sld xmlns:a="http://schemas.openxmlformats.org/drawingml/2006/main" xmlns:r="http://schemas.openxmlformats.org/officeDocument/2006/relationships" xmlns:p="http://schemas.openxmlformats.org/presentationml/2006/main">
+  <p:cSld>
+    <p:spTree>
+      <p:nvGrpSpPr>
+        <p:cNvPr id="1" name=""/>
+        <p:cNvGrpSpPr/>
+        <p:nvPr/>
+      </p:nvGrpSpPr>
+      <p:grpSpPr/>
+      <p:sp>
+        <p:nvSpPr>
+          <p:cNvPr id="2" name="Title 1"/>
+          <p:cNvSpPr>
+            <a:spLocks noGrp="1"/>
+          </p:cNvSpPr>
+          <p:nvPr>
+            <p:ph type="title"/>
+          </p:nvPr>
+        </p:nvSpPr>
+        <p:spPr/>
+        <p:txBody>
+          <a:bodyPr/>
+          <a:lstStyle/>
+          <a:p>
+            <a:r>
+              <a:t>Hidden URL Authorization Failure</a:t>
+            </a:r>
+          </a:p>
+        </p:txBody>
+      </p:sp>
+      <p:sp>
+        <p:nvSpPr>
+          <p:cNvPr id="3" name="Content Placeholder 2"/>
+          <p:cNvSpPr>
+            <a:spLocks noGrp="1"/>
+          </p:cNvSpPr>
+          <p:nvPr>
+            <p:ph idx="1"/>
+          </p:nvPr>
+        </p:nvSpPr>
+        <p:spPr/>
+        <p:txBody>
+          <a:bodyPr/>
+          <a:lstStyle/>
+          <a:p>
+            <a:r>
+              <a:t> Similar to the insecure direct object reference attack</a:t>
+            </a:r>
+          </a:p>
+          <a:p>
+            <a:r>
+              <a:t> Used to gain access to hidden resources or functionality</a:t>
+            </a:r>
+          </a:p>
+          <a:p>
+            <a:r>
+              <a:t> "Hidden" in this context means not made available to the user through the presentation layer</a:t>
+            </a:r>
+          </a:p>
+          <a:p>
+            <a:r>
+              <a:t> For example, an attacker notices that for user "bob," when the request to list accounts is made, the URL looks like</a:t>
+            </a:r>
+          </a:p>
+          <a:p/>
+          <a:p>
+            <a:r>
+              <a:t> By altering the URL, the attacker might be able to access other accounts if proper authorization is not done</a:t>
+            </a:r>
+          </a:p>
+          <a:p/>
+        </p:txBody>
+      </p:sp>
+      <p:sp>
+        <p:nvSpPr>
+          <p:cNvPr id="4" name="TextBox 3"/>
+          <p:cNvSpPr txBox="1"/>
+          <p:nvPr/>
+        </p:nvSpPr>
+        <p:spPr>
+          <a:xfrm>
+            <a:off x="704088" y="8065008"/>
+            <a:ext cx="8915400" cy="228600"/>
+          </a:xfrm>
+          <a:prstGeom prst="rect">
+            <a:avLst/>
+          </a:prstGeom>
+          <a:noFill/>
+        </p:spPr>
+        <p:txBody>
+          <a:bodyPr wrap="none">
+            <a:spAutoFit/>
+          </a:bodyPr>
+          <a:lstStyle/>
+          <a:p>
+            <a:r>
+              <a:rPr sz="800">
+                <a:solidFill>
+                  <a:srgbClr val="000000"/>
+                </a:solidFill>
+              </a:rPr>
+              <a:t>Copyright © 2021 by Elephant Scale, All Rights Reserved</a:t>
+            </a:r>
+            <a:endParaRPr sz="800">
+              <a:solidFill>
+                <a:srgbClr val="000000"/>
+              </a:solidFill>
+            </a:endParaRPr>
+          </a:p>
+        </p:txBody>
+      </p:sp>
+      <p:pic>
+        <p:nvPicPr>
+          <p:cNvPr id="5" name="Picture 4" descr="1.png"/>
+          <p:cNvPicPr>
+            <a:picLocks noChangeAspect="1"/>
+          </p:cNvPicPr>
+          <p:nvPr/>
+        </p:nvPicPr>
+        <p:blipFill>
+          <a:blip r:embed="rId1"/>
+          <a:stretch>
+            <a:fillRect/>
+          </a:stretch>
+        </p:blipFill>
+        <p:spPr>
+          <a:xfrm>
+            <a:off x="-38100" y="4987036"/>
+            <a:ext cx="6197600" cy="520700"/>
+          </a:xfrm>
+          <a:prstGeom prst="rect">
+            <a:avLst/>
+          </a:prstGeom>
+        </p:spPr>
+      </p:pic>
+      <p:pic>
+        <p:nvPicPr>
+          <p:cNvPr id="6" name="Picture 5" descr="1.png"/>
+          <p:cNvPicPr>
+            <a:picLocks noChangeAspect="1"/>
+          </p:cNvPicPr>
+          <p:nvPr/>
+        </p:nvPicPr>
+        <p:blipFill>
+          <a:blip r:embed="rId2"/>
+          <a:stretch>
+            <a:fillRect/>
+          </a:stretch>
+        </p:blipFill>
+        <p:spPr>
+          <a:xfrm>
+            <a:off x="0" y="5742431"/>
+            <a:ext cx="6807200" cy="787400"/>
+          </a:xfrm>
+          <a:prstGeom prst="rect">
+            <a:avLst/>
+          </a:prstGeom>
+        </p:spPr>
+      </p:pic>
+    </p:spTree>
+  </p:cSld>
+  <p:clrMapOvr>
+    <a:masterClrMapping/>
+  </p:clrMapOvr>
+</p:sld>
+</file>
+
+<file path=ppt/slides/slide59.xml><?xml version="1.0" encoding="utf-8"?>
+<p:sld xmlns:a="http://schemas.openxmlformats.org/drawingml/2006/main" xmlns:r="http://schemas.openxmlformats.org/officeDocument/2006/relationships" xmlns:p="http://schemas.openxmlformats.org/presentationml/2006/main">
+  <p:cSld>
+    <p:spTree>
+      <p:nvGrpSpPr>
+        <p:cNvPr id="1" name=""/>
+        <p:cNvGrpSpPr/>
+        <p:nvPr/>
+      </p:nvGrpSpPr>
+      <p:grpSpPr/>
+      <p:sp>
+        <p:nvSpPr>
+          <p:cNvPr id="2" name="Title 1"/>
+          <p:cNvSpPr>
+            <a:spLocks noGrp="1"/>
+          </p:cNvSpPr>
+          <p:nvPr>
+            <p:ph type="title"/>
+          </p:nvPr>
+        </p:nvSpPr>
+        <p:spPr/>
+        <p:txBody>
+          <a:bodyPr/>
+          <a:lstStyle/>
+          <a:p>
+            <a:r>
+              <a:t>Hidden URL Discovery</a:t>
+            </a:r>
+          </a:p>
+        </p:txBody>
+      </p:sp>
+      <p:sp>
+        <p:nvSpPr>
+          <p:cNvPr id="3" name="Content Placeholder 2"/>
+          <p:cNvSpPr>
+            <a:spLocks noGrp="1"/>
+          </p:cNvSpPr>
+          <p:nvPr>
+            <p:ph idx="1"/>
+          </p:nvPr>
+        </p:nvSpPr>
+        <p:spPr/>
+        <p:txBody>
+          <a:bodyPr/>
+          <a:lstStyle/>
+          <a:p>
+            <a:r>
+              <a:t> Various tools exist to search for hidden URLs</a:t>
+            </a:r>
+          </a:p>
+          <a:p>
+            <a:r>
+              <a:t> Fuzzing throws large amounts of random URls at the target</a:t>
+            </a:r>
+          </a:p>
+          <a:p>
+            <a:pPr lvl="1"/>
+            <a:r>
+              <a:t> Surprisingly effecting</a:t>
+            </a:r>
+          </a:p>
+          <a:p>
+            <a:pPr lvl="1"/>
+            <a:r>
+              <a:t> Also used in testing for this vulnerability</a:t>
+            </a:r>
+          </a:p>
+          <a:p>
+            <a:r>
+              <a:t> Dictionary attacks</a:t>
+            </a:r>
+          </a:p>
+          <a:p>
+            <a:pPr lvl="1"/>
+            <a:r>
+              <a:t> Tries to find URLs with a list of possible names based on common user</a:t>
+            </a:r>
+          </a:p>
+          <a:p>
+            <a:pPr lvl="1"/>
+            <a:r>
+              <a:t> Eg. config, web-config, users, admin, webadmin, etc</a:t>
+            </a:r>
+          </a:p>
+        </p:txBody>
+      </p:sp>
+      <p:sp>
+        <p:nvSpPr>
+          <p:cNvPr id="4" name="TextBox 3"/>
+          <p:cNvSpPr txBox="1"/>
+          <p:nvPr/>
+        </p:nvSpPr>
+        <p:spPr>
+          <a:xfrm>
+            <a:off x="704088" y="8065008"/>
+            <a:ext cx="8915400" cy="228600"/>
+          </a:xfrm>
+          <a:prstGeom prst="rect">
+            <a:avLst/>
+          </a:prstGeom>
+          <a:noFill/>
+        </p:spPr>
+        <p:txBody>
+          <a:bodyPr wrap="none">
+            <a:spAutoFit/>
+          </a:bodyPr>
+          <a:lstStyle/>
+          <a:p>
+            <a:r>
+              <a:rPr sz="800">
+                <a:solidFill>
+                  <a:srgbClr val="000000"/>
+                </a:solidFill>
+              </a:rPr>
+              <a:t>Copyright © 2021 by Elephant Scale, All Rights Reserved</a:t>
+            </a:r>
+            <a:endParaRPr sz="800">
+              <a:solidFill>
+                <a:srgbClr val="000000"/>
+              </a:solidFill>
+            </a:endParaRPr>
+          </a:p>
+        </p:txBody>
+      </p:sp>
+    </p:spTree>
+  </p:cSld>
+  <p:clrMapOvr>
+    <a:masterClrMapping/>
+  </p:clrMapOvr>
+</p:sld>
+</file>
+
+<file path=ppt/slides/slide6.xml><?xml version="1.0" encoding="utf-8"?>
+<p:sld xmlns:a="http://schemas.openxmlformats.org/drawingml/2006/main" xmlns:r="http://schemas.openxmlformats.org/officeDocument/2006/relationships" xmlns:p="http://schemas.openxmlformats.org/presentationml/2006/main">
+  <p:cSld>
+    <p:spTree>
+      <p:nvGrpSpPr>
+        <p:cNvPr id="1" name=""/>
+        <p:cNvGrpSpPr/>
+        <p:nvPr/>
+      </p:nvGrpSpPr>
+      <p:grpSpPr/>
+      <p:sp>
+        <p:nvSpPr>
+          <p:cNvPr id="2" name="Title 1"/>
+          <p:cNvSpPr>
+            <a:spLocks noGrp="1"/>
+          </p:cNvSpPr>
+          <p:nvPr>
+            <p:ph type="title"/>
+          </p:nvPr>
+        </p:nvSpPr>
+        <p:spPr/>
+        <p:txBody>
+          <a:bodyPr/>
+          <a:lstStyle/>
+          <a:p>
+            <a:r>
+              <a:t>Persistent XSS Attack</a:t>
+            </a:r>
+          </a:p>
+        </p:txBody>
+      </p:sp>
+      <p:sp>
+        <p:nvSpPr>
+          <p:cNvPr id="3" name="Content Placeholder 2"/>
+          <p:cNvSpPr>
+            <a:spLocks noGrp="1"/>
+          </p:cNvSpPr>
+          <p:nvPr>
+            <p:ph idx="1"/>
+          </p:nvPr>
+        </p:nvSpPr>
+        <p:spPr/>
+        <p:txBody>
+          <a:bodyPr/>
+          <a:lstStyle/>
+          <a:p/>
+          <a:p/>
+          <a:p/>
+          <a:p/>
+          <a:p/>
+          <a:p/>
+          <a:p/>
+          <a:p/>
+          <a:p/>
+          <a:p/>
+        </p:txBody>
+      </p:sp>
+      <p:sp>
+        <p:nvSpPr>
+          <p:cNvPr id="4" name="TextBox 3"/>
+          <p:cNvSpPr txBox="1"/>
+          <p:nvPr/>
+        </p:nvSpPr>
+        <p:spPr>
+          <a:xfrm>
+            <a:off x="704088" y="8065008"/>
+            <a:ext cx="8915400" cy="228600"/>
+          </a:xfrm>
+          <a:prstGeom prst="rect">
+            <a:avLst/>
+          </a:prstGeom>
+          <a:noFill/>
+        </p:spPr>
+        <p:txBody>
+          <a:bodyPr wrap="none">
+            <a:spAutoFit/>
+          </a:bodyPr>
+          <a:lstStyle/>
+          <a:p>
+            <a:r>
+              <a:rPr sz="800">
+                <a:solidFill>
+                  <a:srgbClr val="000000"/>
+                </a:solidFill>
+              </a:rPr>
+              <a:t>Copyright © 2021 by Elephant Scale, All Rights Reserved</a:t>
+            </a:r>
+            <a:endParaRPr sz="800">
+              <a:solidFill>
+                <a:srgbClr val="000000"/>
+              </a:solidFill>
+            </a:endParaRPr>
           </a:p>
         </p:txBody>
       </p:sp>
@@ -11263,7 +11530,7 @@
           <p:nvPr/>
         </p:nvPicPr>
         <p:blipFill>
-          <a:blip r:embed="rId2"/>
+          <a:blip r:embed="rId1"/>
           <a:stretch>
             <a:fillRect/>
           </a:stretch>
@@ -11287,7 +11554,7 @@
 </file>
 
 <file path=ppt/slides/slide60.xml><?xml version="1.0" encoding="utf-8"?>
-<p:sld xmlns:a="http://schemas.openxmlformats.org/drawingml/2006/main" xmlns:p="http://schemas.openxmlformats.org/presentationml/2006/main" xmlns:r="http://schemas.openxmlformats.org/officeDocument/2006/relationships">
+<p:sld xmlns:a="http://schemas.openxmlformats.org/drawingml/2006/main" xmlns:r="http://schemas.openxmlformats.org/officeDocument/2006/relationships" xmlns:p="http://schemas.openxmlformats.org/presentationml/2006/main">
   <p:cSld>
     <p:spTree>
       <p:nvGrpSpPr>
@@ -11312,7 +11579,7 @@
           <a:lstStyle/>
           <a:p>
             <a:r>
-              <a:t>Encryption</a:t>
+              <a:t>Hidden URL Defences</a:t>
             </a:r>
           </a:p>
         </p:txBody>
@@ -11331,7 +11598,43 @@
         <p:txBody>
           <a:bodyPr/>
           <a:lstStyle/>
-          <a:p/>
+          <a:p>
+            <a:r>
+              <a:t> Restrict access to authenticated users</a:t>
+            </a:r>
+          </a:p>
+          <a:p>
+            <a:r>
+              <a:t> Use role based permissions</a:t>
+            </a:r>
+          </a:p>
+          <a:p>
+            <a:r>
+              <a:t> Filter and block access to all unauthorized page types</a:t>
+            </a:r>
+          </a:p>
+          <a:p>
+            <a:pPr lvl="1"/>
+            <a:r>
+              <a:t> Eg. XML files, *.conf files, etc</a:t>
+            </a:r>
+          </a:p>
+          <a:p>
+            <a:r>
+              <a:t> Ensure that every page request is vetted</a:t>
+            </a:r>
+          </a:p>
+          <a:p>
+            <a:pPr lvl="1"/>
+            <a:r>
+              <a:t> If is not possible from the displayed page, it is rejected</a:t>
+            </a:r>
+          </a:p>
+          <a:p>
+            <a:r>
+              <a:t> Use fuzz testing and other testing tools to see if there are any accessible URLs that should not be accessed</a:t>
+            </a:r>
+          </a:p>
         </p:txBody>
       </p:sp>
       <p:sp>
@@ -11364,6 +11667,11 @@
               </a:rPr>
               <a:t>Copyright © 2021 by Elephant Scale, All Rights Reserved</a:t>
             </a:r>
+            <a:endParaRPr sz="800">
+              <a:solidFill>
+                <a:srgbClr val="000000"/>
+              </a:solidFill>
+            </a:endParaRPr>
           </a:p>
         </p:txBody>
       </p:sp>
@@ -11376,7 +11684,7 @@
 </file>
 
 <file path=ppt/slides/slide61.xml><?xml version="1.0" encoding="utf-8"?>
-<p:sld xmlns:a="http://schemas.openxmlformats.org/drawingml/2006/main" xmlns:p="http://schemas.openxmlformats.org/presentationml/2006/main" xmlns:r="http://schemas.openxmlformats.org/officeDocument/2006/relationships">
+<p:sld xmlns:a="http://schemas.openxmlformats.org/drawingml/2006/main" xmlns:r="http://schemas.openxmlformats.org/officeDocument/2006/relationships" xmlns:p="http://schemas.openxmlformats.org/presentationml/2006/main">
   <p:cSld>
     <p:spTree>
       <p:nvGrpSpPr>
@@ -11401,7 +11709,7 @@
           <a:lstStyle/>
           <a:p>
             <a:r>
-              <a:t>Unsecured Direct Object Access</a:t>
+              <a:t>Cross Site Request Forgery</a:t>
             </a:r>
           </a:p>
         </p:txBody>
@@ -11422,31 +11730,44 @@
           <a:lstStyle/>
           <a:p>
             <a:r>
-              <a:t> Happens when implementation objects are exposed</a:t>
+              <a:t> Forces victim to execute unwanted actions in a web application where they’re currently authenticated</a:t>
+            </a:r>
+          </a:p>
+          <a:p>
+            <a:r>
+              <a:t> Flow of the attack</a:t>
             </a:r>
           </a:p>
           <a:p>
             <a:pPr lvl="1"/>
             <a:r>
-              <a:t> Eg. Configuration files, credentials, SQL queries</a:t>
-            </a:r>
-          </a:p>
-          <a:p>
-            <a:r>
-              <a:t> These objects can then be modified or destroyed</a:t>
-            </a:r>
-          </a:p>
-          <a:p>
-            <a:r>
-              <a:t> If implementation directories are accessible</a:t>
+              <a:t> Victim authenticates to a site, web banking for example</a:t>
             </a:r>
           </a:p>
           <a:p>
             <a:pPr lvl="1"/>
             <a:r>
-              <a:t> Attackers can add new files to compromise the system</a:t>
-            </a:r>
-          </a:p>
+              <a:t> User clicks on an infected link that executes a banking request</a:t>
+            </a:r>
+          </a:p>
+          <a:p>
+            <a:pPr lvl="1"/>
+            <a:r>
+              <a:t> The bogus request is approved because it appears to come from the authenticated user</a:t>
+            </a:r>
+          </a:p>
+          <a:p>
+            <a:r>
+              <a:t> If the banking request would normally be submitted by the authenticated user as:</a:t>
+            </a:r>
+          </a:p>
+          <a:p/>
+          <a:p>
+            <a:r>
+              <a:t> Attacker engineers the victim to click load a page containing</a:t>
+            </a:r>
+          </a:p>
+          <a:p/>
         </p:txBody>
       </p:sp>
       <p:sp>
@@ -11479,408 +11800,41 @@
               </a:rPr>
               <a:t>Copyright © 2021 by Elephant Scale, All Rights Reserved</a:t>
             </a:r>
-          </a:p>
-        </p:txBody>
-      </p:sp>
-    </p:spTree>
-  </p:cSld>
-  <p:clrMapOvr>
-    <a:masterClrMapping/>
-  </p:clrMapOvr>
-</p:sld>
-</file>
-
-<file path=ppt/slides/slide62.xml><?xml version="1.0" encoding="utf-8"?>
-<p:sld xmlns:a="http://schemas.openxmlformats.org/drawingml/2006/main" xmlns:p="http://schemas.openxmlformats.org/presentationml/2006/main" xmlns:r="http://schemas.openxmlformats.org/officeDocument/2006/relationships">
-  <p:cSld>
-    <p:spTree>
-      <p:nvGrpSpPr>
-        <p:cNvPr id="1" name=""/>
-        <p:cNvGrpSpPr/>
-        <p:nvPr/>
-      </p:nvGrpSpPr>
-      <p:grpSpPr/>
-      <p:sp>
-        <p:nvSpPr>
-          <p:cNvPr id="2" name="Title 1"/>
-          <p:cNvSpPr>
-            <a:spLocks noGrp="1"/>
-          </p:cNvSpPr>
-          <p:nvPr>
-            <p:ph type="title"/>
-          </p:nvPr>
-        </p:nvSpPr>
-        <p:spPr/>
-        <p:txBody>
-          <a:bodyPr/>
-          <a:lstStyle/>
-          <a:p>
-            <a:r>
-              <a:t>Hidden URL Authorization Failure</a:t>
-            </a:r>
-          </a:p>
-        </p:txBody>
-      </p:sp>
-      <p:sp>
-        <p:nvSpPr>
-          <p:cNvPr id="3" name="Content Placeholder 2"/>
-          <p:cNvSpPr>
-            <a:spLocks noGrp="1"/>
-          </p:cNvSpPr>
-          <p:nvPr>
-            <p:ph idx="1"/>
-          </p:nvPr>
-        </p:nvSpPr>
-        <p:spPr/>
-        <p:txBody>
-          <a:bodyPr/>
-          <a:lstStyle/>
-          <a:p/>
-        </p:txBody>
-      </p:sp>
-      <p:sp>
-        <p:nvSpPr>
-          <p:cNvPr id="4" name="TextBox 3"/>
-          <p:cNvSpPr txBox="1"/>
+            <a:endParaRPr sz="800">
+              <a:solidFill>
+                <a:srgbClr val="000000"/>
+              </a:solidFill>
+            </a:endParaRPr>
+          </a:p>
+        </p:txBody>
+      </p:sp>
+      <p:pic>
+        <p:nvPicPr>
+          <p:cNvPr id="5" name="Picture 4" descr="1.png"/>
+          <p:cNvPicPr>
+            <a:picLocks noChangeAspect="1"/>
+          </p:cNvPicPr>
           <p:nvPr/>
-        </p:nvSpPr>
+        </p:nvPicPr>
+        <p:blipFill>
+          <a:blip r:embed="rId1"/>
+          <a:stretch>
+            <a:fillRect/>
+          </a:stretch>
+        </p:blipFill>
         <p:spPr>
           <a:xfrm>
-            <a:off x="704088" y="8065008"/>
-            <a:ext cx="8915400" cy="228600"/>
+            <a:off x="-38100" y="5901690"/>
+            <a:ext cx="8915400" cy="368479"/>
           </a:xfrm>
           <a:prstGeom prst="rect">
             <a:avLst/>
           </a:prstGeom>
-          <a:noFill/>
         </p:spPr>
-        <p:txBody>
-          <a:bodyPr wrap="none">
-            <a:spAutoFit/>
-          </a:bodyPr>
-          <a:lstStyle/>
-          <a:p>
-            <a:r>
-              <a:rPr sz="800">
-                <a:solidFill>
-                  <a:srgbClr val="000000"/>
-                </a:solidFill>
-              </a:rPr>
-              <a:t>Copyright © 2021 by Elephant Scale, All Rights Reserved</a:t>
-            </a:r>
-          </a:p>
-        </p:txBody>
-      </p:sp>
-    </p:spTree>
-  </p:cSld>
-  <p:clrMapOvr>
-    <a:masterClrMapping/>
-  </p:clrMapOvr>
-</p:sld>
-</file>
-
-<file path=ppt/slides/slide63.xml><?xml version="1.0" encoding="utf-8"?>
-<p:sld xmlns:a="http://schemas.openxmlformats.org/drawingml/2006/main" xmlns:p="http://schemas.openxmlformats.org/presentationml/2006/main" xmlns:r="http://schemas.openxmlformats.org/officeDocument/2006/relationships">
-  <p:cSld>
-    <p:spTree>
-      <p:nvGrpSpPr>
-        <p:cNvPr id="1" name=""/>
-        <p:cNvGrpSpPr/>
-        <p:nvPr/>
-      </p:nvGrpSpPr>
-      <p:grpSpPr/>
-      <p:sp>
-        <p:nvSpPr>
-          <p:cNvPr id="2" name="Title 1"/>
-          <p:cNvSpPr>
-            <a:spLocks noGrp="1"/>
-          </p:cNvSpPr>
-          <p:nvPr>
-            <p:ph type="title"/>
-          </p:nvPr>
-        </p:nvSpPr>
-        <p:spPr/>
-        <p:txBody>
-          <a:bodyPr/>
-          <a:lstStyle/>
-          <a:p>
-            <a:r>
-              <a:t>Cross Site Request Forgery</a:t>
-            </a:r>
-          </a:p>
-        </p:txBody>
-      </p:sp>
-      <p:sp>
-        <p:nvSpPr>
-          <p:cNvPr id="3" name="Content Placeholder 2"/>
-          <p:cNvSpPr>
-            <a:spLocks noGrp="1"/>
-          </p:cNvSpPr>
-          <p:nvPr>
-            <p:ph idx="1"/>
-          </p:nvPr>
-        </p:nvSpPr>
-        <p:spPr/>
-        <p:txBody>
-          <a:bodyPr/>
-          <a:lstStyle/>
-          <a:p/>
-        </p:txBody>
-      </p:sp>
-      <p:sp>
-        <p:nvSpPr>
-          <p:cNvPr id="4" name="TextBox 3"/>
-          <p:cNvSpPr txBox="1"/>
-          <p:nvPr/>
-        </p:nvSpPr>
-        <p:spPr>
-          <a:xfrm>
-            <a:off x="704088" y="8065008"/>
-            <a:ext cx="8915400" cy="228600"/>
-          </a:xfrm>
-          <a:prstGeom prst="rect">
-            <a:avLst/>
-          </a:prstGeom>
-          <a:noFill/>
-        </p:spPr>
-        <p:txBody>
-          <a:bodyPr wrap="none">
-            <a:spAutoFit/>
-          </a:bodyPr>
-          <a:lstStyle/>
-          <a:p>
-            <a:r>
-              <a:rPr sz="800">
-                <a:solidFill>
-                  <a:srgbClr val="000000"/>
-                </a:solidFill>
-              </a:rPr>
-              <a:t>Copyright © 2021 by Elephant Scale, All Rights Reserved</a:t>
-            </a:r>
-          </a:p>
-        </p:txBody>
-      </p:sp>
-    </p:spTree>
-  </p:cSld>
-  <p:clrMapOvr>
-    <a:masterClrMapping/>
-  </p:clrMapOvr>
-</p:sld>
-</file>
-
-<file path=ppt/slides/slide64.xml><?xml version="1.0" encoding="utf-8"?>
-<p:sld xmlns:a="http://schemas.openxmlformats.org/drawingml/2006/main" xmlns:p="http://schemas.openxmlformats.org/presentationml/2006/main" xmlns:r="http://schemas.openxmlformats.org/officeDocument/2006/relationships">
-  <p:cSld>
-    <p:spTree>
-      <p:nvGrpSpPr>
-        <p:cNvPr id="1" name=""/>
-        <p:cNvGrpSpPr/>
-        <p:nvPr/>
-      </p:nvGrpSpPr>
-      <p:grpSpPr/>
-      <p:sp>
-        <p:nvSpPr>
-          <p:cNvPr id="2" name="Title 1"/>
-          <p:cNvSpPr>
-            <a:spLocks noGrp="1"/>
-          </p:cNvSpPr>
-          <p:nvPr>
-            <p:ph type="title"/>
-          </p:nvPr>
-        </p:nvSpPr>
-        <p:spPr/>
-        <p:txBody>
-          <a:bodyPr/>
-          <a:lstStyle/>
-          <a:p>
-            <a:r>
-              <a:t>Labs</a:t>
-            </a:r>
-          </a:p>
-        </p:txBody>
-      </p:sp>
-      <p:sp>
-        <p:nvSpPr>
-          <p:cNvPr id="3" name="Content Placeholder 2"/>
-          <p:cNvSpPr>
-            <a:spLocks noGrp="1"/>
-          </p:cNvSpPr>
-          <p:nvPr>
-            <p:ph idx="1"/>
-          </p:nvPr>
-        </p:nvSpPr>
-        <p:spPr/>
-        <p:txBody>
-          <a:bodyPr/>
-          <a:lstStyle/>
-          <a:p>
-            <a:r>
-              <a:t> Goat labs</a:t>
-            </a:r>
-          </a:p>
-        </p:txBody>
-      </p:sp>
-      <p:sp>
-        <p:nvSpPr>
-          <p:cNvPr id="4" name="TextBox 3"/>
-          <p:cNvSpPr txBox="1"/>
-          <p:nvPr/>
-        </p:nvSpPr>
-        <p:spPr>
-          <a:xfrm>
-            <a:off x="704088" y="8065008"/>
-            <a:ext cx="8915400" cy="228600"/>
-          </a:xfrm>
-          <a:prstGeom prst="rect">
-            <a:avLst/>
-          </a:prstGeom>
-          <a:noFill/>
-        </p:spPr>
-        <p:txBody>
-          <a:bodyPr wrap="none">
-            <a:spAutoFit/>
-          </a:bodyPr>
-          <a:lstStyle/>
-          <a:p>
-            <a:r>
-              <a:rPr sz="800">
-                <a:solidFill>
-                  <a:srgbClr val="000000"/>
-                </a:solidFill>
-              </a:rPr>
-              <a:t>Copyright © 2021 by Elephant Scale, All Rights Reserved</a:t>
-            </a:r>
-          </a:p>
-        </p:txBody>
-      </p:sp>
-    </p:spTree>
-  </p:cSld>
-  <p:clrMapOvr>
-    <a:masterClrMapping/>
-  </p:clrMapOvr>
-</p:sld>
-</file>
-
-<file path=ppt/slides/slide7.xml><?xml version="1.0" encoding="utf-8"?>
-<p:sld xmlns:a="http://schemas.openxmlformats.org/drawingml/2006/main" xmlns:p="http://schemas.openxmlformats.org/presentationml/2006/main" xmlns:r="http://schemas.openxmlformats.org/officeDocument/2006/relationships">
-  <p:cSld>
-    <p:spTree>
-      <p:nvGrpSpPr>
-        <p:cNvPr id="1" name=""/>
-        <p:cNvGrpSpPr/>
-        <p:nvPr/>
-      </p:nvGrpSpPr>
-      <p:grpSpPr/>
-      <p:sp>
-        <p:nvSpPr>
-          <p:cNvPr id="2" name="Title 1"/>
-          <p:cNvSpPr>
-            <a:spLocks noGrp="1"/>
-          </p:cNvSpPr>
-          <p:nvPr>
-            <p:ph type="title"/>
-          </p:nvPr>
-        </p:nvSpPr>
-        <p:spPr/>
-        <p:txBody>
-          <a:bodyPr/>
-          <a:lstStyle/>
-          <a:p>
-            <a:r>
-              <a:t>Persistent XSS Attack Example</a:t>
-            </a:r>
-          </a:p>
-        </p:txBody>
-      </p:sp>
-      <p:sp>
-        <p:nvSpPr>
-          <p:cNvPr id="3" name="Content Placeholder 2"/>
-          <p:cNvSpPr>
-            <a:spLocks noGrp="1"/>
-          </p:cNvSpPr>
-          <p:nvPr>
-            <p:ph idx="1"/>
-          </p:nvPr>
-        </p:nvSpPr>
-        <p:spPr/>
-        <p:txBody>
-          <a:bodyPr/>
-          <a:lstStyle/>
-          <a:p>
-            <a:r>
-              <a:t> A trusted blog allows users to post comments exactly as entered by the users</a:t>
-            </a:r>
-          </a:p>
-          <a:p>
-            <a:r>
-              <a:t> An attacker posts the following comment which contains a malicious payload</a:t>
-            </a:r>
-          </a:p>
-          <a:p/>
-          <a:p>
-            <a:r>
-              <a:t> When a victim goes to the page containing the comment, the payload in the comment executes</a:t>
-            </a:r>
-          </a:p>
-          <a:p>
-            <a:r>
-              <a:t> The attack payload remains in persistent storage on the server</a:t>
-            </a:r>
-          </a:p>
-          <a:p>
-            <a:r>
-              <a:t> Multiple users may become victims of the attack</a:t>
-            </a:r>
-          </a:p>
-          <a:p>
-            <a:r>
-              <a:t> Phishing is used to deceptively direct victims to the URL containing the payload</a:t>
-            </a:r>
-          </a:p>
-          <a:p>
-            <a:r>
-              <a:rPr i="1"/>
-              <a:t> OMG!!!, can you believe what this guy wrote!!! (link to payload comment)</a:t>
-            </a:r>
-          </a:p>
-        </p:txBody>
-      </p:sp>
-      <p:sp>
-        <p:nvSpPr>
-          <p:cNvPr id="4" name="TextBox 3"/>
-          <p:cNvSpPr txBox="1"/>
-          <p:nvPr/>
-        </p:nvSpPr>
-        <p:spPr>
-          <a:xfrm>
-            <a:off x="704088" y="8065008"/>
-            <a:ext cx="8915400" cy="228600"/>
-          </a:xfrm>
-          <a:prstGeom prst="rect">
-            <a:avLst/>
-          </a:prstGeom>
-          <a:noFill/>
-        </p:spPr>
-        <p:txBody>
-          <a:bodyPr wrap="none">
-            <a:spAutoFit/>
-          </a:bodyPr>
-          <a:lstStyle/>
-          <a:p>
-            <a:r>
-              <a:rPr sz="800">
-                <a:solidFill>
-                  <a:srgbClr val="000000"/>
-                </a:solidFill>
-              </a:rPr>
-              <a:t>Copyright © 2021 by Elephant Scale, All Rights Reserved</a:t>
-            </a:r>
-          </a:p>
-        </p:txBody>
-      </p:sp>
+      </p:pic>
       <p:pic>
         <p:nvPicPr>
-          <p:cNvPr id="5" name="Picture 4" descr="1.png"/>
+          <p:cNvPr id="6" name="Picture 5" descr="1.png"/>
           <p:cNvPicPr>
             <a:picLocks noChangeAspect="1"/>
           </p:cNvPicPr>
@@ -11894,8 +11848,449 @@
         </p:blipFill>
         <p:spPr>
           <a:xfrm>
-            <a:off x="0" y="2670048"/>
-            <a:ext cx="10160000" cy="787400"/>
+            <a:off x="0" y="6620256"/>
+            <a:ext cx="8915400" cy="431840"/>
+          </a:xfrm>
+          <a:prstGeom prst="rect">
+            <a:avLst/>
+          </a:prstGeom>
+        </p:spPr>
+      </p:pic>
+    </p:spTree>
+  </p:cSld>
+  <p:clrMapOvr>
+    <a:masterClrMapping/>
+  </p:clrMapOvr>
+</p:sld>
+</file>
+
+<file path=ppt/slides/slide62.xml><?xml version="1.0" encoding="utf-8"?>
+<p:sld xmlns:a="http://schemas.openxmlformats.org/drawingml/2006/main" xmlns:r="http://schemas.openxmlformats.org/officeDocument/2006/relationships" xmlns:p="http://schemas.openxmlformats.org/presentationml/2006/main">
+  <p:cSld>
+    <p:spTree>
+      <p:nvGrpSpPr>
+        <p:cNvPr id="1" name=""/>
+        <p:cNvGrpSpPr/>
+        <p:nvPr/>
+      </p:nvGrpSpPr>
+      <p:grpSpPr/>
+      <p:sp>
+        <p:nvSpPr>
+          <p:cNvPr id="2" name="Title 1"/>
+          <p:cNvSpPr>
+            <a:spLocks noGrp="1"/>
+          </p:cNvSpPr>
+          <p:nvPr>
+            <p:ph type="title"/>
+          </p:nvPr>
+        </p:nvSpPr>
+        <p:spPr/>
+        <p:txBody>
+          <a:bodyPr/>
+          <a:lstStyle/>
+          <a:p>
+            <a:r>
+              <a:t>Cross Site Request Forgery</a:t>
+            </a:r>
+          </a:p>
+        </p:txBody>
+      </p:sp>
+      <p:sp>
+        <p:nvSpPr>
+          <p:cNvPr id="3" name="Content Placeholder 2"/>
+          <p:cNvSpPr>
+            <a:spLocks noGrp="1"/>
+          </p:cNvSpPr>
+          <p:nvPr>
+            <p:ph idx="1"/>
+          </p:nvPr>
+        </p:nvSpPr>
+        <p:spPr/>
+        <p:txBody>
+          <a:bodyPr/>
+          <a:lstStyle/>
+          <a:p/>
+          <a:p/>
+          <a:p/>
+          <a:p/>
+          <a:p/>
+          <a:p/>
+          <a:p/>
+          <a:p/>
+          <a:p>
+            <a:r>
+              <a:t> Example on the previous slide was contrived but captures the essence of the attack</a:t>
+            </a:r>
+          </a:p>
+          <a:p>
+            <a:r>
+              <a:t> While authenticated to a site, the attacker has the victim execute a malicious request to that site</a:t>
+            </a:r>
+          </a:p>
+          <a:p>
+            <a:r>
+              <a:t> The site assumes that it was the authenticated user that issued the request</a:t>
+            </a:r>
+          </a:p>
+          <a:p>
+            <a:r>
+              <a:t> For example, having user authenticated as an admin click on a link that adds the attacker as an admin user</a:t>
+            </a:r>
+          </a:p>
+        </p:txBody>
+      </p:sp>
+      <p:sp>
+        <p:nvSpPr>
+          <p:cNvPr id="4" name="TextBox 3"/>
+          <p:cNvSpPr txBox="1"/>
+          <p:nvPr/>
+        </p:nvSpPr>
+        <p:spPr>
+          <a:xfrm>
+            <a:off x="704088" y="8065008"/>
+            <a:ext cx="8915400" cy="228600"/>
+          </a:xfrm>
+          <a:prstGeom prst="rect">
+            <a:avLst/>
+          </a:prstGeom>
+          <a:noFill/>
+        </p:spPr>
+        <p:txBody>
+          <a:bodyPr wrap="none">
+            <a:spAutoFit/>
+          </a:bodyPr>
+          <a:lstStyle/>
+          <a:p>
+            <a:r>
+              <a:rPr sz="800">
+                <a:solidFill>
+                  <a:srgbClr val="000000"/>
+                </a:solidFill>
+              </a:rPr>
+              <a:t>Copyright © 2021 by Elephant Scale, All Rights Reserved</a:t>
+            </a:r>
+            <a:endParaRPr sz="800">
+              <a:solidFill>
+                <a:srgbClr val="000000"/>
+              </a:solidFill>
+            </a:endParaRPr>
+          </a:p>
+        </p:txBody>
+      </p:sp>
+      <p:pic>
+        <p:nvPicPr>
+          <p:cNvPr id="5" name="Picture 4" descr="CSFR.png"/>
+          <p:cNvPicPr>
+            <a:picLocks noChangeAspect="1"/>
+          </p:cNvPicPr>
+          <p:nvPr/>
+        </p:nvPicPr>
+        <p:blipFill>
+          <a:blip r:embed="rId1"/>
+          <a:stretch>
+            <a:fillRect/>
+          </a:stretch>
+        </p:blipFill>
+        <p:spPr>
+          <a:xfrm>
+            <a:off x="704088" y="914400"/>
+            <a:ext cx="3415880" cy="3273552"/>
+          </a:xfrm>
+          <a:prstGeom prst="rect">
+            <a:avLst/>
+          </a:prstGeom>
+        </p:spPr>
+      </p:pic>
+    </p:spTree>
+  </p:cSld>
+  <p:clrMapOvr>
+    <a:masterClrMapping/>
+  </p:clrMapOvr>
+</p:sld>
+</file>
+
+<file path=ppt/slides/slide63.xml><?xml version="1.0" encoding="utf-8"?>
+<p:sld xmlns:a="http://schemas.openxmlformats.org/drawingml/2006/main" xmlns:r="http://schemas.openxmlformats.org/officeDocument/2006/relationships" xmlns:p="http://schemas.openxmlformats.org/presentationml/2006/main">
+  <p:cSld>
+    <p:spTree>
+      <p:nvGrpSpPr>
+        <p:cNvPr id="1" name=""/>
+        <p:cNvGrpSpPr/>
+        <p:nvPr/>
+      </p:nvGrpSpPr>
+      <p:grpSpPr/>
+      <p:sp>
+        <p:nvSpPr>
+          <p:cNvPr id="2" name="Title 1"/>
+          <p:cNvSpPr>
+            <a:spLocks noGrp="1"/>
+          </p:cNvSpPr>
+          <p:nvPr>
+            <p:ph type="title"/>
+          </p:nvPr>
+        </p:nvSpPr>
+        <p:spPr/>
+        <p:txBody>
+          <a:bodyPr/>
+          <a:lstStyle/>
+          <a:p>
+            <a:r>
+              <a:t>Labs</a:t>
+            </a:r>
+          </a:p>
+        </p:txBody>
+      </p:sp>
+      <p:sp>
+        <p:nvSpPr>
+          <p:cNvPr id="3" name="Content Placeholder 2"/>
+          <p:cNvSpPr>
+            <a:spLocks noGrp="1"/>
+          </p:cNvSpPr>
+          <p:nvPr>
+            <p:ph idx="1"/>
+          </p:nvPr>
+        </p:nvSpPr>
+        <p:spPr/>
+        <p:txBody>
+          <a:bodyPr/>
+          <a:lstStyle/>
+          <a:p>
+            <a:r>
+              <a:t> Goat labs (CSRF)</a:t>
+            </a:r>
+          </a:p>
+          <a:p/>
+          <a:p/>
+          <a:p/>
+          <a:p/>
+          <a:p/>
+          <a:p/>
+          <a:p/>
+          <a:p/>
+          <a:p/>
+          <a:p/>
+          <a:p/>
+          <a:p/>
+          <a:p/>
+        </p:txBody>
+      </p:sp>
+      <p:sp>
+        <p:nvSpPr>
+          <p:cNvPr id="4" name="TextBox 3"/>
+          <p:cNvSpPr txBox="1"/>
+          <p:nvPr/>
+        </p:nvSpPr>
+        <p:spPr>
+          <a:xfrm>
+            <a:off x="704088" y="8065008"/>
+            <a:ext cx="8915400" cy="228600"/>
+          </a:xfrm>
+          <a:prstGeom prst="rect">
+            <a:avLst/>
+          </a:prstGeom>
+          <a:noFill/>
+        </p:spPr>
+        <p:txBody>
+          <a:bodyPr wrap="none">
+            <a:spAutoFit/>
+          </a:bodyPr>
+          <a:lstStyle/>
+          <a:p>
+            <a:r>
+              <a:rPr sz="800">
+                <a:solidFill>
+                  <a:srgbClr val="000000"/>
+                </a:solidFill>
+              </a:rPr>
+              <a:t>Copyright © 2021 by Elephant Scale, All Rights Reserved</a:t>
+            </a:r>
+            <a:endParaRPr sz="800">
+              <a:solidFill>
+                <a:srgbClr val="000000"/>
+              </a:solidFill>
+            </a:endParaRPr>
+          </a:p>
+        </p:txBody>
+      </p:sp>
+      <p:pic>
+        <p:nvPicPr>
+          <p:cNvPr id="5" name="Picture 4" descr="csrf.png"/>
+          <p:cNvPicPr>
+            <a:picLocks noChangeAspect="1"/>
+          </p:cNvPicPr>
+          <p:nvPr/>
+        </p:nvPicPr>
+        <p:blipFill>
+          <a:blip r:embed="rId1"/>
+          <a:stretch>
+            <a:fillRect/>
+          </a:stretch>
+        </p:blipFill>
+        <p:spPr>
+          <a:xfrm>
+            <a:off x="704088" y="1787017"/>
+            <a:ext cx="7507224" cy="3778846"/>
+          </a:xfrm>
+          <a:prstGeom prst="rect">
+            <a:avLst/>
+          </a:prstGeom>
+        </p:spPr>
+      </p:pic>
+    </p:spTree>
+  </p:cSld>
+  <p:clrMapOvr>
+    <a:masterClrMapping/>
+  </p:clrMapOvr>
+</p:sld>
+</file>
+
+<file path=ppt/slides/slide7.xml><?xml version="1.0" encoding="utf-8"?>
+<p:sld xmlns:a="http://schemas.openxmlformats.org/drawingml/2006/main" xmlns:r="http://schemas.openxmlformats.org/officeDocument/2006/relationships" xmlns:p="http://schemas.openxmlformats.org/presentationml/2006/main">
+  <p:cSld>
+    <p:spTree>
+      <p:nvGrpSpPr>
+        <p:cNvPr id="1" name=""/>
+        <p:cNvGrpSpPr/>
+        <p:nvPr/>
+      </p:nvGrpSpPr>
+      <p:grpSpPr/>
+      <p:sp>
+        <p:nvSpPr>
+          <p:cNvPr id="2" name="Title 1"/>
+          <p:cNvSpPr>
+            <a:spLocks noGrp="1"/>
+          </p:cNvSpPr>
+          <p:nvPr>
+            <p:ph type="title"/>
+          </p:nvPr>
+        </p:nvSpPr>
+        <p:spPr/>
+        <p:txBody>
+          <a:bodyPr/>
+          <a:lstStyle/>
+          <a:p>
+            <a:r>
+              <a:t>Persistent XSS Attack Example</a:t>
+            </a:r>
+          </a:p>
+        </p:txBody>
+      </p:sp>
+      <p:sp>
+        <p:nvSpPr>
+          <p:cNvPr id="3" name="Content Placeholder 2"/>
+          <p:cNvSpPr>
+            <a:spLocks noGrp="1"/>
+          </p:cNvSpPr>
+          <p:nvPr>
+            <p:ph idx="1"/>
+          </p:nvPr>
+        </p:nvSpPr>
+        <p:spPr/>
+        <p:txBody>
+          <a:bodyPr/>
+          <a:lstStyle/>
+          <a:p>
+            <a:r>
+              <a:t> A blog saves comments on posts exactly as entered by users</a:t>
+            </a:r>
+          </a:p>
+          <a:p>
+            <a:r>
+              <a:t> An attacker posts the following comment which contains a malicious payload</a:t>
+            </a:r>
+          </a:p>
+          <a:p/>
+          <a:p>
+            <a:r>
+              <a:t> </a:t>
+            </a:r>
+          </a:p>
+          <a:p/>
+          <a:p>
+            <a:r>
+              <a:t>When a victim loads the page containing the comment, the payload in the comment executes</a:t>
+            </a:r>
+          </a:p>
+          <a:p>
+            <a:r>
+              <a:t> The attack payload remains in persistent storage on the server</a:t>
+            </a:r>
+          </a:p>
+          <a:p>
+            <a:r>
+              <a:t> Multiple users may become victims of the attack</a:t>
+            </a:r>
+          </a:p>
+          <a:p>
+            <a:r>
+              <a:t> Phishing is used to deceptively direct victims to the URL containing the payload</a:t>
+            </a:r>
+          </a:p>
+          <a:p>
+            <a:r>
+              <a:rPr i="1"/>
+              <a:t> OMG!!!, can you believe what this guy wrote!!! (link to payload comment)</a:t>
+            </a:r>
+            <a:endParaRPr i="1"/>
+          </a:p>
+        </p:txBody>
+      </p:sp>
+      <p:sp>
+        <p:nvSpPr>
+          <p:cNvPr id="4" name="TextBox 3"/>
+          <p:cNvSpPr txBox="1"/>
+          <p:nvPr/>
+        </p:nvSpPr>
+        <p:spPr>
+          <a:xfrm>
+            <a:off x="704088" y="8065008"/>
+            <a:ext cx="8915400" cy="228600"/>
+          </a:xfrm>
+          <a:prstGeom prst="rect">
+            <a:avLst/>
+          </a:prstGeom>
+          <a:noFill/>
+        </p:spPr>
+        <p:txBody>
+          <a:bodyPr wrap="none">
+            <a:spAutoFit/>
+          </a:bodyPr>
+          <a:lstStyle/>
+          <a:p>
+            <a:r>
+              <a:rPr sz="800">
+                <a:solidFill>
+                  <a:srgbClr val="000000"/>
+                </a:solidFill>
+              </a:rPr>
+              <a:t>Copyright © 2021 by Elephant Scale, All Rights Reserved</a:t>
+            </a:r>
+            <a:endParaRPr sz="800">
+              <a:solidFill>
+                <a:srgbClr val="000000"/>
+              </a:solidFill>
+            </a:endParaRPr>
+          </a:p>
+        </p:txBody>
+      </p:sp>
+      <p:pic>
+        <p:nvPicPr>
+          <p:cNvPr id="5" name="Picture 4" descr="1.png"/>
+          <p:cNvPicPr>
+            <a:picLocks noChangeAspect="1"/>
+          </p:cNvPicPr>
+          <p:nvPr/>
+        </p:nvPicPr>
+        <p:blipFill>
+          <a:blip r:embed="rId1"/>
+          <a:stretch>
+            <a:fillRect/>
+          </a:stretch>
+        </p:blipFill>
+        <p:spPr>
+          <a:xfrm>
+            <a:off x="46990" y="2472690"/>
+            <a:ext cx="9325610" cy="722630"/>
           </a:xfrm>
           <a:prstGeom prst="rect">
             <a:avLst/>
@@ -11911,7 +12306,7 @@
 </file>
 
 <file path=ppt/slides/slide8.xml><?xml version="1.0" encoding="utf-8"?>
-<p:sld xmlns:a="http://schemas.openxmlformats.org/drawingml/2006/main" xmlns:p="http://schemas.openxmlformats.org/presentationml/2006/main" xmlns:r="http://schemas.openxmlformats.org/officeDocument/2006/relationships">
+<p:sld xmlns:a="http://schemas.openxmlformats.org/drawingml/2006/main" xmlns:r="http://schemas.openxmlformats.org/officeDocument/2006/relationships" xmlns:p="http://schemas.openxmlformats.org/presentationml/2006/main">
   <p:cSld>
     <p:spTree>
       <p:nvGrpSpPr>
@@ -12014,6 +12409,11 @@
               </a:rPr>
               <a:t>Copyright © 2021 by Elephant Scale, All Rights Reserved</a:t>
             </a:r>
+            <a:endParaRPr sz="800">
+              <a:solidFill>
+                <a:srgbClr val="000000"/>
+              </a:solidFill>
+            </a:endParaRPr>
           </a:p>
         </p:txBody>
       </p:sp>
@@ -12026,7 +12426,7 @@
           <p:nvPr/>
         </p:nvPicPr>
         <p:blipFill>
-          <a:blip r:embed="rId2"/>
+          <a:blip r:embed="rId1"/>
           <a:stretch>
             <a:fillRect/>
           </a:stretch>
@@ -12050,7 +12450,7 @@
 </file>
 
 <file path=ppt/slides/slide9.xml><?xml version="1.0" encoding="utf-8"?>
-<p:sld xmlns:a="http://schemas.openxmlformats.org/drawingml/2006/main" xmlns:p="http://schemas.openxmlformats.org/presentationml/2006/main" xmlns:r="http://schemas.openxmlformats.org/officeDocument/2006/relationships">
+<p:sld xmlns:a="http://schemas.openxmlformats.org/drawingml/2006/main" xmlns:r="http://schemas.openxmlformats.org/officeDocument/2006/relationships" xmlns:p="http://schemas.openxmlformats.org/presentationml/2006/main">
   <p:cSld>
     <p:spTree>
       <p:nvGrpSpPr>
@@ -12156,6 +12556,11 @@
               </a:rPr>
               <a:t>Copyright © 2021 by Elephant Scale, All Rights Reserved</a:t>
             </a:r>
+            <a:endParaRPr sz="800">
+              <a:solidFill>
+                <a:srgbClr val="000000"/>
+              </a:solidFill>
+            </a:endParaRPr>
           </a:p>
         </p:txBody>
       </p:sp>
@@ -12410,13 +12815,8 @@
           <a:headEnd type="none" w="med" len="med"/>
           <a:tailEnd type="none" w="med" len="med"/>
         </a:ln>
-        <a:effectLst/>
       </a:spPr>
-      <a:bodyPr vert="horz" wrap="square" lIns="91440" tIns="45720" rIns="91440" bIns="45720" numCol="1" anchor="t" anchorCtr="0" compatLnSpc="1">
-        <a:prstTxWarp prst="textNoShape">
-          <a:avLst/>
-        </a:prstTxWarp>
-      </a:bodyPr>
+      <a:bodyPr vert="horz" wrap="square" lIns="91440" tIns="45720" rIns="91440" bIns="45720" numCol="1" anchor="t" anchorCtr="0" compatLnSpc="1"/>
       <a:lstStyle>
         <a:defPPr marL="0" marR="0" indent="0" algn="ctr" defTabSz="914400" rtl="0" eaLnBrk="1" fontAlgn="base" latinLnBrk="0" hangingPunct="1">
           <a:lnSpc>
@@ -12432,7 +12832,6 @@
           <a:buSzTx/>
           <a:buFontTx/>
           <a:buNone/>
-          <a:tabLst/>
           <a:defRPr kumimoji="0" lang="en-US" sz="1000" b="0" i="0" u="none" strike="noStrike" cap="none" normalizeH="0" baseline="0">
             <a:ln>
               <a:noFill/>
@@ -12441,7 +12840,7 @@
               <a:schemeClr val="tx1"/>
             </a:solidFill>
             <a:effectLst/>
-            <a:latin typeface="Garamond" pitchFamily="-110" charset="0"/>
+            <a:latin typeface="Garamond" pitchFamily="18" charset="0"/>
           </a:defRPr>
         </a:defPPr>
       </a:lstStyle>
@@ -12472,13 +12871,8 @@
           <a:headEnd type="none" w="med" len="med"/>
           <a:tailEnd type="none" w="med" len="med"/>
         </a:ln>
-        <a:effectLst/>
       </a:spPr>
-      <a:bodyPr vert="horz" wrap="square" lIns="91440" tIns="45720" rIns="91440" bIns="45720" numCol="1" anchor="t" anchorCtr="0" compatLnSpc="1">
-        <a:prstTxWarp prst="textNoShape">
-          <a:avLst/>
-        </a:prstTxWarp>
-      </a:bodyPr>
+      <a:bodyPr vert="horz" wrap="square" lIns="91440" tIns="45720" rIns="91440" bIns="45720" numCol="1" anchor="t" anchorCtr="0" compatLnSpc="1"/>
       <a:lstStyle>
         <a:defPPr marL="0" marR="0" indent="0" algn="ctr" defTabSz="914400" rtl="0" eaLnBrk="1" fontAlgn="base" latinLnBrk="0" hangingPunct="1">
           <a:lnSpc>
@@ -12494,7 +12888,6 @@
           <a:buSzTx/>
           <a:buFontTx/>
           <a:buNone/>
-          <a:tabLst/>
           <a:defRPr kumimoji="0" lang="en-US" sz="1000" b="0" i="0" u="none" strike="noStrike" cap="none" normalizeH="0" baseline="0">
             <a:ln>
               <a:noFill/>
@@ -12503,7 +12896,7 @@
               <a:schemeClr val="tx1"/>
             </a:solidFill>
             <a:effectLst/>
-            <a:latin typeface="Garamond" pitchFamily="-110" charset="0"/>
+            <a:latin typeface="Garamond" pitchFamily="18" charset="0"/>
           </a:defRPr>
         </a:defPPr>
       </a:lstStyle>
@@ -12798,6 +13191,11 @@
       <a:clrMap bg1="dk2" tx1="lt1" bg2="dk1" tx2="lt2" accent1="accent1" accent2="accent2" accent3="accent3" accent4="accent4" accent5="accent5" accent6="accent6" hlink="hlink" folHlink="folHlink"/>
     </a:extraClrScheme>
   </a:extraClrSchemeLst>
+  <a:extLst>
+    <a:ext uri="{05A4C25C-085E-4340-85A3-A5531E510DB2}">
+      <thm15:themeFamily xmlns:thm15="http://schemas.microsoft.com/office/thememl/2012/main" name="Office Theme" id="{62F939B6-93AF-4DB8-9C6B-D6C7DFDC589F}" vid="{4A3C46E8-61CC-4603-A589-7422A47A8E4A}"/>
+    </a:ext>
+  </a:extLst>
 </a:theme>
 </file>
 
@@ -13115,7 +13513,11 @@
       </a:style>
     </a:lnDef>
   </a:objectDefaults>
-  <a:extraClrSchemeLst/>
+  <a:extLst>
+    <a:ext uri="{05A4C25C-085E-4340-85A3-A5531E510DB2}">
+      <thm15:themeFamily xmlns:thm15="http://schemas.microsoft.com/office/thememl/2012/main" name="Office Theme" id="{62F939B6-93AF-4DB8-9C6B-D6C7DFDC589F}" vid="{4A3C46E8-61CC-4603-A589-7422A47A8E4A}"/>
+    </a:ext>
+  </a:extLst>
 </a:theme>
 </file>
 
@@ -13433,6 +13835,10 @@
       </a:style>
     </a:lnDef>
   </a:objectDefaults>
-  <a:extraClrSchemeLst/>
+  <a:extLst>
+    <a:ext uri="{05A4C25C-085E-4340-85A3-A5531E510DB2}">
+      <thm15:themeFamily xmlns:thm15="http://schemas.microsoft.com/office/thememl/2012/main" name="Office Theme" id="{62F939B6-93AF-4DB8-9C6B-D6C7DFDC589F}" vid="{4A3C46E8-61CC-4603-A589-7422A47A8E4A}"/>
+    </a:ext>
+  </a:extLst>
 </a:theme>
 </file>
--- a/secure-coding/slides/delivery/05__Common-Attacks.pptx
+++ b/secure-coding/slides/delivery/05__Common-Attacks.pptx
@@ -1,81 +1,81 @@
 
 <file path=ppt/presentation.xml><?xml version="1.0" encoding="utf-8"?>
-<p:presentation xmlns:a="http://schemas.openxmlformats.org/drawingml/2006/main" xmlns:r="http://schemas.openxmlformats.org/officeDocument/2006/relationships" xmlns:p="http://schemas.openxmlformats.org/presentationml/2006/main" showSpecialPlsOnTitleSld="0" saveSubsetFonts="1" autoCompressPictures="0">
+<p:presentation xmlns:a="http://schemas.openxmlformats.org/drawingml/2006/main" xmlns:r="http://schemas.openxmlformats.org/officeDocument/2006/relationships" xmlns:p="http://schemas.openxmlformats.org/presentationml/2006/main" showSpecialPlsOnTitleSld="0" autoCompressPictures="0">
   <p:sldMasterIdLst>
-    <p:sldMasterId id="2147483651" r:id="rId1"/>
+    <p:sldMasterId id="2147483648" r:id="rId1"/>
   </p:sldMasterIdLst>
   <p:notesMasterIdLst>
-    <p:notesMasterId r:id="rId2"/>
+    <p:notesMasterId r:id="rId9"/>
   </p:notesMasterIdLst>
   <p:handoutMasterIdLst>
-    <p:handoutMasterId r:id="rId3"/>
+    <p:handoutMasterId r:id="rId67"/>
   </p:handoutMasterIdLst>
   <p:sldIdLst>
-    <p:sldId id="256" r:id="rId9"/>
-    <p:sldId id="257" r:id="rId10"/>
-    <p:sldId id="258" r:id="rId11"/>
-    <p:sldId id="259" r:id="rId12"/>
-    <p:sldId id="260" r:id="rId13"/>
-    <p:sldId id="261" r:id="rId14"/>
-    <p:sldId id="262" r:id="rId15"/>
-    <p:sldId id="263" r:id="rId16"/>
-    <p:sldId id="264" r:id="rId17"/>
-    <p:sldId id="265" r:id="rId18"/>
-    <p:sldId id="266" r:id="rId19"/>
-    <p:sldId id="267" r:id="rId20"/>
-    <p:sldId id="268" r:id="rId21"/>
-    <p:sldId id="269" r:id="rId22"/>
-    <p:sldId id="270" r:id="rId23"/>
-    <p:sldId id="271" r:id="rId24"/>
-    <p:sldId id="272" r:id="rId25"/>
-    <p:sldId id="273" r:id="rId26"/>
-    <p:sldId id="274" r:id="rId27"/>
-    <p:sldId id="275" r:id="rId28"/>
-    <p:sldId id="276" r:id="rId29"/>
-    <p:sldId id="277" r:id="rId30"/>
-    <p:sldId id="278" r:id="rId31"/>
-    <p:sldId id="279" r:id="rId32"/>
-    <p:sldId id="280" r:id="rId33"/>
-    <p:sldId id="281" r:id="rId34"/>
-    <p:sldId id="282" r:id="rId35"/>
-    <p:sldId id="283" r:id="rId36"/>
-    <p:sldId id="284" r:id="rId37"/>
-    <p:sldId id="285" r:id="rId38"/>
-    <p:sldId id="286" r:id="rId39"/>
-    <p:sldId id="287" r:id="rId40"/>
-    <p:sldId id="288" r:id="rId41"/>
-    <p:sldId id="289" r:id="rId42"/>
-    <p:sldId id="290" r:id="rId43"/>
-    <p:sldId id="291" r:id="rId44"/>
-    <p:sldId id="292" r:id="rId45"/>
-    <p:sldId id="293" r:id="rId46"/>
-    <p:sldId id="294" r:id="rId47"/>
-    <p:sldId id="295" r:id="rId48"/>
-    <p:sldId id="296" r:id="rId49"/>
-    <p:sldId id="297" r:id="rId50"/>
-    <p:sldId id="298" r:id="rId51"/>
-    <p:sldId id="299" r:id="rId52"/>
-    <p:sldId id="300" r:id="rId53"/>
-    <p:sldId id="301" r:id="rId54"/>
-    <p:sldId id="302" r:id="rId55"/>
-    <p:sldId id="303" r:id="rId56"/>
-    <p:sldId id="304" r:id="rId57"/>
-    <p:sldId id="305" r:id="rId58"/>
-    <p:sldId id="306" r:id="rId59"/>
-    <p:sldId id="307" r:id="rId60"/>
-    <p:sldId id="308" r:id="rId61"/>
-    <p:sldId id="309" r:id="rId62"/>
-    <p:sldId id="310" r:id="rId63"/>
-    <p:sldId id="311" r:id="rId64"/>
-    <p:sldId id="312" r:id="rId65"/>
-    <p:sldId id="313" r:id="rId66"/>
-    <p:sldId id="314" r:id="rId67"/>
-    <p:sldId id="315" r:id="rId68"/>
-    <p:sldId id="316" r:id="rId69"/>
-    <p:sldId id="317" r:id="rId70"/>
-    <p:sldId id="318" r:id="rId71"/>
+    <p:sldId id="256" r:id="rId3"/>
+    <p:sldId id="257" r:id="rId4"/>
+    <p:sldId id="258" r:id="rId5"/>
+    <p:sldId id="259" r:id="rId6"/>
+    <p:sldId id="260" r:id="rId7"/>
+    <p:sldId id="261" r:id="rId8"/>
+    <p:sldId id="262" r:id="rId10"/>
+    <p:sldId id="263" r:id="rId11"/>
+    <p:sldId id="264" r:id="rId12"/>
+    <p:sldId id="265" r:id="rId13"/>
+    <p:sldId id="266" r:id="rId14"/>
+    <p:sldId id="267" r:id="rId15"/>
+    <p:sldId id="268" r:id="rId16"/>
+    <p:sldId id="269" r:id="rId17"/>
+    <p:sldId id="270" r:id="rId18"/>
+    <p:sldId id="271" r:id="rId19"/>
+    <p:sldId id="272" r:id="rId20"/>
+    <p:sldId id="273" r:id="rId21"/>
+    <p:sldId id="274" r:id="rId22"/>
+    <p:sldId id="275" r:id="rId23"/>
+    <p:sldId id="276" r:id="rId24"/>
+    <p:sldId id="277" r:id="rId25"/>
+    <p:sldId id="278" r:id="rId26"/>
+    <p:sldId id="279" r:id="rId27"/>
+    <p:sldId id="280" r:id="rId28"/>
+    <p:sldId id="281" r:id="rId29"/>
+    <p:sldId id="282" r:id="rId30"/>
+    <p:sldId id="283" r:id="rId31"/>
+    <p:sldId id="284" r:id="rId32"/>
+    <p:sldId id="285" r:id="rId33"/>
+    <p:sldId id="286" r:id="rId34"/>
+    <p:sldId id="287" r:id="rId35"/>
+    <p:sldId id="288" r:id="rId36"/>
+    <p:sldId id="289" r:id="rId37"/>
+    <p:sldId id="290" r:id="rId38"/>
+    <p:sldId id="291" r:id="rId39"/>
+    <p:sldId id="292" r:id="rId40"/>
+    <p:sldId id="293" r:id="rId41"/>
+    <p:sldId id="294" r:id="rId42"/>
+    <p:sldId id="295" r:id="rId43"/>
+    <p:sldId id="296" r:id="rId44"/>
+    <p:sldId id="297" r:id="rId45"/>
+    <p:sldId id="298" r:id="rId46"/>
+    <p:sldId id="299" r:id="rId47"/>
+    <p:sldId id="300" r:id="rId48"/>
+    <p:sldId id="301" r:id="rId49"/>
+    <p:sldId id="302" r:id="rId50"/>
+    <p:sldId id="303" r:id="rId51"/>
+    <p:sldId id="304" r:id="rId52"/>
+    <p:sldId id="305" r:id="rId53"/>
+    <p:sldId id="306" r:id="rId54"/>
+    <p:sldId id="307" r:id="rId55"/>
+    <p:sldId id="308" r:id="rId56"/>
+    <p:sldId id="309" r:id="rId57"/>
+    <p:sldId id="310" r:id="rId58"/>
+    <p:sldId id="311" r:id="rId59"/>
+    <p:sldId id="312" r:id="rId60"/>
+    <p:sldId id="313" r:id="rId61"/>
+    <p:sldId id="314" r:id="rId62"/>
+    <p:sldId id="315" r:id="rId63"/>
+    <p:sldId id="316" r:id="rId64"/>
+    <p:sldId id="317" r:id="rId65"/>
+    <p:sldId id="318" r:id="rId66"/>
   </p:sldIdLst>
-  <p:sldSz cx="9372600" cy="8297863"/>
+  <p:sldSz cx="9372600" cy="8297545"/>
   <p:notesSz cx="7315200" cy="9601200"/>
   <p:defaultTextStyle>
     <a:defPPr>
@@ -93,8 +93,8 @@
           <a:schemeClr val="tx1"/>
         </a:solidFill>
         <a:latin typeface="Garamond" pitchFamily="18" charset="0"/>
-        <a:ea typeface="ＭＳ Ｐゴシック"/>
-        <a:cs typeface="ＭＳ Ｐゴシック"/>
+        <a:ea typeface="MS PGothic"/>
+        <a:cs typeface="MS PGothic"/>
       </a:defRPr>
     </a:lvl1pPr>
     <a:lvl2pPr marL="457200" algn="l" rtl="0" fontAlgn="base">
@@ -109,8 +109,8 @@
           <a:schemeClr val="tx1"/>
         </a:solidFill>
         <a:latin typeface="Garamond" pitchFamily="18" charset="0"/>
-        <a:ea typeface="ＭＳ Ｐゴシック"/>
-        <a:cs typeface="ＭＳ Ｐゴシック"/>
+        <a:ea typeface="MS PGothic"/>
+        <a:cs typeface="MS PGothic"/>
       </a:defRPr>
     </a:lvl2pPr>
     <a:lvl3pPr marL="914400" algn="l" rtl="0" fontAlgn="base">
@@ -125,8 +125,8 @@
           <a:schemeClr val="tx1"/>
         </a:solidFill>
         <a:latin typeface="Garamond" pitchFamily="18" charset="0"/>
-        <a:ea typeface="ＭＳ Ｐゴシック"/>
-        <a:cs typeface="ＭＳ Ｐゴシック"/>
+        <a:ea typeface="MS PGothic"/>
+        <a:cs typeface="MS PGothic"/>
       </a:defRPr>
     </a:lvl3pPr>
     <a:lvl4pPr marL="1371600" algn="l" rtl="0" fontAlgn="base">
@@ -141,8 +141,8 @@
           <a:schemeClr val="tx1"/>
         </a:solidFill>
         <a:latin typeface="Garamond" pitchFamily="18" charset="0"/>
-        <a:ea typeface="ＭＳ Ｐゴシック"/>
-        <a:cs typeface="ＭＳ Ｐゴシック"/>
+        <a:ea typeface="MS PGothic"/>
+        <a:cs typeface="MS PGothic"/>
       </a:defRPr>
     </a:lvl4pPr>
     <a:lvl5pPr marL="1828800" algn="l" rtl="0" fontAlgn="base">
@@ -157,8 +157,8 @@
           <a:schemeClr val="tx1"/>
         </a:solidFill>
         <a:latin typeface="Garamond" pitchFamily="18" charset="0"/>
-        <a:ea typeface="ＭＳ Ｐゴシック"/>
-        <a:cs typeface="ＭＳ Ｐゴシック"/>
+        <a:ea typeface="MS PGothic"/>
+        <a:cs typeface="MS PGothic"/>
       </a:defRPr>
     </a:lvl5pPr>
     <a:lvl6pPr marL="2286000" algn="l" defTabSz="914400" rtl="0" eaLnBrk="1" latinLnBrk="0" hangingPunct="1">
@@ -167,8 +167,8 @@
           <a:schemeClr val="tx1"/>
         </a:solidFill>
         <a:latin typeface="Garamond" pitchFamily="18" charset="0"/>
-        <a:ea typeface="ＭＳ Ｐゴシック"/>
-        <a:cs typeface="ＭＳ Ｐゴシック"/>
+        <a:ea typeface="MS PGothic"/>
+        <a:cs typeface="MS PGothic"/>
       </a:defRPr>
     </a:lvl6pPr>
     <a:lvl7pPr marL="2743200" algn="l" defTabSz="914400" rtl="0" eaLnBrk="1" latinLnBrk="0" hangingPunct="1">
@@ -177,8 +177,8 @@
           <a:schemeClr val="tx1"/>
         </a:solidFill>
         <a:latin typeface="Garamond" pitchFamily="18" charset="0"/>
-        <a:ea typeface="ＭＳ Ｐゴシック"/>
-        <a:cs typeface="ＭＳ Ｐゴシック"/>
+        <a:ea typeface="MS PGothic"/>
+        <a:cs typeface="MS PGothic"/>
       </a:defRPr>
     </a:lvl7pPr>
     <a:lvl8pPr marL="3200400" algn="l" defTabSz="914400" rtl="0" eaLnBrk="1" latinLnBrk="0" hangingPunct="1">
@@ -187,8 +187,8 @@
           <a:schemeClr val="tx1"/>
         </a:solidFill>
         <a:latin typeface="Garamond" pitchFamily="18" charset="0"/>
-        <a:ea typeface="ＭＳ Ｐゴシック"/>
-        <a:cs typeface="ＭＳ Ｐゴシック"/>
+        <a:ea typeface="MS PGothic"/>
+        <a:cs typeface="MS PGothic"/>
       </a:defRPr>
     </a:lvl8pPr>
     <a:lvl9pPr marL="3657600" algn="l" defTabSz="914400" rtl="0" eaLnBrk="1" latinLnBrk="0" hangingPunct="1">
@@ -197,41 +197,11 @@
           <a:schemeClr val="tx1"/>
         </a:solidFill>
         <a:latin typeface="Garamond" pitchFamily="18" charset="0"/>
-        <a:ea typeface="ＭＳ Ｐゴシック"/>
-        <a:cs typeface="ＭＳ Ｐゴシック"/>
+        <a:ea typeface="MS PGothic"/>
+        <a:cs typeface="MS PGothic"/>
       </a:defRPr>
     </a:lvl9pPr>
   </p:defaultTextStyle>
-  <p:extLst>
-    <p:ext uri="{EFAFB233-063F-42B5-8137-9DF3F51BA10A}">
-      <p15:sldGuideLst xmlns:p15="http://schemas.microsoft.com/office/powerpoint/2012/main">
-        <p15:guide id="1" orient="horz" pos="2614" userDrawn="1">
-          <p15:clr>
-            <a:srgbClr val="A4A3A4"/>
-          </p15:clr>
-        </p15:guide>
-        <p15:guide id="2" pos="2952" userDrawn="1">
-          <p15:clr>
-            <a:srgbClr val="A4A3A4"/>
-          </p15:clr>
-        </p15:guide>
-      </p15:sldGuideLst>
-    </p:ext>
-    <p:ext uri="{2D200454-40CA-4A62-9FC3-DE9A4176ACB9}">
-      <p15:notesGuideLst xmlns:p15="http://schemas.microsoft.com/office/powerpoint/2012/main">
-        <p15:guide id="1" orient="horz" pos="3024">
-          <p15:clr>
-            <a:srgbClr val="A4A3A4"/>
-          </p15:clr>
-        </p15:guide>
-        <p15:guide id="2" pos="2308">
-          <p15:clr>
-            <a:srgbClr val="A4A3A4"/>
-          </p15:clr>
-        </p15:guide>
-      </p15:notesGuideLst>
-    </p:ext>
-  </p:extLst>
 </p:presentation>
 </file>
 
@@ -241,9 +211,7 @@
   <p:cmAuthor id="2" name="Mark Kerzner" initials="MK" lastIdx="6" clrIdx="1"/>
   <p:cmAuthor id="3" name="Mary Beth Conlee" initials="MBC" lastIdx="7" clrIdx="2"/>
   <p:cmAuthor id="4" name="Michelle" initials="M" lastIdx="5" clrIdx="3"/>
-  <p:cmAuthor id="5" name="Tricia Murphy" initials="TM" lastIdx="4" clrIdx="4">
-    <p:extLst/>
-  </p:cmAuthor>
+  <p:cmAuthor id="5" name="Tricia Murphy" initials="TM" lastIdx="4" clrIdx="4"/>
 </p:cmAuthorLst>
 </file>
 
@@ -294,20 +262,14 @@
           <a:ln w="9525">
             <a:noFill/>
             <a:miter lim="800000"/>
-            <a:headEnd/>
-            <a:tailEnd/>
           </a:ln>
         </p:spPr>
         <p:txBody>
-          <a:bodyPr vert="horz" wrap="square" lIns="96603" tIns="48303" rIns="96603" bIns="48303" numCol="1" anchor="b" anchorCtr="0" compatLnSpc="1">
-            <a:prstTxWarp prst="textNoShape">
-              <a:avLst/>
-            </a:prstTxWarp>
-          </a:bodyPr>
+          <a:bodyPr vert="horz" wrap="square" lIns="96603" tIns="48303" rIns="96603" bIns="48303" numCol="1" anchor="b" anchorCtr="0" compatLnSpc="1"/>
           <a:lstStyle>
             <a:lvl1pPr defTabSz="965200">
               <a:defRPr sz="1200">
-                <a:latin typeface="Times New Roman" pitchFamily="18" charset="0"/>
+                <a:latin typeface="Times New Roman" panose="02020603050405020304" pitchFamily="-110" charset="0"/>
               </a:defRPr>
             </a:lvl1pPr>
           </a:lstStyle>
@@ -319,6 +281,7 @@
               <a:rPr lang="en-US" dirty="0"/>
               <a:t>Copyright © 2017 Elephant Scale. All rights reserved.</a:t>
             </a:r>
+            <a:endParaRPr lang="en-US" dirty="0"/>
           </a:p>
         </p:txBody>
       </p:sp>
@@ -344,20 +307,14 @@
           <a:ln w="9525">
             <a:noFill/>
             <a:miter lim="800000"/>
-            <a:headEnd/>
-            <a:tailEnd/>
           </a:ln>
         </p:spPr>
         <p:txBody>
-          <a:bodyPr vert="horz" wrap="square" lIns="96603" tIns="48303" rIns="96603" bIns="48303" numCol="1" anchor="b" anchorCtr="0" compatLnSpc="1">
-            <a:prstTxWarp prst="textNoShape">
-              <a:avLst/>
-            </a:prstTxWarp>
-          </a:bodyPr>
+          <a:bodyPr vert="horz" wrap="square" lIns="96603" tIns="48303" rIns="96603" bIns="48303" numCol="1" anchor="b" anchorCtr="0" compatLnSpc="1"/>
           <a:lstStyle>
             <a:lvl1pPr algn="r" defTabSz="965200">
               <a:defRPr sz="1200">
-                <a:latin typeface="Times New Roman" pitchFamily="18" charset="0"/>
+                <a:latin typeface="Times New Roman" panose="02020603050405020304" pitchFamily="-110" charset="0"/>
               </a:defRPr>
             </a:lvl1pPr>
           </a:lstStyle>
@@ -367,21 +324,12 @@
             </a:pPr>
             <a:fld id="{97E62689-8C7D-4291-A094-4E689FEC4C3B}" type="slidenum">
               <a:rPr lang="en-US"/>
-              <a:pPr>
-                <a:defRPr/>
-              </a:pPr>
-              <a:t>‹#›</a:t>
             </a:fld>
             <a:endParaRPr lang="en-US" dirty="0"/>
           </a:p>
         </p:txBody>
       </p:sp>
     </p:spTree>
-    <p:extLst>
-      <p:ext uri="{BB962C8B-B14F-4D97-AF65-F5344CB8AC3E}">
-        <p14:creationId xmlns:p14="http://schemas.microsoft.com/office/powerpoint/2010/main" val="3239291525"/>
-      </p:ext>
-    </p:extLst>
   </p:cSld>
   <p:clrMap bg1="lt1" tx1="dk1" bg2="lt2" tx2="dk2" accent1="accent1" accent2="accent2" accent3="accent3" accent4="accent4" accent5="accent5" accent6="accent6" hlink="hlink" folHlink="folHlink"/>
   <p:hf hdr="0" ftr="0" dt="0"/>
@@ -437,8 +385,6 @@
               <a:srgbClr val="000000"/>
             </a:solidFill>
             <a:miter lim="800000"/>
-            <a:headEnd/>
-            <a:tailEnd/>
           </a:ln>
         </p:spPr>
       </p:sp>
@@ -464,21 +410,15 @@
           <a:ln w="9525">
             <a:noFill/>
             <a:miter lim="800000"/>
-            <a:headEnd/>
-            <a:tailEnd/>
           </a:ln>
           <a:effectLst/>
         </p:spPr>
         <p:txBody>
-          <a:bodyPr vert="horz" wrap="square" lIns="0" tIns="0" rIns="0" bIns="0" numCol="1" anchor="b" anchorCtr="1" compatLnSpc="1">
-            <a:prstTxWarp prst="textNoShape">
-              <a:avLst/>
-            </a:prstTxWarp>
-          </a:bodyPr>
+          <a:bodyPr vert="horz" wrap="square" lIns="0" tIns="0" rIns="0" bIns="0" numCol="1" anchor="b" anchorCtr="1" compatLnSpc="1"/>
           <a:lstStyle>
             <a:lvl1pPr algn="ctr" defTabSz="965200" eaLnBrk="0" hangingPunct="0">
               <a:defRPr sz="900">
-                <a:latin typeface="Arial" charset="0"/>
+                <a:latin typeface="Arial" panose="020B0604020202020204" pitchFamily="34" charset="0"/>
               </a:defRPr>
             </a:lvl1pPr>
           </a:lstStyle>
@@ -490,6 +430,7 @@
               <a:rPr lang="en-US" dirty="0"/>
               <a:t>Copyright © 2017 Elephant Scale. All rights reserved.</a:t>
             </a:r>
+            <a:endParaRPr lang="en-US" dirty="0"/>
           </a:p>
         </p:txBody>
       </p:sp>
@@ -515,21 +456,15 @@
           <a:ln w="9525">
             <a:noFill/>
             <a:miter lim="800000"/>
-            <a:headEnd/>
-            <a:tailEnd/>
           </a:ln>
           <a:effectLst/>
         </p:spPr>
         <p:txBody>
-          <a:bodyPr vert="horz" wrap="square" lIns="0" tIns="0" rIns="0" bIns="0" numCol="1" anchor="b" anchorCtr="0" compatLnSpc="1">
-            <a:prstTxWarp prst="textNoShape">
-              <a:avLst/>
-            </a:prstTxWarp>
-          </a:bodyPr>
+          <a:bodyPr vert="horz" wrap="square" lIns="0" tIns="0" rIns="0" bIns="0" numCol="1" anchor="b" anchorCtr="0" compatLnSpc="1"/>
           <a:lstStyle>
             <a:lvl1pPr algn="r" defTabSz="965200" eaLnBrk="0" hangingPunct="0">
               <a:defRPr b="1">
-                <a:latin typeface="Arial" charset="0"/>
+                <a:latin typeface="Arial" panose="020B0604020202020204" pitchFamily="34" charset="0"/>
               </a:defRPr>
             </a:lvl1pPr>
           </a:lstStyle>
@@ -539,10 +474,6 @@
             </a:pPr>
             <a:fld id="{EFAADD5D-AF76-45EE-AA5F-6DAC73BF167A}" type="slidenum">
               <a:rPr lang="en-US"/>
-              <a:pPr>
-                <a:defRPr/>
-              </a:pPr>
-              <a:t>‹#›</a:t>
             </a:fld>
             <a:endParaRPr lang="en-US" dirty="0"/>
           </a:p>
@@ -568,24 +499,26 @@
           <a:ln w="9525">
             <a:noFill/>
             <a:miter lim="800000"/>
-            <a:headEnd/>
-            <a:tailEnd/>
           </a:ln>
         </p:spPr>
         <p:txBody>
           <a:bodyPr wrap="none" lIns="96386" tIns="48194" rIns="96386" bIns="48194"/>
           <a:lstStyle/>
           <a:p>
-            <a:pPr defTabSz="960438">
+            <a:pPr defTabSz="960755">
               <a:defRPr/>
             </a:pPr>
             <a:r>
               <a:rPr lang="en-US" sz="1200" b="1" u="sng" dirty="0">
-                <a:latin typeface="Times New Roman" pitchFamily="18" charset="0"/>
-                <a:cs typeface="Times New Roman" pitchFamily="18" charset="0"/>
+                <a:latin typeface="Times New Roman" panose="02020603050405020304" pitchFamily="-110" charset="0"/>
+                <a:cs typeface="Times New Roman" panose="02020603050405020304" pitchFamily="-110" charset="0"/>
               </a:rPr>
               <a:t>Notes:</a:t>
             </a:r>
+            <a:endParaRPr lang="en-US" sz="1200" b="1" u="sng" dirty="0">
+              <a:latin typeface="Times New Roman" panose="02020603050405020304" pitchFamily="-110" charset="0"/>
+              <a:cs typeface="Times New Roman" panose="02020603050405020304" pitchFamily="-110" charset="0"/>
+            </a:endParaRPr>
           </a:p>
         </p:txBody>
       </p:sp>
@@ -611,16 +544,10 @@
           <a:ln w="9525">
             <a:noFill/>
             <a:miter lim="800000"/>
-            <a:headEnd/>
-            <a:tailEnd/>
           </a:ln>
         </p:spPr>
         <p:txBody>
-          <a:bodyPr vert="horz" wrap="square" lIns="91537" tIns="45768" rIns="91537" bIns="45768" numCol="1" anchor="t" anchorCtr="0" compatLnSpc="1">
-            <a:prstTxWarp prst="textNoShape">
-              <a:avLst/>
-            </a:prstTxWarp>
-          </a:bodyPr>
+          <a:bodyPr vert="horz" wrap="square" lIns="91537" tIns="45768" rIns="91537" bIns="45768" numCol="1" anchor="t" anchorCtr="0" compatLnSpc="1"/>
           <a:lstStyle/>
           <a:p>
             <a:pPr lvl="0"/>
@@ -650,8 +577,6 @@
               <a:srgbClr val="000000"/>
             </a:solidFill>
             <a:round/>
-            <a:headEnd/>
-            <a:tailEnd/>
           </a:ln>
           <a:effectLst/>
         </p:spPr>
@@ -666,7 +591,7 @@
               <a:defRPr/>
             </a:pPr>
             <a:endParaRPr lang="en-US" dirty="0">
-              <a:latin typeface="Garamond" pitchFamily="-110" charset="0"/>
+              <a:latin typeface="Garamond" pitchFamily="18" charset="0"/>
               <a:ea typeface="+mn-ea"/>
               <a:cs typeface="+mn-cs"/>
             </a:endParaRPr>
@@ -674,11 +599,6 @@
         </p:txBody>
       </p:sp>
     </p:spTree>
-    <p:extLst>
-      <p:ext uri="{BB962C8B-B14F-4D97-AF65-F5344CB8AC3E}">
-        <p14:creationId xmlns:p14="http://schemas.microsoft.com/office/powerpoint/2010/main" val="953744030"/>
-      </p:ext>
-    </p:extLst>
   </p:cSld>
   <p:clrMap bg1="lt1" tx1="dk1" bg2="lt2" tx2="dk2" accent1="accent1" accent2="accent2" accent3="accent3" accent4="accent4" accent5="accent5" accent6="accent6" hlink="hlink" folHlink="folHlink"/>
   <p:hf dt="0"/>
@@ -691,15 +611,15 @@
         <a:spcPct val="0"/>
       </a:spcAft>
       <a:buSzPct val="65000"/>
-      <a:buFont typeface="Wingdings" pitchFamily="2" charset="2"/>
+      <a:buFont typeface="Wingdings" panose="05000000000000000000" pitchFamily="2" charset="2"/>
       <a:buNone/>
       <a:defRPr sz="1200" kern="1200">
         <a:solidFill>
           <a:schemeClr val="tx1"/>
         </a:solidFill>
-        <a:latin typeface="Times New Roman" pitchFamily="-110" charset="0"/>
-        <a:ea typeface="ＭＳ Ｐゴシック" pitchFamily="-110" charset="-128"/>
-        <a:cs typeface="ＭＳ Ｐゴシック" pitchFamily="-110" charset="-128"/>
+        <a:latin typeface="Times New Roman" panose="02020603050405020304" pitchFamily="-110" charset="0"/>
+        <a:ea typeface="MS PGothic" pitchFamily="-110" charset="-128"/>
+        <a:cs typeface="MS PGothic" pitchFamily="-110" charset="-128"/>
       </a:defRPr>
     </a:lvl1pPr>
     <a:lvl2pPr marL="282575" indent="0" algn="l" rtl="0" eaLnBrk="0" fontAlgn="base" hangingPunct="0">
@@ -714,12 +634,12 @@
         <a:solidFill>
           <a:schemeClr val="tx1"/>
         </a:solidFill>
-        <a:latin typeface="Times New Roman" pitchFamily="-110" charset="0"/>
-        <a:ea typeface="ＭＳ Ｐゴシック" pitchFamily="-110" charset="-128"/>
-        <a:cs typeface="ＭＳ Ｐゴシック"/>
+        <a:latin typeface="Times New Roman" panose="02020603050405020304" pitchFamily="-110" charset="0"/>
+        <a:ea typeface="MS PGothic" pitchFamily="-110" charset="-128"/>
+        <a:cs typeface="MS PGothic"/>
       </a:defRPr>
     </a:lvl2pPr>
-    <a:lvl3pPr marL="744538" indent="-173038" algn="l" rtl="0" eaLnBrk="0" fontAlgn="base" hangingPunct="0">
+    <a:lvl3pPr marL="744855" indent="-173355" algn="l" rtl="0" eaLnBrk="0" fontAlgn="base" hangingPunct="0">
       <a:spcBef>
         <a:spcPct val="30000"/>
       </a:spcBef>
@@ -731,9 +651,9 @@
         <a:solidFill>
           <a:schemeClr val="tx1"/>
         </a:solidFill>
-        <a:latin typeface="Times New Roman" pitchFamily="-110" charset="0"/>
-        <a:ea typeface="ＭＳ Ｐゴシック" pitchFamily="-110" charset="-128"/>
-        <a:cs typeface="ＭＳ Ｐゴシック"/>
+        <a:latin typeface="Times New Roman" panose="02020603050405020304" pitchFamily="-110" charset="0"/>
+        <a:ea typeface="MS PGothic" pitchFamily="-110" charset="-128"/>
+        <a:cs typeface="MS PGothic"/>
       </a:defRPr>
     </a:lvl3pPr>
     <a:lvl4pPr marL="1600200" indent="-228600" algn="l" rtl="0" eaLnBrk="0" fontAlgn="base" hangingPunct="0">
@@ -747,9 +667,9 @@
         <a:solidFill>
           <a:schemeClr val="tx1"/>
         </a:solidFill>
-        <a:latin typeface="Times New Roman" pitchFamily="-110" charset="0"/>
-        <a:ea typeface="ＭＳ Ｐゴシック" pitchFamily="-110" charset="-128"/>
-        <a:cs typeface="ＭＳ Ｐゴシック"/>
+        <a:latin typeface="Times New Roman" panose="02020603050405020304" pitchFamily="-110" charset="0"/>
+        <a:ea typeface="MS PGothic" pitchFamily="-110" charset="-128"/>
+        <a:cs typeface="MS PGothic"/>
       </a:defRPr>
     </a:lvl4pPr>
     <a:lvl5pPr marL="2057400" indent="-228600" algn="l" rtl="0" eaLnBrk="0" fontAlgn="base" hangingPunct="0">
@@ -763,9 +683,9 @@
         <a:solidFill>
           <a:schemeClr val="tx1"/>
         </a:solidFill>
-        <a:latin typeface="Times New Roman" pitchFamily="-110" charset="0"/>
-        <a:ea typeface="ＭＳ Ｐゴシック" pitchFamily="-110" charset="-128"/>
-        <a:cs typeface="ＭＳ Ｐゴシック"/>
+        <a:latin typeface="Times New Roman" panose="02020603050405020304" pitchFamily="-110" charset="0"/>
+        <a:ea typeface="MS PGothic" pitchFamily="-110" charset="-128"/>
+        <a:cs typeface="MS PGothic"/>
       </a:defRPr>
     </a:lvl5pPr>
     <a:lvl6pPr marL="2286000" algn="l" defTabSz="457200" rtl="0" eaLnBrk="1" latinLnBrk="0" hangingPunct="1">
@@ -813,7 +733,7 @@
 </file>
 
 <file path=ppt/notesSlides/notesSlide1.xml><?xml version="1.0" encoding="utf-8"?>
-<p:notes xmlns:a="http://schemas.openxmlformats.org/drawingml/2006/main" xmlns:p="http://schemas.openxmlformats.org/presentationml/2006/main" xmlns:r="http://schemas.openxmlformats.org/officeDocument/2006/relationships">
+<p:notes xmlns:a="http://schemas.openxmlformats.org/drawingml/2006/main" xmlns:r="http://schemas.openxmlformats.org/officeDocument/2006/relationships" xmlns:p="http://schemas.openxmlformats.org/presentationml/2006/main">
   <p:cSld>
     <p:spTree>
       <p:nvGrpSpPr>
@@ -848,7 +768,7 @@
             <a:spLocks noGrp="1"/>
           </p:cNvSpPr>
           <p:nvPr>
-            <p:ph type="sldNum" idx="5" sz="quarter"/>
+            <p:ph type="sldNum" sz="quarter" idx="5"/>
           </p:nvPr>
         </p:nvSpPr>
         <p:spPr/>
@@ -860,7 +780,7 @@
             <a:spLocks noGrp="1"/>
           </p:cNvSpPr>
           <p:nvPr>
-            <p:ph type="body" idx="3" sz="quarter"/>
+            <p:ph type="body" sz="quarter" idx="3"/>
           </p:nvPr>
         </p:nvSpPr>
         <p:spPr/>
@@ -883,7 +803,7 @@
 </file>
 
 <file path=ppt/notesSlides/notesSlide10.xml><?xml version="1.0" encoding="utf-8"?>
-<p:notes xmlns:a="http://schemas.openxmlformats.org/drawingml/2006/main" xmlns:p="http://schemas.openxmlformats.org/presentationml/2006/main" xmlns:r="http://schemas.openxmlformats.org/officeDocument/2006/relationships">
+<p:notes xmlns:a="http://schemas.openxmlformats.org/drawingml/2006/main" xmlns:r="http://schemas.openxmlformats.org/officeDocument/2006/relationships" xmlns:p="http://schemas.openxmlformats.org/presentationml/2006/main">
   <p:cSld>
     <p:spTree>
       <p:nvGrpSpPr>
@@ -918,7 +838,7 @@
             <a:spLocks noGrp="1"/>
           </p:cNvSpPr>
           <p:nvPr>
-            <p:ph type="sldNum" idx="5" sz="quarter"/>
+            <p:ph type="sldNum" sz="quarter" idx="5"/>
           </p:nvPr>
         </p:nvSpPr>
         <p:spPr/>
@@ -930,7 +850,7 @@
             <a:spLocks noGrp="1"/>
           </p:cNvSpPr>
           <p:nvPr>
-            <p:ph type="body" idx="3" sz="quarter"/>
+            <p:ph type="body" sz="quarter" idx="3"/>
           </p:nvPr>
         </p:nvSpPr>
         <p:spPr/>
@@ -953,7 +873,7 @@
 </file>
 
 <file path=ppt/notesSlides/notesSlide11.xml><?xml version="1.0" encoding="utf-8"?>
-<p:notes xmlns:a="http://schemas.openxmlformats.org/drawingml/2006/main" xmlns:p="http://schemas.openxmlformats.org/presentationml/2006/main" xmlns:r="http://schemas.openxmlformats.org/officeDocument/2006/relationships">
+<p:notes xmlns:a="http://schemas.openxmlformats.org/drawingml/2006/main" xmlns:r="http://schemas.openxmlformats.org/officeDocument/2006/relationships" xmlns:p="http://schemas.openxmlformats.org/presentationml/2006/main">
   <p:cSld>
     <p:spTree>
       <p:nvGrpSpPr>
@@ -988,7 +908,7 @@
             <a:spLocks noGrp="1"/>
           </p:cNvSpPr>
           <p:nvPr>
-            <p:ph type="sldNum" idx="5" sz="quarter"/>
+            <p:ph type="sldNum" sz="quarter" idx="5"/>
           </p:nvPr>
         </p:nvSpPr>
         <p:spPr/>
@@ -1000,7 +920,7 @@
             <a:spLocks noGrp="1"/>
           </p:cNvSpPr>
           <p:nvPr>
-            <p:ph type="body" idx="3" sz="quarter"/>
+            <p:ph type="body" sz="quarter" idx="3"/>
           </p:nvPr>
         </p:nvSpPr>
         <p:spPr/>
@@ -1023,7 +943,7 @@
 </file>
 
 <file path=ppt/notesSlides/notesSlide12.xml><?xml version="1.0" encoding="utf-8"?>
-<p:notes xmlns:a="http://schemas.openxmlformats.org/drawingml/2006/main" xmlns:p="http://schemas.openxmlformats.org/presentationml/2006/main" xmlns:r="http://schemas.openxmlformats.org/officeDocument/2006/relationships">
+<p:notes xmlns:a="http://schemas.openxmlformats.org/drawingml/2006/main" xmlns:r="http://schemas.openxmlformats.org/officeDocument/2006/relationships" xmlns:p="http://schemas.openxmlformats.org/presentationml/2006/main">
   <p:cSld>
     <p:spTree>
       <p:nvGrpSpPr>
@@ -1058,7 +978,7 @@
             <a:spLocks noGrp="1"/>
           </p:cNvSpPr>
           <p:nvPr>
-            <p:ph type="sldNum" idx="5" sz="quarter"/>
+            <p:ph type="sldNum" sz="quarter" idx="5"/>
           </p:nvPr>
         </p:nvSpPr>
         <p:spPr/>
@@ -1070,7 +990,7 @@
             <a:spLocks noGrp="1"/>
           </p:cNvSpPr>
           <p:nvPr>
-            <p:ph type="body" idx="3" sz="quarter"/>
+            <p:ph type="body" sz="quarter" idx="3"/>
           </p:nvPr>
         </p:nvSpPr>
         <p:spPr/>
@@ -1093,7 +1013,7 @@
 </file>
 
 <file path=ppt/notesSlides/notesSlide13.xml><?xml version="1.0" encoding="utf-8"?>
-<p:notes xmlns:a="http://schemas.openxmlformats.org/drawingml/2006/main" xmlns:p="http://schemas.openxmlformats.org/presentationml/2006/main" xmlns:r="http://schemas.openxmlformats.org/officeDocument/2006/relationships">
+<p:notes xmlns:a="http://schemas.openxmlformats.org/drawingml/2006/main" xmlns:r="http://schemas.openxmlformats.org/officeDocument/2006/relationships" xmlns:p="http://schemas.openxmlformats.org/presentationml/2006/main">
   <p:cSld>
     <p:spTree>
       <p:nvGrpSpPr>
@@ -1128,7 +1048,7 @@
             <a:spLocks noGrp="1"/>
           </p:cNvSpPr>
           <p:nvPr>
-            <p:ph type="sldNum" idx="5" sz="quarter"/>
+            <p:ph type="sldNum" sz="quarter" idx="5"/>
           </p:nvPr>
         </p:nvSpPr>
         <p:spPr/>
@@ -1140,7 +1060,7 @@
             <a:spLocks noGrp="1"/>
           </p:cNvSpPr>
           <p:nvPr>
-            <p:ph type="body" idx="3" sz="quarter"/>
+            <p:ph type="body" sz="quarter" idx="3"/>
           </p:nvPr>
         </p:nvSpPr>
         <p:spPr/>
@@ -1163,7 +1083,7 @@
 </file>
 
 <file path=ppt/notesSlides/notesSlide14.xml><?xml version="1.0" encoding="utf-8"?>
-<p:notes xmlns:a="http://schemas.openxmlformats.org/drawingml/2006/main" xmlns:p="http://schemas.openxmlformats.org/presentationml/2006/main" xmlns:r="http://schemas.openxmlformats.org/officeDocument/2006/relationships">
+<p:notes xmlns:a="http://schemas.openxmlformats.org/drawingml/2006/main" xmlns:r="http://schemas.openxmlformats.org/officeDocument/2006/relationships" xmlns:p="http://schemas.openxmlformats.org/presentationml/2006/main">
   <p:cSld>
     <p:spTree>
       <p:nvGrpSpPr>
@@ -1198,7 +1118,7 @@
             <a:spLocks noGrp="1"/>
           </p:cNvSpPr>
           <p:nvPr>
-            <p:ph type="sldNum" idx="5" sz="quarter"/>
+            <p:ph type="sldNum" sz="quarter" idx="5"/>
           </p:nvPr>
         </p:nvSpPr>
         <p:spPr/>
@@ -1210,7 +1130,7 @@
             <a:spLocks noGrp="1"/>
           </p:cNvSpPr>
           <p:nvPr>
-            <p:ph type="body" idx="3" sz="quarter"/>
+            <p:ph type="body" sz="quarter" idx="3"/>
           </p:nvPr>
         </p:nvSpPr>
         <p:spPr/>
@@ -1233,7 +1153,7 @@
 </file>
 
 <file path=ppt/notesSlides/notesSlide15.xml><?xml version="1.0" encoding="utf-8"?>
-<p:notes xmlns:a="http://schemas.openxmlformats.org/drawingml/2006/main" xmlns:p="http://schemas.openxmlformats.org/presentationml/2006/main" xmlns:r="http://schemas.openxmlformats.org/officeDocument/2006/relationships">
+<p:notes xmlns:a="http://schemas.openxmlformats.org/drawingml/2006/main" xmlns:r="http://schemas.openxmlformats.org/officeDocument/2006/relationships" xmlns:p="http://schemas.openxmlformats.org/presentationml/2006/main">
   <p:cSld>
     <p:spTree>
       <p:nvGrpSpPr>
@@ -1268,7 +1188,7 @@
             <a:spLocks noGrp="1"/>
           </p:cNvSpPr>
           <p:nvPr>
-            <p:ph type="sldNum" idx="5" sz="quarter"/>
+            <p:ph type="sldNum" sz="quarter" idx="5"/>
           </p:nvPr>
         </p:nvSpPr>
         <p:spPr/>
@@ -1280,7 +1200,7 @@
             <a:spLocks noGrp="1"/>
           </p:cNvSpPr>
           <p:nvPr>
-            <p:ph type="body" idx="3" sz="quarter"/>
+            <p:ph type="body" sz="quarter" idx="3"/>
           </p:nvPr>
         </p:nvSpPr>
         <p:spPr/>
@@ -1303,7 +1223,7 @@
 </file>
 
 <file path=ppt/notesSlides/notesSlide16.xml><?xml version="1.0" encoding="utf-8"?>
-<p:notes xmlns:a="http://schemas.openxmlformats.org/drawingml/2006/main" xmlns:p="http://schemas.openxmlformats.org/presentationml/2006/main" xmlns:r="http://schemas.openxmlformats.org/officeDocument/2006/relationships">
+<p:notes xmlns:a="http://schemas.openxmlformats.org/drawingml/2006/main" xmlns:r="http://schemas.openxmlformats.org/officeDocument/2006/relationships" xmlns:p="http://schemas.openxmlformats.org/presentationml/2006/main">
   <p:cSld>
     <p:spTree>
       <p:nvGrpSpPr>
@@ -1338,7 +1258,7 @@
             <a:spLocks noGrp="1"/>
           </p:cNvSpPr>
           <p:nvPr>
-            <p:ph type="sldNum" idx="5" sz="quarter"/>
+            <p:ph type="sldNum" sz="quarter" idx="5"/>
           </p:nvPr>
         </p:nvSpPr>
         <p:spPr/>
@@ -1350,7 +1270,7 @@
             <a:spLocks noGrp="1"/>
           </p:cNvSpPr>
           <p:nvPr>
-            <p:ph type="body" idx="3" sz="quarter"/>
+            <p:ph type="body" sz="quarter" idx="3"/>
           </p:nvPr>
         </p:nvSpPr>
         <p:spPr/>
@@ -1373,7 +1293,7 @@
 </file>
 
 <file path=ppt/notesSlides/notesSlide17.xml><?xml version="1.0" encoding="utf-8"?>
-<p:notes xmlns:a="http://schemas.openxmlformats.org/drawingml/2006/main" xmlns:p="http://schemas.openxmlformats.org/presentationml/2006/main" xmlns:r="http://schemas.openxmlformats.org/officeDocument/2006/relationships">
+<p:notes xmlns:a="http://schemas.openxmlformats.org/drawingml/2006/main" xmlns:r="http://schemas.openxmlformats.org/officeDocument/2006/relationships" xmlns:p="http://schemas.openxmlformats.org/presentationml/2006/main">
   <p:cSld>
     <p:spTree>
       <p:nvGrpSpPr>
@@ -1408,7 +1328,7 @@
             <a:spLocks noGrp="1"/>
           </p:cNvSpPr>
           <p:nvPr>
-            <p:ph type="sldNum" idx="5" sz="quarter"/>
+            <p:ph type="sldNum" sz="quarter" idx="5"/>
           </p:nvPr>
         </p:nvSpPr>
         <p:spPr/>
@@ -1420,7 +1340,7 @@
             <a:spLocks noGrp="1"/>
           </p:cNvSpPr>
           <p:nvPr>
-            <p:ph type="body" idx="3" sz="quarter"/>
+            <p:ph type="body" sz="quarter" idx="3"/>
           </p:nvPr>
         </p:nvSpPr>
         <p:spPr/>
@@ -1443,7 +1363,7 @@
 </file>
 
 <file path=ppt/notesSlides/notesSlide18.xml><?xml version="1.0" encoding="utf-8"?>
-<p:notes xmlns:a="http://schemas.openxmlformats.org/drawingml/2006/main" xmlns:p="http://schemas.openxmlformats.org/presentationml/2006/main" xmlns:r="http://schemas.openxmlformats.org/officeDocument/2006/relationships">
+<p:notes xmlns:a="http://schemas.openxmlformats.org/drawingml/2006/main" xmlns:r="http://schemas.openxmlformats.org/officeDocument/2006/relationships" xmlns:p="http://schemas.openxmlformats.org/presentationml/2006/main">
   <p:cSld>
     <p:spTree>
       <p:nvGrpSpPr>
@@ -1478,7 +1398,7 @@
             <a:spLocks noGrp="1"/>
           </p:cNvSpPr>
           <p:nvPr>
-            <p:ph type="sldNum" idx="5" sz="quarter"/>
+            <p:ph type="sldNum" sz="quarter" idx="5"/>
           </p:nvPr>
         </p:nvSpPr>
         <p:spPr/>
@@ -1490,7 +1410,7 @@
             <a:spLocks noGrp="1"/>
           </p:cNvSpPr>
           <p:nvPr>
-            <p:ph type="body" idx="3" sz="quarter"/>
+            <p:ph type="body" sz="quarter" idx="3"/>
           </p:nvPr>
         </p:nvSpPr>
         <p:spPr/>
@@ -1513,7 +1433,7 @@
 </file>
 
 <file path=ppt/notesSlides/notesSlide19.xml><?xml version="1.0" encoding="utf-8"?>
-<p:notes xmlns:a="http://schemas.openxmlformats.org/drawingml/2006/main" xmlns:p="http://schemas.openxmlformats.org/presentationml/2006/main" xmlns:r="http://schemas.openxmlformats.org/officeDocument/2006/relationships">
+<p:notes xmlns:a="http://schemas.openxmlformats.org/drawingml/2006/main" xmlns:r="http://schemas.openxmlformats.org/officeDocument/2006/relationships" xmlns:p="http://schemas.openxmlformats.org/presentationml/2006/main">
   <p:cSld>
     <p:spTree>
       <p:nvGrpSpPr>
@@ -1548,7 +1468,7 @@
             <a:spLocks noGrp="1"/>
           </p:cNvSpPr>
           <p:nvPr>
-            <p:ph type="sldNum" idx="5" sz="quarter"/>
+            <p:ph type="sldNum" sz="quarter" idx="5"/>
           </p:nvPr>
         </p:nvSpPr>
         <p:spPr/>
@@ -1560,7 +1480,7 @@
             <a:spLocks noGrp="1"/>
           </p:cNvSpPr>
           <p:nvPr>
-            <p:ph type="body" idx="3" sz="quarter"/>
+            <p:ph type="body" sz="quarter" idx="3"/>
           </p:nvPr>
         </p:nvSpPr>
         <p:spPr/>
@@ -1583,7 +1503,7 @@
 </file>
 
 <file path=ppt/notesSlides/notesSlide2.xml><?xml version="1.0" encoding="utf-8"?>
-<p:notes xmlns:a="http://schemas.openxmlformats.org/drawingml/2006/main" xmlns:p="http://schemas.openxmlformats.org/presentationml/2006/main" xmlns:r="http://schemas.openxmlformats.org/officeDocument/2006/relationships">
+<p:notes xmlns:a="http://schemas.openxmlformats.org/drawingml/2006/main" xmlns:r="http://schemas.openxmlformats.org/officeDocument/2006/relationships" xmlns:p="http://schemas.openxmlformats.org/presentationml/2006/main">
   <p:cSld>
     <p:spTree>
       <p:nvGrpSpPr>
@@ -1618,7 +1538,7 @@
             <a:spLocks noGrp="1"/>
           </p:cNvSpPr>
           <p:nvPr>
-            <p:ph type="sldNum" idx="5" sz="quarter"/>
+            <p:ph type="sldNum" sz="quarter" idx="5"/>
           </p:nvPr>
         </p:nvSpPr>
         <p:spPr/>
@@ -1630,7 +1550,7 @@
             <a:spLocks noGrp="1"/>
           </p:cNvSpPr>
           <p:nvPr>
-            <p:ph type="body" idx="3" sz="quarter"/>
+            <p:ph type="body" sz="quarter" idx="3"/>
           </p:nvPr>
         </p:nvSpPr>
         <p:spPr/>
@@ -1653,7 +1573,7 @@
 </file>
 
 <file path=ppt/notesSlides/notesSlide20.xml><?xml version="1.0" encoding="utf-8"?>
-<p:notes xmlns:a="http://schemas.openxmlformats.org/drawingml/2006/main" xmlns:p="http://schemas.openxmlformats.org/presentationml/2006/main" xmlns:r="http://schemas.openxmlformats.org/officeDocument/2006/relationships">
+<p:notes xmlns:a="http://schemas.openxmlformats.org/drawingml/2006/main" xmlns:r="http://schemas.openxmlformats.org/officeDocument/2006/relationships" xmlns:p="http://schemas.openxmlformats.org/presentationml/2006/main">
   <p:cSld>
     <p:spTree>
       <p:nvGrpSpPr>
@@ -1688,7 +1608,7 @@
             <a:spLocks noGrp="1"/>
           </p:cNvSpPr>
           <p:nvPr>
-            <p:ph type="sldNum" idx="5" sz="quarter"/>
+            <p:ph type="sldNum" sz="quarter" idx="5"/>
           </p:nvPr>
         </p:nvSpPr>
         <p:spPr/>
@@ -1700,7 +1620,7 @@
             <a:spLocks noGrp="1"/>
           </p:cNvSpPr>
           <p:nvPr>
-            <p:ph type="body" idx="3" sz="quarter"/>
+            <p:ph type="body" sz="quarter" idx="3"/>
           </p:nvPr>
         </p:nvSpPr>
         <p:spPr/>
@@ -1728,7 +1648,7 @@
 </file>
 
 <file path=ppt/notesSlides/notesSlide3.xml><?xml version="1.0" encoding="utf-8"?>
-<p:notes xmlns:a="http://schemas.openxmlformats.org/drawingml/2006/main" xmlns:p="http://schemas.openxmlformats.org/presentationml/2006/main" xmlns:r="http://schemas.openxmlformats.org/officeDocument/2006/relationships">
+<p:notes xmlns:a="http://schemas.openxmlformats.org/drawingml/2006/main" xmlns:r="http://schemas.openxmlformats.org/officeDocument/2006/relationships" xmlns:p="http://schemas.openxmlformats.org/presentationml/2006/main">
   <p:cSld>
     <p:spTree>
       <p:nvGrpSpPr>
@@ -1763,7 +1683,7 @@
             <a:spLocks noGrp="1"/>
           </p:cNvSpPr>
           <p:nvPr>
-            <p:ph type="sldNum" idx="5" sz="quarter"/>
+            <p:ph type="sldNum" sz="quarter" idx="5"/>
           </p:nvPr>
         </p:nvSpPr>
         <p:spPr/>
@@ -1775,7 +1695,7 @@
             <a:spLocks noGrp="1"/>
           </p:cNvSpPr>
           <p:nvPr>
-            <p:ph type="body" idx="3" sz="quarter"/>
+            <p:ph type="body" sz="quarter" idx="3"/>
           </p:nvPr>
         </p:nvSpPr>
         <p:spPr/>
@@ -1798,7 +1718,7 @@
 </file>
 
 <file path=ppt/notesSlides/notesSlide4.xml><?xml version="1.0" encoding="utf-8"?>
-<p:notes xmlns:a="http://schemas.openxmlformats.org/drawingml/2006/main" xmlns:p="http://schemas.openxmlformats.org/presentationml/2006/main" xmlns:r="http://schemas.openxmlformats.org/officeDocument/2006/relationships">
+<p:notes xmlns:a="http://schemas.openxmlformats.org/drawingml/2006/main" xmlns:r="http://schemas.openxmlformats.org/officeDocument/2006/relationships" xmlns:p="http://schemas.openxmlformats.org/presentationml/2006/main">
   <p:cSld>
     <p:spTree>
       <p:nvGrpSpPr>
@@ -1833,7 +1753,7 @@
             <a:spLocks noGrp="1"/>
           </p:cNvSpPr>
           <p:nvPr>
-            <p:ph type="sldNum" idx="5" sz="quarter"/>
+            <p:ph type="sldNum" sz="quarter" idx="5"/>
           </p:nvPr>
         </p:nvSpPr>
         <p:spPr/>
@@ -1845,7 +1765,7 @@
             <a:spLocks noGrp="1"/>
           </p:cNvSpPr>
           <p:nvPr>
-            <p:ph type="body" idx="3" sz="quarter"/>
+            <p:ph type="body" sz="quarter" idx="3"/>
           </p:nvPr>
         </p:nvSpPr>
         <p:spPr/>
@@ -1868,7 +1788,7 @@
 </file>
 
 <file path=ppt/notesSlides/notesSlide5.xml><?xml version="1.0" encoding="utf-8"?>
-<p:notes xmlns:a="http://schemas.openxmlformats.org/drawingml/2006/main" xmlns:p="http://schemas.openxmlformats.org/presentationml/2006/main" xmlns:r="http://schemas.openxmlformats.org/officeDocument/2006/relationships">
+<p:notes xmlns:a="http://schemas.openxmlformats.org/drawingml/2006/main" xmlns:r="http://schemas.openxmlformats.org/officeDocument/2006/relationships" xmlns:p="http://schemas.openxmlformats.org/presentationml/2006/main">
   <p:cSld>
     <p:spTree>
       <p:nvGrpSpPr>
@@ -1903,7 +1823,7 @@
             <a:spLocks noGrp="1"/>
           </p:cNvSpPr>
           <p:nvPr>
-            <p:ph type="sldNum" idx="5" sz="quarter"/>
+            <p:ph type="sldNum" sz="quarter" idx="5"/>
           </p:nvPr>
         </p:nvSpPr>
         <p:spPr/>
@@ -1915,7 +1835,7 @@
             <a:spLocks noGrp="1"/>
           </p:cNvSpPr>
           <p:nvPr>
-            <p:ph type="body" idx="3" sz="quarter"/>
+            <p:ph type="body" sz="quarter" idx="3"/>
           </p:nvPr>
         </p:nvSpPr>
         <p:spPr/>
@@ -1938,7 +1858,7 @@
 </file>
 
 <file path=ppt/notesSlides/notesSlide6.xml><?xml version="1.0" encoding="utf-8"?>
-<p:notes xmlns:a="http://schemas.openxmlformats.org/drawingml/2006/main" xmlns:p="http://schemas.openxmlformats.org/presentationml/2006/main" xmlns:r="http://schemas.openxmlformats.org/officeDocument/2006/relationships">
+<p:notes xmlns:a="http://schemas.openxmlformats.org/drawingml/2006/main" xmlns:r="http://schemas.openxmlformats.org/officeDocument/2006/relationships" xmlns:p="http://schemas.openxmlformats.org/presentationml/2006/main">
   <p:cSld>
     <p:spTree>
       <p:nvGrpSpPr>
@@ -1973,7 +1893,7 @@
             <a:spLocks noGrp="1"/>
           </p:cNvSpPr>
           <p:nvPr>
-            <p:ph type="sldNum" idx="5" sz="quarter"/>
+            <p:ph type="sldNum" sz="quarter" idx="5"/>
           </p:nvPr>
         </p:nvSpPr>
         <p:spPr/>
@@ -1985,7 +1905,7 @@
             <a:spLocks noGrp="1"/>
           </p:cNvSpPr>
           <p:nvPr>
-            <p:ph type="body" idx="3" sz="quarter"/>
+            <p:ph type="body" sz="quarter" idx="3"/>
           </p:nvPr>
         </p:nvSpPr>
         <p:spPr/>
@@ -2008,7 +1928,7 @@
 </file>
 
 <file path=ppt/notesSlides/notesSlide7.xml><?xml version="1.0" encoding="utf-8"?>
-<p:notes xmlns:a="http://schemas.openxmlformats.org/drawingml/2006/main" xmlns:p="http://schemas.openxmlformats.org/presentationml/2006/main" xmlns:r="http://schemas.openxmlformats.org/officeDocument/2006/relationships">
+<p:notes xmlns:a="http://schemas.openxmlformats.org/drawingml/2006/main" xmlns:r="http://schemas.openxmlformats.org/officeDocument/2006/relationships" xmlns:p="http://schemas.openxmlformats.org/presentationml/2006/main">
   <p:cSld>
     <p:spTree>
       <p:nvGrpSpPr>
@@ -2043,7 +1963,7 @@
             <a:spLocks noGrp="1"/>
           </p:cNvSpPr>
           <p:nvPr>
-            <p:ph type="sldNum" idx="5" sz="quarter"/>
+            <p:ph type="sldNum" sz="quarter" idx="5"/>
           </p:nvPr>
         </p:nvSpPr>
         <p:spPr/>
@@ -2055,7 +1975,7 @@
             <a:spLocks noGrp="1"/>
           </p:cNvSpPr>
           <p:nvPr>
-            <p:ph type="body" idx="3" sz="quarter"/>
+            <p:ph type="body" sz="quarter" idx="3"/>
           </p:nvPr>
         </p:nvSpPr>
         <p:spPr/>
@@ -2078,7 +1998,7 @@
 </file>
 
 <file path=ppt/notesSlides/notesSlide8.xml><?xml version="1.0" encoding="utf-8"?>
-<p:notes xmlns:a="http://schemas.openxmlformats.org/drawingml/2006/main" xmlns:p="http://schemas.openxmlformats.org/presentationml/2006/main" xmlns:r="http://schemas.openxmlformats.org/officeDocument/2006/relationships">
+<p:notes xmlns:a="http://schemas.openxmlformats.org/drawingml/2006/main" xmlns:r="http://schemas.openxmlformats.org/officeDocument/2006/relationships" xmlns:p="http://schemas.openxmlformats.org/presentationml/2006/main">
   <p:cSld>
     <p:spTree>
       <p:nvGrpSpPr>
@@ -2113,7 +2033,7 @@
             <a:spLocks noGrp="1"/>
           </p:cNvSpPr>
           <p:nvPr>
-            <p:ph type="sldNum" idx="5" sz="quarter"/>
+            <p:ph type="sldNum" sz="quarter" idx="5"/>
           </p:nvPr>
         </p:nvSpPr>
         <p:spPr/>
@@ -2125,7 +2045,7 @@
             <a:spLocks noGrp="1"/>
           </p:cNvSpPr>
           <p:nvPr>
-            <p:ph type="body" idx="3" sz="quarter"/>
+            <p:ph type="body" sz="quarter" idx="3"/>
           </p:nvPr>
         </p:nvSpPr>
         <p:spPr/>
@@ -2151,7 +2071,7 @@
 </file>
 
 <file path=ppt/notesSlides/notesSlide9.xml><?xml version="1.0" encoding="utf-8"?>
-<p:notes xmlns:a="http://schemas.openxmlformats.org/drawingml/2006/main" xmlns:p="http://schemas.openxmlformats.org/presentationml/2006/main" xmlns:r="http://schemas.openxmlformats.org/officeDocument/2006/relationships">
+<p:notes xmlns:a="http://schemas.openxmlformats.org/drawingml/2006/main" xmlns:r="http://schemas.openxmlformats.org/officeDocument/2006/relationships" xmlns:p="http://schemas.openxmlformats.org/presentationml/2006/main">
   <p:cSld>
     <p:spTree>
       <p:nvGrpSpPr>
@@ -2186,7 +2106,7 @@
             <a:spLocks noGrp="1"/>
           </p:cNvSpPr>
           <p:nvPr>
-            <p:ph type="sldNum" idx="5" sz="quarter"/>
+            <p:ph type="sldNum" sz="quarter" idx="5"/>
           </p:nvPr>
         </p:nvSpPr>
         <p:spPr/>
@@ -2198,7 +2118,7 @@
             <a:spLocks noGrp="1"/>
           </p:cNvSpPr>
           <p:nvPr>
-            <p:ph type="body" idx="3" sz="quarter"/>
+            <p:ph type="body" sz="quarter" idx="3"/>
           </p:nvPr>
         </p:nvSpPr>
         <p:spPr/>
@@ -2221,7 +2141,7 @@
 </file>
 
 <file path=ppt/slideLayouts/slideLayout1.xml><?xml version="1.0" encoding="utf-8"?>
-<p:sldLayout xmlns:a="http://schemas.openxmlformats.org/drawingml/2006/main" xmlns:r="http://schemas.openxmlformats.org/officeDocument/2006/relationships" xmlns:p="http://schemas.openxmlformats.org/presentationml/2006/main" showMasterSp="0" type="title" preserve="1">
+<p:sldLayout xmlns:a="http://schemas.openxmlformats.org/drawingml/2006/main" xmlns:r="http://schemas.openxmlformats.org/officeDocument/2006/relationships" xmlns:p="http://schemas.openxmlformats.org/presentationml/2006/main" type="title" preserve="1" showMasterSp="0">
   <p:cSld name="Title Slide">
     <p:bg>
       <p:bgPr>
@@ -2256,7 +2176,9 @@
         <p:blipFill rotWithShape="1">
           <a:blip r:embed="rId2"/>
           <a:srcRect t="19473"/>
-          <a:stretch/>
+          <a:stretch>
+            <a:fillRect/>
+          </a:stretch>
         </p:blipFill>
         <p:spPr bwMode="auto">
           <a:xfrm>
@@ -2307,6 +2229,7 @@
               <a:rPr lang="en-US"/>
               <a:t>Click to edit Master subtitle style</a:t>
             </a:r>
+            <a:endParaRPr lang="en-US"/>
           </a:p>
         </p:txBody>
       </p:sp>
@@ -2338,6 +2261,7 @@
               <a:rPr lang="en-US"/>
               <a:t>Click to edit Master title style</a:t>
             </a:r>
+            <a:endParaRPr lang="en-US"/>
           </a:p>
         </p:txBody>
       </p:sp>
@@ -2387,6 +2311,7 @@
               <a:rPr lang="en-US" dirty="0"/>
               <a:t>Click to edit Master title style</a:t>
             </a:r>
+            <a:endParaRPr lang="en-US" dirty="0"/>
           </a:p>
         </p:txBody>
       </p:sp>
@@ -2410,6 +2335,7 @@
               <a:rPr lang="en-US" dirty="0"/>
               <a:t>Click to edit Master text styles</a:t>
             </a:r>
+            <a:endParaRPr lang="en-US" dirty="0"/>
           </a:p>
           <a:p>
             <a:pPr lvl="1"/>
@@ -2417,6 +2343,7 @@
               <a:rPr lang="en-US" dirty="0"/>
               <a:t>Second level</a:t>
             </a:r>
+            <a:endParaRPr lang="en-US" dirty="0"/>
           </a:p>
           <a:p>
             <a:pPr lvl="2"/>
@@ -2424,6 +2351,7 @@
               <a:rPr lang="en-US" dirty="0"/>
               <a:t>Third level</a:t>
             </a:r>
+            <a:endParaRPr lang="en-US" dirty="0"/>
           </a:p>
           <a:p>
             <a:pPr lvl="3"/>
@@ -2431,6 +2359,7 @@
               <a:rPr lang="en-US" dirty="0"/>
               <a:t>Fourth level</a:t>
             </a:r>
+            <a:endParaRPr lang="en-US" dirty="0"/>
           </a:p>
           <a:p>
             <a:pPr lvl="4"/>
@@ -2438,6 +2367,7 @@
               <a:rPr lang="en-US" dirty="0"/>
               <a:t>Fifth level</a:t>
             </a:r>
+            <a:endParaRPr lang="en-US" dirty="0"/>
           </a:p>
         </p:txBody>
       </p:sp>
@@ -2463,6 +2393,7 @@
               <a:rPr lang="en-US" dirty="0"/>
               <a:t>Copyright © 2017 Elephant Scale. All rights reserved.</a:t>
             </a:r>
+            <a:endParaRPr lang="en-US" dirty="0"/>
           </a:p>
         </p:txBody>
       </p:sp>
@@ -2486,10 +2417,6 @@
             </a:pPr>
             <a:fld id="{77EF9825-4C23-4085-A4E3-B5565466BD91}" type="slidenum">
               <a:rPr lang="en-US" smtClean="0"/>
-              <a:pPr>
-                <a:defRPr/>
-              </a:pPr>
-              <a:t>‹#›</a:t>
             </a:fld>
             <a:endParaRPr lang="en-US" dirty="0"/>
           </a:p>
@@ -2544,6 +2471,7 @@
               <a:rPr lang="en-US"/>
               <a:t>Click to edit Master title style</a:t>
             </a:r>
+            <a:endParaRPr lang="en-US"/>
           </a:p>
         </p:txBody>
       </p:sp>
@@ -2572,6 +2500,7 @@
               <a:rPr lang="en-US"/>
               <a:t>Click to edit Master text styles</a:t>
             </a:r>
+            <a:endParaRPr lang="en-US"/>
           </a:p>
           <a:p>
             <a:pPr lvl="1"/>
@@ -2579,6 +2508,7 @@
               <a:rPr lang="en-US"/>
               <a:t>Second level</a:t>
             </a:r>
+            <a:endParaRPr lang="en-US"/>
           </a:p>
           <a:p>
             <a:pPr lvl="2"/>
@@ -2586,6 +2516,7 @@
               <a:rPr lang="en-US"/>
               <a:t>Third level</a:t>
             </a:r>
+            <a:endParaRPr lang="en-US"/>
           </a:p>
           <a:p>
             <a:pPr lvl="3"/>
@@ -2593,6 +2524,7 @@
               <a:rPr lang="en-US"/>
               <a:t>Fourth level</a:t>
             </a:r>
+            <a:endParaRPr lang="en-US"/>
           </a:p>
           <a:p>
             <a:pPr lvl="4"/>
@@ -2600,6 +2532,7 @@
               <a:rPr lang="en-US"/>
               <a:t>Fifth level</a:t>
             </a:r>
+            <a:endParaRPr lang="en-US"/>
           </a:p>
         </p:txBody>
       </p:sp>
@@ -2628,6 +2561,7 @@
               <a:rPr lang="en-US"/>
               <a:t>Click to edit Master text styles</a:t>
             </a:r>
+            <a:endParaRPr lang="en-US"/>
           </a:p>
           <a:p>
             <a:pPr lvl="1"/>
@@ -2635,6 +2569,7 @@
               <a:rPr lang="en-US"/>
               <a:t>Second level</a:t>
             </a:r>
+            <a:endParaRPr lang="en-US"/>
           </a:p>
           <a:p>
             <a:pPr lvl="2"/>
@@ -2642,6 +2577,7 @@
               <a:rPr lang="en-US"/>
               <a:t>Third level</a:t>
             </a:r>
+            <a:endParaRPr lang="en-US"/>
           </a:p>
           <a:p>
             <a:pPr lvl="3"/>
@@ -2649,6 +2585,7 @@
               <a:rPr lang="en-US"/>
               <a:t>Fourth level</a:t>
             </a:r>
+            <a:endParaRPr lang="en-US"/>
           </a:p>
           <a:p>
             <a:pPr lvl="4"/>
@@ -2656,6 +2593,7 @@
               <a:rPr lang="en-US"/>
               <a:t>Fifth level</a:t>
             </a:r>
+            <a:endParaRPr lang="en-US"/>
           </a:p>
         </p:txBody>
       </p:sp>
@@ -2684,6 +2622,7 @@
               <a:rPr lang="en-US"/>
               <a:t>Click to edit Master text styles</a:t>
             </a:r>
+            <a:endParaRPr lang="en-US"/>
           </a:p>
           <a:p>
             <a:pPr lvl="1"/>
@@ -2691,6 +2630,7 @@
               <a:rPr lang="en-US"/>
               <a:t>Second level</a:t>
             </a:r>
+            <a:endParaRPr lang="en-US"/>
           </a:p>
           <a:p>
             <a:pPr lvl="2"/>
@@ -2698,6 +2638,7 @@
               <a:rPr lang="en-US"/>
               <a:t>Third level</a:t>
             </a:r>
+            <a:endParaRPr lang="en-US"/>
           </a:p>
           <a:p>
             <a:pPr lvl="3"/>
@@ -2705,6 +2646,7 @@
               <a:rPr lang="en-US"/>
               <a:t>Fourth level</a:t>
             </a:r>
+            <a:endParaRPr lang="en-US"/>
           </a:p>
           <a:p>
             <a:pPr lvl="4"/>
@@ -2712,6 +2654,7 @@
               <a:rPr lang="en-US"/>
               <a:t>Fifth level</a:t>
             </a:r>
+            <a:endParaRPr lang="en-US"/>
           </a:p>
         </p:txBody>
       </p:sp>
@@ -2725,9 +2668,7 @@
             <p:ph type="sldNum" sz="quarter" idx="11"/>
           </p:nvPr>
         </p:nvSpPr>
-        <p:spPr>
-          <a:ln/>
-        </p:spPr>
+        <p:spPr/>
         <p:txBody>
           <a:bodyPr/>
           <a:lstStyle>
@@ -2741,10 +2682,6 @@
             </a:pPr>
             <a:fld id="{040E4B02-67B9-4228-B08B-2561CEE6B946}" type="slidenum">
               <a:rPr lang="en-US"/>
-              <a:pPr>
-                <a:defRPr/>
-              </a:pPr>
-              <a:t>‹#›</a:t>
             </a:fld>
             <a:endParaRPr lang="en-US" dirty="0"/>
           </a:p>
@@ -2760,9 +2697,7 @@
             <p:ph type="ftr" sz="quarter" idx="12"/>
           </p:nvPr>
         </p:nvSpPr>
-        <p:spPr>
-          <a:ln/>
-        </p:spPr>
+        <p:spPr/>
         <p:txBody>
           <a:bodyPr/>
           <a:lstStyle>
@@ -2778,6 +2713,7 @@
               <a:rPr lang="en-US" dirty="0"/>
               <a:t>Copyright © 2017 Elephant Scale. All rights reserved.</a:t>
             </a:r>
+            <a:endParaRPr lang="en-US" dirty="0"/>
           </a:p>
         </p:txBody>
       </p:sp>
@@ -2830,6 +2766,7 @@
               <a:rPr lang="en-US"/>
               <a:t>Click to edit Master title style</a:t>
             </a:r>
+            <a:endParaRPr lang="en-US"/>
           </a:p>
         </p:txBody>
       </p:sp>
@@ -2858,6 +2795,7 @@
               <a:rPr lang="en-US"/>
               <a:t>Click to edit Master text styles</a:t>
             </a:r>
+            <a:endParaRPr lang="en-US"/>
           </a:p>
           <a:p>
             <a:pPr lvl="1"/>
@@ -2865,6 +2803,7 @@
               <a:rPr lang="en-US"/>
               <a:t>Second level</a:t>
             </a:r>
+            <a:endParaRPr lang="en-US"/>
           </a:p>
           <a:p>
             <a:pPr lvl="2"/>
@@ -2872,6 +2811,7 @@
               <a:rPr lang="en-US"/>
               <a:t>Third level</a:t>
             </a:r>
+            <a:endParaRPr lang="en-US"/>
           </a:p>
           <a:p>
             <a:pPr lvl="3"/>
@@ -2879,6 +2819,7 @@
               <a:rPr lang="en-US"/>
               <a:t>Fourth level</a:t>
             </a:r>
+            <a:endParaRPr lang="en-US"/>
           </a:p>
           <a:p>
             <a:pPr lvl="4"/>
@@ -2886,6 +2827,7 @@
               <a:rPr lang="en-US"/>
               <a:t>Fifth level</a:t>
             </a:r>
+            <a:endParaRPr lang="en-US"/>
           </a:p>
         </p:txBody>
       </p:sp>
@@ -2914,6 +2856,7 @@
               <a:rPr lang="en-US"/>
               <a:t>Click to edit Master text styles</a:t>
             </a:r>
+            <a:endParaRPr lang="en-US"/>
           </a:p>
           <a:p>
             <a:pPr lvl="1"/>
@@ -2921,6 +2864,7 @@
               <a:rPr lang="en-US"/>
               <a:t>Second level</a:t>
             </a:r>
+            <a:endParaRPr lang="en-US"/>
           </a:p>
           <a:p>
             <a:pPr lvl="2"/>
@@ -2928,6 +2872,7 @@
               <a:rPr lang="en-US"/>
               <a:t>Third level</a:t>
             </a:r>
+            <a:endParaRPr lang="en-US"/>
           </a:p>
           <a:p>
             <a:pPr lvl="3"/>
@@ -2935,6 +2880,7 @@
               <a:rPr lang="en-US"/>
               <a:t>Fourth level</a:t>
             </a:r>
+            <a:endParaRPr lang="en-US"/>
           </a:p>
           <a:p>
             <a:pPr lvl="4"/>
@@ -2942,6 +2888,7 @@
               <a:rPr lang="en-US"/>
               <a:t>Fifth level</a:t>
             </a:r>
+            <a:endParaRPr lang="en-US"/>
           </a:p>
         </p:txBody>
       </p:sp>
@@ -2955,9 +2902,7 @@
             <p:ph type="sldNum" sz="quarter" idx="11"/>
           </p:nvPr>
         </p:nvSpPr>
-        <p:spPr>
-          <a:ln/>
-        </p:spPr>
+        <p:spPr/>
         <p:txBody>
           <a:bodyPr/>
           <a:lstStyle>
@@ -2971,10 +2916,6 @@
             </a:pPr>
             <a:fld id="{A86CC632-9864-46F1-8EAB-FCD3BB9CEC9A}" type="slidenum">
               <a:rPr lang="en-US"/>
-              <a:pPr>
-                <a:defRPr/>
-              </a:pPr>
-              <a:t>‹#›</a:t>
             </a:fld>
             <a:endParaRPr lang="en-US" dirty="0"/>
           </a:p>
@@ -2990,9 +2931,7 @@
             <p:ph type="ftr" sz="quarter" idx="12"/>
           </p:nvPr>
         </p:nvSpPr>
-        <p:spPr>
-          <a:ln/>
-        </p:spPr>
+        <p:spPr/>
         <p:txBody>
           <a:bodyPr/>
           <a:lstStyle>
@@ -3008,6 +2947,7 @@
               <a:rPr lang="en-US" dirty="0"/>
               <a:t>Copyright © 2017 Elephant Scale. All rights reserved.</a:t>
             </a:r>
+            <a:endParaRPr lang="en-US" dirty="0"/>
           </a:p>
         </p:txBody>
       </p:sp>
@@ -3066,15 +3006,10 @@
           <a:ln w="9525">
             <a:noFill/>
             <a:miter lim="800000"/>
-            <a:headEnd/>
-            <a:tailEnd/>
           </a:ln>
         </p:spPr>
         <p:txBody>
           <a:bodyPr vert="horz" wrap="square" lIns="92007" tIns="46005" rIns="92007" bIns="46005" numCol="1" anchor="t" anchorCtr="0" compatLnSpc="1">
-            <a:prstTxWarp prst="textNoShape">
-              <a:avLst/>
-            </a:prstTxWarp>
             <a:normAutofit/>
           </a:bodyPr>
           <a:lstStyle/>
@@ -3084,6 +3019,7 @@
               <a:rPr lang="en-US" dirty="0"/>
               <a:t>Click to edit Master text styles</a:t>
             </a:r>
+            <a:endParaRPr lang="en-US" dirty="0"/>
           </a:p>
           <a:p>
             <a:pPr lvl="1"/>
@@ -3091,6 +3027,7 @@
               <a:rPr lang="en-US" dirty="0"/>
               <a:t>Second level</a:t>
             </a:r>
+            <a:endParaRPr lang="en-US" dirty="0"/>
           </a:p>
           <a:p>
             <a:pPr lvl="2"/>
@@ -3098,6 +3035,7 @@
               <a:rPr lang="en-US" dirty="0"/>
               <a:t>Third level</a:t>
             </a:r>
+            <a:endParaRPr lang="en-US" dirty="0"/>
           </a:p>
           <a:p>
             <a:pPr lvl="3"/>
@@ -3105,6 +3043,7 @@
               <a:rPr lang="en-US" dirty="0"/>
               <a:t>Fourth level</a:t>
             </a:r>
+            <a:endParaRPr lang="en-US" dirty="0"/>
           </a:p>
           <a:p>
             <a:pPr lvl="4"/>
@@ -3112,6 +3051,7 @@
               <a:rPr lang="en-US" dirty="0"/>
               <a:t>Fifth level</a:t>
             </a:r>
+            <a:endParaRPr lang="en-US" dirty="0"/>
           </a:p>
         </p:txBody>
       </p:sp>
@@ -3137,26 +3077,20 @@
           <a:ln w="9525">
             <a:noFill/>
             <a:miter lim="800000"/>
-            <a:headEnd/>
-            <a:tailEnd/>
           </a:ln>
           <a:effectLst/>
         </p:spPr>
         <p:txBody>
-          <a:bodyPr vert="horz" wrap="square" lIns="0" tIns="0" rIns="0" bIns="0" numCol="1" anchor="b" anchorCtr="0" compatLnSpc="1">
-            <a:prstTxWarp prst="textNoShape">
-              <a:avLst/>
-            </a:prstTxWarp>
-          </a:bodyPr>
+          <a:bodyPr vert="horz" wrap="square" lIns="0" tIns="0" rIns="0" bIns="0" numCol="1" anchor="b" anchorCtr="0" compatLnSpc="1"/>
           <a:lstStyle>
             <a:lvl1pPr algn="r" eaLnBrk="0" hangingPunct="0">
               <a:defRPr b="1">
                 <a:solidFill>
                   <a:srgbClr val="000000"/>
                 </a:solidFill>
-                <a:latin typeface="Arial" charset="0"/>
-                <a:ea typeface="ＭＳ Ｐゴシック" charset="0"/>
-                <a:cs typeface="ＭＳ Ｐゴシック" charset="0"/>
+                <a:latin typeface="Arial" panose="020B0604020202020204" pitchFamily="34" charset="0"/>
+                <a:ea typeface="MS PGothic" charset="0"/>
+                <a:cs typeface="MS PGothic" charset="0"/>
               </a:defRPr>
             </a:lvl1pPr>
           </a:lstStyle>
@@ -3166,10 +3100,6 @@
             </a:pPr>
             <a:fld id="{77EF9825-4C23-4085-A4E3-B5565466BD91}" type="slidenum">
               <a:rPr lang="en-US"/>
-              <a:pPr>
-                <a:defRPr/>
-              </a:pPr>
-              <a:t>‹#›</a:t>
             </a:fld>
             <a:endParaRPr lang="en-US" dirty="0"/>
           </a:p>
@@ -3197,16 +3127,11 @@
           <a:ln w="9525">
             <a:noFill/>
             <a:miter lim="800000"/>
-            <a:headEnd/>
-            <a:tailEnd/>
           </a:ln>
           <a:effectLst/>
         </p:spPr>
         <p:txBody>
           <a:bodyPr vert="horz" wrap="square" lIns="0" tIns="0" rIns="0" bIns="0" numCol="1" anchor="t" anchorCtr="0" compatLnSpc="1">
-            <a:prstTxWarp prst="textNoShape">
-              <a:avLst/>
-            </a:prstTxWarp>
             <a:spAutoFit/>
           </a:bodyPr>
           <a:lstStyle>
@@ -3232,6 +3157,7 @@
               <a:rPr lang="en-US" dirty="0"/>
               <a:t>Copyright © 2017 Elephant Scale. All rights reserved.</a:t>
             </a:r>
+            <a:endParaRPr lang="en-US" dirty="0"/>
           </a:p>
         </p:txBody>
       </p:sp>
@@ -3244,7 +3170,7 @@
           <p:nvPr/>
         </p:nvPicPr>
         <p:blipFill>
-          <a:blip r:embed="rId6"/>
+          <a:blip r:embed="rId5"/>
           <a:srcRect/>
           <a:stretch>
             <a:fillRect/>
@@ -3291,16 +3217,10 @@
           <a:ln w="9525">
             <a:noFill/>
             <a:miter lim="800000"/>
-            <a:headEnd/>
-            <a:tailEnd/>
           </a:ln>
         </p:spPr>
         <p:txBody>
-          <a:bodyPr vert="horz" wrap="square" lIns="92007" tIns="46005" rIns="92007" bIns="46005" numCol="1" anchor="b" anchorCtr="0" compatLnSpc="1">
-            <a:prstTxWarp prst="textNoShape">
-              <a:avLst/>
-            </a:prstTxWarp>
-          </a:bodyPr>
+          <a:bodyPr vert="horz" wrap="square" lIns="92007" tIns="46005" rIns="92007" bIns="46005" numCol="1" anchor="b" anchorCtr="0" compatLnSpc="1"/>
           <a:lstStyle/>
           <a:p>
             <a:pPr lvl="0"/>
@@ -3308,6 +3228,7 @@
               <a:rPr lang="en-US" dirty="0"/>
               <a:t>Click to edit Master title style</a:t>
             </a:r>
+            <a:endParaRPr lang="en-US" dirty="0"/>
           </a:p>
         </p:txBody>
       </p:sp>
@@ -3315,10 +3236,10 @@
   </p:cSld>
   <p:clrMap bg1="dk2" tx1="lt1" bg2="dk1" tx2="lt2" accent1="accent1" accent2="accent2" accent3="accent3" accent4="accent4" accent5="accent5" accent6="accent6" hlink="hlink" folHlink="folHlink"/>
   <p:sldLayoutIdLst>
-    <p:sldLayoutId id="2147483656" r:id="rId1"/>
-    <p:sldLayoutId id="2147483655" r:id="rId2"/>
-    <p:sldLayoutId id="2147483654" r:id="rId3"/>
-    <p:sldLayoutId id="2147483653" r:id="rId4"/>
+    <p:sldLayoutId id="2147483649" r:id="rId1"/>
+    <p:sldLayoutId id="2147483650" r:id="rId2"/>
+    <p:sldLayoutId id="2147483651" r:id="rId3"/>
+    <p:sldLayoutId id="2147483652" r:id="rId4"/>
   </p:sldLayoutIdLst>
   <p:hf hdr="0" dt="0"/>
   <p:txStyles>
@@ -3335,8 +3256,8 @@
             <a:schemeClr val="tx1"/>
           </a:solidFill>
           <a:latin typeface="+mj-lt"/>
-          <a:ea typeface="ＭＳ Ｐゴシック" pitchFamily="-110" charset="-128"/>
-          <a:cs typeface="ＭＳ Ｐゴシック" pitchFamily="-110" charset="-128"/>
+          <a:ea typeface="MS PGothic" pitchFamily="-110" charset="-128"/>
+          <a:cs typeface="MS PGothic" pitchFamily="-110" charset="-128"/>
         </a:defRPr>
       </a:lvl1pPr>
       <a:lvl2pPr algn="l" rtl="0" eaLnBrk="0" fontAlgn="base" hangingPunct="0">
@@ -3350,9 +3271,9 @@
           <a:solidFill>
             <a:schemeClr val="tx1"/>
           </a:solidFill>
-          <a:latin typeface="Verdana" pitchFamily="-110" charset="0"/>
-          <a:ea typeface="ＭＳ Ｐゴシック" pitchFamily="-110" charset="-128"/>
-          <a:cs typeface="ＭＳ Ｐゴシック" pitchFamily="-110" charset="-128"/>
+          <a:latin typeface="Verdana" panose="020B0604030504040204" pitchFamily="-110" charset="0"/>
+          <a:ea typeface="MS PGothic" pitchFamily="-110" charset="-128"/>
+          <a:cs typeface="MS PGothic" pitchFamily="-110" charset="-128"/>
         </a:defRPr>
       </a:lvl2pPr>
       <a:lvl3pPr algn="l" rtl="0" eaLnBrk="0" fontAlgn="base" hangingPunct="0">
@@ -3366,9 +3287,9 @@
           <a:solidFill>
             <a:schemeClr val="tx1"/>
           </a:solidFill>
-          <a:latin typeface="Verdana" pitchFamily="-110" charset="0"/>
-          <a:ea typeface="ＭＳ Ｐゴシック" pitchFamily="-110" charset="-128"/>
-          <a:cs typeface="ＭＳ Ｐゴシック" pitchFamily="-110" charset="-128"/>
+          <a:latin typeface="Verdana" panose="020B0604030504040204" pitchFamily="-110" charset="0"/>
+          <a:ea typeface="MS PGothic" pitchFamily="-110" charset="-128"/>
+          <a:cs typeface="MS PGothic" pitchFamily="-110" charset="-128"/>
         </a:defRPr>
       </a:lvl3pPr>
       <a:lvl4pPr algn="l" rtl="0" eaLnBrk="0" fontAlgn="base" hangingPunct="0">
@@ -3382,9 +3303,9 @@
           <a:solidFill>
             <a:schemeClr val="tx1"/>
           </a:solidFill>
-          <a:latin typeface="Verdana" pitchFamily="-110" charset="0"/>
-          <a:ea typeface="ＭＳ Ｐゴシック" pitchFamily="-110" charset="-128"/>
-          <a:cs typeface="ＭＳ Ｐゴシック" pitchFamily="-110" charset="-128"/>
+          <a:latin typeface="Verdana" panose="020B0604030504040204" pitchFamily="-110" charset="0"/>
+          <a:ea typeface="MS PGothic" pitchFamily="-110" charset="-128"/>
+          <a:cs typeface="MS PGothic" pitchFamily="-110" charset="-128"/>
         </a:defRPr>
       </a:lvl4pPr>
       <a:lvl5pPr algn="l" rtl="0" eaLnBrk="0" fontAlgn="base" hangingPunct="0">
@@ -3398,9 +3319,9 @@
           <a:solidFill>
             <a:schemeClr val="tx1"/>
           </a:solidFill>
-          <a:latin typeface="Verdana" pitchFamily="-110" charset="0"/>
-          <a:ea typeface="ＭＳ Ｐゴシック" pitchFamily="-110" charset="-128"/>
-          <a:cs typeface="ＭＳ Ｐゴシック" pitchFamily="-110" charset="-128"/>
+          <a:latin typeface="Verdana" panose="020B0604030504040204" pitchFamily="-110" charset="0"/>
+          <a:ea typeface="MS PGothic" pitchFamily="-110" charset="-128"/>
+          <a:cs typeface="MS PGothic" pitchFamily="-110" charset="-128"/>
         </a:defRPr>
       </a:lvl5pPr>
       <a:lvl6pPr marL="457200" algn="l" rtl="0" eaLnBrk="0" fontAlgn="base" hangingPunct="0">
@@ -3414,7 +3335,7 @@
           <a:solidFill>
             <a:schemeClr val="tx1"/>
           </a:solidFill>
-          <a:latin typeface="Verdana" pitchFamily="-110" charset="0"/>
+          <a:latin typeface="Verdana" panose="020B0604030504040204" pitchFamily="-110" charset="0"/>
         </a:defRPr>
       </a:lvl6pPr>
       <a:lvl7pPr marL="914400" algn="l" rtl="0" eaLnBrk="0" fontAlgn="base" hangingPunct="0">
@@ -3428,7 +3349,7 @@
           <a:solidFill>
             <a:schemeClr val="tx1"/>
           </a:solidFill>
-          <a:latin typeface="Verdana" pitchFamily="-110" charset="0"/>
+          <a:latin typeface="Verdana" panose="020B0604030504040204" pitchFamily="-110" charset="0"/>
         </a:defRPr>
       </a:lvl7pPr>
       <a:lvl8pPr marL="1371600" algn="l" rtl="0" eaLnBrk="0" fontAlgn="base" hangingPunct="0">
@@ -3442,7 +3363,7 @@
           <a:solidFill>
             <a:schemeClr val="tx1"/>
           </a:solidFill>
-          <a:latin typeface="Verdana" pitchFamily="-110" charset="0"/>
+          <a:latin typeface="Verdana" panose="020B0604030504040204" pitchFamily="-110" charset="0"/>
         </a:defRPr>
       </a:lvl8pPr>
       <a:lvl9pPr marL="1828800" algn="l" rtl="0" eaLnBrk="0" fontAlgn="base" hangingPunct="0">
@@ -3456,12 +3377,12 @@
           <a:solidFill>
             <a:schemeClr val="tx1"/>
           </a:solidFill>
-          <a:latin typeface="Verdana" pitchFamily="-110" charset="0"/>
+          <a:latin typeface="Verdana" panose="020B0604030504040204" pitchFamily="-110" charset="0"/>
         </a:defRPr>
       </a:lvl9pPr>
     </p:titleStyle>
     <p:bodyStyle>
-      <a:lvl1pPr marL="290513" indent="-290513" algn="l" rtl="0" eaLnBrk="0" fontAlgn="base" hangingPunct="0">
+      <a:lvl1pPr marL="290830" indent="-290830" algn="l" rtl="0" eaLnBrk="0" fontAlgn="base" hangingPunct="0">
         <a:spcBef>
           <a:spcPct val="20000"/>
         </a:spcBef>
@@ -3472,18 +3393,18 @@
           <a:schemeClr val="tx2"/>
         </a:buClr>
         <a:buSzPct val="65000"/>
-        <a:buFont typeface="Wingdings" pitchFamily="2" charset="2"/>
+        <a:buFont typeface="Wingdings" panose="05000000000000000000" pitchFamily="2" charset="2"/>
         <a:buChar char=""/>
         <a:defRPr sz="2400">
           <a:solidFill>
             <a:srgbClr val="000000"/>
           </a:solidFill>
           <a:latin typeface="+mn-lt"/>
-          <a:ea typeface="ＭＳ Ｐゴシック" pitchFamily="-110" charset="-128"/>
-          <a:cs typeface="ＭＳ Ｐゴシック" pitchFamily="-110" charset="-128"/>
+          <a:ea typeface="MS PGothic" pitchFamily="-110" charset="-128"/>
+          <a:cs typeface="MS PGothic" pitchFamily="-110" charset="-128"/>
         </a:defRPr>
       </a:lvl1pPr>
-      <a:lvl2pPr marL="633413" indent="-228600" algn="l" rtl="0" eaLnBrk="0" fontAlgn="base" hangingPunct="0">
+      <a:lvl2pPr marL="633730" indent="-228600" algn="l" rtl="0" eaLnBrk="0" fontAlgn="base" hangingPunct="0">
         <a:spcBef>
           <a:spcPct val="20000"/>
         </a:spcBef>
@@ -3499,11 +3420,11 @@
             <a:srgbClr val="000000"/>
           </a:solidFill>
           <a:latin typeface="+mn-lt"/>
-          <a:ea typeface="ＭＳ Ｐゴシック" pitchFamily="-110" charset="-128"/>
-          <a:cs typeface="ＭＳ Ｐゴシック"/>
+          <a:ea typeface="MS PGothic" pitchFamily="-110" charset="-128"/>
+          <a:cs typeface="MS PGothic"/>
         </a:defRPr>
       </a:lvl2pPr>
-      <a:lvl3pPr marL="969963" indent="-222250" algn="l" rtl="0" eaLnBrk="0" fontAlgn="base" hangingPunct="0">
+      <a:lvl3pPr marL="970280" indent="-222250" algn="l" rtl="0" eaLnBrk="0" fontAlgn="base" hangingPunct="0">
         <a:spcBef>
           <a:spcPct val="20000"/>
         </a:spcBef>
@@ -3516,11 +3437,11 @@
             <a:srgbClr val="000000"/>
           </a:solidFill>
           <a:latin typeface="+mn-lt"/>
-          <a:ea typeface="ＭＳ Ｐゴシック" pitchFamily="-110" charset="-128"/>
-          <a:cs typeface="ＭＳ Ｐゴシック"/>
+          <a:ea typeface="MS PGothic" pitchFamily="-110" charset="-128"/>
+          <a:cs typeface="MS PGothic"/>
         </a:defRPr>
       </a:lvl3pPr>
-      <a:lvl4pPr marL="1258888" indent="-228600" algn="l" rtl="0" eaLnBrk="0" fontAlgn="base" hangingPunct="0">
+      <a:lvl4pPr marL="1259205" indent="-228600" algn="l" rtl="0" eaLnBrk="0" fontAlgn="base" hangingPunct="0">
         <a:spcBef>
           <a:spcPct val="0"/>
         </a:spcBef>
@@ -3538,11 +3459,11 @@
             <a:srgbClr val="000000"/>
           </a:solidFill>
           <a:latin typeface="+mn-lt"/>
-          <a:ea typeface="ＭＳ Ｐゴシック" pitchFamily="-110" charset="-128"/>
-          <a:cs typeface="ＭＳ Ｐゴシック"/>
+          <a:ea typeface="MS PGothic" pitchFamily="-110" charset="-128"/>
+          <a:cs typeface="MS PGothic"/>
         </a:defRPr>
       </a:lvl4pPr>
-      <a:lvl5pPr marL="2055813" indent="-230188" algn="l" rtl="0" eaLnBrk="0" fontAlgn="base" hangingPunct="0">
+      <a:lvl5pPr marL="2056130" indent="-230505" algn="l" rtl="0" eaLnBrk="0" fontAlgn="base" hangingPunct="0">
         <a:spcBef>
           <a:spcPct val="20000"/>
         </a:spcBef>
@@ -3556,12 +3477,12 @@
           <a:solidFill>
             <a:schemeClr val="tx1"/>
           </a:solidFill>
-          <a:latin typeface="Times New Roman" pitchFamily="-110" charset="0"/>
-          <a:ea typeface="ＭＳ Ｐゴシック" pitchFamily="-110" charset="-128"/>
-          <a:cs typeface="ＭＳ Ｐゴシック"/>
+          <a:latin typeface="Times New Roman" panose="02020603050405020304" pitchFamily="-110" charset="0"/>
+          <a:ea typeface="MS PGothic" pitchFamily="-110" charset="-128"/>
+          <a:cs typeface="MS PGothic"/>
         </a:defRPr>
       </a:lvl5pPr>
-      <a:lvl6pPr marL="2513013" indent="-230188" algn="l" rtl="0" eaLnBrk="0" fontAlgn="base" hangingPunct="0">
+      <a:lvl6pPr marL="2513330" indent="-230505" algn="l" rtl="0" eaLnBrk="0" fontAlgn="base" hangingPunct="0">
         <a:spcBef>
           <a:spcPct val="20000"/>
         </a:spcBef>
@@ -3575,11 +3496,11 @@
           <a:solidFill>
             <a:schemeClr val="tx1"/>
           </a:solidFill>
-          <a:latin typeface="Times New Roman" pitchFamily="-110" charset="0"/>
-          <a:ea typeface="ＭＳ Ｐゴシック" pitchFamily="-110" charset="-128"/>
+          <a:latin typeface="Times New Roman" panose="02020603050405020304" pitchFamily="-110" charset="0"/>
+          <a:ea typeface="MS PGothic" pitchFamily="-110" charset="-128"/>
         </a:defRPr>
       </a:lvl6pPr>
-      <a:lvl7pPr marL="2970213" indent="-230188" algn="l" rtl="0" eaLnBrk="0" fontAlgn="base" hangingPunct="0">
+      <a:lvl7pPr marL="2970530" indent="-230505" algn="l" rtl="0" eaLnBrk="0" fontAlgn="base" hangingPunct="0">
         <a:spcBef>
           <a:spcPct val="20000"/>
         </a:spcBef>
@@ -3593,11 +3514,11 @@
           <a:solidFill>
             <a:schemeClr val="tx1"/>
           </a:solidFill>
-          <a:latin typeface="Times New Roman" pitchFamily="-110" charset="0"/>
-          <a:ea typeface="ＭＳ Ｐゴシック" pitchFamily="-110" charset="-128"/>
+          <a:latin typeface="Times New Roman" panose="02020603050405020304" pitchFamily="-110" charset="0"/>
+          <a:ea typeface="MS PGothic" pitchFamily="-110" charset="-128"/>
         </a:defRPr>
       </a:lvl7pPr>
-      <a:lvl8pPr marL="3427413" indent="-230188" algn="l" rtl="0" eaLnBrk="0" fontAlgn="base" hangingPunct="0">
+      <a:lvl8pPr marL="3427730" indent="-230505" algn="l" rtl="0" eaLnBrk="0" fontAlgn="base" hangingPunct="0">
         <a:spcBef>
           <a:spcPct val="20000"/>
         </a:spcBef>
@@ -3611,11 +3532,11 @@
           <a:solidFill>
             <a:schemeClr val="tx1"/>
           </a:solidFill>
-          <a:latin typeface="Times New Roman" pitchFamily="-110" charset="0"/>
-          <a:ea typeface="ＭＳ Ｐゴシック" pitchFamily="-110" charset="-128"/>
+          <a:latin typeface="Times New Roman" panose="02020603050405020304" pitchFamily="-110" charset="0"/>
+          <a:ea typeface="MS PGothic" pitchFamily="-110" charset="-128"/>
         </a:defRPr>
       </a:lvl8pPr>
-      <a:lvl9pPr marL="3884613" indent="-230188" algn="l" rtl="0" eaLnBrk="0" fontAlgn="base" hangingPunct="0">
+      <a:lvl9pPr marL="3884930" indent="-230505" algn="l" rtl="0" eaLnBrk="0" fontAlgn="base" hangingPunct="0">
         <a:spcBef>
           <a:spcPct val="20000"/>
         </a:spcBef>
@@ -3629,8 +3550,8 @@
           <a:solidFill>
             <a:schemeClr val="tx1"/>
           </a:solidFill>
-          <a:latin typeface="Times New Roman" pitchFamily="-110" charset="0"/>
-          <a:ea typeface="ＭＳ Ｐゴシック" pitchFamily="-110" charset="-128"/>
+          <a:latin typeface="Times New Roman" panose="02020603050405020304" pitchFamily="-110" charset="0"/>
+          <a:ea typeface="MS PGothic" pitchFamily="-110" charset="-128"/>
         </a:defRPr>
       </a:lvl9pPr>
     </p:bodyStyle>
@@ -3734,7 +3655,7 @@
 </file>
 
 <file path=ppt/slides/slide1.xml><?xml version="1.0" encoding="utf-8"?>
-<p:sld xmlns:a="http://schemas.openxmlformats.org/drawingml/2006/main" xmlns:p="http://schemas.openxmlformats.org/presentationml/2006/main" xmlns:r="http://schemas.openxmlformats.org/officeDocument/2006/relationships">
+<p:sld xmlns:a="http://schemas.openxmlformats.org/drawingml/2006/main" xmlns:r="http://schemas.openxmlformats.org/officeDocument/2006/relationships" xmlns:p="http://schemas.openxmlformats.org/presentationml/2006/main">
   <p:cSld>
     <p:spTree>
       <p:nvGrpSpPr>
@@ -3750,7 +3671,7 @@
             <a:spLocks noGrp="1"/>
           </p:cNvSpPr>
           <p:nvPr>
-            <p:ph type="subTitle" idx="1" sz="quarter"/>
+            <p:ph type="subTitle" sz="quarter" idx="1"/>
           </p:nvPr>
         </p:nvSpPr>
         <p:spPr/>
@@ -3811,6 +3732,11 @@
               </a:rPr>
               <a:t>Copyright © 2021 by Elephant Scale, All Rights Reserved</a:t>
             </a:r>
+            <a:endParaRPr sz="800">
+              <a:solidFill>
+                <a:srgbClr val="000000"/>
+              </a:solidFill>
+            </a:endParaRPr>
           </a:p>
         </p:txBody>
       </p:sp>
@@ -3823,7 +3749,7 @@
 </file>
 
 <file path=ppt/slides/slide10.xml><?xml version="1.0" encoding="utf-8"?>
-<p:sld xmlns:a="http://schemas.openxmlformats.org/drawingml/2006/main" xmlns:p="http://schemas.openxmlformats.org/presentationml/2006/main" xmlns:r="http://schemas.openxmlformats.org/officeDocument/2006/relationships">
+<p:sld xmlns:a="http://schemas.openxmlformats.org/drawingml/2006/main" xmlns:r="http://schemas.openxmlformats.org/officeDocument/2006/relationships" xmlns:p="http://schemas.openxmlformats.org/presentationml/2006/main">
   <p:cSld>
     <p:spTree>
       <p:nvGrpSpPr>
@@ -3912,6 +3838,11 @@
               </a:rPr>
               <a:t>Copyright © 2021 by Elephant Scale, All Rights Reserved</a:t>
             </a:r>
+            <a:endParaRPr sz="800">
+              <a:solidFill>
+                <a:srgbClr val="000000"/>
+              </a:solidFill>
+            </a:endParaRPr>
           </a:p>
         </p:txBody>
       </p:sp>
@@ -3924,7 +3855,7 @@
           <p:nvPr/>
         </p:nvPicPr>
         <p:blipFill>
-          <a:blip r:embed="rId2"/>
+          <a:blip r:embed="rId1"/>
           <a:stretch>
             <a:fillRect/>
           </a:stretch>
@@ -3948,7 +3879,7 @@
 </file>
 
 <file path=ppt/slides/slide11.xml><?xml version="1.0" encoding="utf-8"?>
-<p:sld xmlns:a="http://schemas.openxmlformats.org/drawingml/2006/main" xmlns:p="http://schemas.openxmlformats.org/presentationml/2006/main" xmlns:r="http://schemas.openxmlformats.org/officeDocument/2006/relationships">
+<p:sld xmlns:a="http://schemas.openxmlformats.org/drawingml/2006/main" xmlns:r="http://schemas.openxmlformats.org/officeDocument/2006/relationships" xmlns:p="http://schemas.openxmlformats.org/presentationml/2006/main">
   <p:cSld>
     <p:spTree>
       <p:nvGrpSpPr>
@@ -4006,6 +3937,7 @@
               <a:rPr i="1"/>
               <a:t> Please review this suspicious transaction on your account</a:t>
             </a:r>
+            <a:endParaRPr i="1"/>
           </a:p>
           <a:p>
             <a:r>
@@ -4050,6 +3982,11 @@
               </a:rPr>
               <a:t>Copyright © 2021 by Elephant Scale, All Rights Reserved</a:t>
             </a:r>
+            <a:endParaRPr sz="800">
+              <a:solidFill>
+                <a:srgbClr val="000000"/>
+              </a:solidFill>
+            </a:endParaRPr>
           </a:p>
         </p:txBody>
       </p:sp>
@@ -4062,14 +3999,14 @@
           <p:nvPr/>
         </p:nvPicPr>
         <p:blipFill>
-          <a:blip r:embed="rId2"/>
+          <a:blip r:embed="rId1"/>
           <a:stretch>
             <a:fillRect/>
           </a:stretch>
         </p:blipFill>
         <p:spPr>
           <a:xfrm>
-            <a:off x="0" y="1792224"/>
+            <a:off x="38100" y="1406144"/>
             <a:ext cx="8915400" cy="347463"/>
           </a:xfrm>
           <a:prstGeom prst="rect">
@@ -4086,15 +4023,15 @@
           <p:nvPr/>
         </p:nvPicPr>
         <p:blipFill>
-          <a:blip r:embed="rId3"/>
+          <a:blip r:embed="rId2"/>
           <a:stretch>
             <a:fillRect/>
           </a:stretch>
         </p:blipFill>
         <p:spPr>
           <a:xfrm>
-            <a:off x="0" y="3986783"/>
-            <a:ext cx="10160000" cy="787400"/>
+            <a:off x="0" y="3986530"/>
+            <a:ext cx="8954770" cy="694055"/>
           </a:xfrm>
           <a:prstGeom prst="rect">
             <a:avLst/>
@@ -4110,7 +4047,7 @@
 </file>
 
 <file path=ppt/slides/slide12.xml><?xml version="1.0" encoding="utf-8"?>
-<p:sld xmlns:a="http://schemas.openxmlformats.org/drawingml/2006/main" xmlns:p="http://schemas.openxmlformats.org/presentationml/2006/main" xmlns:r="http://schemas.openxmlformats.org/officeDocument/2006/relationships">
+<p:sld xmlns:a="http://schemas.openxmlformats.org/drawingml/2006/main" xmlns:r="http://schemas.openxmlformats.org/officeDocument/2006/relationships" xmlns:p="http://schemas.openxmlformats.org/presentationml/2006/main">
   <p:cSld>
     <p:spTree>
       <p:nvGrpSpPr>
@@ -4221,6 +4158,11 @@
               </a:rPr>
               <a:t>Copyright © 2021 by Elephant Scale, All Rights Reserved</a:t>
             </a:r>
+            <a:endParaRPr sz="800">
+              <a:solidFill>
+                <a:srgbClr val="000000"/>
+              </a:solidFill>
+            </a:endParaRPr>
           </a:p>
         </p:txBody>
       </p:sp>
@@ -4233,7 +4175,7 @@
 </file>
 
 <file path=ppt/slides/slide13.xml><?xml version="1.0" encoding="utf-8"?>
-<p:sld xmlns:a="http://schemas.openxmlformats.org/drawingml/2006/main" xmlns:p="http://schemas.openxmlformats.org/presentationml/2006/main" xmlns:r="http://schemas.openxmlformats.org/officeDocument/2006/relationships">
+<p:sld xmlns:a="http://schemas.openxmlformats.org/drawingml/2006/main" xmlns:r="http://schemas.openxmlformats.org/officeDocument/2006/relationships" xmlns:p="http://schemas.openxmlformats.org/presentationml/2006/main">
   <p:cSld>
     <p:spTree>
       <p:nvGrpSpPr>
@@ -4323,6 +4265,11 @@
               </a:rPr>
               <a:t>Copyright © 2021 by Elephant Scale, All Rights Reserved</a:t>
             </a:r>
+            <a:endParaRPr sz="800">
+              <a:solidFill>
+                <a:srgbClr val="000000"/>
+              </a:solidFill>
+            </a:endParaRPr>
           </a:p>
         </p:txBody>
       </p:sp>
@@ -4335,7 +4282,7 @@
           <p:nvPr/>
         </p:nvPicPr>
         <p:blipFill>
-          <a:blip r:embed="rId2"/>
+          <a:blip r:embed="rId1"/>
           <a:stretch>
             <a:fillRect/>
           </a:stretch>
@@ -4359,7 +4306,7 @@
 </file>
 
 <file path=ppt/slides/slide14.xml><?xml version="1.0" encoding="utf-8"?>
-<p:sld xmlns:a="http://schemas.openxmlformats.org/drawingml/2006/main" xmlns:p="http://schemas.openxmlformats.org/presentationml/2006/main" xmlns:r="http://schemas.openxmlformats.org/officeDocument/2006/relationships">
+<p:sld xmlns:a="http://schemas.openxmlformats.org/drawingml/2006/main" xmlns:r="http://schemas.openxmlformats.org/officeDocument/2006/relationships" xmlns:p="http://schemas.openxmlformats.org/presentationml/2006/main">
   <p:cSld>
     <p:spTree>
       <p:nvGrpSpPr>
@@ -4455,6 +4402,11 @@
               </a:rPr>
               <a:t>Copyright © 2021 by Elephant Scale, All Rights Reserved</a:t>
             </a:r>
+            <a:endParaRPr sz="800">
+              <a:solidFill>
+                <a:srgbClr val="000000"/>
+              </a:solidFill>
+            </a:endParaRPr>
           </a:p>
         </p:txBody>
       </p:sp>
@@ -4467,14 +4419,14 @@
           <p:nvPr/>
         </p:nvPicPr>
         <p:blipFill>
-          <a:blip r:embed="rId2"/>
+          <a:blip r:embed="rId1"/>
           <a:stretch>
             <a:fillRect/>
           </a:stretch>
         </p:blipFill>
         <p:spPr>
           <a:xfrm>
-            <a:off x="0" y="1792224"/>
+            <a:off x="38100" y="1710944"/>
             <a:ext cx="8483600" cy="520700"/>
           </a:xfrm>
           <a:prstGeom prst="rect">
@@ -4491,14 +4443,14 @@
           <p:nvPr/>
         </p:nvPicPr>
         <p:blipFill>
-          <a:blip r:embed="rId3"/>
+          <a:blip r:embed="rId2"/>
           <a:stretch>
             <a:fillRect/>
           </a:stretch>
         </p:blipFill>
         <p:spPr>
           <a:xfrm>
-            <a:off x="0" y="2670048"/>
+            <a:off x="0" y="3158363"/>
             <a:ext cx="8915400" cy="1003943"/>
           </a:xfrm>
           <a:prstGeom prst="rect">
@@ -4515,7 +4467,7 @@
 </file>
 
 <file path=ppt/slides/slide15.xml><?xml version="1.0" encoding="utf-8"?>
-<p:sld xmlns:a="http://schemas.openxmlformats.org/drawingml/2006/main" xmlns:p="http://schemas.openxmlformats.org/presentationml/2006/main" xmlns:r="http://schemas.openxmlformats.org/officeDocument/2006/relationships">
+<p:sld xmlns:a="http://schemas.openxmlformats.org/drawingml/2006/main" xmlns:r="http://schemas.openxmlformats.org/officeDocument/2006/relationships" xmlns:p="http://schemas.openxmlformats.org/presentationml/2006/main">
   <p:cSld>
     <p:spTree>
       <p:nvGrpSpPr>
@@ -4622,6 +4574,11 @@
               </a:rPr>
               <a:t>Copyright © 2021 by Elephant Scale, All Rights Reserved</a:t>
             </a:r>
+            <a:endParaRPr sz="800">
+              <a:solidFill>
+                <a:srgbClr val="000000"/>
+              </a:solidFill>
+            </a:endParaRPr>
           </a:p>
         </p:txBody>
       </p:sp>
@@ -4634,15 +4591,15 @@
           <p:nvPr/>
         </p:nvPicPr>
         <p:blipFill>
-          <a:blip r:embed="rId2"/>
+          <a:blip r:embed="rId1"/>
           <a:stretch>
             <a:fillRect/>
           </a:stretch>
         </p:blipFill>
         <p:spPr>
           <a:xfrm>
-            <a:off x="0" y="1792224"/>
-            <a:ext cx="11074400" cy="520700"/>
+            <a:off x="0" y="1791970"/>
+            <a:ext cx="9051925" cy="425450"/>
           </a:xfrm>
           <a:prstGeom prst="rect">
             <a:avLst/>
@@ -4658,7 +4615,7 @@
 </file>
 
 <file path=ppt/slides/slide16.xml><?xml version="1.0" encoding="utf-8"?>
-<p:sld xmlns:a="http://schemas.openxmlformats.org/drawingml/2006/main" xmlns:p="http://schemas.openxmlformats.org/presentationml/2006/main" xmlns:r="http://schemas.openxmlformats.org/officeDocument/2006/relationships">
+<p:sld xmlns:a="http://schemas.openxmlformats.org/drawingml/2006/main" xmlns:r="http://schemas.openxmlformats.org/officeDocument/2006/relationships" xmlns:p="http://schemas.openxmlformats.org/presentationml/2006/main">
   <p:cSld>
     <p:spTree>
       <p:nvGrpSpPr>
@@ -4758,6 +4715,11 @@
               </a:rPr>
               <a:t>Copyright © 2021 by Elephant Scale, All Rights Reserved</a:t>
             </a:r>
+            <a:endParaRPr sz="800">
+              <a:solidFill>
+                <a:srgbClr val="000000"/>
+              </a:solidFill>
+            </a:endParaRPr>
           </a:p>
         </p:txBody>
       </p:sp>
@@ -4770,7 +4732,7 @@
           <p:nvPr/>
         </p:nvPicPr>
         <p:blipFill>
-          <a:blip r:embed="rId2"/>
+          <a:blip r:embed="rId1"/>
           <a:stretch>
             <a:fillRect/>
           </a:stretch>
@@ -4794,7 +4756,7 @@
           <p:nvPr/>
         </p:nvPicPr>
         <p:blipFill>
-          <a:blip r:embed="rId3"/>
+          <a:blip r:embed="rId2"/>
           <a:stretch>
             <a:fillRect/>
           </a:stretch>
@@ -4818,7 +4780,7 @@
           <p:nvPr/>
         </p:nvPicPr>
         <p:blipFill>
-          <a:blip r:embed="rId4"/>
+          <a:blip r:embed="rId3"/>
           <a:stretch>
             <a:fillRect/>
           </a:stretch>
@@ -4842,7 +4804,7 @@
 </file>
 
 <file path=ppt/slides/slide17.xml><?xml version="1.0" encoding="utf-8"?>
-<p:sld xmlns:a="http://schemas.openxmlformats.org/drawingml/2006/main" xmlns:p="http://schemas.openxmlformats.org/presentationml/2006/main" xmlns:r="http://schemas.openxmlformats.org/officeDocument/2006/relationships">
+<p:sld xmlns:a="http://schemas.openxmlformats.org/drawingml/2006/main" xmlns:r="http://schemas.openxmlformats.org/officeDocument/2006/relationships" xmlns:p="http://schemas.openxmlformats.org/presentationml/2006/main">
   <p:cSld>
     <p:spTree>
       <p:nvGrpSpPr>
@@ -4946,6 +4908,11 @@
               </a:rPr>
               <a:t>Copyright © 2021 by Elephant Scale, All Rights Reserved</a:t>
             </a:r>
+            <a:endParaRPr sz="800">
+              <a:solidFill>
+                <a:srgbClr val="000000"/>
+              </a:solidFill>
+            </a:endParaRPr>
           </a:p>
         </p:txBody>
       </p:sp>
@@ -4958,15 +4925,15 @@
           <p:nvPr/>
         </p:nvPicPr>
         <p:blipFill>
-          <a:blip r:embed="rId2"/>
+          <a:blip r:embed="rId1"/>
           <a:stretch>
             <a:fillRect/>
           </a:stretch>
         </p:blipFill>
         <p:spPr>
           <a:xfrm>
-            <a:off x="0" y="3108960"/>
-            <a:ext cx="10769600" cy="520700"/>
+            <a:off x="0" y="2929890"/>
+            <a:ext cx="8805545" cy="425450"/>
           </a:xfrm>
           <a:prstGeom prst="rect">
             <a:avLst/>
@@ -4982,7 +4949,7 @@
 </file>
 
 <file path=ppt/slides/slide18.xml><?xml version="1.0" encoding="utf-8"?>
-<p:sld xmlns:a="http://schemas.openxmlformats.org/drawingml/2006/main" xmlns:p="http://schemas.openxmlformats.org/presentationml/2006/main" xmlns:r="http://schemas.openxmlformats.org/officeDocument/2006/relationships">
+<p:sld xmlns:a="http://schemas.openxmlformats.org/drawingml/2006/main" xmlns:r="http://schemas.openxmlformats.org/officeDocument/2006/relationships" xmlns:p="http://schemas.openxmlformats.org/presentationml/2006/main">
   <p:cSld>
     <p:spTree>
       <p:nvGrpSpPr>
@@ -5088,6 +5055,11 @@
               </a:rPr>
               <a:t>Copyright © 2021 by Elephant Scale, All Rights Reserved</a:t>
             </a:r>
+            <a:endParaRPr sz="800">
+              <a:solidFill>
+                <a:srgbClr val="000000"/>
+              </a:solidFill>
+            </a:endParaRPr>
           </a:p>
         </p:txBody>
       </p:sp>
@@ -5100,7 +5072,7 @@
           <p:nvPr/>
         </p:nvPicPr>
         <p:blipFill>
-          <a:blip r:embed="rId2"/>
+          <a:blip r:embed="rId1"/>
           <a:stretch>
             <a:fillRect/>
           </a:stretch>
@@ -5124,7 +5096,7 @@
 </file>
 
 <file path=ppt/slides/slide19.xml><?xml version="1.0" encoding="utf-8"?>
-<p:sld xmlns:a="http://schemas.openxmlformats.org/drawingml/2006/main" xmlns:p="http://schemas.openxmlformats.org/presentationml/2006/main" xmlns:r="http://schemas.openxmlformats.org/officeDocument/2006/relationships">
+<p:sld xmlns:a="http://schemas.openxmlformats.org/drawingml/2006/main" xmlns:r="http://schemas.openxmlformats.org/officeDocument/2006/relationships" xmlns:p="http://schemas.openxmlformats.org/presentationml/2006/main">
   <p:cSld>
     <p:spTree>
       <p:nvGrpSpPr>
@@ -5247,6 +5219,11 @@
               </a:rPr>
               <a:t>Copyright © 2021 by Elephant Scale, All Rights Reserved</a:t>
             </a:r>
+            <a:endParaRPr sz="800">
+              <a:solidFill>
+                <a:srgbClr val="000000"/>
+              </a:solidFill>
+            </a:endParaRPr>
           </a:p>
         </p:txBody>
       </p:sp>
@@ -5259,7 +5236,7 @@
 </file>
 
 <file path=ppt/slides/slide2.xml><?xml version="1.0" encoding="utf-8"?>
-<p:sld xmlns:a="http://schemas.openxmlformats.org/drawingml/2006/main" xmlns:p="http://schemas.openxmlformats.org/presentationml/2006/main" xmlns:r="http://schemas.openxmlformats.org/officeDocument/2006/relationships">
+<p:sld xmlns:a="http://schemas.openxmlformats.org/drawingml/2006/main" xmlns:r="http://schemas.openxmlformats.org/officeDocument/2006/relationships" xmlns:p="http://schemas.openxmlformats.org/presentationml/2006/main">
   <p:cSld>
     <p:spTree>
       <p:nvGrpSpPr>
@@ -5399,6 +5376,11 @@
               </a:rPr>
               <a:t>Copyright © 2021 by Elephant Scale, All Rights Reserved</a:t>
             </a:r>
+            <a:endParaRPr sz="800">
+              <a:solidFill>
+                <a:srgbClr val="000000"/>
+              </a:solidFill>
+            </a:endParaRPr>
           </a:p>
         </p:txBody>
       </p:sp>
@@ -5411,7 +5393,7 @@
 </file>
 
 <file path=ppt/slides/slide20.xml><?xml version="1.0" encoding="utf-8"?>
-<p:sld xmlns:a="http://schemas.openxmlformats.org/drawingml/2006/main" xmlns:p="http://schemas.openxmlformats.org/presentationml/2006/main" xmlns:r="http://schemas.openxmlformats.org/officeDocument/2006/relationships">
+<p:sld xmlns:a="http://schemas.openxmlformats.org/drawingml/2006/main" xmlns:r="http://schemas.openxmlformats.org/officeDocument/2006/relationships" xmlns:p="http://schemas.openxmlformats.org/presentationml/2006/main">
   <p:cSld>
     <p:spTree>
       <p:nvGrpSpPr>
@@ -5510,6 +5492,11 @@
               </a:rPr>
               <a:t>Copyright © 2021 by Elephant Scale, All Rights Reserved</a:t>
             </a:r>
+            <a:endParaRPr sz="800">
+              <a:solidFill>
+                <a:srgbClr val="000000"/>
+              </a:solidFill>
+            </a:endParaRPr>
           </a:p>
         </p:txBody>
       </p:sp>
@@ -5522,7 +5509,7 @@
           <p:nvPr/>
         </p:nvPicPr>
         <p:blipFill>
-          <a:blip r:embed="rId2"/>
+          <a:blip r:embed="rId1"/>
           <a:stretch>
             <a:fillRect/>
           </a:stretch>
@@ -5546,7 +5533,7 @@
 </file>
 
 <file path=ppt/slides/slide21.xml><?xml version="1.0" encoding="utf-8"?>
-<p:sld xmlns:a="http://schemas.openxmlformats.org/drawingml/2006/main" xmlns:p="http://schemas.openxmlformats.org/presentationml/2006/main" xmlns:r="http://schemas.openxmlformats.org/officeDocument/2006/relationships">
+<p:sld xmlns:a="http://schemas.openxmlformats.org/drawingml/2006/main" xmlns:r="http://schemas.openxmlformats.org/officeDocument/2006/relationships" xmlns:p="http://schemas.openxmlformats.org/presentationml/2006/main">
   <p:cSld>
     <p:spTree>
       <p:nvGrpSpPr>
@@ -5661,6 +5648,11 @@
               </a:rPr>
               <a:t>Copyright © 2021 by Elephant Scale, All Rights Reserved</a:t>
             </a:r>
+            <a:endParaRPr sz="800">
+              <a:solidFill>
+                <a:srgbClr val="000000"/>
+              </a:solidFill>
+            </a:endParaRPr>
           </a:p>
         </p:txBody>
       </p:sp>
@@ -5673,7 +5665,7 @@
 </file>
 
 <file path=ppt/slides/slide22.xml><?xml version="1.0" encoding="utf-8"?>
-<p:sld xmlns:a="http://schemas.openxmlformats.org/drawingml/2006/main" xmlns:p="http://schemas.openxmlformats.org/presentationml/2006/main" xmlns:r="http://schemas.openxmlformats.org/officeDocument/2006/relationships">
+<p:sld xmlns:a="http://schemas.openxmlformats.org/drawingml/2006/main" xmlns:r="http://schemas.openxmlformats.org/officeDocument/2006/relationships" xmlns:p="http://schemas.openxmlformats.org/presentationml/2006/main">
   <p:cSld>
     <p:spTree>
       <p:nvGrpSpPr>
@@ -5766,6 +5758,11 @@
               </a:rPr>
               <a:t>Copyright © 2021 by Elephant Scale, All Rights Reserved</a:t>
             </a:r>
+            <a:endParaRPr sz="800">
+              <a:solidFill>
+                <a:srgbClr val="000000"/>
+              </a:solidFill>
+            </a:endParaRPr>
           </a:p>
         </p:txBody>
       </p:sp>
@@ -5778,14 +5775,14 @@
           <p:nvPr/>
         </p:nvPicPr>
         <p:blipFill>
-          <a:blip r:embed="rId2"/>
+          <a:blip r:embed="rId1"/>
           <a:stretch>
             <a:fillRect/>
           </a:stretch>
         </p:blipFill>
         <p:spPr>
           <a:xfrm>
-            <a:off x="704088" y="1353312"/>
+            <a:off x="704088" y="1787017"/>
             <a:ext cx="7507224" cy="3482343"/>
           </a:xfrm>
           <a:prstGeom prst="rect">
@@ -5802,7 +5799,7 @@
 </file>
 
 <file path=ppt/slides/slide23.xml><?xml version="1.0" encoding="utf-8"?>
-<p:sld xmlns:a="http://schemas.openxmlformats.org/drawingml/2006/main" xmlns:p="http://schemas.openxmlformats.org/presentationml/2006/main" xmlns:r="http://schemas.openxmlformats.org/officeDocument/2006/relationships">
+<p:sld xmlns:a="http://schemas.openxmlformats.org/drawingml/2006/main" xmlns:r="http://schemas.openxmlformats.org/officeDocument/2006/relationships" xmlns:p="http://schemas.openxmlformats.org/presentationml/2006/main">
   <p:cSld>
     <p:spTree>
       <p:nvGrpSpPr>
@@ -5885,6 +5882,7 @@
               <a:rPr i="1"/>
               <a:t> manipulator in the middle</a:t>
             </a:r>
+            <a:endParaRPr i="1"/>
           </a:p>
           <a:p>
             <a:r>
@@ -5937,6 +5935,11 @@
               </a:rPr>
               <a:t>Copyright © 2021 by Elephant Scale, All Rights Reserved</a:t>
             </a:r>
+            <a:endParaRPr sz="800">
+              <a:solidFill>
+                <a:srgbClr val="000000"/>
+              </a:solidFill>
+            </a:endParaRPr>
           </a:p>
         </p:txBody>
       </p:sp>
@@ -5949,15 +5952,15 @@
           <p:nvPr/>
         </p:nvPicPr>
         <p:blipFill>
-          <a:blip r:embed="rId2"/>
+          <a:blip r:embed="rId1"/>
           <a:stretch>
             <a:fillRect/>
           </a:stretch>
         </p:blipFill>
         <p:spPr>
           <a:xfrm>
-            <a:off x="704088" y="6181344"/>
-            <a:ext cx="1318181" cy="457200"/>
+            <a:off x="704215" y="6181090"/>
+            <a:ext cx="5171440" cy="1793875"/>
           </a:xfrm>
           <a:prstGeom prst="rect">
             <a:avLst/>
@@ -5973,7 +5976,7 @@
 </file>
 
 <file path=ppt/slides/slide24.xml><?xml version="1.0" encoding="utf-8"?>
-<p:sld xmlns:a="http://schemas.openxmlformats.org/drawingml/2006/main" xmlns:p="http://schemas.openxmlformats.org/presentationml/2006/main" xmlns:r="http://schemas.openxmlformats.org/officeDocument/2006/relationships">
+<p:sld xmlns:a="http://schemas.openxmlformats.org/drawingml/2006/main" xmlns:r="http://schemas.openxmlformats.org/officeDocument/2006/relationships" xmlns:p="http://schemas.openxmlformats.org/presentationml/2006/main">
   <p:cSld>
     <p:spTree>
       <p:nvGrpSpPr>
@@ -6106,6 +6109,11 @@
               </a:rPr>
               <a:t>Copyright © 2021 by Elephant Scale, All Rights Reserved</a:t>
             </a:r>
+            <a:endParaRPr sz="800">
+              <a:solidFill>
+                <a:srgbClr val="000000"/>
+              </a:solidFill>
+            </a:endParaRPr>
           </a:p>
         </p:txBody>
       </p:sp>
@@ -6118,7 +6126,7 @@
 </file>
 
 <file path=ppt/slides/slide25.xml><?xml version="1.0" encoding="utf-8"?>
-<p:sld xmlns:a="http://schemas.openxmlformats.org/drawingml/2006/main" xmlns:p="http://schemas.openxmlformats.org/presentationml/2006/main" xmlns:r="http://schemas.openxmlformats.org/officeDocument/2006/relationships">
+<p:sld xmlns:a="http://schemas.openxmlformats.org/drawingml/2006/main" xmlns:r="http://schemas.openxmlformats.org/officeDocument/2006/relationships" xmlns:p="http://schemas.openxmlformats.org/presentationml/2006/main">
   <p:cSld>
     <p:spTree>
       <p:nvGrpSpPr>
@@ -6208,6 +6216,11 @@
               </a:rPr>
               <a:t>Copyright © 2021 by Elephant Scale, All Rights Reserved</a:t>
             </a:r>
+            <a:endParaRPr sz="800">
+              <a:solidFill>
+                <a:srgbClr val="000000"/>
+              </a:solidFill>
+            </a:endParaRPr>
           </a:p>
         </p:txBody>
       </p:sp>
@@ -6220,14 +6233,14 @@
           <p:nvPr/>
         </p:nvPicPr>
         <p:blipFill>
-          <a:blip r:embed="rId2"/>
+          <a:blip r:embed="rId1"/>
           <a:stretch>
             <a:fillRect/>
           </a:stretch>
         </p:blipFill>
         <p:spPr>
           <a:xfrm>
-            <a:off x="704088" y="914400"/>
+            <a:off x="704088" y="1329690"/>
             <a:ext cx="7507224" cy="4101947"/>
           </a:xfrm>
           <a:prstGeom prst="rect">
@@ -6244,7 +6257,7 @@
 </file>
 
 <file path=ppt/slides/slide26.xml><?xml version="1.0" encoding="utf-8"?>
-<p:sld xmlns:a="http://schemas.openxmlformats.org/drawingml/2006/main" xmlns:p="http://schemas.openxmlformats.org/presentationml/2006/main" xmlns:r="http://schemas.openxmlformats.org/officeDocument/2006/relationships">
+<p:sld xmlns:a="http://schemas.openxmlformats.org/drawingml/2006/main" xmlns:r="http://schemas.openxmlformats.org/officeDocument/2006/relationships" xmlns:p="http://schemas.openxmlformats.org/presentationml/2006/main">
   <p:cSld>
     <p:spTree>
       <p:nvGrpSpPr>
@@ -6362,6 +6375,11 @@
               </a:rPr>
               <a:t>Copyright © 2021 by Elephant Scale, All Rights Reserved</a:t>
             </a:r>
+            <a:endParaRPr sz="800">
+              <a:solidFill>
+                <a:srgbClr val="000000"/>
+              </a:solidFill>
+            </a:endParaRPr>
           </a:p>
         </p:txBody>
       </p:sp>
@@ -6374,7 +6392,7 @@
 </file>
 
 <file path=ppt/slides/slide27.xml><?xml version="1.0" encoding="utf-8"?>
-<p:sld xmlns:a="http://schemas.openxmlformats.org/drawingml/2006/main" xmlns:p="http://schemas.openxmlformats.org/presentationml/2006/main" xmlns:r="http://schemas.openxmlformats.org/officeDocument/2006/relationships">
+<p:sld xmlns:a="http://schemas.openxmlformats.org/drawingml/2006/main" xmlns:r="http://schemas.openxmlformats.org/officeDocument/2006/relationships" xmlns:p="http://schemas.openxmlformats.org/presentationml/2006/main">
   <p:cSld>
     <p:spTree>
       <p:nvGrpSpPr>
@@ -6482,6 +6500,11 @@
               </a:rPr>
               <a:t>Copyright © 2021 by Elephant Scale, All Rights Reserved</a:t>
             </a:r>
+            <a:endParaRPr sz="800">
+              <a:solidFill>
+                <a:srgbClr val="000000"/>
+              </a:solidFill>
+            </a:endParaRPr>
           </a:p>
         </p:txBody>
       </p:sp>
@@ -6494,15 +6517,15 @@
           <p:nvPr/>
         </p:nvPicPr>
         <p:blipFill>
-          <a:blip r:embed="rId2"/>
+          <a:blip r:embed="rId1"/>
           <a:stretch>
             <a:fillRect/>
           </a:stretch>
         </p:blipFill>
         <p:spPr>
           <a:xfrm>
-            <a:off x="704088" y="914400"/>
-            <a:ext cx="8001000" cy="3530600"/>
+            <a:off x="704215" y="914400"/>
+            <a:ext cx="7118350" cy="3141345"/>
           </a:xfrm>
           <a:prstGeom prst="rect">
             <a:avLst/>
@@ -6518,7 +6541,7 @@
 </file>
 
 <file path=ppt/slides/slide28.xml><?xml version="1.0" encoding="utf-8"?>
-<p:sld xmlns:a="http://schemas.openxmlformats.org/drawingml/2006/main" xmlns:p="http://schemas.openxmlformats.org/presentationml/2006/main" xmlns:r="http://schemas.openxmlformats.org/officeDocument/2006/relationships">
+<p:sld xmlns:a="http://schemas.openxmlformats.org/drawingml/2006/main" xmlns:r="http://schemas.openxmlformats.org/officeDocument/2006/relationships" xmlns:p="http://schemas.openxmlformats.org/presentationml/2006/main">
   <p:cSld>
     <p:spTree>
       <p:nvGrpSpPr>
@@ -6657,6 +6680,11 @@
               </a:rPr>
               <a:t>Copyright © 2021 by Elephant Scale, All Rights Reserved</a:t>
             </a:r>
+            <a:endParaRPr sz="800">
+              <a:solidFill>
+                <a:srgbClr val="000000"/>
+              </a:solidFill>
+            </a:endParaRPr>
           </a:p>
         </p:txBody>
       </p:sp>
@@ -6669,7 +6697,7 @@
 </file>
 
 <file path=ppt/slides/slide29.xml><?xml version="1.0" encoding="utf-8"?>
-<p:sld xmlns:a="http://schemas.openxmlformats.org/drawingml/2006/main" xmlns:p="http://schemas.openxmlformats.org/presentationml/2006/main" xmlns:r="http://schemas.openxmlformats.org/officeDocument/2006/relationships">
+<p:sld xmlns:a="http://schemas.openxmlformats.org/drawingml/2006/main" xmlns:r="http://schemas.openxmlformats.org/officeDocument/2006/relationships" xmlns:p="http://schemas.openxmlformats.org/presentationml/2006/main">
   <p:cSld>
     <p:spTree>
       <p:nvGrpSpPr>
@@ -6773,6 +6801,11 @@
               </a:rPr>
               <a:t>Copyright © 2021 by Elephant Scale, All Rights Reserved</a:t>
             </a:r>
+            <a:endParaRPr sz="800">
+              <a:solidFill>
+                <a:srgbClr val="000000"/>
+              </a:solidFill>
+            </a:endParaRPr>
           </a:p>
         </p:txBody>
       </p:sp>
@@ -6785,7 +6818,7 @@
           <p:nvPr/>
         </p:nvPicPr>
         <p:blipFill>
-          <a:blip r:embed="rId2"/>
+          <a:blip r:embed="rId1"/>
           <a:stretch>
             <a:fillRect/>
           </a:stretch>
@@ -6809,7 +6842,7 @@
 </file>
 
 <file path=ppt/slides/slide3.xml><?xml version="1.0" encoding="utf-8"?>
-<p:sld xmlns:a="http://schemas.openxmlformats.org/drawingml/2006/main" xmlns:p="http://schemas.openxmlformats.org/presentationml/2006/main" xmlns:r="http://schemas.openxmlformats.org/officeDocument/2006/relationships">
+<p:sld xmlns:a="http://schemas.openxmlformats.org/drawingml/2006/main" xmlns:r="http://schemas.openxmlformats.org/officeDocument/2006/relationships" xmlns:p="http://schemas.openxmlformats.org/presentationml/2006/main">
   <p:cSld>
     <p:spTree>
       <p:nvGrpSpPr>
@@ -6920,6 +6953,11 @@
               </a:rPr>
               <a:t>Copyright © 2021 by Elephant Scale, All Rights Reserved</a:t>
             </a:r>
+            <a:endParaRPr sz="800">
+              <a:solidFill>
+                <a:srgbClr val="000000"/>
+              </a:solidFill>
+            </a:endParaRPr>
           </a:p>
         </p:txBody>
       </p:sp>
@@ -6932,7 +6970,7 @@
 </file>
 
 <file path=ppt/slides/slide30.xml><?xml version="1.0" encoding="utf-8"?>
-<p:sld xmlns:a="http://schemas.openxmlformats.org/drawingml/2006/main" xmlns:p="http://schemas.openxmlformats.org/presentationml/2006/main" xmlns:r="http://schemas.openxmlformats.org/officeDocument/2006/relationships">
+<p:sld xmlns:a="http://schemas.openxmlformats.org/drawingml/2006/main" xmlns:r="http://schemas.openxmlformats.org/officeDocument/2006/relationships" xmlns:p="http://schemas.openxmlformats.org/presentationml/2006/main">
   <p:cSld>
     <p:spTree>
       <p:nvGrpSpPr>
@@ -7046,6 +7084,11 @@
               </a:rPr>
               <a:t>Copyright © 2021 by Elephant Scale, All Rights Reserved</a:t>
             </a:r>
+            <a:endParaRPr sz="800">
+              <a:solidFill>
+                <a:srgbClr val="000000"/>
+              </a:solidFill>
+            </a:endParaRPr>
           </a:p>
         </p:txBody>
       </p:sp>
@@ -7058,7 +7101,7 @@
 </file>
 
 <file path=ppt/slides/slide31.xml><?xml version="1.0" encoding="utf-8"?>
-<p:sld xmlns:a="http://schemas.openxmlformats.org/drawingml/2006/main" xmlns:p="http://schemas.openxmlformats.org/presentationml/2006/main" xmlns:r="http://schemas.openxmlformats.org/officeDocument/2006/relationships">
+<p:sld xmlns:a="http://schemas.openxmlformats.org/drawingml/2006/main" xmlns:r="http://schemas.openxmlformats.org/officeDocument/2006/relationships" xmlns:p="http://schemas.openxmlformats.org/presentationml/2006/main">
   <p:cSld>
     <p:spTree>
       <p:nvGrpSpPr>
@@ -7154,6 +7197,11 @@
               </a:rPr>
               <a:t>Copyright © 2021 by Elephant Scale, All Rights Reserved</a:t>
             </a:r>
+            <a:endParaRPr sz="800">
+              <a:solidFill>
+                <a:srgbClr val="000000"/>
+              </a:solidFill>
+            </a:endParaRPr>
           </a:p>
         </p:txBody>
       </p:sp>
@@ -7166,7 +7214,7 @@
           <p:nvPr/>
         </p:nvPicPr>
         <p:blipFill>
-          <a:blip r:embed="rId2"/>
+          <a:blip r:embed="rId1"/>
           <a:stretch>
             <a:fillRect/>
           </a:stretch>
@@ -7190,7 +7238,7 @@
 </file>
 
 <file path=ppt/slides/slide32.xml><?xml version="1.0" encoding="utf-8"?>
-<p:sld xmlns:a="http://schemas.openxmlformats.org/drawingml/2006/main" xmlns:p="http://schemas.openxmlformats.org/presentationml/2006/main" xmlns:r="http://schemas.openxmlformats.org/officeDocument/2006/relationships">
+<p:sld xmlns:a="http://schemas.openxmlformats.org/drawingml/2006/main" xmlns:r="http://schemas.openxmlformats.org/officeDocument/2006/relationships" xmlns:p="http://schemas.openxmlformats.org/presentationml/2006/main">
   <p:cSld>
     <p:spTree>
       <p:nvGrpSpPr>
@@ -7278,6 +7326,7 @@
               <a:rPr i="1"/>
               <a:t> session hijacking</a:t>
             </a:r>
+            <a:endParaRPr i="1"/>
           </a:p>
           <a:p>
             <a:r>
@@ -7328,6 +7377,11 @@
               </a:rPr>
               <a:t>Copyright © 2021 by Elephant Scale, All Rights Reserved</a:t>
             </a:r>
+            <a:endParaRPr sz="800">
+              <a:solidFill>
+                <a:srgbClr val="000000"/>
+              </a:solidFill>
+            </a:endParaRPr>
           </a:p>
         </p:txBody>
       </p:sp>
@@ -7340,7 +7394,7 @@
 </file>
 
 <file path=ppt/slides/slide33.xml><?xml version="1.0" encoding="utf-8"?>
-<p:sld xmlns:a="http://schemas.openxmlformats.org/drawingml/2006/main" xmlns:p="http://schemas.openxmlformats.org/presentationml/2006/main" xmlns:r="http://schemas.openxmlformats.org/officeDocument/2006/relationships">
+<p:sld xmlns:a="http://schemas.openxmlformats.org/drawingml/2006/main" xmlns:r="http://schemas.openxmlformats.org/officeDocument/2006/relationships" xmlns:p="http://schemas.openxmlformats.org/presentationml/2006/main">
   <p:cSld>
     <p:spTree>
       <p:nvGrpSpPr>
@@ -7442,6 +7496,11 @@
               </a:rPr>
               <a:t>Copyright © 2021 by Elephant Scale, All Rights Reserved</a:t>
             </a:r>
+            <a:endParaRPr sz="800">
+              <a:solidFill>
+                <a:srgbClr val="000000"/>
+              </a:solidFill>
+            </a:endParaRPr>
           </a:p>
         </p:txBody>
       </p:sp>
@@ -7454,15 +7513,15 @@
           <p:nvPr/>
         </p:nvPicPr>
         <p:blipFill>
-          <a:blip r:embed="rId2"/>
+          <a:blip r:embed="rId1"/>
           <a:stretch>
             <a:fillRect/>
           </a:stretch>
         </p:blipFill>
         <p:spPr>
           <a:xfrm>
-            <a:off x="704088" y="914400"/>
-            <a:ext cx="3987800" cy="2044700"/>
+            <a:off x="1333500" y="1024890"/>
+            <a:ext cx="3289300" cy="1686560"/>
           </a:xfrm>
           <a:prstGeom prst="rect">
             <a:avLst/>
@@ -7478,7 +7537,7 @@
 </file>
 
 <file path=ppt/slides/slide34.xml><?xml version="1.0" encoding="utf-8"?>
-<p:sld xmlns:a="http://schemas.openxmlformats.org/drawingml/2006/main" xmlns:p="http://schemas.openxmlformats.org/presentationml/2006/main" xmlns:r="http://schemas.openxmlformats.org/officeDocument/2006/relationships">
+<p:sld xmlns:a="http://schemas.openxmlformats.org/drawingml/2006/main" xmlns:r="http://schemas.openxmlformats.org/officeDocument/2006/relationships" xmlns:p="http://schemas.openxmlformats.org/presentationml/2006/main">
   <p:cSld>
     <p:spTree>
       <p:nvGrpSpPr>
@@ -7584,6 +7643,11 @@
               </a:rPr>
               <a:t>Copyright © 2021 by Elephant Scale, All Rights Reserved</a:t>
             </a:r>
+            <a:endParaRPr sz="800">
+              <a:solidFill>
+                <a:srgbClr val="000000"/>
+              </a:solidFill>
+            </a:endParaRPr>
           </a:p>
         </p:txBody>
       </p:sp>
@@ -7596,7 +7660,7 @@
 </file>
 
 <file path=ppt/slides/slide35.xml><?xml version="1.0" encoding="utf-8"?>
-<p:sld xmlns:a="http://schemas.openxmlformats.org/drawingml/2006/main" xmlns:p="http://schemas.openxmlformats.org/presentationml/2006/main" xmlns:r="http://schemas.openxmlformats.org/officeDocument/2006/relationships">
+<p:sld xmlns:a="http://schemas.openxmlformats.org/drawingml/2006/main" xmlns:r="http://schemas.openxmlformats.org/officeDocument/2006/relationships" xmlns:p="http://schemas.openxmlformats.org/presentationml/2006/main">
   <p:cSld>
     <p:spTree>
       <p:nvGrpSpPr>
@@ -7701,6 +7765,11 @@
               </a:rPr>
               <a:t>Copyright © 2021 by Elephant Scale, All Rights Reserved</a:t>
             </a:r>
+            <a:endParaRPr sz="800">
+              <a:solidFill>
+                <a:srgbClr val="000000"/>
+              </a:solidFill>
+            </a:endParaRPr>
           </a:p>
         </p:txBody>
       </p:sp>
@@ -7713,7 +7782,7 @@
           <p:nvPr/>
         </p:nvPicPr>
         <p:blipFill>
-          <a:blip r:embed="rId2"/>
+          <a:blip r:embed="rId1"/>
           <a:stretch>
             <a:fillRect/>
           </a:stretch>
@@ -7737,7 +7806,7 @@
 </file>
 
 <file path=ppt/slides/slide36.xml><?xml version="1.0" encoding="utf-8"?>
-<p:sld xmlns:a="http://schemas.openxmlformats.org/drawingml/2006/main" xmlns:p="http://schemas.openxmlformats.org/presentationml/2006/main" xmlns:r="http://schemas.openxmlformats.org/officeDocument/2006/relationships">
+<p:sld xmlns:a="http://schemas.openxmlformats.org/drawingml/2006/main" xmlns:r="http://schemas.openxmlformats.org/officeDocument/2006/relationships" xmlns:p="http://schemas.openxmlformats.org/presentationml/2006/main">
   <p:cSld>
     <p:spTree>
       <p:nvGrpSpPr>
@@ -7845,6 +7914,11 @@
               </a:rPr>
               <a:t>Copyright © 2021 by Elephant Scale, All Rights Reserved</a:t>
             </a:r>
+            <a:endParaRPr sz="800">
+              <a:solidFill>
+                <a:srgbClr val="000000"/>
+              </a:solidFill>
+            </a:endParaRPr>
           </a:p>
         </p:txBody>
       </p:sp>
@@ -7857,15 +7931,15 @@
           <p:nvPr/>
         </p:nvPicPr>
         <p:blipFill>
-          <a:blip r:embed="rId2"/>
+          <a:blip r:embed="rId1"/>
           <a:stretch>
             <a:fillRect/>
           </a:stretch>
         </p:blipFill>
         <p:spPr>
           <a:xfrm>
-            <a:off x="704088" y="914400"/>
-            <a:ext cx="2279904" cy="865632"/>
+            <a:off x="704215" y="914400"/>
+            <a:ext cx="7410450" cy="2813685"/>
           </a:xfrm>
           <a:prstGeom prst="rect">
             <a:avLst/>
@@ -7881,7 +7955,7 @@
 </file>
 
 <file path=ppt/slides/slide37.xml><?xml version="1.0" encoding="utf-8"?>
-<p:sld xmlns:a="http://schemas.openxmlformats.org/drawingml/2006/main" xmlns:p="http://schemas.openxmlformats.org/presentationml/2006/main" xmlns:r="http://schemas.openxmlformats.org/officeDocument/2006/relationships">
+<p:sld xmlns:a="http://schemas.openxmlformats.org/drawingml/2006/main" xmlns:r="http://schemas.openxmlformats.org/officeDocument/2006/relationships" xmlns:p="http://schemas.openxmlformats.org/presentationml/2006/main">
   <p:cSld>
     <p:spTree>
       <p:nvGrpSpPr>
@@ -8002,6 +8076,11 @@
               </a:rPr>
               <a:t>Copyright © 2021 by Elephant Scale, All Rights Reserved</a:t>
             </a:r>
+            <a:endParaRPr sz="800">
+              <a:solidFill>
+                <a:srgbClr val="000000"/>
+              </a:solidFill>
+            </a:endParaRPr>
           </a:p>
         </p:txBody>
       </p:sp>
@@ -8014,7 +8093,7 @@
 </file>
 
 <file path=ppt/slides/slide38.xml><?xml version="1.0" encoding="utf-8"?>
-<p:sld xmlns:a="http://schemas.openxmlformats.org/drawingml/2006/main" xmlns:p="http://schemas.openxmlformats.org/presentationml/2006/main" xmlns:r="http://schemas.openxmlformats.org/officeDocument/2006/relationships">
+<p:sld xmlns:a="http://schemas.openxmlformats.org/drawingml/2006/main" xmlns:r="http://schemas.openxmlformats.org/officeDocument/2006/relationships" xmlns:p="http://schemas.openxmlformats.org/presentationml/2006/main">
   <p:cSld>
     <p:spTree>
       <p:nvGrpSpPr>
@@ -8104,6 +8183,11 @@
               </a:rPr>
               <a:t>Copyright © 2021 by Elephant Scale, All Rights Reserved</a:t>
             </a:r>
+            <a:endParaRPr sz="800">
+              <a:solidFill>
+                <a:srgbClr val="000000"/>
+              </a:solidFill>
+            </a:endParaRPr>
           </a:p>
         </p:txBody>
       </p:sp>
@@ -8116,7 +8200,7 @@
           <p:nvPr/>
         </p:nvPicPr>
         <p:blipFill>
-          <a:blip r:embed="rId2"/>
+          <a:blip r:embed="rId1"/>
           <a:stretch>
             <a:fillRect/>
           </a:stretch>
@@ -8140,7 +8224,7 @@
 </file>
 
 <file path=ppt/slides/slide39.xml><?xml version="1.0" encoding="utf-8"?>
-<p:sld xmlns:a="http://schemas.openxmlformats.org/drawingml/2006/main" xmlns:p="http://schemas.openxmlformats.org/presentationml/2006/main" xmlns:r="http://schemas.openxmlformats.org/officeDocument/2006/relationships">
+<p:sld xmlns:a="http://schemas.openxmlformats.org/drawingml/2006/main" xmlns:r="http://schemas.openxmlformats.org/officeDocument/2006/relationships" xmlns:p="http://schemas.openxmlformats.org/presentationml/2006/main">
   <p:cSld>
     <p:spTree>
       <p:nvGrpSpPr>
@@ -8267,6 +8351,11 @@
               </a:rPr>
               <a:t>Copyright © 2021 by Elephant Scale, All Rights Reserved</a:t>
             </a:r>
+            <a:endParaRPr sz="800">
+              <a:solidFill>
+                <a:srgbClr val="000000"/>
+              </a:solidFill>
+            </a:endParaRPr>
           </a:p>
         </p:txBody>
       </p:sp>
@@ -8279,7 +8368,7 @@
 </file>
 
 <file path=ppt/slides/slide4.xml><?xml version="1.0" encoding="utf-8"?>
-<p:sld xmlns:a="http://schemas.openxmlformats.org/drawingml/2006/main" xmlns:p="http://schemas.openxmlformats.org/presentationml/2006/main" xmlns:r="http://schemas.openxmlformats.org/officeDocument/2006/relationships">
+<p:sld xmlns:a="http://schemas.openxmlformats.org/drawingml/2006/main" xmlns:r="http://schemas.openxmlformats.org/officeDocument/2006/relationships" xmlns:p="http://schemas.openxmlformats.org/presentationml/2006/main">
   <p:cSld>
     <p:spTree>
       <p:nvGrpSpPr>
@@ -8389,6 +8478,7 @@
               <a:rPr i="1"/>
               <a:t> Limited time promotion: claim your $100 discount on your next Amazon purchase!!</a:t>
             </a:r>
+            <a:endParaRPr i="1"/>
           </a:p>
           <a:p>
             <a:pPr lvl="1"/>
@@ -8428,6 +8518,11 @@
               </a:rPr>
               <a:t>Copyright © 2021 by Elephant Scale, All Rights Reserved</a:t>
             </a:r>
+            <a:endParaRPr sz="800">
+              <a:solidFill>
+                <a:srgbClr val="000000"/>
+              </a:solidFill>
+            </a:endParaRPr>
           </a:p>
         </p:txBody>
       </p:sp>
@@ -8440,7 +8535,7 @@
 </file>
 
 <file path=ppt/slides/slide40.xml><?xml version="1.0" encoding="utf-8"?>
-<p:sld xmlns:a="http://schemas.openxmlformats.org/drawingml/2006/main" xmlns:p="http://schemas.openxmlformats.org/presentationml/2006/main" xmlns:r="http://schemas.openxmlformats.org/officeDocument/2006/relationships">
+<p:sld xmlns:a="http://schemas.openxmlformats.org/drawingml/2006/main" xmlns:r="http://schemas.openxmlformats.org/officeDocument/2006/relationships" xmlns:p="http://schemas.openxmlformats.org/presentationml/2006/main">
   <p:cSld>
     <p:spTree>
       <p:nvGrpSpPr>
@@ -8484,6 +8579,8 @@
         <p:txBody>
           <a:bodyPr/>
           <a:lstStyle/>
+          <a:p/>
+          <a:p/>
           <a:p/>
           <a:p/>
           <a:p/>
@@ -8557,6 +8654,11 @@
               </a:rPr>
               <a:t>Copyright © 2021 by Elephant Scale, All Rights Reserved</a:t>
             </a:r>
+            <a:endParaRPr sz="800">
+              <a:solidFill>
+                <a:srgbClr val="000000"/>
+              </a:solidFill>
+            </a:endParaRPr>
           </a:p>
         </p:txBody>
       </p:sp>
@@ -8569,14 +8671,14 @@
           <p:nvPr/>
         </p:nvPicPr>
         <p:blipFill>
-          <a:blip r:embed="rId2"/>
+          <a:blip r:embed="rId1"/>
           <a:stretch>
             <a:fillRect/>
           </a:stretch>
         </p:blipFill>
         <p:spPr>
           <a:xfrm>
-            <a:off x="704088" y="914400"/>
+            <a:off x="723773" y="1329690"/>
             <a:ext cx="4711700" cy="1727200"/>
           </a:xfrm>
           <a:prstGeom prst="rect">
@@ -8593,7 +8695,7 @@
 </file>
 
 <file path=ppt/slides/slide41.xml><?xml version="1.0" encoding="utf-8"?>
-<p:sld xmlns:a="http://schemas.openxmlformats.org/drawingml/2006/main" xmlns:p="http://schemas.openxmlformats.org/presentationml/2006/main" xmlns:r="http://schemas.openxmlformats.org/officeDocument/2006/relationships">
+<p:sld xmlns:a="http://schemas.openxmlformats.org/drawingml/2006/main" xmlns:r="http://schemas.openxmlformats.org/officeDocument/2006/relationships" xmlns:p="http://schemas.openxmlformats.org/presentationml/2006/main">
   <p:cSld>
     <p:spTree>
       <p:nvGrpSpPr>
@@ -8683,6 +8785,11 @@
               </a:rPr>
               <a:t>Copyright © 2021 by Elephant Scale, All Rights Reserved</a:t>
             </a:r>
+            <a:endParaRPr sz="800">
+              <a:solidFill>
+                <a:srgbClr val="000000"/>
+              </a:solidFill>
+            </a:endParaRPr>
           </a:p>
         </p:txBody>
       </p:sp>
@@ -8695,7 +8802,7 @@
           <p:nvPr/>
         </p:nvPicPr>
         <p:blipFill>
-          <a:blip r:embed="rId2"/>
+          <a:blip r:embed="rId1"/>
           <a:stretch>
             <a:fillRect/>
           </a:stretch>
@@ -8719,7 +8826,7 @@
 </file>
 
 <file path=ppt/slides/slide42.xml><?xml version="1.0" encoding="utf-8"?>
-<p:sld xmlns:a="http://schemas.openxmlformats.org/drawingml/2006/main" xmlns:p="http://schemas.openxmlformats.org/presentationml/2006/main" xmlns:r="http://schemas.openxmlformats.org/officeDocument/2006/relationships">
+<p:sld xmlns:a="http://schemas.openxmlformats.org/drawingml/2006/main" xmlns:r="http://schemas.openxmlformats.org/officeDocument/2006/relationships" xmlns:p="http://schemas.openxmlformats.org/presentationml/2006/main">
   <p:cSld>
     <p:spTree>
       <p:nvGrpSpPr>
@@ -8841,6 +8948,11 @@
               </a:rPr>
               <a:t>Copyright © 2021 by Elephant Scale, All Rights Reserved</a:t>
             </a:r>
+            <a:endParaRPr sz="800">
+              <a:solidFill>
+                <a:srgbClr val="000000"/>
+              </a:solidFill>
+            </a:endParaRPr>
           </a:p>
         </p:txBody>
       </p:sp>
@@ -8853,7 +8965,7 @@
 </file>
 
 <file path=ppt/slides/slide43.xml><?xml version="1.0" encoding="utf-8"?>
-<p:sld xmlns:a="http://schemas.openxmlformats.org/drawingml/2006/main" xmlns:p="http://schemas.openxmlformats.org/presentationml/2006/main" xmlns:r="http://schemas.openxmlformats.org/officeDocument/2006/relationships">
+<p:sld xmlns:a="http://schemas.openxmlformats.org/drawingml/2006/main" xmlns:r="http://schemas.openxmlformats.org/officeDocument/2006/relationships" xmlns:p="http://schemas.openxmlformats.org/presentationml/2006/main">
   <p:cSld>
     <p:spTree>
       <p:nvGrpSpPr>
@@ -8980,6 +9092,11 @@
               </a:rPr>
               <a:t>Copyright © 2021 by Elephant Scale, All Rights Reserved</a:t>
             </a:r>
+            <a:endParaRPr sz="800">
+              <a:solidFill>
+                <a:srgbClr val="000000"/>
+              </a:solidFill>
+            </a:endParaRPr>
           </a:p>
         </p:txBody>
       </p:sp>
@@ -8992,7 +9109,7 @@
 </file>
 
 <file path=ppt/slides/slide44.xml><?xml version="1.0" encoding="utf-8"?>
-<p:sld xmlns:a="http://schemas.openxmlformats.org/drawingml/2006/main" xmlns:p="http://schemas.openxmlformats.org/presentationml/2006/main" xmlns:r="http://schemas.openxmlformats.org/officeDocument/2006/relationships">
+<p:sld xmlns:a="http://schemas.openxmlformats.org/drawingml/2006/main" xmlns:r="http://schemas.openxmlformats.org/officeDocument/2006/relationships" xmlns:p="http://schemas.openxmlformats.org/presentationml/2006/main">
   <p:cSld>
     <p:spTree>
       <p:nvGrpSpPr>
@@ -9109,6 +9226,11 @@
               </a:rPr>
               <a:t>Copyright © 2021 by Elephant Scale, All Rights Reserved</a:t>
             </a:r>
+            <a:endParaRPr sz="800">
+              <a:solidFill>
+                <a:srgbClr val="000000"/>
+              </a:solidFill>
+            </a:endParaRPr>
           </a:p>
         </p:txBody>
       </p:sp>
@@ -9121,7 +9243,7 @@
           <p:nvPr/>
         </p:nvPicPr>
         <p:blipFill>
-          <a:blip r:embed="rId2"/>
+          <a:blip r:embed="rId1"/>
           <a:stretch>
             <a:fillRect/>
           </a:stretch>
@@ -9145,7 +9267,7 @@
 </file>
 
 <file path=ppt/slides/slide45.xml><?xml version="1.0" encoding="utf-8"?>
-<p:sld xmlns:a="http://schemas.openxmlformats.org/drawingml/2006/main" xmlns:p="http://schemas.openxmlformats.org/presentationml/2006/main" xmlns:r="http://schemas.openxmlformats.org/officeDocument/2006/relationships">
+<p:sld xmlns:a="http://schemas.openxmlformats.org/drawingml/2006/main" xmlns:r="http://schemas.openxmlformats.org/officeDocument/2006/relationships" xmlns:p="http://schemas.openxmlformats.org/presentationml/2006/main">
   <p:cSld>
     <p:spTree>
       <p:nvGrpSpPr>
@@ -9246,6 +9368,11 @@
               </a:rPr>
               <a:t>Copyright © 2021 by Elephant Scale, All Rights Reserved</a:t>
             </a:r>
+            <a:endParaRPr sz="800">
+              <a:solidFill>
+                <a:srgbClr val="000000"/>
+              </a:solidFill>
+            </a:endParaRPr>
           </a:p>
         </p:txBody>
       </p:sp>
@@ -9258,7 +9385,7 @@
 </file>
 
 <file path=ppt/slides/slide46.xml><?xml version="1.0" encoding="utf-8"?>
-<p:sld xmlns:a="http://schemas.openxmlformats.org/drawingml/2006/main" xmlns:p="http://schemas.openxmlformats.org/presentationml/2006/main" xmlns:r="http://schemas.openxmlformats.org/officeDocument/2006/relationships">
+<p:sld xmlns:a="http://schemas.openxmlformats.org/drawingml/2006/main" xmlns:r="http://schemas.openxmlformats.org/officeDocument/2006/relationships" xmlns:p="http://schemas.openxmlformats.org/presentationml/2006/main">
   <p:cSld>
     <p:spTree>
       <p:nvGrpSpPr>
@@ -9363,6 +9490,11 @@
               </a:rPr>
               <a:t>Copyright © 2021 by Elephant Scale, All Rights Reserved</a:t>
             </a:r>
+            <a:endParaRPr sz="800">
+              <a:solidFill>
+                <a:srgbClr val="000000"/>
+              </a:solidFill>
+            </a:endParaRPr>
           </a:p>
         </p:txBody>
       </p:sp>
@@ -9375,15 +9507,15 @@
           <p:nvPr/>
         </p:nvPicPr>
         <p:blipFill>
-          <a:blip r:embed="rId2"/>
+          <a:blip r:embed="rId1"/>
           <a:stretch>
             <a:fillRect/>
           </a:stretch>
         </p:blipFill>
         <p:spPr>
           <a:xfrm>
-            <a:off x="704088" y="914400"/>
-            <a:ext cx="7507224" cy="4279118"/>
+            <a:off x="704215" y="914400"/>
+            <a:ext cx="5534660" cy="3154680"/>
           </a:xfrm>
           <a:prstGeom prst="rect">
             <a:avLst/>
@@ -9399,7 +9531,7 @@
 </file>
 
 <file path=ppt/slides/slide47.xml><?xml version="1.0" encoding="utf-8"?>
-<p:sld xmlns:a="http://schemas.openxmlformats.org/drawingml/2006/main" xmlns:p="http://schemas.openxmlformats.org/presentationml/2006/main" xmlns:r="http://schemas.openxmlformats.org/officeDocument/2006/relationships">
+<p:sld xmlns:a="http://schemas.openxmlformats.org/drawingml/2006/main" xmlns:r="http://schemas.openxmlformats.org/officeDocument/2006/relationships" xmlns:p="http://schemas.openxmlformats.org/presentationml/2006/main">
   <p:cSld>
     <p:spTree>
       <p:nvGrpSpPr>
@@ -9526,6 +9658,11 @@
               </a:rPr>
               <a:t>Copyright © 2021 by Elephant Scale, All Rights Reserved</a:t>
             </a:r>
+            <a:endParaRPr sz="800">
+              <a:solidFill>
+                <a:srgbClr val="000000"/>
+              </a:solidFill>
+            </a:endParaRPr>
           </a:p>
         </p:txBody>
       </p:sp>
@@ -9538,7 +9675,7 @@
 </file>
 
 <file path=ppt/slides/slide48.xml><?xml version="1.0" encoding="utf-8"?>
-<p:sld xmlns:a="http://schemas.openxmlformats.org/drawingml/2006/main" xmlns:p="http://schemas.openxmlformats.org/presentationml/2006/main" xmlns:r="http://schemas.openxmlformats.org/officeDocument/2006/relationships">
+<p:sld xmlns:a="http://schemas.openxmlformats.org/drawingml/2006/main" xmlns:r="http://schemas.openxmlformats.org/officeDocument/2006/relationships" xmlns:p="http://schemas.openxmlformats.org/presentationml/2006/main">
   <p:cSld>
     <p:spTree>
       <p:nvGrpSpPr>
@@ -9671,6 +9808,11 @@
               </a:rPr>
               <a:t>Copyright © 2021 by Elephant Scale, All Rights Reserved</a:t>
             </a:r>
+            <a:endParaRPr sz="800">
+              <a:solidFill>
+                <a:srgbClr val="000000"/>
+              </a:solidFill>
+            </a:endParaRPr>
           </a:p>
         </p:txBody>
       </p:sp>
@@ -9683,7 +9825,7 @@
 </file>
 
 <file path=ppt/slides/slide49.xml><?xml version="1.0" encoding="utf-8"?>
-<p:sld xmlns:a="http://schemas.openxmlformats.org/drawingml/2006/main" xmlns:p="http://schemas.openxmlformats.org/presentationml/2006/main" xmlns:r="http://schemas.openxmlformats.org/officeDocument/2006/relationships">
+<p:sld xmlns:a="http://schemas.openxmlformats.org/drawingml/2006/main" xmlns:r="http://schemas.openxmlformats.org/officeDocument/2006/relationships" xmlns:p="http://schemas.openxmlformats.org/presentationml/2006/main">
   <p:cSld>
     <p:spTree>
       <p:nvGrpSpPr>
@@ -9799,6 +9941,11 @@
               </a:rPr>
               <a:t>Copyright © 2021 by Elephant Scale, All Rights Reserved</a:t>
             </a:r>
+            <a:endParaRPr sz="800">
+              <a:solidFill>
+                <a:srgbClr val="000000"/>
+              </a:solidFill>
+            </a:endParaRPr>
           </a:p>
         </p:txBody>
       </p:sp>
@@ -9811,7 +9958,7 @@
 </file>
 
 <file path=ppt/slides/slide5.xml><?xml version="1.0" encoding="utf-8"?>
-<p:sld xmlns:a="http://schemas.openxmlformats.org/drawingml/2006/main" xmlns:p="http://schemas.openxmlformats.org/presentationml/2006/main" xmlns:r="http://schemas.openxmlformats.org/officeDocument/2006/relationships">
+<p:sld xmlns:a="http://schemas.openxmlformats.org/drawingml/2006/main" xmlns:r="http://schemas.openxmlformats.org/officeDocument/2006/relationships" xmlns:p="http://schemas.openxmlformats.org/presentationml/2006/main">
   <p:cSld>
     <p:spTree>
       <p:nvGrpSpPr>
@@ -9917,6 +10064,11 @@
               </a:rPr>
               <a:t>Copyright © 2021 by Elephant Scale, All Rights Reserved</a:t>
             </a:r>
+            <a:endParaRPr sz="800">
+              <a:solidFill>
+                <a:srgbClr val="000000"/>
+              </a:solidFill>
+            </a:endParaRPr>
           </a:p>
         </p:txBody>
       </p:sp>
@@ -9929,7 +10081,7 @@
 </file>
 
 <file path=ppt/slides/slide50.xml><?xml version="1.0" encoding="utf-8"?>
-<p:sld xmlns:a="http://schemas.openxmlformats.org/drawingml/2006/main" xmlns:p="http://schemas.openxmlformats.org/presentationml/2006/main" xmlns:r="http://schemas.openxmlformats.org/officeDocument/2006/relationships">
+<p:sld xmlns:a="http://schemas.openxmlformats.org/drawingml/2006/main" xmlns:r="http://schemas.openxmlformats.org/officeDocument/2006/relationships" xmlns:p="http://schemas.openxmlformats.org/presentationml/2006/main">
   <p:cSld>
     <p:spTree>
       <p:nvGrpSpPr>
@@ -10068,6 +10220,11 @@
               </a:rPr>
               <a:t>Copyright © 2021 by Elephant Scale, All Rights Reserved</a:t>
             </a:r>
+            <a:endParaRPr sz="800">
+              <a:solidFill>
+                <a:srgbClr val="000000"/>
+              </a:solidFill>
+            </a:endParaRPr>
           </a:p>
         </p:txBody>
       </p:sp>
@@ -10080,7 +10237,7 @@
 </file>
 
 <file path=ppt/slides/slide51.xml><?xml version="1.0" encoding="utf-8"?>
-<p:sld xmlns:a="http://schemas.openxmlformats.org/drawingml/2006/main" xmlns:p="http://schemas.openxmlformats.org/presentationml/2006/main" xmlns:r="http://schemas.openxmlformats.org/officeDocument/2006/relationships">
+<p:sld xmlns:a="http://schemas.openxmlformats.org/drawingml/2006/main" xmlns:r="http://schemas.openxmlformats.org/officeDocument/2006/relationships" xmlns:p="http://schemas.openxmlformats.org/presentationml/2006/main">
   <p:cSld>
     <p:spTree>
       <p:nvGrpSpPr>
@@ -10197,6 +10354,11 @@
               </a:rPr>
               <a:t>Copyright © 2021 by Elephant Scale, All Rights Reserved</a:t>
             </a:r>
+            <a:endParaRPr sz="800">
+              <a:solidFill>
+                <a:srgbClr val="000000"/>
+              </a:solidFill>
+            </a:endParaRPr>
           </a:p>
         </p:txBody>
       </p:sp>
@@ -10209,7 +10371,7 @@
 </file>
 
 <file path=ppt/slides/slide52.xml><?xml version="1.0" encoding="utf-8"?>
-<p:sld xmlns:a="http://schemas.openxmlformats.org/drawingml/2006/main" xmlns:p="http://schemas.openxmlformats.org/presentationml/2006/main" xmlns:r="http://schemas.openxmlformats.org/officeDocument/2006/relationships">
+<p:sld xmlns:a="http://schemas.openxmlformats.org/drawingml/2006/main" xmlns:r="http://schemas.openxmlformats.org/officeDocument/2006/relationships" xmlns:p="http://schemas.openxmlformats.org/presentationml/2006/main">
   <p:cSld>
     <p:spTree>
       <p:nvGrpSpPr>
@@ -10323,6 +10485,11 @@
               </a:rPr>
               <a:t>Copyright © 2021 by Elephant Scale, All Rights Reserved</a:t>
             </a:r>
+            <a:endParaRPr sz="800">
+              <a:solidFill>
+                <a:srgbClr val="000000"/>
+              </a:solidFill>
+            </a:endParaRPr>
           </a:p>
         </p:txBody>
       </p:sp>
@@ -10335,7 +10502,7 @@
 </file>
 
 <file path=ppt/slides/slide53.xml><?xml version="1.0" encoding="utf-8"?>
-<p:sld xmlns:a="http://schemas.openxmlformats.org/drawingml/2006/main" xmlns:p="http://schemas.openxmlformats.org/presentationml/2006/main" xmlns:r="http://schemas.openxmlformats.org/officeDocument/2006/relationships">
+<p:sld xmlns:a="http://schemas.openxmlformats.org/drawingml/2006/main" xmlns:r="http://schemas.openxmlformats.org/officeDocument/2006/relationships" xmlns:p="http://schemas.openxmlformats.org/presentationml/2006/main">
   <p:cSld>
     <p:spTree>
       <p:nvGrpSpPr>
@@ -10425,6 +10592,11 @@
               </a:rPr>
               <a:t>Copyright © 2021 by Elephant Scale, All Rights Reserved</a:t>
             </a:r>
+            <a:endParaRPr sz="800">
+              <a:solidFill>
+                <a:srgbClr val="000000"/>
+              </a:solidFill>
+            </a:endParaRPr>
           </a:p>
         </p:txBody>
       </p:sp>
@@ -10437,7 +10609,7 @@
           <p:nvPr/>
         </p:nvPicPr>
         <p:blipFill>
-          <a:blip r:embed="rId2"/>
+          <a:blip r:embed="rId1"/>
           <a:stretch>
             <a:fillRect/>
           </a:stretch>
@@ -10461,7 +10633,7 @@
 </file>
 
 <file path=ppt/slides/slide54.xml><?xml version="1.0" encoding="utf-8"?>
-<p:sld xmlns:a="http://schemas.openxmlformats.org/drawingml/2006/main" xmlns:p="http://schemas.openxmlformats.org/presentationml/2006/main" xmlns:r="http://schemas.openxmlformats.org/officeDocument/2006/relationships">
+<p:sld xmlns:a="http://schemas.openxmlformats.org/drawingml/2006/main" xmlns:r="http://schemas.openxmlformats.org/officeDocument/2006/relationships" xmlns:p="http://schemas.openxmlformats.org/presentationml/2006/main">
   <p:cSld>
     <p:spTree>
       <p:nvGrpSpPr>
@@ -10563,6 +10735,11 @@
               </a:rPr>
               <a:t>Copyright © 2021 by Elephant Scale, All Rights Reserved</a:t>
             </a:r>
+            <a:endParaRPr sz="800">
+              <a:solidFill>
+                <a:srgbClr val="000000"/>
+              </a:solidFill>
+            </a:endParaRPr>
           </a:p>
         </p:txBody>
       </p:sp>
@@ -10575,7 +10752,7 @@
           <p:nvPr/>
         </p:nvPicPr>
         <p:blipFill>
-          <a:blip r:embed="rId2"/>
+          <a:blip r:embed="rId1"/>
           <a:stretch>
             <a:fillRect/>
           </a:stretch>
@@ -10599,7 +10776,7 @@
 </file>
 
 <file path=ppt/slides/slide55.xml><?xml version="1.0" encoding="utf-8"?>
-<p:sld xmlns:a="http://schemas.openxmlformats.org/drawingml/2006/main" xmlns:p="http://schemas.openxmlformats.org/presentationml/2006/main" xmlns:r="http://schemas.openxmlformats.org/officeDocument/2006/relationships">
+<p:sld xmlns:a="http://schemas.openxmlformats.org/drawingml/2006/main" xmlns:r="http://schemas.openxmlformats.org/officeDocument/2006/relationships" xmlns:p="http://schemas.openxmlformats.org/presentationml/2006/main">
   <p:cSld>
     <p:spTree>
       <p:nvGrpSpPr>
@@ -10715,6 +10892,11 @@
               </a:rPr>
               <a:t>Copyright © 2021 by Elephant Scale, All Rights Reserved</a:t>
             </a:r>
+            <a:endParaRPr sz="800">
+              <a:solidFill>
+                <a:srgbClr val="000000"/>
+              </a:solidFill>
+            </a:endParaRPr>
           </a:p>
         </p:txBody>
       </p:sp>
@@ -10727,7 +10909,7 @@
 </file>
 
 <file path=ppt/slides/slide56.xml><?xml version="1.0" encoding="utf-8"?>
-<p:sld xmlns:a="http://schemas.openxmlformats.org/drawingml/2006/main" xmlns:p="http://schemas.openxmlformats.org/presentationml/2006/main" xmlns:r="http://schemas.openxmlformats.org/officeDocument/2006/relationships">
+<p:sld xmlns:a="http://schemas.openxmlformats.org/drawingml/2006/main" xmlns:r="http://schemas.openxmlformats.org/officeDocument/2006/relationships" xmlns:p="http://schemas.openxmlformats.org/presentationml/2006/main">
   <p:cSld>
     <p:spTree>
       <p:nvGrpSpPr>
@@ -10825,6 +11007,11 @@
               </a:rPr>
               <a:t>Copyright © 2021 by Elephant Scale, All Rights Reserved</a:t>
             </a:r>
+            <a:endParaRPr sz="800">
+              <a:solidFill>
+                <a:srgbClr val="000000"/>
+              </a:solidFill>
+            </a:endParaRPr>
           </a:p>
         </p:txBody>
       </p:sp>
@@ -10837,14 +11024,14 @@
           <p:nvPr/>
         </p:nvPicPr>
         <p:blipFill>
-          <a:blip r:embed="rId2"/>
+          <a:blip r:embed="rId1"/>
           <a:stretch>
             <a:fillRect/>
           </a:stretch>
         </p:blipFill>
         <p:spPr>
           <a:xfrm>
-            <a:off x="704088" y="1792224"/>
+            <a:off x="723773" y="2091944"/>
             <a:ext cx="7507224" cy="3342171"/>
           </a:xfrm>
           <a:prstGeom prst="rect">
@@ -10861,7 +11048,7 @@
 </file>
 
 <file path=ppt/slides/slide57.xml><?xml version="1.0" encoding="utf-8"?>
-<p:sld xmlns:a="http://schemas.openxmlformats.org/drawingml/2006/main" xmlns:p="http://schemas.openxmlformats.org/presentationml/2006/main" xmlns:r="http://schemas.openxmlformats.org/officeDocument/2006/relationships">
+<p:sld xmlns:a="http://schemas.openxmlformats.org/drawingml/2006/main" xmlns:r="http://schemas.openxmlformats.org/officeDocument/2006/relationships" xmlns:p="http://schemas.openxmlformats.org/presentationml/2006/main">
   <p:cSld>
     <p:spTree>
       <p:nvGrpSpPr>
@@ -10971,6 +11158,11 @@
               </a:rPr>
               <a:t>Copyright © 2021 by Elephant Scale, All Rights Reserved</a:t>
             </a:r>
+            <a:endParaRPr sz="800">
+              <a:solidFill>
+                <a:srgbClr val="000000"/>
+              </a:solidFill>
+            </a:endParaRPr>
           </a:p>
         </p:txBody>
       </p:sp>
@@ -10983,15 +11175,15 @@
           <p:nvPr/>
         </p:nvPicPr>
         <p:blipFill>
-          <a:blip r:embed="rId2"/>
+          <a:blip r:embed="rId1"/>
           <a:stretch>
             <a:fillRect/>
           </a:stretch>
         </p:blipFill>
         <p:spPr>
           <a:xfrm>
-            <a:off x="0" y="3986783"/>
-            <a:ext cx="10769600" cy="2654300"/>
+            <a:off x="114300" y="3844290"/>
+            <a:ext cx="9055100" cy="2232025"/>
           </a:xfrm>
           <a:prstGeom prst="rect">
             <a:avLst/>
@@ -11007,7 +11199,7 @@
 </file>
 
 <file path=ppt/slides/slide58.xml><?xml version="1.0" encoding="utf-8"?>
-<p:sld xmlns:a="http://schemas.openxmlformats.org/drawingml/2006/main" xmlns:p="http://schemas.openxmlformats.org/presentationml/2006/main" xmlns:r="http://schemas.openxmlformats.org/officeDocument/2006/relationships">
+<p:sld xmlns:a="http://schemas.openxmlformats.org/drawingml/2006/main" xmlns:r="http://schemas.openxmlformats.org/officeDocument/2006/relationships" xmlns:p="http://schemas.openxmlformats.org/presentationml/2006/main">
   <p:cSld>
     <p:spTree>
       <p:nvGrpSpPr>
@@ -11110,6 +11302,11 @@
               </a:rPr>
               <a:t>Copyright © 2021 by Elephant Scale, All Rights Reserved</a:t>
             </a:r>
+            <a:endParaRPr sz="800">
+              <a:solidFill>
+                <a:srgbClr val="000000"/>
+              </a:solidFill>
+            </a:endParaRPr>
           </a:p>
         </p:txBody>
       </p:sp>
@@ -11122,14 +11319,14 @@
           <p:nvPr/>
         </p:nvPicPr>
         <p:blipFill>
-          <a:blip r:embed="rId2"/>
+          <a:blip r:embed="rId1"/>
           <a:stretch>
             <a:fillRect/>
           </a:stretch>
         </p:blipFill>
         <p:spPr>
           <a:xfrm>
-            <a:off x="0" y="4425696"/>
+            <a:off x="0" y="4987036"/>
             <a:ext cx="6197600" cy="520700"/>
           </a:xfrm>
           <a:prstGeom prst="rect">
@@ -11146,7 +11343,7 @@
           <p:nvPr/>
         </p:nvPicPr>
         <p:blipFill>
-          <a:blip r:embed="rId3"/>
+          <a:blip r:embed="rId2"/>
           <a:stretch>
             <a:fillRect/>
           </a:stretch>
@@ -11170,7 +11367,7 @@
 </file>
 
 <file path=ppt/slides/slide59.xml><?xml version="1.0" encoding="utf-8"?>
-<p:sld xmlns:a="http://schemas.openxmlformats.org/drawingml/2006/main" xmlns:p="http://schemas.openxmlformats.org/presentationml/2006/main" xmlns:r="http://schemas.openxmlformats.org/officeDocument/2006/relationships">
+<p:sld xmlns:a="http://schemas.openxmlformats.org/drawingml/2006/main" xmlns:r="http://schemas.openxmlformats.org/officeDocument/2006/relationships" xmlns:p="http://schemas.openxmlformats.org/presentationml/2006/main">
   <p:cSld>
     <p:spTree>
       <p:nvGrpSpPr>
@@ -11285,6 +11482,11 @@
               </a:rPr>
               <a:t>Copyright © 2021 by Elephant Scale, All Rights Reserved</a:t>
             </a:r>
+            <a:endParaRPr sz="800">
+              <a:solidFill>
+                <a:srgbClr val="000000"/>
+              </a:solidFill>
+            </a:endParaRPr>
           </a:p>
         </p:txBody>
       </p:sp>
@@ -11297,7 +11499,7 @@
 </file>
 
 <file path=ppt/slides/slide6.xml><?xml version="1.0" encoding="utf-8"?>
-<p:sld xmlns:a="http://schemas.openxmlformats.org/drawingml/2006/main" xmlns:p="http://schemas.openxmlformats.org/presentationml/2006/main" xmlns:r="http://schemas.openxmlformats.org/officeDocument/2006/relationships">
+<p:sld xmlns:a="http://schemas.openxmlformats.org/drawingml/2006/main" xmlns:r="http://schemas.openxmlformats.org/officeDocument/2006/relationships" xmlns:p="http://schemas.openxmlformats.org/presentationml/2006/main">
   <p:cSld>
     <p:spTree>
       <p:nvGrpSpPr>
@@ -11383,6 +11585,11 @@
               </a:rPr>
               <a:t>Copyright © 2021 by Elephant Scale, All Rights Reserved</a:t>
             </a:r>
+            <a:endParaRPr sz="800">
+              <a:solidFill>
+                <a:srgbClr val="000000"/>
+              </a:solidFill>
+            </a:endParaRPr>
           </a:p>
         </p:txBody>
       </p:sp>
@@ -11395,7 +11602,7 @@
           <p:nvPr/>
         </p:nvPicPr>
         <p:blipFill>
-          <a:blip r:embed="rId2"/>
+          <a:blip r:embed="rId1"/>
           <a:stretch>
             <a:fillRect/>
           </a:stretch>
@@ -11419,7 +11626,7 @@
 </file>
 
 <file path=ppt/slides/slide60.xml><?xml version="1.0" encoding="utf-8"?>
-<p:sld xmlns:a="http://schemas.openxmlformats.org/drawingml/2006/main" xmlns:p="http://schemas.openxmlformats.org/presentationml/2006/main" xmlns:r="http://schemas.openxmlformats.org/officeDocument/2006/relationships">
+<p:sld xmlns:a="http://schemas.openxmlformats.org/drawingml/2006/main" xmlns:r="http://schemas.openxmlformats.org/officeDocument/2006/relationships" xmlns:p="http://schemas.openxmlformats.org/presentationml/2006/main">
   <p:cSld>
     <p:spTree>
       <p:nvGrpSpPr>
@@ -11532,6 +11739,11 @@
               </a:rPr>
               <a:t>Copyright © 2021 by Elephant Scale, All Rights Reserved</a:t>
             </a:r>
+            <a:endParaRPr sz="800">
+              <a:solidFill>
+                <a:srgbClr val="000000"/>
+              </a:solidFill>
+            </a:endParaRPr>
           </a:p>
         </p:txBody>
       </p:sp>
@@ -11544,7 +11756,7 @@
 </file>
 
 <file path=ppt/slides/slide61.xml><?xml version="1.0" encoding="utf-8"?>
-<p:sld xmlns:a="http://schemas.openxmlformats.org/drawingml/2006/main" xmlns:p="http://schemas.openxmlformats.org/presentationml/2006/main" xmlns:r="http://schemas.openxmlformats.org/officeDocument/2006/relationships">
+<p:sld xmlns:a="http://schemas.openxmlformats.org/drawingml/2006/main" xmlns:r="http://schemas.openxmlformats.org/officeDocument/2006/relationships" xmlns:p="http://schemas.openxmlformats.org/presentationml/2006/main">
   <p:cSld>
     <p:spTree>
       <p:nvGrpSpPr>
@@ -11660,6 +11872,11 @@
               </a:rPr>
               <a:t>Copyright © 2021 by Elephant Scale, All Rights Reserved</a:t>
             </a:r>
+            <a:endParaRPr sz="800">
+              <a:solidFill>
+                <a:srgbClr val="000000"/>
+              </a:solidFill>
+            </a:endParaRPr>
           </a:p>
         </p:txBody>
       </p:sp>
@@ -11672,14 +11889,14 @@
           <p:nvPr/>
         </p:nvPicPr>
         <p:blipFill>
-          <a:blip r:embed="rId2"/>
+          <a:blip r:embed="rId1"/>
           <a:stretch>
             <a:fillRect/>
           </a:stretch>
         </p:blipFill>
         <p:spPr>
           <a:xfrm>
-            <a:off x="0" y="5303520"/>
+            <a:off x="38100" y="5673090"/>
             <a:ext cx="8915400" cy="368479"/>
           </a:xfrm>
           <a:prstGeom prst="rect">
@@ -11696,7 +11913,7 @@
           <p:nvPr/>
         </p:nvPicPr>
         <p:blipFill>
-          <a:blip r:embed="rId3"/>
+          <a:blip r:embed="rId2"/>
           <a:stretch>
             <a:fillRect/>
           </a:stretch>
@@ -11720,7 +11937,7 @@
 </file>
 
 <file path=ppt/slides/slide62.xml><?xml version="1.0" encoding="utf-8"?>
-<p:sld xmlns:a="http://schemas.openxmlformats.org/drawingml/2006/main" xmlns:p="http://schemas.openxmlformats.org/presentationml/2006/main" xmlns:r="http://schemas.openxmlformats.org/officeDocument/2006/relationships">
+<p:sld xmlns:a="http://schemas.openxmlformats.org/drawingml/2006/main" xmlns:r="http://schemas.openxmlformats.org/officeDocument/2006/relationships" xmlns:p="http://schemas.openxmlformats.org/presentationml/2006/main">
   <p:cSld>
     <p:spTree>
       <p:nvGrpSpPr>
@@ -11824,6 +12041,11 @@
               </a:rPr>
               <a:t>Copyright © 2021 by Elephant Scale, All Rights Reserved</a:t>
             </a:r>
+            <a:endParaRPr sz="800">
+              <a:solidFill>
+                <a:srgbClr val="000000"/>
+              </a:solidFill>
+            </a:endParaRPr>
           </a:p>
         </p:txBody>
       </p:sp>
@@ -11836,7 +12058,7 @@
           <p:nvPr/>
         </p:nvPicPr>
         <p:blipFill>
-          <a:blip r:embed="rId2"/>
+          <a:blip r:embed="rId1"/>
           <a:stretch>
             <a:fillRect/>
           </a:stretch>
@@ -11860,7 +12082,7 @@
 </file>
 
 <file path=ppt/slides/slide63.xml><?xml version="1.0" encoding="utf-8"?>
-<p:sld xmlns:a="http://schemas.openxmlformats.org/drawingml/2006/main" xmlns:p="http://schemas.openxmlformats.org/presentationml/2006/main" xmlns:r="http://schemas.openxmlformats.org/officeDocument/2006/relationships">
+<p:sld xmlns:a="http://schemas.openxmlformats.org/drawingml/2006/main" xmlns:r="http://schemas.openxmlformats.org/officeDocument/2006/relationships" xmlns:p="http://schemas.openxmlformats.org/presentationml/2006/main">
   <p:cSld>
     <p:spTree>
       <p:nvGrpSpPr>
@@ -11954,6 +12176,11 @@
               </a:rPr>
               <a:t>Copyright © 2021 by Elephant Scale, All Rights Reserved</a:t>
             </a:r>
+            <a:endParaRPr sz="800">
+              <a:solidFill>
+                <a:srgbClr val="000000"/>
+              </a:solidFill>
+            </a:endParaRPr>
           </a:p>
         </p:txBody>
       </p:sp>
@@ -11966,14 +12193,14 @@
           <p:nvPr/>
         </p:nvPicPr>
         <p:blipFill>
-          <a:blip r:embed="rId2"/>
+          <a:blip r:embed="rId1"/>
           <a:stretch>
             <a:fillRect/>
           </a:stretch>
         </p:blipFill>
         <p:spPr>
           <a:xfrm>
-            <a:off x="704088" y="1353312"/>
+            <a:off x="647573" y="1787017"/>
             <a:ext cx="7507224" cy="3778846"/>
           </a:xfrm>
           <a:prstGeom prst="rect">
@@ -11990,7 +12217,7 @@
 </file>
 
 <file path=ppt/slides/slide7.xml><?xml version="1.0" encoding="utf-8"?>
-<p:sld xmlns:a="http://schemas.openxmlformats.org/drawingml/2006/main" xmlns:p="http://schemas.openxmlformats.org/presentationml/2006/main" xmlns:r="http://schemas.openxmlformats.org/officeDocument/2006/relationships">
+<p:sld xmlns:a="http://schemas.openxmlformats.org/drawingml/2006/main" xmlns:r="http://schemas.openxmlformats.org/officeDocument/2006/relationships" xmlns:p="http://schemas.openxmlformats.org/presentationml/2006/main">
   <p:cSld>
     <p:spTree>
       <p:nvGrpSpPr>
@@ -12070,6 +12297,7 @@
               <a:rPr i="1"/>
               <a:t> OMG!!!, can you believe what this guy wrote!!! (link to payload comment)</a:t>
             </a:r>
+            <a:endParaRPr i="1"/>
           </a:p>
         </p:txBody>
       </p:sp>
@@ -12103,6 +12331,11 @@
               </a:rPr>
               <a:t>Copyright © 2021 by Elephant Scale, All Rights Reserved</a:t>
             </a:r>
+            <a:endParaRPr sz="800">
+              <a:solidFill>
+                <a:srgbClr val="000000"/>
+              </a:solidFill>
+            </a:endParaRPr>
           </a:p>
         </p:txBody>
       </p:sp>
@@ -12115,15 +12348,15 @@
           <p:nvPr/>
         </p:nvPicPr>
         <p:blipFill>
-          <a:blip r:embed="rId2"/>
+          <a:blip r:embed="rId1"/>
           <a:stretch>
             <a:fillRect/>
           </a:stretch>
         </p:blipFill>
         <p:spPr>
           <a:xfrm>
-            <a:off x="0" y="2670048"/>
-            <a:ext cx="10160000" cy="787400"/>
+            <a:off x="38100" y="2396490"/>
+            <a:ext cx="9189085" cy="712470"/>
           </a:xfrm>
           <a:prstGeom prst="rect">
             <a:avLst/>
@@ -12139,7 +12372,7 @@
 </file>
 
 <file path=ppt/slides/slide8.xml><?xml version="1.0" encoding="utf-8"?>
-<p:sld xmlns:a="http://schemas.openxmlformats.org/drawingml/2006/main" xmlns:p="http://schemas.openxmlformats.org/presentationml/2006/main" xmlns:r="http://schemas.openxmlformats.org/officeDocument/2006/relationships">
+<p:sld xmlns:a="http://schemas.openxmlformats.org/drawingml/2006/main" xmlns:r="http://schemas.openxmlformats.org/officeDocument/2006/relationships" xmlns:p="http://schemas.openxmlformats.org/presentationml/2006/main">
   <p:cSld>
     <p:spTree>
       <p:nvGrpSpPr>
@@ -12242,6 +12475,11 @@
               </a:rPr>
               <a:t>Copyright © 2021 by Elephant Scale, All Rights Reserved</a:t>
             </a:r>
+            <a:endParaRPr sz="800">
+              <a:solidFill>
+                <a:srgbClr val="000000"/>
+              </a:solidFill>
+            </a:endParaRPr>
           </a:p>
         </p:txBody>
       </p:sp>
@@ -12254,7 +12492,7 @@
           <p:nvPr/>
         </p:nvPicPr>
         <p:blipFill>
-          <a:blip r:embed="rId2"/>
+          <a:blip r:embed="rId1"/>
           <a:stretch>
             <a:fillRect/>
           </a:stretch>
@@ -12278,7 +12516,7 @@
 </file>
 
 <file path=ppt/slides/slide9.xml><?xml version="1.0" encoding="utf-8"?>
-<p:sld xmlns:a="http://schemas.openxmlformats.org/drawingml/2006/main" xmlns:p="http://schemas.openxmlformats.org/presentationml/2006/main" xmlns:r="http://schemas.openxmlformats.org/officeDocument/2006/relationships">
+<p:sld xmlns:a="http://schemas.openxmlformats.org/drawingml/2006/main" xmlns:r="http://schemas.openxmlformats.org/officeDocument/2006/relationships" xmlns:p="http://schemas.openxmlformats.org/presentationml/2006/main">
   <p:cSld>
     <p:spTree>
       <p:nvGrpSpPr>
@@ -12384,6 +12622,11 @@
               </a:rPr>
               <a:t>Copyright © 2021 by Elephant Scale, All Rights Reserved</a:t>
             </a:r>
+            <a:endParaRPr sz="800">
+              <a:solidFill>
+                <a:srgbClr val="000000"/>
+              </a:solidFill>
+            </a:endParaRPr>
           </a:p>
         </p:txBody>
       </p:sp>
@@ -12638,13 +12881,8 @@
           <a:headEnd type="none" w="med" len="med"/>
           <a:tailEnd type="none" w="med" len="med"/>
         </a:ln>
-        <a:effectLst/>
       </a:spPr>
-      <a:bodyPr vert="horz" wrap="square" lIns="91440" tIns="45720" rIns="91440" bIns="45720" numCol="1" anchor="t" anchorCtr="0" compatLnSpc="1">
-        <a:prstTxWarp prst="textNoShape">
-          <a:avLst/>
-        </a:prstTxWarp>
-      </a:bodyPr>
+      <a:bodyPr vert="horz" wrap="square" lIns="91440" tIns="45720" rIns="91440" bIns="45720" numCol="1" anchor="t" anchorCtr="0" compatLnSpc="1"/>
       <a:lstStyle>
         <a:defPPr marL="0" marR="0" indent="0" algn="ctr" defTabSz="914400" rtl="0" eaLnBrk="1" fontAlgn="base" latinLnBrk="0" hangingPunct="1">
           <a:lnSpc>
@@ -12660,7 +12898,6 @@
           <a:buSzTx/>
           <a:buFontTx/>
           <a:buNone/>
-          <a:tabLst/>
           <a:defRPr kumimoji="0" lang="en-US" sz="1000" b="0" i="0" u="none" strike="noStrike" cap="none" normalizeH="0" baseline="0">
             <a:ln>
               <a:noFill/>
@@ -12669,7 +12906,7 @@
               <a:schemeClr val="tx1"/>
             </a:solidFill>
             <a:effectLst/>
-            <a:latin typeface="Garamond" pitchFamily="-110" charset="0"/>
+            <a:latin typeface="Garamond" pitchFamily="18" charset="0"/>
           </a:defRPr>
         </a:defPPr>
       </a:lstStyle>
@@ -12700,13 +12937,8 @@
           <a:headEnd type="none" w="med" len="med"/>
           <a:tailEnd type="none" w="med" len="med"/>
         </a:ln>
-        <a:effectLst/>
       </a:spPr>
-      <a:bodyPr vert="horz" wrap="square" lIns="91440" tIns="45720" rIns="91440" bIns="45720" numCol="1" anchor="t" anchorCtr="0" compatLnSpc="1">
-        <a:prstTxWarp prst="textNoShape">
-          <a:avLst/>
-        </a:prstTxWarp>
-      </a:bodyPr>
+      <a:bodyPr vert="horz" wrap="square" lIns="91440" tIns="45720" rIns="91440" bIns="45720" numCol="1" anchor="t" anchorCtr="0" compatLnSpc="1"/>
       <a:lstStyle>
         <a:defPPr marL="0" marR="0" indent="0" algn="ctr" defTabSz="914400" rtl="0" eaLnBrk="1" fontAlgn="base" latinLnBrk="0" hangingPunct="1">
           <a:lnSpc>
@@ -12722,7 +12954,6 @@
           <a:buSzTx/>
           <a:buFontTx/>
           <a:buNone/>
-          <a:tabLst/>
           <a:defRPr kumimoji="0" lang="en-US" sz="1000" b="0" i="0" u="none" strike="noStrike" cap="none" normalizeH="0" baseline="0">
             <a:ln>
               <a:noFill/>
@@ -12731,7 +12962,7 @@
               <a:schemeClr val="tx1"/>
             </a:solidFill>
             <a:effectLst/>
-            <a:latin typeface="Garamond" pitchFamily="-110" charset="0"/>
+            <a:latin typeface="Garamond" pitchFamily="18" charset="0"/>
           </a:defRPr>
         </a:defPPr>
       </a:lstStyle>
@@ -13026,6 +13257,11 @@
       <a:clrMap bg1="dk2" tx1="lt1" bg2="dk1" tx2="lt2" accent1="accent1" accent2="accent2" accent3="accent3" accent4="accent4" accent5="accent5" accent6="accent6" hlink="hlink" folHlink="folHlink"/>
     </a:extraClrScheme>
   </a:extraClrSchemeLst>
+  <a:extLst>
+    <a:ext uri="{05A4C25C-085E-4340-85A3-A5531E510DB2}">
+      <thm15:themeFamily xmlns:thm15="http://schemas.microsoft.com/office/thememl/2012/main" name="Office Theme" id="{62F939B6-93AF-4DB8-9C6B-D6C7DFDC589F}" vid="{4A3C46E8-61CC-4603-A589-7422A47A8E4A}"/>
+    </a:ext>
+  </a:extLst>
 </a:theme>
 </file>
 
@@ -13343,7 +13579,11 @@
       </a:style>
     </a:lnDef>
   </a:objectDefaults>
-  <a:extraClrSchemeLst/>
+  <a:extLst>
+    <a:ext uri="{05A4C25C-085E-4340-85A3-A5531E510DB2}">
+      <thm15:themeFamily xmlns:thm15="http://schemas.microsoft.com/office/thememl/2012/main" name="Office Theme" id="{62F939B6-93AF-4DB8-9C6B-D6C7DFDC589F}" vid="{4A3C46E8-61CC-4603-A589-7422A47A8E4A}"/>
+    </a:ext>
+  </a:extLst>
 </a:theme>
 </file>
 
@@ -13661,6 +13901,10 @@
       </a:style>
     </a:lnDef>
   </a:objectDefaults>
-  <a:extraClrSchemeLst/>
+  <a:extLst>
+    <a:ext uri="{05A4C25C-085E-4340-85A3-A5531E510DB2}">
+      <thm15:themeFamily xmlns:thm15="http://schemas.microsoft.com/office/thememl/2012/main" name="Office Theme" id="{62F939B6-93AF-4DB8-9C6B-D6C7DFDC589F}" vid="{4A3C46E8-61CC-4603-A589-7422A47A8E4A}"/>
+    </a:ext>
+  </a:extLst>
 </a:theme>
 </file>